--- a/hawking-toolbar/docs/HawkingFinalPresentation.pptx
+++ b/hawking-toolbar/docs/HawkingFinalPresentation.pptx
@@ -2,8 +2,18 @@
 <file path=ppt/presentation.xml><?xml version="1.0" encoding="utf-8"?>
 <p:presentation xmlns:a="http://schemas.openxmlformats.org/drawingml/2006/main" xmlns:r="http://schemas.openxmlformats.org/officeDocument/2006/relationships" xmlns:p="http://schemas.openxmlformats.org/presentationml/2006/main" saveSubsetFonts="1">
   <p:sldMasterIdLst>
-    <p:sldMasterId id="2147483648" r:id="rId1"/>
+    <p:sldMasterId id="2147483660" r:id="rId1"/>
   </p:sldMasterIdLst>
+  <p:notesMasterIdLst>
+    <p:notesMasterId r:id="rId7"/>
+  </p:notesMasterIdLst>
+  <p:sldIdLst>
+    <p:sldId id="257" r:id="rId2"/>
+    <p:sldId id="259" r:id="rId3"/>
+    <p:sldId id="260" r:id="rId4"/>
+    <p:sldId id="261" r:id="rId5"/>
+    <p:sldId id="262" r:id="rId6"/>
+  </p:sldIdLst>
   <p:sldSz cx="9144000" cy="6858000" type="screen4x3"/>
   <p:notesSz cx="6858000" cy="9144000"/>
   <p:defaultTextStyle>
@@ -104,9 +114,14 @@
 </p:presentation>
 </file>
 
-<file path=ppt/slideLayouts/slideLayout1.xml><?xml version="1.0" encoding="utf-8"?>
-<p:sldLayout xmlns:a="http://schemas.openxmlformats.org/drawingml/2006/main" xmlns:r="http://schemas.openxmlformats.org/officeDocument/2006/relationships" xmlns:p="http://schemas.openxmlformats.org/presentationml/2006/main" type="title" preserve="1">
-  <p:cSld name="Title Slide">
+<file path=ppt/notesMasters/notesMaster1.xml><?xml version="1.0" encoding="utf-8"?>
+<p:notesMaster xmlns:a="http://schemas.openxmlformats.org/drawingml/2006/main" xmlns:r="http://schemas.openxmlformats.org/officeDocument/2006/relationships" xmlns:p="http://schemas.openxmlformats.org/presentationml/2006/main">
+  <p:cSld>
+    <p:bg>
+      <p:bgRef idx="1001">
+        <a:schemeClr val="bg1"/>
+      </p:bgRef>
+    </p:bg>
     <p:spTree>
       <p:nvGrpSpPr>
         <p:cNvPr id="1" name=""/>
@@ -123,35 +138,1034 @@
       </p:grpSpPr>
       <p:sp>
         <p:nvSpPr>
-          <p:cNvPr id="2" name="Title 1"/>
-          <p:cNvSpPr>
-            <a:spLocks noGrp="1"/>
-          </p:cNvSpPr>
-          <p:nvPr>
-            <p:ph type="ctrTitle"/>
+          <p:cNvPr id="2" name="Header Placeholder 1"/>
+          <p:cNvSpPr>
+            <a:spLocks noGrp="1"/>
+          </p:cNvSpPr>
+          <p:nvPr>
+            <p:ph type="hdr" sz="quarter"/>
           </p:nvPr>
         </p:nvSpPr>
         <p:spPr>
           <a:xfrm>
-            <a:off x="685800" y="2130425"/>
-            <a:ext cx="7772400" cy="1470025"/>
+            <a:off x="0" y="0"/>
+            <a:ext cx="2971800" cy="457200"/>
+          </a:xfrm>
+          <a:prstGeom prst="rect">
+            <a:avLst/>
+          </a:prstGeom>
+        </p:spPr>
+        <p:txBody>
+          <a:bodyPr vert="horz" lIns="91440" tIns="45720" rIns="91440" bIns="45720" rtlCol="0"/>
+          <a:lstStyle>
+            <a:lvl1pPr algn="l">
+              <a:defRPr sz="1200"/>
+            </a:lvl1pPr>
+          </a:lstStyle>
+          <a:p>
+            <a:endParaRPr lang="en-US"/>
+          </a:p>
+        </p:txBody>
+      </p:sp>
+      <p:sp>
+        <p:nvSpPr>
+          <p:cNvPr id="3" name="Date Placeholder 2"/>
+          <p:cNvSpPr>
+            <a:spLocks noGrp="1"/>
+          </p:cNvSpPr>
+          <p:nvPr>
+            <p:ph type="dt" idx="1"/>
+          </p:nvPr>
+        </p:nvSpPr>
+        <p:spPr>
+          <a:xfrm>
+            <a:off x="3884613" y="0"/>
+            <a:ext cx="2971800" cy="457200"/>
+          </a:xfrm>
+          <a:prstGeom prst="rect">
+            <a:avLst/>
+          </a:prstGeom>
+        </p:spPr>
+        <p:txBody>
+          <a:bodyPr vert="horz" lIns="91440" tIns="45720" rIns="91440" bIns="45720" rtlCol="0"/>
+          <a:lstStyle>
+            <a:lvl1pPr algn="r">
+              <a:defRPr sz="1200"/>
+            </a:lvl1pPr>
+          </a:lstStyle>
+          <a:p>
+            <a:fld id="{31A79A47-AF2B-4C7F-8FB0-8C7665D2529D}" type="datetimeFigureOut">
+              <a:rPr lang="en-US" smtClean="0"/>
+              <a:t>5/3/2007</a:t>
+            </a:fld>
+            <a:endParaRPr lang="en-US"/>
+          </a:p>
+        </p:txBody>
+      </p:sp>
+      <p:sp>
+        <p:nvSpPr>
+          <p:cNvPr id="4" name="Slide Image Placeholder 3"/>
+          <p:cNvSpPr>
+            <a:spLocks noGrp="1" noRot="1" noChangeAspect="1"/>
+          </p:cNvSpPr>
+          <p:nvPr>
+            <p:ph type="sldImg" idx="2"/>
+          </p:nvPr>
+        </p:nvSpPr>
+        <p:spPr>
+          <a:xfrm>
+            <a:off x="1143000" y="685800"/>
+            <a:ext cx="4572000" cy="3429000"/>
+          </a:xfrm>
+          <a:prstGeom prst="rect">
+            <a:avLst/>
+          </a:prstGeom>
+          <a:noFill/>
+          <a:ln w="12700">
+            <a:solidFill>
+              <a:prstClr val="black"/>
+            </a:solidFill>
+          </a:ln>
+        </p:spPr>
+        <p:txBody>
+          <a:bodyPr vert="horz" lIns="91440" tIns="45720" rIns="91440" bIns="45720" rtlCol="0" anchor="ctr"/>
+          <a:lstStyle/>
+          <a:p>
+            <a:endParaRPr lang="en-US"/>
+          </a:p>
+        </p:txBody>
+      </p:sp>
+      <p:sp>
+        <p:nvSpPr>
+          <p:cNvPr id="5" name="Notes Placeholder 4"/>
+          <p:cNvSpPr>
+            <a:spLocks noGrp="1"/>
+          </p:cNvSpPr>
+          <p:nvPr>
+            <p:ph type="body" sz="quarter" idx="3"/>
+          </p:nvPr>
+        </p:nvSpPr>
+        <p:spPr>
+          <a:xfrm>
+            <a:off x="685800" y="4343400"/>
+            <a:ext cx="5486400" cy="4114800"/>
+          </a:xfrm>
+          <a:prstGeom prst="rect">
+            <a:avLst/>
+          </a:prstGeom>
+        </p:spPr>
+        <p:txBody>
+          <a:bodyPr vert="horz" lIns="91440" tIns="45720" rIns="91440" bIns="45720" rtlCol="0">
+            <a:normAutofit/>
+          </a:bodyPr>
+          <a:lstStyle/>
+          <a:p>
+            <a:pPr lvl="0"/>
+            <a:r>
+              <a:rPr lang="en-US" smtClean="0"/>
+              <a:t>Click to edit Master text styles</a:t>
+            </a:r>
+          </a:p>
+          <a:p>
+            <a:pPr lvl="1"/>
+            <a:r>
+              <a:rPr lang="en-US" smtClean="0"/>
+              <a:t>Second level</a:t>
+            </a:r>
+          </a:p>
+          <a:p>
+            <a:pPr lvl="2"/>
+            <a:r>
+              <a:rPr lang="en-US" smtClean="0"/>
+              <a:t>Third level</a:t>
+            </a:r>
+          </a:p>
+          <a:p>
+            <a:pPr lvl="3"/>
+            <a:r>
+              <a:rPr lang="en-US" smtClean="0"/>
+              <a:t>Fourth level</a:t>
+            </a:r>
+          </a:p>
+          <a:p>
+            <a:pPr lvl="4"/>
+            <a:r>
+              <a:rPr lang="en-US" smtClean="0"/>
+              <a:t>Fifth level</a:t>
+            </a:r>
+            <a:endParaRPr lang="en-US"/>
+          </a:p>
+        </p:txBody>
+      </p:sp>
+      <p:sp>
+        <p:nvSpPr>
+          <p:cNvPr id="6" name="Footer Placeholder 5"/>
+          <p:cNvSpPr>
+            <a:spLocks noGrp="1"/>
+          </p:cNvSpPr>
+          <p:nvPr>
+            <p:ph type="ftr" sz="quarter" idx="4"/>
+          </p:nvPr>
+        </p:nvSpPr>
+        <p:spPr>
+          <a:xfrm>
+            <a:off x="0" y="8685213"/>
+            <a:ext cx="2971800" cy="457200"/>
+          </a:xfrm>
+          <a:prstGeom prst="rect">
+            <a:avLst/>
+          </a:prstGeom>
+        </p:spPr>
+        <p:txBody>
+          <a:bodyPr vert="horz" lIns="91440" tIns="45720" rIns="91440" bIns="45720" rtlCol="0" anchor="b"/>
+          <a:lstStyle>
+            <a:lvl1pPr algn="l">
+              <a:defRPr sz="1200"/>
+            </a:lvl1pPr>
+          </a:lstStyle>
+          <a:p>
+            <a:endParaRPr lang="en-US"/>
+          </a:p>
+        </p:txBody>
+      </p:sp>
+      <p:sp>
+        <p:nvSpPr>
+          <p:cNvPr id="7" name="Slide Number Placeholder 6"/>
+          <p:cNvSpPr>
+            <a:spLocks noGrp="1"/>
+          </p:cNvSpPr>
+          <p:nvPr>
+            <p:ph type="sldNum" sz="quarter" idx="5"/>
+          </p:nvPr>
+        </p:nvSpPr>
+        <p:spPr>
+          <a:xfrm>
+            <a:off x="3884613" y="8685213"/>
+            <a:ext cx="2971800" cy="457200"/>
+          </a:xfrm>
+          <a:prstGeom prst="rect">
+            <a:avLst/>
+          </a:prstGeom>
+        </p:spPr>
+        <p:txBody>
+          <a:bodyPr vert="horz" lIns="91440" tIns="45720" rIns="91440" bIns="45720" rtlCol="0" anchor="b"/>
+          <a:lstStyle>
+            <a:lvl1pPr algn="r">
+              <a:defRPr sz="1200"/>
+            </a:lvl1pPr>
+          </a:lstStyle>
+          <a:p>
+            <a:fld id="{1FBAFBD1-9FEF-48A2-92BA-4705BADA4FD9}" type="slidenum">
+              <a:rPr lang="en-US" smtClean="0"/>
+              <a:t>‹#›</a:t>
+            </a:fld>
+            <a:endParaRPr lang="en-US"/>
+          </a:p>
+        </p:txBody>
+      </p:sp>
+    </p:spTree>
+  </p:cSld>
+  <p:clrMap bg1="lt1" tx1="dk1" bg2="lt2" tx2="dk2" accent1="accent1" accent2="accent2" accent3="accent3" accent4="accent4" accent5="accent5" accent6="accent6" hlink="hlink" folHlink="folHlink"/>
+  <p:notesStyle>
+    <a:lvl1pPr marL="0" algn="l" defTabSz="914400" rtl="0" eaLnBrk="1" latinLnBrk="0" hangingPunct="1">
+      <a:defRPr sz="1200" kern="1200">
+        <a:solidFill>
+          <a:schemeClr val="tx1"/>
+        </a:solidFill>
+        <a:latin typeface="+mn-lt"/>
+        <a:ea typeface="+mn-ea"/>
+        <a:cs typeface="+mn-cs"/>
+      </a:defRPr>
+    </a:lvl1pPr>
+    <a:lvl2pPr marL="457200" algn="l" defTabSz="914400" rtl="0" eaLnBrk="1" latinLnBrk="0" hangingPunct="1">
+      <a:defRPr sz="1200" kern="1200">
+        <a:solidFill>
+          <a:schemeClr val="tx1"/>
+        </a:solidFill>
+        <a:latin typeface="+mn-lt"/>
+        <a:ea typeface="+mn-ea"/>
+        <a:cs typeface="+mn-cs"/>
+      </a:defRPr>
+    </a:lvl2pPr>
+    <a:lvl3pPr marL="914400" algn="l" defTabSz="914400" rtl="0" eaLnBrk="1" latinLnBrk="0" hangingPunct="1">
+      <a:defRPr sz="1200" kern="1200">
+        <a:solidFill>
+          <a:schemeClr val="tx1"/>
+        </a:solidFill>
+        <a:latin typeface="+mn-lt"/>
+        <a:ea typeface="+mn-ea"/>
+        <a:cs typeface="+mn-cs"/>
+      </a:defRPr>
+    </a:lvl3pPr>
+    <a:lvl4pPr marL="1371600" algn="l" defTabSz="914400" rtl="0" eaLnBrk="1" latinLnBrk="0" hangingPunct="1">
+      <a:defRPr sz="1200" kern="1200">
+        <a:solidFill>
+          <a:schemeClr val="tx1"/>
+        </a:solidFill>
+        <a:latin typeface="+mn-lt"/>
+        <a:ea typeface="+mn-ea"/>
+        <a:cs typeface="+mn-cs"/>
+      </a:defRPr>
+    </a:lvl4pPr>
+    <a:lvl5pPr marL="1828800" algn="l" defTabSz="914400" rtl="0" eaLnBrk="1" latinLnBrk="0" hangingPunct="1">
+      <a:defRPr sz="1200" kern="1200">
+        <a:solidFill>
+          <a:schemeClr val="tx1"/>
+        </a:solidFill>
+        <a:latin typeface="+mn-lt"/>
+        <a:ea typeface="+mn-ea"/>
+        <a:cs typeface="+mn-cs"/>
+      </a:defRPr>
+    </a:lvl5pPr>
+    <a:lvl6pPr marL="2286000" algn="l" defTabSz="914400" rtl="0" eaLnBrk="1" latinLnBrk="0" hangingPunct="1">
+      <a:defRPr sz="1200" kern="1200">
+        <a:solidFill>
+          <a:schemeClr val="tx1"/>
+        </a:solidFill>
+        <a:latin typeface="+mn-lt"/>
+        <a:ea typeface="+mn-ea"/>
+        <a:cs typeface="+mn-cs"/>
+      </a:defRPr>
+    </a:lvl6pPr>
+    <a:lvl7pPr marL="2743200" algn="l" defTabSz="914400" rtl="0" eaLnBrk="1" latinLnBrk="0" hangingPunct="1">
+      <a:defRPr sz="1200" kern="1200">
+        <a:solidFill>
+          <a:schemeClr val="tx1"/>
+        </a:solidFill>
+        <a:latin typeface="+mn-lt"/>
+        <a:ea typeface="+mn-ea"/>
+        <a:cs typeface="+mn-cs"/>
+      </a:defRPr>
+    </a:lvl7pPr>
+    <a:lvl8pPr marL="3200400" algn="l" defTabSz="914400" rtl="0" eaLnBrk="1" latinLnBrk="0" hangingPunct="1">
+      <a:defRPr sz="1200" kern="1200">
+        <a:solidFill>
+          <a:schemeClr val="tx1"/>
+        </a:solidFill>
+        <a:latin typeface="+mn-lt"/>
+        <a:ea typeface="+mn-ea"/>
+        <a:cs typeface="+mn-cs"/>
+      </a:defRPr>
+    </a:lvl8pPr>
+    <a:lvl9pPr marL="3657600" algn="l" defTabSz="914400" rtl="0" eaLnBrk="1" latinLnBrk="0" hangingPunct="1">
+      <a:defRPr sz="1200" kern="1200">
+        <a:solidFill>
+          <a:schemeClr val="tx1"/>
+        </a:solidFill>
+        <a:latin typeface="+mn-lt"/>
+        <a:ea typeface="+mn-ea"/>
+        <a:cs typeface="+mn-cs"/>
+      </a:defRPr>
+    </a:lvl9pPr>
+  </p:notesStyle>
+</p:notesMaster>
+</file>
+
+<file path=ppt/notesSlides/notesSlide1.xml><?xml version="1.0" encoding="utf-8"?>
+<p:notes xmlns:a="http://schemas.openxmlformats.org/drawingml/2006/main" xmlns:r="http://schemas.openxmlformats.org/officeDocument/2006/relationships" xmlns:p="http://schemas.openxmlformats.org/presentationml/2006/main">
+  <p:cSld>
+    <p:spTree>
+      <p:nvGrpSpPr>
+        <p:cNvPr id="1" name=""/>
+        <p:cNvGrpSpPr/>
+        <p:nvPr/>
+      </p:nvGrpSpPr>
+      <p:grpSpPr>
+        <a:xfrm>
+          <a:off x="0" y="0"/>
+          <a:ext cx="0" cy="0"/>
+          <a:chOff x="0" y="0"/>
+          <a:chExt cx="0" cy="0"/>
+        </a:xfrm>
+      </p:grpSpPr>
+      <p:sp>
+        <p:nvSpPr>
+          <p:cNvPr id="2" name="Slide Image Placeholder 1"/>
+          <p:cNvSpPr>
+            <a:spLocks noGrp="1" noRot="1" noChangeAspect="1"/>
+          </p:cNvSpPr>
+          <p:nvPr>
+            <p:ph type="sldImg"/>
+          </p:nvPr>
+        </p:nvSpPr>
+        <p:spPr/>
+      </p:sp>
+      <p:sp>
+        <p:nvSpPr>
+          <p:cNvPr id="3" name="Notes Placeholder 2"/>
+          <p:cNvSpPr>
+            <a:spLocks noGrp="1"/>
+          </p:cNvSpPr>
+          <p:nvPr>
+            <p:ph type="body" idx="1"/>
+          </p:nvPr>
+        </p:nvSpPr>
+        <p:spPr/>
+        <p:txBody>
+          <a:bodyPr>
+            <a:normAutofit/>
+          </a:bodyPr>
+          <a:lstStyle/>
+          <a:p>
+            <a:r>
+              <a:rPr lang="en-US" baseline="0" dirty="0" smtClean="0"/>
+              <a:t>***Mention Client (Literacy Center, their website)</a:t>
+            </a:r>
+          </a:p>
+          <a:p>
+            <a:r>
+              <a:rPr lang="en-US" baseline="0" dirty="0" smtClean="0"/>
+              <a:t>***Named after Stephen Hawking (why)</a:t>
+            </a:r>
+          </a:p>
+          <a:p>
+            <a:endParaRPr lang="en-US" baseline="0" dirty="0" smtClean="0"/>
+          </a:p>
+        </p:txBody>
+      </p:sp>
+      <p:sp>
+        <p:nvSpPr>
+          <p:cNvPr id="4" name="Slide Number Placeholder 3"/>
+          <p:cNvSpPr>
+            <a:spLocks noGrp="1"/>
+          </p:cNvSpPr>
+          <p:nvPr>
+            <p:ph type="sldNum" sz="quarter" idx="10"/>
+          </p:nvPr>
+        </p:nvSpPr>
+        <p:spPr/>
+        <p:txBody>
+          <a:bodyPr/>
+          <a:lstStyle/>
+          <a:p>
+            <a:fld id="{6A5519B4-A123-40E2-BC43-75FC166965BD}" type="slidenum">
+              <a:rPr lang="en-US" smtClean="0"/>
+              <a:pPr/>
+              <a:t>2</a:t>
+            </a:fld>
+            <a:endParaRPr lang="en-US"/>
+          </a:p>
+        </p:txBody>
+      </p:sp>
+    </p:spTree>
+  </p:cSld>
+  <p:clrMapOvr>
+    <a:masterClrMapping/>
+  </p:clrMapOvr>
+</p:notes>
+</file>
+
+<file path=ppt/notesSlides/notesSlide2.xml><?xml version="1.0" encoding="utf-8"?>
+<p:notes xmlns:a="http://schemas.openxmlformats.org/drawingml/2006/main" xmlns:r="http://schemas.openxmlformats.org/officeDocument/2006/relationships" xmlns:p="http://schemas.openxmlformats.org/presentationml/2006/main">
+  <p:cSld>
+    <p:spTree>
+      <p:nvGrpSpPr>
+        <p:cNvPr id="1" name=""/>
+        <p:cNvGrpSpPr/>
+        <p:nvPr/>
+      </p:nvGrpSpPr>
+      <p:grpSpPr>
+        <a:xfrm>
+          <a:off x="0" y="0"/>
+          <a:ext cx="0" cy="0"/>
+          <a:chOff x="0" y="0"/>
+          <a:chExt cx="0" cy="0"/>
+        </a:xfrm>
+      </p:grpSpPr>
+      <p:sp>
+        <p:nvSpPr>
+          <p:cNvPr id="2" name="Slide Image Placeholder 1"/>
+          <p:cNvSpPr>
+            <a:spLocks noGrp="1" noRot="1" noChangeAspect="1"/>
+          </p:cNvSpPr>
+          <p:nvPr>
+            <p:ph type="sldImg"/>
+          </p:nvPr>
+        </p:nvSpPr>
+        <p:spPr/>
+      </p:sp>
+      <p:sp>
+        <p:nvSpPr>
+          <p:cNvPr id="3" name="Notes Placeholder 2"/>
+          <p:cNvSpPr>
+            <a:spLocks noGrp="1"/>
+          </p:cNvSpPr>
+          <p:nvPr>
+            <p:ph type="body" idx="1"/>
+          </p:nvPr>
+        </p:nvSpPr>
+        <p:spPr/>
+        <p:txBody>
+          <a:bodyPr>
+            <a:normAutofit/>
+          </a:bodyPr>
+          <a:lstStyle/>
+          <a:p>
+            <a:pPr marL="0" marR="0" indent="0" algn="l" defTabSz="914400" rtl="0" eaLnBrk="1" fontAlgn="auto" latinLnBrk="0" hangingPunct="1">
+              <a:lnSpc>
+                <a:spcPct val="100000"/>
+              </a:lnSpc>
+              <a:spcBef>
+                <a:spcPts val="0"/>
+              </a:spcBef>
+              <a:spcAft>
+                <a:spcPts val="0"/>
+              </a:spcAft>
+              <a:buClrTx/>
+              <a:buSzTx/>
+              <a:buFontTx/>
+              <a:buNone/>
+              <a:tabLst/>
+              <a:defRPr/>
+            </a:pPr>
+            <a:r>
+              <a:rPr lang="en-US" dirty="0" smtClean="0"/>
+              <a:t>Serves as an interface between user input and the webpage seen on the screen</a:t>
+            </a:r>
+          </a:p>
+          <a:p>
+            <a:endParaRPr lang="en-US" dirty="0"/>
+          </a:p>
+        </p:txBody>
+      </p:sp>
+      <p:sp>
+        <p:nvSpPr>
+          <p:cNvPr id="4" name="Slide Number Placeholder 3"/>
+          <p:cNvSpPr>
+            <a:spLocks noGrp="1"/>
+          </p:cNvSpPr>
+          <p:nvPr>
+            <p:ph type="sldNum" sz="quarter" idx="10"/>
+          </p:nvPr>
+        </p:nvSpPr>
+        <p:spPr/>
+        <p:txBody>
+          <a:bodyPr/>
+          <a:lstStyle/>
+          <a:p>
+            <a:fld id="{6A5519B4-A123-40E2-BC43-75FC166965BD}" type="slidenum">
+              <a:rPr lang="en-US" smtClean="0"/>
+              <a:pPr/>
+              <a:t>3</a:t>
+            </a:fld>
+            <a:endParaRPr lang="en-US"/>
+          </a:p>
+        </p:txBody>
+      </p:sp>
+    </p:spTree>
+  </p:cSld>
+  <p:clrMapOvr>
+    <a:masterClrMapping/>
+  </p:clrMapOvr>
+</p:notes>
+</file>
+
+<file path=ppt/notesSlides/notesSlide3.xml><?xml version="1.0" encoding="utf-8"?>
+<p:notes xmlns:a="http://schemas.openxmlformats.org/drawingml/2006/main" xmlns:r="http://schemas.openxmlformats.org/officeDocument/2006/relationships" xmlns:p="http://schemas.openxmlformats.org/presentationml/2006/main">
+  <p:cSld>
+    <p:spTree>
+      <p:nvGrpSpPr>
+        <p:cNvPr id="1" name=""/>
+        <p:cNvGrpSpPr/>
+        <p:nvPr/>
+      </p:nvGrpSpPr>
+      <p:grpSpPr>
+        <a:xfrm>
+          <a:off x="0" y="0"/>
+          <a:ext cx="0" cy="0"/>
+          <a:chOff x="0" y="0"/>
+          <a:chExt cx="0" cy="0"/>
+        </a:xfrm>
+      </p:grpSpPr>
+      <p:sp>
+        <p:nvSpPr>
+          <p:cNvPr id="2" name="Slide Image Placeholder 1"/>
+          <p:cNvSpPr>
+            <a:spLocks noGrp="1" noRot="1" noChangeAspect="1"/>
+          </p:cNvSpPr>
+          <p:nvPr>
+            <p:ph type="sldImg"/>
+          </p:nvPr>
+        </p:nvSpPr>
+        <p:spPr/>
+      </p:sp>
+      <p:sp>
+        <p:nvSpPr>
+          <p:cNvPr id="3" name="Notes Placeholder 2"/>
+          <p:cNvSpPr>
+            <a:spLocks noGrp="1"/>
+          </p:cNvSpPr>
+          <p:nvPr>
+            <p:ph type="body" idx="1"/>
+          </p:nvPr>
+        </p:nvSpPr>
+        <p:spPr/>
+        <p:txBody>
+          <a:bodyPr>
+            <a:normAutofit/>
+          </a:bodyPr>
+          <a:lstStyle/>
+          <a:p>
+            <a:endParaRPr lang="en-US" dirty="0"/>
+          </a:p>
+        </p:txBody>
+      </p:sp>
+      <p:sp>
+        <p:nvSpPr>
+          <p:cNvPr id="4" name="Slide Number Placeholder 3"/>
+          <p:cNvSpPr>
+            <a:spLocks noGrp="1"/>
+          </p:cNvSpPr>
+          <p:nvPr>
+            <p:ph type="sldNum" sz="quarter" idx="10"/>
+          </p:nvPr>
+        </p:nvSpPr>
+        <p:spPr/>
+        <p:txBody>
+          <a:bodyPr/>
+          <a:lstStyle/>
+          <a:p>
+            <a:fld id="{6A5519B4-A123-40E2-BC43-75FC166965BD}" type="slidenum">
+              <a:rPr lang="en-US" smtClean="0"/>
+              <a:pPr/>
+              <a:t>4</a:t>
+            </a:fld>
+            <a:endParaRPr lang="en-US"/>
+          </a:p>
+        </p:txBody>
+      </p:sp>
+    </p:spTree>
+  </p:cSld>
+  <p:clrMapOvr>
+    <a:masterClrMapping/>
+  </p:clrMapOvr>
+</p:notes>
+</file>
+
+<file path=ppt/notesSlides/notesSlide4.xml><?xml version="1.0" encoding="utf-8"?>
+<p:notes xmlns:a="http://schemas.openxmlformats.org/drawingml/2006/main" xmlns:r="http://schemas.openxmlformats.org/officeDocument/2006/relationships" xmlns:p="http://schemas.openxmlformats.org/presentationml/2006/main">
+  <p:cSld>
+    <p:spTree>
+      <p:nvGrpSpPr>
+        <p:cNvPr id="1" name=""/>
+        <p:cNvGrpSpPr/>
+        <p:nvPr/>
+      </p:nvGrpSpPr>
+      <p:grpSpPr>
+        <a:xfrm>
+          <a:off x="0" y="0"/>
+          <a:ext cx="0" cy="0"/>
+          <a:chOff x="0" y="0"/>
+          <a:chExt cx="0" cy="0"/>
+        </a:xfrm>
+      </p:grpSpPr>
+      <p:sp>
+        <p:nvSpPr>
+          <p:cNvPr id="2" name="Slide Image Placeholder 1"/>
+          <p:cNvSpPr>
+            <a:spLocks noGrp="1" noRot="1" noChangeAspect="1"/>
+          </p:cNvSpPr>
+          <p:nvPr>
+            <p:ph type="sldImg"/>
+          </p:nvPr>
+        </p:nvSpPr>
+        <p:spPr/>
+      </p:sp>
+      <p:sp>
+        <p:nvSpPr>
+          <p:cNvPr id="3" name="Notes Placeholder 2"/>
+          <p:cNvSpPr>
+            <a:spLocks noGrp="1"/>
+          </p:cNvSpPr>
+          <p:nvPr>
+            <p:ph type="body" idx="1"/>
+          </p:nvPr>
+        </p:nvSpPr>
+        <p:spPr/>
+        <p:txBody>
+          <a:bodyPr>
+            <a:normAutofit/>
+          </a:bodyPr>
+          <a:lstStyle/>
+          <a:p>
+            <a:r>
+              <a:rPr lang="en-US" dirty="0" smtClean="0"/>
+              <a:t>Demo:</a:t>
+            </a:r>
+          </a:p>
+          <a:p>
+            <a:endParaRPr lang="en-US" dirty="0" smtClean="0"/>
+          </a:p>
+          <a:p>
+            <a:r>
+              <a:rPr lang="en-US" dirty="0" smtClean="0"/>
+              <a:t>Literacy</a:t>
+            </a:r>
+            <a:r>
+              <a:rPr lang="en-US" baseline="0" dirty="0" smtClean="0"/>
+              <a:t> Center in Read by Myself Mode</a:t>
+            </a:r>
+          </a:p>
+          <a:p>
+            <a:r>
+              <a:rPr lang="en-US" baseline="0" dirty="0" smtClean="0"/>
+              <a:t>Mention website design principles to maximize accessibility</a:t>
+            </a:r>
+          </a:p>
+          <a:p>
+            <a:r>
+              <a:rPr lang="en-US" baseline="0" dirty="0" smtClean="0"/>
+              <a:t>Sites: DTH, </a:t>
+            </a:r>
+            <a:r>
+              <a:rPr lang="en-US" baseline="0" dirty="0" err="1" smtClean="0"/>
+              <a:t>bbc</a:t>
+            </a:r>
+            <a:endParaRPr lang="en-US" baseline="0" dirty="0" smtClean="0"/>
+          </a:p>
+          <a:p>
+            <a:endParaRPr lang="en-US" dirty="0"/>
+          </a:p>
+        </p:txBody>
+      </p:sp>
+      <p:sp>
+        <p:nvSpPr>
+          <p:cNvPr id="4" name="Slide Number Placeholder 3"/>
+          <p:cNvSpPr>
+            <a:spLocks noGrp="1"/>
+          </p:cNvSpPr>
+          <p:nvPr>
+            <p:ph type="sldNum" sz="quarter" idx="10"/>
+          </p:nvPr>
+        </p:nvSpPr>
+        <p:spPr/>
+        <p:txBody>
+          <a:bodyPr/>
+          <a:lstStyle/>
+          <a:p>
+            <a:fld id="{6A5519B4-A123-40E2-BC43-75FC166965BD}" type="slidenum">
+              <a:rPr lang="en-US" smtClean="0"/>
+              <a:pPr/>
+              <a:t>5</a:t>
+            </a:fld>
+            <a:endParaRPr lang="en-US"/>
+          </a:p>
+        </p:txBody>
+      </p:sp>
+    </p:spTree>
+  </p:cSld>
+  <p:clrMapOvr>
+    <a:masterClrMapping/>
+  </p:clrMapOvr>
+</p:notes>
+</file>
+
+<file path=ppt/slideLayouts/slideLayout1.xml><?xml version="1.0" encoding="utf-8"?>
+<p:sldLayout xmlns:a="http://schemas.openxmlformats.org/drawingml/2006/main" xmlns:r="http://schemas.openxmlformats.org/officeDocument/2006/relationships" xmlns:p="http://schemas.openxmlformats.org/presentationml/2006/main" showMasterSp="0" type="title" preserve="1">
+  <p:cSld name="Title Slide">
+    <p:bg>
+      <p:bgRef idx="1002">
+        <a:schemeClr val="bg2"/>
+      </p:bgRef>
+    </p:bg>
+    <p:spTree>
+      <p:nvGrpSpPr>
+        <p:cNvPr id="1" name=""/>
+        <p:cNvGrpSpPr/>
+        <p:nvPr/>
+      </p:nvGrpSpPr>
+      <p:grpSpPr>
+        <a:xfrm>
+          <a:off x="0" y="0"/>
+          <a:ext cx="0" cy="0"/>
+          <a:chOff x="0" y="0"/>
+          <a:chExt cx="0" cy="0"/>
+        </a:xfrm>
+      </p:grpSpPr>
+      <p:sp>
+        <p:nvSpPr>
+          <p:cNvPr id="7" name="Freeform 6"/>
+          <p:cNvSpPr>
+            <a:spLocks/>
+          </p:cNvSpPr>
+          <p:nvPr/>
+        </p:nvSpPr>
+        <p:spPr bwMode="auto">
+          <a:xfrm>
+            <a:off x="0" y="4752126"/>
+            <a:ext cx="9144000" cy="2112962"/>
+          </a:xfrm>
+          <a:custGeom>
+            <a:avLst>
+              <a:gd name="A1" fmla="val 0"/>
+              <a:gd name="A2" fmla="val 0"/>
+              <a:gd name="A3" fmla="val 0"/>
+              <a:gd name="A4" fmla="val 0"/>
+              <a:gd name="A5" fmla="val 0"/>
+              <a:gd name="A6" fmla="val 0"/>
+              <a:gd name="A7" fmla="val 0"/>
+              <a:gd name="A8" fmla="val 0"/>
+            </a:avLst>
+            <a:gdLst/>
+            <a:ahLst/>
+            <a:cxnLst>
+              <a:cxn ang="0">
+                <a:pos x="0" y="1066"/>
+              </a:cxn>
+              <a:cxn ang="0">
+                <a:pos x="0" y="1331"/>
+              </a:cxn>
+              <a:cxn ang="0">
+                <a:pos x="5760" y="1331"/>
+              </a:cxn>
+              <a:cxn ang="0">
+                <a:pos x="5760" y="0"/>
+              </a:cxn>
+              <a:cxn ang="0">
+                <a:pos x="0" y="1066"/>
+              </a:cxn>
+            </a:cxnLst>
+            <a:rect l="0" t="0" r="0" b="0"/>
+            <a:pathLst>
+              <a:path w="5760" h="1331">
+                <a:moveTo>
+                  <a:pt x="0" y="1066"/>
+                </a:moveTo>
+                <a:lnTo>
+                  <a:pt x="0" y="1331"/>
+                </a:lnTo>
+                <a:lnTo>
+                  <a:pt x="5760" y="1331"/>
+                </a:lnTo>
+                <a:lnTo>
+                  <a:pt x="5760" y="0"/>
+                </a:lnTo>
+                <a:cubicBezTo>
+                  <a:pt x="3220" y="1206"/>
+                  <a:pt x="2250" y="1146"/>
+                  <a:pt x="0" y="1066"/>
+                </a:cubicBezTo>
+                <a:close/>
+              </a:path>
+            </a:pathLst>
+          </a:custGeom>
+          <a:solidFill>
+            <a:schemeClr val="bg1">
+              <a:tint val="80000"/>
+              <a:satMod val="200000"/>
+              <a:alpha val="45000"/>
+            </a:schemeClr>
+          </a:solidFill>
+          <a:ln w="9525" cap="flat" cmpd="sng" algn="ctr">
+            <a:noFill/>
+            <a:prstDash val="solid"/>
+            <a:round/>
+            <a:headEnd type="none" w="med" len="med"/>
+            <a:tailEnd type="none" w="med" len="med"/>
+          </a:ln>
+          <a:effectLst>
+            <a:outerShdw blurRad="50800" dist="44450" dir="16200000" algn="ctr" rotWithShape="0">
+              <a:prstClr val="black">
+                <a:alpha val="35000"/>
+              </a:prstClr>
+            </a:outerShdw>
+          </a:effectLst>
+        </p:spPr>
+        <p:txBody>
+          <a:bodyPr vert="horz" wrap="square" lIns="91440" tIns="45720" rIns="91440" bIns="45720" anchor="t" compatLnSpc="1"/>
+          <a:lstStyle/>
+          <a:p>
+            <a:endParaRPr kumimoji="0" lang="en-US"/>
+          </a:p>
+        </p:txBody>
+      </p:sp>
+      <p:sp>
+        <p:nvSpPr>
+          <p:cNvPr id="8" name="Freeform 7"/>
+          <p:cNvSpPr>
+            <a:spLocks/>
+          </p:cNvSpPr>
+          <p:nvPr/>
+        </p:nvSpPr>
+        <p:spPr bwMode="auto">
+          <a:xfrm>
+            <a:off x="6105525" y="0"/>
+            <a:ext cx="3038475" cy="6858000"/>
+          </a:xfrm>
+          <a:custGeom>
+            <a:avLst/>
+            <a:gdLst>
+              <a:gd name="connsiteX0" fmla="*/ 1914 w 1914"/>
+              <a:gd name="connsiteY0" fmla="*/ 9 h 4329"/>
+              <a:gd name="connsiteX1" fmla="*/ 1914 w 1914"/>
+              <a:gd name="connsiteY1" fmla="*/ 4329 h 4329"/>
+              <a:gd name="connsiteX2" fmla="*/ 204 w 1914"/>
+              <a:gd name="connsiteY2" fmla="*/ 4327 h 4329"/>
+              <a:gd name="connsiteX3" fmla="*/ 0 w 1914"/>
+              <a:gd name="connsiteY3" fmla="*/ 0 h 4329"/>
+              <a:gd name="connsiteX4" fmla="*/ 1914 w 1914"/>
+              <a:gd name="connsiteY4" fmla="*/ 9 h 4329"/>
+            </a:gdLst>
+            <a:ahLst/>
+            <a:cxnLst>
+              <a:cxn ang="0">
+                <a:pos x="connsiteX0" y="connsiteY0"/>
+              </a:cxn>
+              <a:cxn ang="0">
+                <a:pos x="connsiteX1" y="connsiteY1"/>
+              </a:cxn>
+              <a:cxn ang="0">
+                <a:pos x="connsiteX2" y="connsiteY2"/>
+              </a:cxn>
+              <a:cxn ang="0">
+                <a:pos x="connsiteX3" y="connsiteY3"/>
+              </a:cxn>
+              <a:cxn ang="0">
+                <a:pos x="connsiteX4" y="connsiteY4"/>
+              </a:cxn>
+            </a:cxnLst>
+            <a:rect l="l" t="t" r="r" b="b"/>
+            <a:pathLst>
+              <a:path w="1914" h="4329">
+                <a:moveTo>
+                  <a:pt x="1914" y="9"/>
+                </a:moveTo>
+                <a:lnTo>
+                  <a:pt x="1914" y="4329"/>
+                </a:lnTo>
+                <a:lnTo>
+                  <a:pt x="204" y="4327"/>
+                </a:lnTo>
+                <a:cubicBezTo>
+                  <a:pt x="1288" y="3574"/>
+                  <a:pt x="1608" y="1590"/>
+                  <a:pt x="0" y="0"/>
+                </a:cubicBezTo>
+                <a:lnTo>
+                  <a:pt x="1914" y="9"/>
+                </a:lnTo>
+                <a:close/>
+              </a:path>
+            </a:pathLst>
+          </a:custGeom>
+          <a:solidFill>
+            <a:schemeClr val="bg1">
+              <a:tint val="90000"/>
+              <a:satMod val="350000"/>
+              <a:alpha val="40000"/>
+            </a:schemeClr>
+          </a:solidFill>
+          <a:ln w="9525" cap="flat" cmpd="sng" algn="ctr">
+            <a:noFill/>
+            <a:prstDash val="solid"/>
+            <a:round/>
+            <a:headEnd type="none" w="med" len="med"/>
+            <a:tailEnd type="none" w="med" len="med"/>
+          </a:ln>
+          <a:effectLst>
+            <a:outerShdw blurRad="50800" dist="50800" dir="10800000" algn="ctr" rotWithShape="0">
+              <a:prstClr val="black">
+                <a:alpha val="45000"/>
+              </a:prstClr>
+            </a:outerShdw>
+          </a:effectLst>
+        </p:spPr>
+        <p:txBody>
+          <a:bodyPr vert="horz" wrap="square" lIns="91440" tIns="45720" rIns="91440" bIns="45720" anchor="t" compatLnSpc="1"/>
+          <a:lstStyle/>
+          <a:p>
+            <a:endParaRPr kumimoji="0" lang="en-US"/>
+          </a:p>
+        </p:txBody>
+      </p:sp>
+      <p:sp>
+        <p:nvSpPr>
+          <p:cNvPr id="9" name="Title 8"/>
+          <p:cNvSpPr>
+            <a:spLocks noGrp="1"/>
+          </p:cNvSpPr>
+          <p:nvPr>
+            <p:ph type="ctrTitle"/>
+          </p:nvPr>
+        </p:nvSpPr>
+        <p:spPr>
+          <a:xfrm>
+            <a:off x="429064" y="3337560"/>
+            <a:ext cx="6480048" cy="2301240"/>
           </a:xfrm>
         </p:spPr>
         <p:txBody>
-          <a:bodyPr/>
-          <a:lstStyle/>
-          <a:p>
-            <a:r>
-              <a:rPr lang="en-US" smtClean="0"/>
+          <a:bodyPr rIns="45720" anchor="t"/>
+          <a:lstStyle>
+            <a:lvl1pPr algn="r">
+              <a:defRPr lang="en-US" b="1" cap="all" baseline="0" dirty="0">
+                <a:ln w="5000" cmpd="sng">
+                  <a:solidFill>
+                    <a:schemeClr val="accent1">
+                      <a:tint val="80000"/>
+                      <a:shade val="99000"/>
+                      <a:satMod val="500000"/>
+                    </a:schemeClr>
+                  </a:solidFill>
+                  <a:prstDash val="solid"/>
+                </a:ln>
+                <a:gradFill>
+                  <a:gsLst>
+                    <a:gs pos="0">
+                      <a:schemeClr val="accent1">
+                        <a:tint val="63000"/>
+                        <a:satMod val="255000"/>
+                      </a:schemeClr>
+                    </a:gs>
+                    <a:gs pos="9000">
+                      <a:schemeClr val="accent1">
+                        <a:tint val="63000"/>
+                        <a:satMod val="255000"/>
+                      </a:schemeClr>
+                    </a:gs>
+                    <a:gs pos="53000">
+                      <a:schemeClr val="accent1">
+                        <a:shade val="60000"/>
+                        <a:satMod val="100000"/>
+                      </a:schemeClr>
+                    </a:gs>
+                    <a:gs pos="90000">
+                      <a:schemeClr val="accent1">
+                        <a:tint val="63000"/>
+                        <a:satMod val="255000"/>
+                      </a:schemeClr>
+                    </a:gs>
+                    <a:gs pos="100000">
+                      <a:schemeClr val="accent1">
+                        <a:tint val="63000"/>
+                        <a:satMod val="255000"/>
+                      </a:schemeClr>
+                    </a:gs>
+                  </a:gsLst>
+                  <a:lin ang="5400000"/>
+                </a:gradFill>
+                <a:effectLst>
+                  <a:outerShdw blurRad="50800" dist="38100" dir="5400000" algn="t" rotWithShape="0">
+                    <a:prstClr val="black">
+                      <a:alpha val="50000"/>
+                    </a:prstClr>
+                  </a:outerShdw>
+                </a:effectLst>
+              </a:defRPr>
+            </a:lvl1pPr>
+          </a:lstStyle>
+          <a:p>
+            <a:r>
+              <a:rPr kumimoji="0" lang="en-US" smtClean="0"/>
               <a:t>Click to edit Master title style</a:t>
             </a:r>
-            <a:endParaRPr lang="en-US"/>
-          </a:p>
-        </p:txBody>
-      </p:sp>
-      <p:sp>
-        <p:nvSpPr>
-          <p:cNvPr id="3" name="Subtitle 2"/>
+            <a:endParaRPr kumimoji="0" lang="en-US"/>
+          </a:p>
+        </p:txBody>
+      </p:sp>
+      <p:sp>
+        <p:nvSpPr>
+          <p:cNvPr id="17" name="Subtitle 16"/>
           <p:cNvSpPr>
             <a:spLocks noGrp="1"/>
           </p:cNvSpPr>
@@ -161,116 +1175,61 @@
         </p:nvSpPr>
         <p:spPr>
           <a:xfrm>
-            <a:off x="1371600" y="3886200"/>
-            <a:ext cx="6400800" cy="1752600"/>
+            <a:off x="433050" y="1544812"/>
+            <a:ext cx="6480048" cy="1752600"/>
           </a:xfrm>
         </p:spPr>
         <p:txBody>
-          <a:bodyPr/>
+          <a:bodyPr tIns="0" rIns="45720" bIns="0" anchor="b">
+            <a:normAutofit/>
+          </a:bodyPr>
           <a:lstStyle>
-            <a:lvl1pPr marL="0" indent="0" algn="ctr">
+            <a:lvl1pPr marL="0" indent="0" algn="r">
               <a:buNone/>
-              <a:defRPr>
+              <a:defRPr sz="2000">
                 <a:solidFill>
-                  <a:schemeClr val="tx1">
-                    <a:tint val="75000"/>
-                  </a:schemeClr>
+                  <a:schemeClr val="tx1"/>
                 </a:solidFill>
+                <a:effectLst/>
               </a:defRPr>
             </a:lvl1pPr>
             <a:lvl2pPr marL="457200" indent="0" algn="ctr">
               <a:buNone/>
-              <a:defRPr>
-                <a:solidFill>
-                  <a:schemeClr val="tx1">
-                    <a:tint val="75000"/>
-                  </a:schemeClr>
-                </a:solidFill>
-              </a:defRPr>
             </a:lvl2pPr>
             <a:lvl3pPr marL="914400" indent="0" algn="ctr">
               <a:buNone/>
-              <a:defRPr>
-                <a:solidFill>
-                  <a:schemeClr val="tx1">
-                    <a:tint val="75000"/>
-                  </a:schemeClr>
-                </a:solidFill>
-              </a:defRPr>
             </a:lvl3pPr>
             <a:lvl4pPr marL="1371600" indent="0" algn="ctr">
               <a:buNone/>
-              <a:defRPr>
-                <a:solidFill>
-                  <a:schemeClr val="tx1">
-                    <a:tint val="75000"/>
-                  </a:schemeClr>
-                </a:solidFill>
-              </a:defRPr>
             </a:lvl4pPr>
             <a:lvl5pPr marL="1828800" indent="0" algn="ctr">
               <a:buNone/>
-              <a:defRPr>
-                <a:solidFill>
-                  <a:schemeClr val="tx1">
-                    <a:tint val="75000"/>
-                  </a:schemeClr>
-                </a:solidFill>
-              </a:defRPr>
             </a:lvl5pPr>
             <a:lvl6pPr marL="2286000" indent="0" algn="ctr">
               <a:buNone/>
-              <a:defRPr>
-                <a:solidFill>
-                  <a:schemeClr val="tx1">
-                    <a:tint val="75000"/>
-                  </a:schemeClr>
-                </a:solidFill>
-              </a:defRPr>
             </a:lvl6pPr>
             <a:lvl7pPr marL="2743200" indent="0" algn="ctr">
               <a:buNone/>
-              <a:defRPr>
-                <a:solidFill>
-                  <a:schemeClr val="tx1">
-                    <a:tint val="75000"/>
-                  </a:schemeClr>
-                </a:solidFill>
-              </a:defRPr>
             </a:lvl7pPr>
             <a:lvl8pPr marL="3200400" indent="0" algn="ctr">
               <a:buNone/>
-              <a:defRPr>
-                <a:solidFill>
-                  <a:schemeClr val="tx1">
-                    <a:tint val="75000"/>
-                  </a:schemeClr>
-                </a:solidFill>
-              </a:defRPr>
             </a:lvl8pPr>
             <a:lvl9pPr marL="3657600" indent="0" algn="ctr">
               <a:buNone/>
-              <a:defRPr>
-                <a:solidFill>
-                  <a:schemeClr val="tx1">
-                    <a:tint val="75000"/>
-                  </a:schemeClr>
-                </a:solidFill>
-              </a:defRPr>
             </a:lvl9pPr>
           </a:lstStyle>
           <a:p>
             <a:r>
-              <a:rPr lang="en-US" smtClean="0"/>
+              <a:rPr kumimoji="0" lang="en-US" smtClean="0"/>
               <a:t>Click to edit Master subtitle style</a:t>
             </a:r>
-            <a:endParaRPr lang="en-US"/>
-          </a:p>
-        </p:txBody>
-      </p:sp>
-      <p:sp>
-        <p:nvSpPr>
-          <p:cNvPr id="4" name="Date Placeholder 3"/>
+            <a:endParaRPr kumimoji="0" lang="en-US"/>
+          </a:p>
+        </p:txBody>
+      </p:sp>
+      <p:sp>
+        <p:nvSpPr>
+          <p:cNvPr id="30" name="Date Placeholder 29"/>
           <p:cNvSpPr>
             <a:spLocks noGrp="1"/>
           </p:cNvSpPr>
@@ -283,10 +1242,10 @@
           <a:bodyPr/>
           <a:lstStyle/>
           <a:p>
-            <a:fld id="{1D8BD707-D9CF-40AE-B4C6-C98DA3205C09}" type="datetimeFigureOut">
+            <a:fld id="{E637BB6B-EE1B-48FB-8575-0D55C373DE88}" type="datetimeFigureOut">
               <a:rPr lang="en-US" smtClean="0"/>
               <a:pPr/>
-              <a:t>9/18/2006</a:t>
+              <a:t>5/3/2007</a:t>
             </a:fld>
             <a:endParaRPr lang="en-US"/>
           </a:p>
@@ -294,7 +1253,7 @@
       </p:sp>
       <p:sp>
         <p:nvSpPr>
-          <p:cNvPr id="5" name="Footer Placeholder 4"/>
+          <p:cNvPr id="19" name="Footer Placeholder 18"/>
           <p:cNvSpPr>
             <a:spLocks noGrp="1"/>
           </p:cNvSpPr>
@@ -307,13 +1266,13 @@
           <a:bodyPr/>
           <a:lstStyle/>
           <a:p>
-            <a:endParaRPr lang="en-US"/>
-          </a:p>
-        </p:txBody>
-      </p:sp>
-      <p:sp>
-        <p:nvSpPr>
-          <p:cNvPr id="6" name="Slide Number Placeholder 5"/>
+            <a:endParaRPr kumimoji="0" lang="en-US"/>
+          </a:p>
+        </p:txBody>
+      </p:sp>
+      <p:sp>
+        <p:nvSpPr>
+          <p:cNvPr id="27" name="Slide Number Placeholder 26"/>
           <p:cNvSpPr>
             <a:spLocks noGrp="1"/>
           </p:cNvSpPr>
@@ -326,19 +1285,19 @@
           <a:bodyPr/>
           <a:lstStyle/>
           <a:p>
-            <a:fld id="{B6F15528-21DE-4FAA-801E-634DDDAF4B2B}" type="slidenum">
-              <a:rPr lang="en-US" smtClean="0"/>
+            <a:fld id="{2AA957AF-53C0-420B-9C2D-77DB1416566C}" type="slidenum">
+              <a:rPr kumimoji="0" lang="en-US" smtClean="0"/>
               <a:pPr/>
               <a:t>‹#›</a:t>
             </a:fld>
-            <a:endParaRPr lang="en-US"/>
+            <a:endParaRPr kumimoji="0" lang="en-US"/>
           </a:p>
         </p:txBody>
       </p:sp>
     </p:spTree>
   </p:cSld>
   <p:clrMapOvr>
-    <a:masterClrMapping/>
+    <a:overrideClrMapping bg1="dk1" tx1="lt1" bg2="dk2" tx2="lt2" accent1="accent1" accent2="accent2" accent3="accent3" accent4="accent4" accent5="accent5" accent6="accent6" hlink="hlink" folHlink="folHlink"/>
   </p:clrMapOvr>
 </p:sldLayout>
 </file>
@@ -376,10 +1335,10 @@
           <a:lstStyle/>
           <a:p>
             <a:r>
-              <a:rPr lang="en-US" smtClean="0"/>
+              <a:rPr kumimoji="0" lang="en-US" smtClean="0"/>
               <a:t>Click to edit Master title style</a:t>
             </a:r>
-            <a:endParaRPr lang="en-US"/>
+            <a:endParaRPr kumimoji="0" lang="en-US"/>
           </a:p>
         </p:txBody>
       </p:sp>
@@ -398,40 +1357,40 @@
           <a:bodyPr vert="eaVert"/>
           <a:lstStyle/>
           <a:p>
-            <a:pPr lvl="0"/>
+            <a:pPr lvl="0" eaLnBrk="1" latinLnBrk="0" hangingPunct="1"/>
             <a:r>
               <a:rPr lang="en-US" smtClean="0"/>
               <a:t>Click to edit Master text styles</a:t>
             </a:r>
           </a:p>
           <a:p>
-            <a:pPr lvl="1"/>
+            <a:pPr lvl="1" eaLnBrk="1" latinLnBrk="0" hangingPunct="1"/>
             <a:r>
               <a:rPr lang="en-US" smtClean="0"/>
               <a:t>Second level</a:t>
             </a:r>
           </a:p>
           <a:p>
-            <a:pPr lvl="2"/>
+            <a:pPr lvl="2" eaLnBrk="1" latinLnBrk="0" hangingPunct="1"/>
             <a:r>
               <a:rPr lang="en-US" smtClean="0"/>
               <a:t>Third level</a:t>
             </a:r>
           </a:p>
           <a:p>
-            <a:pPr lvl="3"/>
+            <a:pPr lvl="3" eaLnBrk="1" latinLnBrk="0" hangingPunct="1"/>
             <a:r>
               <a:rPr lang="en-US" smtClean="0"/>
               <a:t>Fourth level</a:t>
             </a:r>
           </a:p>
           <a:p>
-            <a:pPr lvl="4"/>
+            <a:pPr lvl="4" eaLnBrk="1" latinLnBrk="0" hangingPunct="1"/>
             <a:r>
               <a:rPr lang="en-US" smtClean="0"/>
               <a:t>Fifth level</a:t>
             </a:r>
-            <a:endParaRPr lang="en-US"/>
+            <a:endParaRPr kumimoji="0" lang="en-US"/>
           </a:p>
         </p:txBody>
       </p:sp>
@@ -450,12 +1409,12 @@
           <a:bodyPr/>
           <a:lstStyle/>
           <a:p>
-            <a:fld id="{1D8BD707-D9CF-40AE-B4C6-C98DA3205C09}" type="datetimeFigureOut">
+            <a:fld id="{E637BB6B-EE1B-48FB-8575-0D55C373DE88}" type="datetimeFigureOut">
               <a:rPr lang="en-US" smtClean="0"/>
               <a:pPr/>
-              <a:t>9/18/2006</a:t>
+              <a:t>5/3/2007</a:t>
             </a:fld>
-            <a:endParaRPr lang="en-US"/>
+            <a:endParaRPr lang="en-US" dirty="0"/>
           </a:p>
         </p:txBody>
       </p:sp>
@@ -474,7 +1433,7 @@
           <a:bodyPr/>
           <a:lstStyle/>
           <a:p>
-            <a:endParaRPr lang="en-US"/>
+            <a:endParaRPr kumimoji="0" lang="en-US"/>
           </a:p>
         </p:txBody>
       </p:sp>
@@ -493,12 +1452,12 @@
           <a:bodyPr/>
           <a:lstStyle/>
           <a:p>
-            <a:fld id="{B6F15528-21DE-4FAA-801E-634DDDAF4B2B}" type="slidenum">
-              <a:rPr lang="en-US" smtClean="0"/>
+            <a:fld id="{2AA957AF-53C0-420B-9C2D-77DB1416566C}" type="slidenum">
+              <a:rPr kumimoji="0" lang="en-US" smtClean="0"/>
               <a:pPr/>
               <a:t>‹#›</a:t>
             </a:fld>
-            <a:endParaRPr lang="en-US"/>
+            <a:endParaRPr kumimoji="0" lang="en-US"/>
           </a:p>
         </p:txBody>
       </p:sp>
@@ -548,10 +1507,10 @@
           <a:lstStyle/>
           <a:p>
             <a:r>
-              <a:rPr lang="en-US" smtClean="0"/>
+              <a:rPr kumimoji="0" lang="en-US" smtClean="0"/>
               <a:t>Click to edit Master title style</a:t>
             </a:r>
-            <a:endParaRPr lang="en-US"/>
+            <a:endParaRPr kumimoji="0" lang="en-US"/>
           </a:p>
         </p:txBody>
       </p:sp>
@@ -575,40 +1534,40 @@
           <a:bodyPr vert="eaVert"/>
           <a:lstStyle/>
           <a:p>
-            <a:pPr lvl="0"/>
+            <a:pPr lvl="0" eaLnBrk="1" latinLnBrk="0" hangingPunct="1"/>
             <a:r>
               <a:rPr lang="en-US" smtClean="0"/>
               <a:t>Click to edit Master text styles</a:t>
             </a:r>
           </a:p>
           <a:p>
-            <a:pPr lvl="1"/>
+            <a:pPr lvl="1" eaLnBrk="1" latinLnBrk="0" hangingPunct="1"/>
             <a:r>
               <a:rPr lang="en-US" smtClean="0"/>
               <a:t>Second level</a:t>
             </a:r>
           </a:p>
           <a:p>
-            <a:pPr lvl="2"/>
+            <a:pPr lvl="2" eaLnBrk="1" latinLnBrk="0" hangingPunct="1"/>
             <a:r>
               <a:rPr lang="en-US" smtClean="0"/>
               <a:t>Third level</a:t>
             </a:r>
           </a:p>
           <a:p>
-            <a:pPr lvl="3"/>
+            <a:pPr lvl="3" eaLnBrk="1" latinLnBrk="0" hangingPunct="1"/>
             <a:r>
               <a:rPr lang="en-US" smtClean="0"/>
               <a:t>Fourth level</a:t>
             </a:r>
           </a:p>
           <a:p>
-            <a:pPr lvl="4"/>
+            <a:pPr lvl="4" eaLnBrk="1" latinLnBrk="0" hangingPunct="1"/>
             <a:r>
               <a:rPr lang="en-US" smtClean="0"/>
               <a:t>Fifth level</a:t>
             </a:r>
-            <a:endParaRPr lang="en-US"/>
+            <a:endParaRPr kumimoji="0" lang="en-US"/>
           </a:p>
         </p:txBody>
       </p:sp>
@@ -627,10 +1586,10 @@
           <a:bodyPr/>
           <a:lstStyle/>
           <a:p>
-            <a:fld id="{1D8BD707-D9CF-40AE-B4C6-C98DA3205C09}" type="datetimeFigureOut">
+            <a:fld id="{E637BB6B-EE1B-48FB-8575-0D55C373DE88}" type="datetimeFigureOut">
               <a:rPr lang="en-US" smtClean="0"/>
               <a:pPr/>
-              <a:t>9/18/2006</a:t>
+              <a:t>5/3/2007</a:t>
             </a:fld>
             <a:endParaRPr lang="en-US"/>
           </a:p>
@@ -651,7 +1610,7 @@
           <a:bodyPr/>
           <a:lstStyle/>
           <a:p>
-            <a:endParaRPr lang="en-US"/>
+            <a:endParaRPr kumimoji="0" lang="en-US"/>
           </a:p>
         </p:txBody>
       </p:sp>
@@ -670,12 +1629,12 @@
           <a:bodyPr/>
           <a:lstStyle/>
           <a:p>
-            <a:fld id="{B6F15528-21DE-4FAA-801E-634DDDAF4B2B}" type="slidenum">
-              <a:rPr lang="en-US" smtClean="0"/>
+            <a:fld id="{2AA957AF-53C0-420B-9C2D-77DB1416566C}" type="slidenum">
+              <a:rPr kumimoji="0" lang="en-US" smtClean="0"/>
               <a:pPr/>
               <a:t>‹#›</a:t>
             </a:fld>
-            <a:endParaRPr lang="en-US"/>
+            <a:endParaRPr kumimoji="0" lang="en-US"/>
           </a:p>
         </p:txBody>
       </p:sp>
@@ -717,13 +1676,17 @@
         <p:spPr/>
         <p:txBody>
           <a:bodyPr/>
-          <a:lstStyle/>
-          <a:p>
-            <a:r>
-              <a:rPr lang="en-US" smtClean="0"/>
+          <a:lstStyle>
+            <a:lvl1pPr algn="l">
+              <a:defRPr/>
+            </a:lvl1pPr>
+          </a:lstStyle>
+          <a:p>
+            <a:r>
+              <a:rPr kumimoji="0" lang="en-US" smtClean="0"/>
               <a:t>Click to edit Master title style</a:t>
             </a:r>
-            <a:endParaRPr lang="en-US"/>
+            <a:endParaRPr kumimoji="0" lang="en-US"/>
           </a:p>
         </p:txBody>
       </p:sp>
@@ -742,40 +1705,40 @@
           <a:bodyPr/>
           <a:lstStyle/>
           <a:p>
-            <a:pPr lvl="0"/>
+            <a:pPr lvl="0" eaLnBrk="1" latinLnBrk="0" hangingPunct="1"/>
             <a:r>
               <a:rPr lang="en-US" smtClean="0"/>
               <a:t>Click to edit Master text styles</a:t>
             </a:r>
           </a:p>
           <a:p>
-            <a:pPr lvl="1"/>
+            <a:pPr lvl="1" eaLnBrk="1" latinLnBrk="0" hangingPunct="1"/>
             <a:r>
               <a:rPr lang="en-US" smtClean="0"/>
               <a:t>Second level</a:t>
             </a:r>
           </a:p>
           <a:p>
-            <a:pPr lvl="2"/>
+            <a:pPr lvl="2" eaLnBrk="1" latinLnBrk="0" hangingPunct="1"/>
             <a:r>
               <a:rPr lang="en-US" smtClean="0"/>
               <a:t>Third level</a:t>
             </a:r>
           </a:p>
           <a:p>
-            <a:pPr lvl="3"/>
+            <a:pPr lvl="3" eaLnBrk="1" latinLnBrk="0" hangingPunct="1"/>
             <a:r>
               <a:rPr lang="en-US" smtClean="0"/>
               <a:t>Fourth level</a:t>
             </a:r>
           </a:p>
           <a:p>
-            <a:pPr lvl="4"/>
+            <a:pPr lvl="4" eaLnBrk="1" latinLnBrk="0" hangingPunct="1"/>
             <a:r>
               <a:rPr lang="en-US" smtClean="0"/>
               <a:t>Fifth level</a:t>
             </a:r>
-            <a:endParaRPr lang="en-US"/>
+            <a:endParaRPr kumimoji="0" lang="en-US"/>
           </a:p>
         </p:txBody>
       </p:sp>
@@ -794,10 +1757,10 @@
           <a:bodyPr/>
           <a:lstStyle/>
           <a:p>
-            <a:fld id="{1D8BD707-D9CF-40AE-B4C6-C98DA3205C09}" type="datetimeFigureOut">
+            <a:fld id="{E637BB6B-EE1B-48FB-8575-0D55C373DE88}" type="datetimeFigureOut">
               <a:rPr lang="en-US" smtClean="0"/>
               <a:pPr/>
-              <a:t>9/18/2006</a:t>
+              <a:t>5/3/2007</a:t>
             </a:fld>
             <a:endParaRPr lang="en-US"/>
           </a:p>
@@ -818,7 +1781,7 @@
           <a:bodyPr/>
           <a:lstStyle/>
           <a:p>
-            <a:endParaRPr lang="en-US"/>
+            <a:endParaRPr kumimoji="0" lang="en-US"/>
           </a:p>
         </p:txBody>
       </p:sp>
@@ -837,12 +1800,12 @@
           <a:bodyPr/>
           <a:lstStyle/>
           <a:p>
-            <a:fld id="{B6F15528-21DE-4FAA-801E-634DDDAF4B2B}" type="slidenum">
-              <a:rPr lang="en-US" smtClean="0"/>
+            <a:fld id="{2AA957AF-53C0-420B-9C2D-77DB1416566C}" type="slidenum">
+              <a:rPr kumimoji="0" lang="en-US" smtClean="0"/>
               <a:pPr/>
               <a:t>‹#›</a:t>
             </a:fld>
-            <a:endParaRPr lang="en-US"/>
+            <a:endParaRPr kumimoji="0" lang="en-US"/>
           </a:p>
         </p:txBody>
       </p:sp>
@@ -855,8 +1818,13 @@
 </file>
 
 <file path=ppt/slideLayouts/slideLayout3.xml><?xml version="1.0" encoding="utf-8"?>
-<p:sldLayout xmlns:a="http://schemas.openxmlformats.org/drawingml/2006/main" xmlns:r="http://schemas.openxmlformats.org/officeDocument/2006/relationships" xmlns:p="http://schemas.openxmlformats.org/presentationml/2006/main" type="secHead" preserve="1">
+<p:sldLayout xmlns:a="http://schemas.openxmlformats.org/drawingml/2006/main" xmlns:r="http://schemas.openxmlformats.org/officeDocument/2006/relationships" xmlns:p="http://schemas.openxmlformats.org/presentationml/2006/main" showMasterSp="0" type="secHead" preserve="1">
   <p:cSld name="Section Header">
+    <p:bg>
+      <p:bgRef idx="1002">
+        <a:schemeClr val="bg2"/>
+      </p:bgRef>
+    </p:bg>
     <p:spTree>
       <p:nvGrpSpPr>
         <p:cNvPr id="1" name=""/>
@@ -873,6 +1841,202 @@
       </p:grpSpPr>
       <p:sp>
         <p:nvSpPr>
+          <p:cNvPr id="7" name="Freeform 6"/>
+          <p:cNvSpPr>
+            <a:spLocks/>
+          </p:cNvSpPr>
+          <p:nvPr/>
+        </p:nvSpPr>
+        <p:spPr bwMode="auto">
+          <a:xfrm>
+            <a:off x="0" y="4752126"/>
+            <a:ext cx="9144000" cy="2112962"/>
+          </a:xfrm>
+          <a:custGeom>
+            <a:avLst>
+              <a:gd name="A1" fmla="val 0"/>
+              <a:gd name="A2" fmla="val 0"/>
+              <a:gd name="A3" fmla="val 0"/>
+              <a:gd name="A4" fmla="val 0"/>
+              <a:gd name="A5" fmla="val 0"/>
+              <a:gd name="A6" fmla="val 0"/>
+              <a:gd name="A7" fmla="val 0"/>
+              <a:gd name="A8" fmla="val 0"/>
+            </a:avLst>
+            <a:gdLst/>
+            <a:ahLst/>
+            <a:cxnLst>
+              <a:cxn ang="0">
+                <a:pos x="0" y="1066"/>
+              </a:cxn>
+              <a:cxn ang="0">
+                <a:pos x="0" y="1331"/>
+              </a:cxn>
+              <a:cxn ang="0">
+                <a:pos x="5760" y="1331"/>
+              </a:cxn>
+              <a:cxn ang="0">
+                <a:pos x="5760" y="0"/>
+              </a:cxn>
+              <a:cxn ang="0">
+                <a:pos x="0" y="1066"/>
+              </a:cxn>
+            </a:cxnLst>
+            <a:rect l="0" t="0" r="0" b="0"/>
+            <a:pathLst>
+              <a:path w="5760" h="1331">
+                <a:moveTo>
+                  <a:pt x="0" y="1066"/>
+                </a:moveTo>
+                <a:lnTo>
+                  <a:pt x="0" y="1331"/>
+                </a:lnTo>
+                <a:lnTo>
+                  <a:pt x="5760" y="1331"/>
+                </a:lnTo>
+                <a:lnTo>
+                  <a:pt x="5760" y="0"/>
+                </a:lnTo>
+                <a:cubicBezTo>
+                  <a:pt x="3220" y="1206"/>
+                  <a:pt x="2250" y="1146"/>
+                  <a:pt x="0" y="1066"/>
+                </a:cubicBezTo>
+                <a:close/>
+              </a:path>
+            </a:pathLst>
+          </a:custGeom>
+          <a:solidFill>
+            <a:schemeClr val="bg1">
+              <a:tint val="80000"/>
+              <a:satMod val="200000"/>
+              <a:alpha val="45000"/>
+            </a:schemeClr>
+          </a:solidFill>
+          <a:ln w="9525" cap="flat" cmpd="sng" algn="ctr">
+            <a:noFill/>
+            <a:prstDash val="solid"/>
+            <a:round/>
+            <a:headEnd type="none" w="med" len="med"/>
+            <a:tailEnd type="none" w="med" len="med"/>
+          </a:ln>
+          <a:effectLst>
+            <a:outerShdw blurRad="50800" dist="44450" dir="16200000" algn="ctr" rotWithShape="0">
+              <a:prstClr val="black">
+                <a:alpha val="35000"/>
+              </a:prstClr>
+            </a:outerShdw>
+          </a:effectLst>
+        </p:spPr>
+        <p:txBody>
+          <a:bodyPr vert="horz" wrap="square" lIns="91440" tIns="45720" rIns="91440" bIns="45720" anchor="t" compatLnSpc="1"/>
+          <a:lstStyle/>
+          <a:p>
+            <a:endParaRPr kumimoji="0" lang="en-US"/>
+          </a:p>
+        </p:txBody>
+      </p:sp>
+      <p:sp>
+        <p:nvSpPr>
+          <p:cNvPr id="9" name="Freeform 8"/>
+          <p:cNvSpPr>
+            <a:spLocks/>
+          </p:cNvSpPr>
+          <p:nvPr/>
+        </p:nvSpPr>
+        <p:spPr bwMode="auto">
+          <a:xfrm>
+            <a:off x="6105525" y="0"/>
+            <a:ext cx="3038475" cy="6858000"/>
+          </a:xfrm>
+          <a:custGeom>
+            <a:avLst/>
+            <a:gdLst>
+              <a:gd name="connsiteX0" fmla="*/ 1914 w 1914"/>
+              <a:gd name="connsiteY0" fmla="*/ 9 h 4329"/>
+              <a:gd name="connsiteX1" fmla="*/ 1914 w 1914"/>
+              <a:gd name="connsiteY1" fmla="*/ 4329 h 4329"/>
+              <a:gd name="connsiteX2" fmla="*/ 204 w 1914"/>
+              <a:gd name="connsiteY2" fmla="*/ 4327 h 4329"/>
+              <a:gd name="connsiteX3" fmla="*/ 0 w 1914"/>
+              <a:gd name="connsiteY3" fmla="*/ 0 h 4329"/>
+              <a:gd name="connsiteX4" fmla="*/ 1914 w 1914"/>
+              <a:gd name="connsiteY4" fmla="*/ 9 h 4329"/>
+            </a:gdLst>
+            <a:ahLst/>
+            <a:cxnLst>
+              <a:cxn ang="0">
+                <a:pos x="connsiteX0" y="connsiteY0"/>
+              </a:cxn>
+              <a:cxn ang="0">
+                <a:pos x="connsiteX1" y="connsiteY1"/>
+              </a:cxn>
+              <a:cxn ang="0">
+                <a:pos x="connsiteX2" y="connsiteY2"/>
+              </a:cxn>
+              <a:cxn ang="0">
+                <a:pos x="connsiteX3" y="connsiteY3"/>
+              </a:cxn>
+              <a:cxn ang="0">
+                <a:pos x="connsiteX4" y="connsiteY4"/>
+              </a:cxn>
+            </a:cxnLst>
+            <a:rect l="l" t="t" r="r" b="b"/>
+            <a:pathLst>
+              <a:path w="1914" h="4329">
+                <a:moveTo>
+                  <a:pt x="1914" y="9"/>
+                </a:moveTo>
+                <a:lnTo>
+                  <a:pt x="1914" y="4329"/>
+                </a:lnTo>
+                <a:lnTo>
+                  <a:pt x="204" y="4327"/>
+                </a:lnTo>
+                <a:cubicBezTo>
+                  <a:pt x="1288" y="3574"/>
+                  <a:pt x="1608" y="1590"/>
+                  <a:pt x="0" y="0"/>
+                </a:cubicBezTo>
+                <a:lnTo>
+                  <a:pt x="1914" y="9"/>
+                </a:lnTo>
+                <a:close/>
+              </a:path>
+            </a:pathLst>
+          </a:custGeom>
+          <a:solidFill>
+            <a:schemeClr val="bg1">
+              <a:tint val="90000"/>
+              <a:satMod val="350000"/>
+              <a:alpha val="40000"/>
+            </a:schemeClr>
+          </a:solidFill>
+          <a:ln w="9525" cap="flat" cmpd="sng" algn="ctr">
+            <a:noFill/>
+            <a:prstDash val="solid"/>
+            <a:round/>
+            <a:headEnd type="none" w="med" len="med"/>
+            <a:tailEnd type="none" w="med" len="med"/>
+          </a:ln>
+          <a:effectLst>
+            <a:outerShdw blurRad="50800" dist="50800" dir="10800000" algn="ctr" rotWithShape="0">
+              <a:prstClr val="black">
+                <a:alpha val="45000"/>
+              </a:prstClr>
+            </a:outerShdw>
+          </a:effectLst>
+        </p:spPr>
+        <p:txBody>
+          <a:bodyPr vert="horz" wrap="square" lIns="91440" tIns="45720" rIns="91440" bIns="45720" anchor="t" compatLnSpc="1"/>
+          <a:lstStyle/>
+          <a:p>
+            <a:endParaRPr kumimoji="0" lang="en-US"/>
+          </a:p>
+        </p:txBody>
+      </p:sp>
+      <p:sp>
+        <p:nvSpPr>
           <p:cNvPr id="2" name="Title 1"/>
           <p:cNvSpPr>
             <a:spLocks noGrp="1"/>
@@ -883,23 +2047,77 @@
         </p:nvSpPr>
         <p:spPr>
           <a:xfrm>
-            <a:off x="722313" y="4406900"/>
-            <a:ext cx="7772400" cy="1362075"/>
+            <a:off x="685800" y="3583837"/>
+            <a:ext cx="6629400" cy="1826363"/>
           </a:xfrm>
         </p:spPr>
         <p:txBody>
-          <a:bodyPr anchor="t"/>
+          <a:bodyPr tIns="0" bIns="0" anchor="t"/>
           <a:lstStyle>
             <a:lvl1pPr algn="l">
-              <a:defRPr sz="4000" b="1" cap="all"/>
+              <a:buNone/>
+              <a:defRPr sz="4200" b="1" cap="none" baseline="0">
+                <a:ln w="5000" cmpd="sng">
+                  <a:solidFill>
+                    <a:schemeClr val="accent1">
+                      <a:tint val="80000"/>
+                      <a:shade val="99000"/>
+                      <a:satMod val="500000"/>
+                    </a:schemeClr>
+                  </a:solidFill>
+                  <a:prstDash val="solid"/>
+                </a:ln>
+                <a:gradFill>
+                  <a:gsLst>
+                    <a:gs pos="0">
+                      <a:schemeClr val="accent1">
+                        <a:tint val="63000"/>
+                        <a:satMod val="255000"/>
+                      </a:schemeClr>
+                    </a:gs>
+                    <a:gs pos="9000">
+                      <a:schemeClr val="accent1">
+                        <a:tint val="63000"/>
+                        <a:satMod val="255000"/>
+                      </a:schemeClr>
+                    </a:gs>
+                    <a:gs pos="53000">
+                      <a:schemeClr val="accent1">
+                        <a:shade val="60000"/>
+                        <a:satMod val="100000"/>
+                      </a:schemeClr>
+                    </a:gs>
+                    <a:gs pos="90000">
+                      <a:schemeClr val="accent1">
+                        <a:tint val="63000"/>
+                        <a:satMod val="255000"/>
+                      </a:schemeClr>
+                    </a:gs>
+                    <a:gs pos="100000">
+                      <a:schemeClr val="accent1">
+                        <a:tint val="63000"/>
+                        <a:satMod val="255000"/>
+                      </a:schemeClr>
+                    </a:gs>
+                  </a:gsLst>
+                  <a:lin ang="5400000"/>
+                </a:gradFill>
+                <a:effectLst>
+                  <a:outerShdw blurRad="50800" dist="38100" dir="5400000" algn="t" rotWithShape="0">
+                    <a:prstClr val="black">
+                      <a:alpha val="50000"/>
+                    </a:prstClr>
+                  </a:outerShdw>
+                </a:effectLst>
+              </a:defRPr>
             </a:lvl1pPr>
           </a:lstStyle>
           <a:p>
             <a:r>
-              <a:rPr lang="en-US" smtClean="0"/>
+              <a:rPr kumimoji="0" lang="en-US" smtClean="0"/>
               <a:t>Click to edit Master title style</a:t>
             </a:r>
-            <a:endParaRPr lang="en-US"/>
+            <a:endParaRPr kumimoji="0" lang="en-US"/>
           </a:p>
         </p:txBody>
       </p:sp>
@@ -915,24 +2133,23 @@
         </p:nvSpPr>
         <p:spPr>
           <a:xfrm>
-            <a:off x="722313" y="2906713"/>
-            <a:ext cx="7772400" cy="1500187"/>
+            <a:off x="685800" y="2485800"/>
+            <a:ext cx="6629400" cy="1066688"/>
           </a:xfrm>
         </p:spPr>
         <p:txBody>
-          <a:bodyPr anchor="b"/>
+          <a:bodyPr lIns="45720" tIns="0" rIns="45720" bIns="0" anchor="b"/>
           <a:lstStyle>
-            <a:lvl1pPr marL="0" indent="0">
+            <a:lvl1pPr marL="0" indent="0" algn="l">
               <a:buNone/>
               <a:defRPr sz="2000">
                 <a:solidFill>
-                  <a:schemeClr val="tx1">
-                    <a:tint val="75000"/>
-                  </a:schemeClr>
+                  <a:schemeClr val="tx1"/>
                 </a:solidFill>
+                <a:effectLst/>
               </a:defRPr>
             </a:lvl1pPr>
-            <a:lvl2pPr marL="457200" indent="0">
+            <a:lvl2pPr>
               <a:buNone/>
               <a:defRPr sz="1800">
                 <a:solidFill>
@@ -942,7 +2159,7 @@
                 </a:solidFill>
               </a:defRPr>
             </a:lvl2pPr>
-            <a:lvl3pPr marL="914400" indent="0">
+            <a:lvl3pPr>
               <a:buNone/>
               <a:defRPr sz="1600">
                 <a:solidFill>
@@ -952,7 +2169,7 @@
                 </a:solidFill>
               </a:defRPr>
             </a:lvl3pPr>
-            <a:lvl4pPr marL="1371600" indent="0">
+            <a:lvl4pPr>
               <a:buNone/>
               <a:defRPr sz="1400">
                 <a:solidFill>
@@ -962,7 +2179,7 @@
                 </a:solidFill>
               </a:defRPr>
             </a:lvl4pPr>
-            <a:lvl5pPr marL="1828800" indent="0">
+            <a:lvl5pPr>
               <a:buNone/>
               <a:defRPr sz="1400">
                 <a:solidFill>
@@ -972,51 +2189,11 @@
                 </a:solidFill>
               </a:defRPr>
             </a:lvl5pPr>
-            <a:lvl6pPr marL="2286000" indent="0">
-              <a:buNone/>
-              <a:defRPr sz="1400">
-                <a:solidFill>
-                  <a:schemeClr val="tx1">
-                    <a:tint val="75000"/>
-                  </a:schemeClr>
-                </a:solidFill>
-              </a:defRPr>
-            </a:lvl6pPr>
-            <a:lvl7pPr marL="2743200" indent="0">
-              <a:buNone/>
-              <a:defRPr sz="1400">
-                <a:solidFill>
-                  <a:schemeClr val="tx1">
-                    <a:tint val="75000"/>
-                  </a:schemeClr>
-                </a:solidFill>
-              </a:defRPr>
-            </a:lvl7pPr>
-            <a:lvl8pPr marL="3200400" indent="0">
-              <a:buNone/>
-              <a:defRPr sz="1400">
-                <a:solidFill>
-                  <a:schemeClr val="tx1">
-                    <a:tint val="75000"/>
-                  </a:schemeClr>
-                </a:solidFill>
-              </a:defRPr>
-            </a:lvl8pPr>
-            <a:lvl9pPr marL="3657600" indent="0">
-              <a:buNone/>
-              <a:defRPr sz="1400">
-                <a:solidFill>
-                  <a:schemeClr val="tx1">
-                    <a:tint val="75000"/>
-                  </a:schemeClr>
-                </a:solidFill>
-              </a:defRPr>
-            </a:lvl9pPr>
           </a:lstStyle>
           <a:p>
-            <a:pPr lvl="0"/>
-            <a:r>
-              <a:rPr lang="en-US" smtClean="0"/>
+            <a:pPr lvl="0" eaLnBrk="1" latinLnBrk="0" hangingPunct="1"/>
+            <a:r>
+              <a:rPr kumimoji="0" lang="en-US" smtClean="0"/>
               <a:t>Click to edit Master text styles</a:t>
             </a:r>
           </a:p>
@@ -1037,10 +2214,10 @@
           <a:bodyPr/>
           <a:lstStyle/>
           <a:p>
-            <a:fld id="{1D8BD707-D9CF-40AE-B4C6-C98DA3205C09}" type="datetimeFigureOut">
+            <a:fld id="{E637BB6B-EE1B-48FB-8575-0D55C373DE88}" type="datetimeFigureOut">
               <a:rPr lang="en-US" smtClean="0"/>
               <a:pPr/>
-              <a:t>9/18/2006</a:t>
+              <a:t>5/3/2007</a:t>
             </a:fld>
             <a:endParaRPr lang="en-US"/>
           </a:p>
@@ -1061,7 +2238,7 @@
           <a:bodyPr/>
           <a:lstStyle/>
           <a:p>
-            <a:endParaRPr lang="en-US"/>
+            <a:endParaRPr kumimoji="0" lang="en-US"/>
           </a:p>
         </p:txBody>
       </p:sp>
@@ -1080,19 +2257,19 @@
           <a:bodyPr/>
           <a:lstStyle/>
           <a:p>
-            <a:fld id="{B6F15528-21DE-4FAA-801E-634DDDAF4B2B}" type="slidenum">
-              <a:rPr lang="en-US" smtClean="0"/>
+            <a:fld id="{2AA957AF-53C0-420B-9C2D-77DB1416566C}" type="slidenum">
+              <a:rPr kumimoji="0" lang="en-US" smtClean="0"/>
               <a:pPr/>
               <a:t>‹#›</a:t>
             </a:fld>
-            <a:endParaRPr lang="en-US"/>
+            <a:endParaRPr kumimoji="0" lang="en-US"/>
           </a:p>
         </p:txBody>
       </p:sp>
     </p:spTree>
   </p:cSld>
   <p:clrMapOvr>
-    <a:masterClrMapping/>
+    <a:overrideClrMapping bg1="dk1" tx1="lt1" bg2="dk2" tx2="lt2" accent1="accent1" accent2="accent2" accent3="accent3" accent4="accent4" accent5="accent5" accent6="accent6" hlink="hlink" folHlink="folHlink"/>
   </p:clrMapOvr>
 </p:sldLayout>
 </file>
@@ -1124,16 +2301,21 @@
             <p:ph type="title"/>
           </p:nvPr>
         </p:nvSpPr>
-        <p:spPr/>
+        <p:spPr>
+          <a:xfrm>
+            <a:off x="457200" y="274638"/>
+            <a:ext cx="7467600" cy="1143000"/>
+          </a:xfrm>
+        </p:spPr>
         <p:txBody>
           <a:bodyPr/>
           <a:lstStyle/>
           <a:p>
             <a:r>
-              <a:rPr lang="en-US" smtClean="0"/>
+              <a:rPr kumimoji="0" lang="en-US" smtClean="0"/>
               <a:t>Click to edit Master title style</a:t>
             </a:r>
-            <a:endParaRPr lang="en-US"/>
+            <a:endParaRPr kumimoji="0" lang="en-US"/>
           </a:p>
         </p:txBody>
       </p:sp>
@@ -1150,17 +2332,17 @@
         <p:spPr>
           <a:xfrm>
             <a:off x="457200" y="1600200"/>
-            <a:ext cx="4038600" cy="4525963"/>
+            <a:ext cx="3657600" cy="4525963"/>
           </a:xfrm>
         </p:spPr>
         <p:txBody>
           <a:bodyPr/>
           <a:lstStyle>
             <a:lvl1pPr>
-              <a:defRPr sz="2800"/>
+              <a:defRPr sz="2600"/>
             </a:lvl1pPr>
             <a:lvl2pPr>
-              <a:defRPr sz="2400"/>
+              <a:defRPr sz="2200"/>
             </a:lvl2pPr>
             <a:lvl3pPr>
               <a:defRPr sz="2000"/>
@@ -1171,54 +2353,42 @@
             <a:lvl5pPr>
               <a:defRPr sz="1800"/>
             </a:lvl5pPr>
-            <a:lvl6pPr>
-              <a:defRPr sz="1800"/>
-            </a:lvl6pPr>
-            <a:lvl7pPr>
-              <a:defRPr sz="1800"/>
-            </a:lvl7pPr>
-            <a:lvl8pPr>
-              <a:defRPr sz="1800"/>
-            </a:lvl8pPr>
-            <a:lvl9pPr>
-              <a:defRPr sz="1800"/>
-            </a:lvl9pPr>
           </a:lstStyle>
           <a:p>
-            <a:pPr lvl="0"/>
+            <a:pPr lvl="0" eaLnBrk="1" latinLnBrk="0" hangingPunct="1"/>
             <a:r>
               <a:rPr lang="en-US" smtClean="0"/>
               <a:t>Click to edit Master text styles</a:t>
             </a:r>
           </a:p>
           <a:p>
-            <a:pPr lvl="1"/>
+            <a:pPr lvl="1" eaLnBrk="1" latinLnBrk="0" hangingPunct="1"/>
             <a:r>
               <a:rPr lang="en-US" smtClean="0"/>
               <a:t>Second level</a:t>
             </a:r>
           </a:p>
           <a:p>
-            <a:pPr lvl="2"/>
+            <a:pPr lvl="2" eaLnBrk="1" latinLnBrk="0" hangingPunct="1"/>
             <a:r>
               <a:rPr lang="en-US" smtClean="0"/>
               <a:t>Third level</a:t>
             </a:r>
           </a:p>
           <a:p>
-            <a:pPr lvl="3"/>
+            <a:pPr lvl="3" eaLnBrk="1" latinLnBrk="0" hangingPunct="1"/>
             <a:r>
               <a:rPr lang="en-US" smtClean="0"/>
               <a:t>Fourth level</a:t>
             </a:r>
           </a:p>
           <a:p>
-            <a:pPr lvl="4"/>
+            <a:pPr lvl="4" eaLnBrk="1" latinLnBrk="0" hangingPunct="1"/>
             <a:r>
               <a:rPr lang="en-US" smtClean="0"/>
               <a:t>Fifth level</a:t>
             </a:r>
-            <a:endParaRPr lang="en-US"/>
+            <a:endParaRPr kumimoji="0" lang="en-US"/>
           </a:p>
         </p:txBody>
       </p:sp>
@@ -1234,18 +2404,18 @@
         </p:nvSpPr>
         <p:spPr>
           <a:xfrm>
-            <a:off x="4648200" y="1600200"/>
-            <a:ext cx="4038600" cy="4525963"/>
+            <a:off x="4267200" y="1600200"/>
+            <a:ext cx="3657600" cy="4525963"/>
           </a:xfrm>
         </p:spPr>
         <p:txBody>
           <a:bodyPr/>
           <a:lstStyle>
             <a:lvl1pPr>
-              <a:defRPr sz="2800"/>
+              <a:defRPr sz="2600"/>
             </a:lvl1pPr>
             <a:lvl2pPr>
-              <a:defRPr sz="2400"/>
+              <a:defRPr sz="2200"/>
             </a:lvl2pPr>
             <a:lvl3pPr>
               <a:defRPr sz="2000"/>
@@ -1256,54 +2426,42 @@
             <a:lvl5pPr>
               <a:defRPr sz="1800"/>
             </a:lvl5pPr>
-            <a:lvl6pPr>
-              <a:defRPr sz="1800"/>
-            </a:lvl6pPr>
-            <a:lvl7pPr>
-              <a:defRPr sz="1800"/>
-            </a:lvl7pPr>
-            <a:lvl8pPr>
-              <a:defRPr sz="1800"/>
-            </a:lvl8pPr>
-            <a:lvl9pPr>
-              <a:defRPr sz="1800"/>
-            </a:lvl9pPr>
           </a:lstStyle>
           <a:p>
-            <a:pPr lvl="0"/>
+            <a:pPr lvl="0" eaLnBrk="1" latinLnBrk="0" hangingPunct="1"/>
             <a:r>
               <a:rPr lang="en-US" smtClean="0"/>
               <a:t>Click to edit Master text styles</a:t>
             </a:r>
           </a:p>
           <a:p>
-            <a:pPr lvl="1"/>
+            <a:pPr lvl="1" eaLnBrk="1" latinLnBrk="0" hangingPunct="1"/>
             <a:r>
               <a:rPr lang="en-US" smtClean="0"/>
               <a:t>Second level</a:t>
             </a:r>
           </a:p>
           <a:p>
-            <a:pPr lvl="2"/>
+            <a:pPr lvl="2" eaLnBrk="1" latinLnBrk="0" hangingPunct="1"/>
             <a:r>
               <a:rPr lang="en-US" smtClean="0"/>
               <a:t>Third level</a:t>
             </a:r>
           </a:p>
           <a:p>
-            <a:pPr lvl="3"/>
+            <a:pPr lvl="3" eaLnBrk="1" latinLnBrk="0" hangingPunct="1"/>
             <a:r>
               <a:rPr lang="en-US" smtClean="0"/>
               <a:t>Fourth level</a:t>
             </a:r>
           </a:p>
           <a:p>
-            <a:pPr lvl="4"/>
+            <a:pPr lvl="4" eaLnBrk="1" latinLnBrk="0" hangingPunct="1"/>
             <a:r>
               <a:rPr lang="en-US" smtClean="0"/>
               <a:t>Fifth level</a:t>
             </a:r>
-            <a:endParaRPr lang="en-US"/>
+            <a:endParaRPr kumimoji="0" lang="en-US"/>
           </a:p>
         </p:txBody>
       </p:sp>
@@ -1322,10 +2480,10 @@
           <a:bodyPr/>
           <a:lstStyle/>
           <a:p>
-            <a:fld id="{1D8BD707-D9CF-40AE-B4C6-C98DA3205C09}" type="datetimeFigureOut">
+            <a:fld id="{E637BB6B-EE1B-48FB-8575-0D55C373DE88}" type="datetimeFigureOut">
               <a:rPr lang="en-US" smtClean="0"/>
               <a:pPr/>
-              <a:t>9/18/2006</a:t>
+              <a:t>5/3/2007</a:t>
             </a:fld>
             <a:endParaRPr lang="en-US"/>
           </a:p>
@@ -1346,7 +2504,7 @@
           <a:bodyPr/>
           <a:lstStyle/>
           <a:p>
-            <a:endParaRPr lang="en-US"/>
+            <a:endParaRPr kumimoji="0" lang="en-US"/>
           </a:p>
         </p:txBody>
       </p:sp>
@@ -1365,12 +2523,12 @@
           <a:bodyPr/>
           <a:lstStyle/>
           <a:p>
-            <a:fld id="{B6F15528-21DE-4FAA-801E-634DDDAF4B2B}" type="slidenum">
-              <a:rPr lang="en-US" smtClean="0"/>
+            <a:fld id="{2AA957AF-53C0-420B-9C2D-77DB1416566C}" type="slidenum">
+              <a:rPr kumimoji="0" lang="en-US" smtClean="0"/>
               <a:pPr/>
               <a:t>‹#›</a:t>
             </a:fld>
-            <a:endParaRPr lang="en-US"/>
+            <a:endParaRPr kumimoji="0" lang="en-US"/>
           </a:p>
         </p:txBody>
       </p:sp>
@@ -1383,7 +2541,7 @@
 </file>
 
 <file path=ppt/slideLayouts/slideLayout5.xml><?xml version="1.0" encoding="utf-8"?>
-<p:sldLayout xmlns:a="http://schemas.openxmlformats.org/drawingml/2006/main" xmlns:r="http://schemas.openxmlformats.org/officeDocument/2006/relationships" xmlns:p="http://schemas.openxmlformats.org/presentationml/2006/main" type="twoTxTwoObj" preserve="1">
+<p:sldLayout xmlns:a="http://schemas.openxmlformats.org/drawingml/2006/main" xmlns:r="http://schemas.openxmlformats.org/officeDocument/2006/relationships" xmlns:p="http://schemas.openxmlformats.org/presentationml/2006/main" showMasterSp="0" type="twoTxTwoObj" preserve="1">
   <p:cSld name="Comparison">
     <p:spTree>
       <p:nvGrpSpPr>
@@ -1409,9 +2567,14 @@
             <p:ph type="title"/>
           </p:nvPr>
         </p:nvSpPr>
-        <p:spPr/>
-        <p:txBody>
-          <a:bodyPr/>
+        <p:spPr>
+          <a:xfrm>
+            <a:off x="457200" y="273050"/>
+            <a:ext cx="8229600" cy="1143000"/>
+          </a:xfrm>
+        </p:spPr>
+        <p:txBody>
+          <a:bodyPr anchor="ctr"/>
           <a:lstStyle>
             <a:lvl1pPr>
               <a:defRPr/>
@@ -1419,10 +2582,10 @@
           </a:lstStyle>
           <a:p>
             <a:r>
-              <a:rPr lang="en-US" smtClean="0"/>
+              <a:rPr kumimoji="0" lang="en-US" smtClean="0"/>
               <a:t>Click to edit Master title style</a:t>
             </a:r>
-            <a:endParaRPr lang="en-US"/>
+            <a:endParaRPr kumimoji="0" lang="en-US"/>
           </a:p>
         </p:txBody>
       </p:sp>
@@ -1438,54 +2601,95 @@
         </p:nvSpPr>
         <p:spPr>
           <a:xfrm>
-            <a:off x="457200" y="1535113"/>
-            <a:ext cx="4040188" cy="639762"/>
+            <a:off x="457200" y="5486400"/>
+            <a:ext cx="4040188" cy="838200"/>
           </a:xfrm>
         </p:spPr>
         <p:txBody>
-          <a:bodyPr anchor="b"/>
+          <a:bodyPr anchor="t"/>
           <a:lstStyle>
             <a:lvl1pPr marL="0" indent="0">
               <a:buNone/>
-              <a:defRPr sz="2400" b="1"/>
+              <a:defRPr sz="2400" b="1">
+                <a:solidFill>
+                  <a:schemeClr val="accent1"/>
+                </a:solidFill>
+              </a:defRPr>
             </a:lvl1pPr>
-            <a:lvl2pPr marL="457200" indent="0">
+            <a:lvl2pPr>
               <a:buNone/>
               <a:defRPr sz="2000" b="1"/>
             </a:lvl2pPr>
-            <a:lvl3pPr marL="914400" indent="0">
+            <a:lvl3pPr>
               <a:buNone/>
               <a:defRPr sz="1800" b="1"/>
             </a:lvl3pPr>
-            <a:lvl4pPr marL="1371600" indent="0">
+            <a:lvl4pPr>
               <a:buNone/>
               <a:defRPr sz="1600" b="1"/>
             </a:lvl4pPr>
-            <a:lvl5pPr marL="1828800" indent="0">
+            <a:lvl5pPr>
               <a:buNone/>
               <a:defRPr sz="1600" b="1"/>
             </a:lvl5pPr>
-            <a:lvl6pPr marL="2286000" indent="0">
+          </a:lstStyle>
+          <a:p>
+            <a:pPr lvl="0" eaLnBrk="1" latinLnBrk="0" hangingPunct="1"/>
+            <a:r>
+              <a:rPr kumimoji="0" lang="en-US" smtClean="0"/>
+              <a:t>Click to edit Master text styles</a:t>
+            </a:r>
+          </a:p>
+        </p:txBody>
+      </p:sp>
+      <p:sp>
+        <p:nvSpPr>
+          <p:cNvPr id="4" name="Text Placeholder 3"/>
+          <p:cNvSpPr>
+            <a:spLocks noGrp="1"/>
+          </p:cNvSpPr>
+          <p:nvPr>
+            <p:ph type="body" sz="half" idx="3"/>
+          </p:nvPr>
+        </p:nvSpPr>
+        <p:spPr>
+          <a:xfrm>
+            <a:off x="4645025" y="5486400"/>
+            <a:ext cx="4041775" cy="838200"/>
+          </a:xfrm>
+        </p:spPr>
+        <p:txBody>
+          <a:bodyPr anchor="t"/>
+          <a:lstStyle>
+            <a:lvl1pPr marL="0" indent="0">
+              <a:buNone/>
+              <a:defRPr sz="2400" b="1">
+                <a:solidFill>
+                  <a:schemeClr val="accent1"/>
+                </a:solidFill>
+              </a:defRPr>
+            </a:lvl1pPr>
+            <a:lvl2pPr>
+              <a:buNone/>
+              <a:defRPr sz="2000" b="1"/>
+            </a:lvl2pPr>
+            <a:lvl3pPr>
+              <a:buNone/>
+              <a:defRPr sz="1800" b="1"/>
+            </a:lvl3pPr>
+            <a:lvl4pPr>
               <a:buNone/>
               <a:defRPr sz="1600" b="1"/>
-            </a:lvl6pPr>
-            <a:lvl7pPr marL="2743200" indent="0">
+            </a:lvl4pPr>
+            <a:lvl5pPr>
               <a:buNone/>
               <a:defRPr sz="1600" b="1"/>
-            </a:lvl7pPr>
-            <a:lvl8pPr marL="3200400" indent="0">
-              <a:buNone/>
-              <a:defRPr sz="1600" b="1"/>
-            </a:lvl8pPr>
-            <a:lvl9pPr marL="3657600" indent="0">
-              <a:buNone/>
-              <a:defRPr sz="1600" b="1"/>
-            </a:lvl9pPr>
+            </a:lvl5pPr>
           </a:lstStyle>
           <a:p>
-            <a:pPr lvl="0"/>
-            <a:r>
-              <a:rPr lang="en-US" smtClean="0"/>
+            <a:pPr lvl="0" eaLnBrk="1" latinLnBrk="0" hangingPunct="1"/>
+            <a:r>
+              <a:rPr kumimoji="0" lang="en-US" smtClean="0"/>
               <a:t>Click to edit Master text styles</a:t>
             </a:r>
           </a:p>
@@ -1493,18 +2697,18 @@
       </p:sp>
       <p:sp>
         <p:nvSpPr>
-          <p:cNvPr id="4" name="Content Placeholder 3"/>
-          <p:cNvSpPr>
-            <a:spLocks noGrp="1"/>
-          </p:cNvSpPr>
-          <p:nvPr>
-            <p:ph sz="half" idx="2"/>
+          <p:cNvPr id="5" name="Content Placeholder 4"/>
+          <p:cNvSpPr>
+            <a:spLocks noGrp="1"/>
+          </p:cNvSpPr>
+          <p:nvPr>
+            <p:ph sz="quarter" idx="2"/>
           </p:nvPr>
         </p:nvSpPr>
         <p:spPr>
           <a:xfrm>
-            <a:off x="457200" y="2174875"/>
-            <a:ext cx="4040188" cy="3951288"/>
+            <a:off x="457200" y="1516912"/>
+            <a:ext cx="4040188" cy="3941763"/>
           </a:xfrm>
         </p:spPr>
         <p:txBody>
@@ -1525,136 +2729,59 @@
             <a:lvl5pPr>
               <a:defRPr sz="1600"/>
             </a:lvl5pPr>
-            <a:lvl6pPr>
-              <a:defRPr sz="1600"/>
-            </a:lvl6pPr>
-            <a:lvl7pPr>
-              <a:defRPr sz="1600"/>
-            </a:lvl7pPr>
-            <a:lvl8pPr>
-              <a:defRPr sz="1600"/>
-            </a:lvl8pPr>
-            <a:lvl9pPr>
-              <a:defRPr sz="1600"/>
-            </a:lvl9pPr>
           </a:lstStyle>
           <a:p>
-            <a:pPr lvl="0"/>
+            <a:pPr lvl="0" eaLnBrk="1" latinLnBrk="0" hangingPunct="1"/>
             <a:r>
               <a:rPr lang="en-US" smtClean="0"/>
               <a:t>Click to edit Master text styles</a:t>
             </a:r>
           </a:p>
           <a:p>
-            <a:pPr lvl="1"/>
+            <a:pPr lvl="1" eaLnBrk="1" latinLnBrk="0" hangingPunct="1"/>
             <a:r>
               <a:rPr lang="en-US" smtClean="0"/>
               <a:t>Second level</a:t>
             </a:r>
           </a:p>
           <a:p>
-            <a:pPr lvl="2"/>
+            <a:pPr lvl="2" eaLnBrk="1" latinLnBrk="0" hangingPunct="1"/>
             <a:r>
               <a:rPr lang="en-US" smtClean="0"/>
               <a:t>Third level</a:t>
             </a:r>
           </a:p>
           <a:p>
-            <a:pPr lvl="3"/>
+            <a:pPr lvl="3" eaLnBrk="1" latinLnBrk="0" hangingPunct="1"/>
             <a:r>
               <a:rPr lang="en-US" smtClean="0"/>
               <a:t>Fourth level</a:t>
             </a:r>
           </a:p>
           <a:p>
-            <a:pPr lvl="4"/>
+            <a:pPr lvl="4" eaLnBrk="1" latinLnBrk="0" hangingPunct="1"/>
             <a:r>
               <a:rPr lang="en-US" smtClean="0"/>
               <a:t>Fifth level</a:t>
             </a:r>
-            <a:endParaRPr lang="en-US"/>
-          </a:p>
-        </p:txBody>
-      </p:sp>
-      <p:sp>
-        <p:nvSpPr>
-          <p:cNvPr id="5" name="Text Placeholder 4"/>
-          <p:cNvSpPr>
-            <a:spLocks noGrp="1"/>
-          </p:cNvSpPr>
-          <p:nvPr>
-            <p:ph type="body" sz="quarter" idx="3"/>
+            <a:endParaRPr kumimoji="0" lang="en-US"/>
+          </a:p>
+        </p:txBody>
+      </p:sp>
+      <p:sp>
+        <p:nvSpPr>
+          <p:cNvPr id="6" name="Content Placeholder 5"/>
+          <p:cNvSpPr>
+            <a:spLocks noGrp="1"/>
+          </p:cNvSpPr>
+          <p:nvPr>
+            <p:ph sz="quarter" idx="4"/>
           </p:nvPr>
         </p:nvSpPr>
         <p:spPr>
           <a:xfrm>
-            <a:off x="4645025" y="1535113"/>
-            <a:ext cx="4041775" cy="639762"/>
-          </a:xfrm>
-        </p:spPr>
-        <p:txBody>
-          <a:bodyPr anchor="b"/>
-          <a:lstStyle>
-            <a:lvl1pPr marL="0" indent="0">
-              <a:buNone/>
-              <a:defRPr sz="2400" b="1"/>
-            </a:lvl1pPr>
-            <a:lvl2pPr marL="457200" indent="0">
-              <a:buNone/>
-              <a:defRPr sz="2000" b="1"/>
-            </a:lvl2pPr>
-            <a:lvl3pPr marL="914400" indent="0">
-              <a:buNone/>
-              <a:defRPr sz="1800" b="1"/>
-            </a:lvl3pPr>
-            <a:lvl4pPr marL="1371600" indent="0">
-              <a:buNone/>
-              <a:defRPr sz="1600" b="1"/>
-            </a:lvl4pPr>
-            <a:lvl5pPr marL="1828800" indent="0">
-              <a:buNone/>
-              <a:defRPr sz="1600" b="1"/>
-            </a:lvl5pPr>
-            <a:lvl6pPr marL="2286000" indent="0">
-              <a:buNone/>
-              <a:defRPr sz="1600" b="1"/>
-            </a:lvl6pPr>
-            <a:lvl7pPr marL="2743200" indent="0">
-              <a:buNone/>
-              <a:defRPr sz="1600" b="1"/>
-            </a:lvl7pPr>
-            <a:lvl8pPr marL="3200400" indent="0">
-              <a:buNone/>
-              <a:defRPr sz="1600" b="1"/>
-            </a:lvl8pPr>
-            <a:lvl9pPr marL="3657600" indent="0">
-              <a:buNone/>
-              <a:defRPr sz="1600" b="1"/>
-            </a:lvl9pPr>
-          </a:lstStyle>
-          <a:p>
-            <a:pPr lvl="0"/>
-            <a:r>
-              <a:rPr lang="en-US" smtClean="0"/>
-              <a:t>Click to edit Master text styles</a:t>
-            </a:r>
-          </a:p>
-        </p:txBody>
-      </p:sp>
-      <p:sp>
-        <p:nvSpPr>
-          <p:cNvPr id="6" name="Content Placeholder 5"/>
-          <p:cNvSpPr>
-            <a:spLocks noGrp="1"/>
-          </p:cNvSpPr>
-          <p:nvPr>
-            <p:ph sz="quarter" idx="4"/>
-          </p:nvPr>
-        </p:nvSpPr>
-        <p:spPr>
-          <a:xfrm>
-            <a:off x="4645025" y="2174875"/>
-            <a:ext cx="4041775" cy="3951288"/>
+            <a:off x="4645025" y="1516912"/>
+            <a:ext cx="4041775" cy="3941763"/>
           </a:xfrm>
         </p:spPr>
         <p:txBody>
@@ -1675,54 +2802,42 @@
             <a:lvl5pPr>
               <a:defRPr sz="1600"/>
             </a:lvl5pPr>
-            <a:lvl6pPr>
-              <a:defRPr sz="1600"/>
-            </a:lvl6pPr>
-            <a:lvl7pPr>
-              <a:defRPr sz="1600"/>
-            </a:lvl7pPr>
-            <a:lvl8pPr>
-              <a:defRPr sz="1600"/>
-            </a:lvl8pPr>
-            <a:lvl9pPr>
-              <a:defRPr sz="1600"/>
-            </a:lvl9pPr>
           </a:lstStyle>
           <a:p>
-            <a:pPr lvl="0"/>
+            <a:pPr lvl="0" eaLnBrk="1" latinLnBrk="0" hangingPunct="1"/>
             <a:r>
               <a:rPr lang="en-US" smtClean="0"/>
               <a:t>Click to edit Master text styles</a:t>
             </a:r>
           </a:p>
           <a:p>
-            <a:pPr lvl="1"/>
+            <a:pPr lvl="1" eaLnBrk="1" latinLnBrk="0" hangingPunct="1"/>
             <a:r>
               <a:rPr lang="en-US" smtClean="0"/>
               <a:t>Second level</a:t>
             </a:r>
           </a:p>
           <a:p>
-            <a:pPr lvl="2"/>
+            <a:pPr lvl="2" eaLnBrk="1" latinLnBrk="0" hangingPunct="1"/>
             <a:r>
               <a:rPr lang="en-US" smtClean="0"/>
               <a:t>Third level</a:t>
             </a:r>
           </a:p>
           <a:p>
-            <a:pPr lvl="3"/>
+            <a:pPr lvl="3" eaLnBrk="1" latinLnBrk="0" hangingPunct="1"/>
             <a:r>
               <a:rPr lang="en-US" smtClean="0"/>
               <a:t>Fourth level</a:t>
             </a:r>
           </a:p>
           <a:p>
-            <a:pPr lvl="4"/>
+            <a:pPr lvl="4" eaLnBrk="1" latinLnBrk="0" hangingPunct="1"/>
             <a:r>
               <a:rPr lang="en-US" smtClean="0"/>
               <a:t>Fifth level</a:t>
             </a:r>
-            <a:endParaRPr lang="en-US"/>
+            <a:endParaRPr kumimoji="0" lang="en-US"/>
           </a:p>
         </p:txBody>
       </p:sp>
@@ -1741,10 +2856,10 @@
           <a:bodyPr/>
           <a:lstStyle/>
           <a:p>
-            <a:fld id="{1D8BD707-D9CF-40AE-B4C6-C98DA3205C09}" type="datetimeFigureOut">
+            <a:fld id="{E637BB6B-EE1B-48FB-8575-0D55C373DE88}" type="datetimeFigureOut">
               <a:rPr lang="en-US" smtClean="0"/>
               <a:pPr/>
-              <a:t>9/18/2006</a:t>
+              <a:t>5/3/2007</a:t>
             </a:fld>
             <a:endParaRPr lang="en-US"/>
           </a:p>
@@ -1765,7 +2880,7 @@
           <a:bodyPr/>
           <a:lstStyle/>
           <a:p>
-            <a:endParaRPr lang="en-US"/>
+            <a:endParaRPr kumimoji="0" lang="en-US"/>
           </a:p>
         </p:txBody>
       </p:sp>
@@ -1784,12 +2899,12 @@
           <a:bodyPr/>
           <a:lstStyle/>
           <a:p>
-            <a:fld id="{B6F15528-21DE-4FAA-801E-634DDDAF4B2B}" type="slidenum">
-              <a:rPr lang="en-US" smtClean="0"/>
+            <a:fld id="{2AA957AF-53C0-420B-9C2D-77DB1416566C}" type="slidenum">
+              <a:rPr kumimoji="0" lang="en-US" smtClean="0"/>
               <a:pPr/>
               <a:t>‹#›</a:t>
             </a:fld>
-            <a:endParaRPr lang="en-US"/>
+            <a:endParaRPr kumimoji="0" lang="en-US"/>
           </a:p>
         </p:txBody>
       </p:sp>
@@ -1828,38 +2943,47 @@
             <p:ph type="title"/>
           </p:nvPr>
         </p:nvSpPr>
+        <p:spPr>
+          <a:xfrm>
+            <a:off x="457200" y="274320"/>
+            <a:ext cx="7470648" cy="1143000"/>
+          </a:xfrm>
+        </p:spPr>
+        <p:txBody>
+          <a:bodyPr anchor="ctr"/>
+          <a:lstStyle>
+            <a:lvl1pPr algn="l">
+              <a:defRPr sz="4600"/>
+            </a:lvl1pPr>
+          </a:lstStyle>
+          <a:p>
+            <a:r>
+              <a:rPr kumimoji="0" lang="en-US" smtClean="0"/>
+              <a:t>Click to edit Master title style</a:t>
+            </a:r>
+            <a:endParaRPr kumimoji="0" lang="en-US"/>
+          </a:p>
+        </p:txBody>
+      </p:sp>
+      <p:sp>
+        <p:nvSpPr>
+          <p:cNvPr id="7" name="Date Placeholder 6"/>
+          <p:cNvSpPr>
+            <a:spLocks noGrp="1"/>
+          </p:cNvSpPr>
+          <p:nvPr>
+            <p:ph type="dt" sz="half" idx="10"/>
+          </p:nvPr>
+        </p:nvSpPr>
         <p:spPr/>
         <p:txBody>
           <a:bodyPr/>
           <a:lstStyle/>
           <a:p>
-            <a:r>
-              <a:rPr lang="en-US" smtClean="0"/>
-              <a:t>Click to edit Master title style</a:t>
-            </a:r>
-            <a:endParaRPr lang="en-US"/>
-          </a:p>
-        </p:txBody>
-      </p:sp>
-      <p:sp>
-        <p:nvSpPr>
-          <p:cNvPr id="3" name="Date Placeholder 2"/>
-          <p:cNvSpPr>
-            <a:spLocks noGrp="1"/>
-          </p:cNvSpPr>
-          <p:nvPr>
-            <p:ph type="dt" sz="half" idx="10"/>
-          </p:nvPr>
-        </p:nvSpPr>
-        <p:spPr/>
-        <p:txBody>
-          <a:bodyPr/>
-          <a:lstStyle/>
-          <a:p>
-            <a:fld id="{1D8BD707-D9CF-40AE-B4C6-C98DA3205C09}" type="datetimeFigureOut">
+            <a:fld id="{E637BB6B-EE1B-48FB-8575-0D55C373DE88}" type="datetimeFigureOut">
               <a:rPr lang="en-US" smtClean="0"/>
               <a:pPr/>
-              <a:t>9/18/2006</a:t>
+              <a:t>5/3/2007</a:t>
             </a:fld>
             <a:endParaRPr lang="en-US"/>
           </a:p>
@@ -1867,12 +2991,12 @@
       </p:sp>
       <p:sp>
         <p:nvSpPr>
-          <p:cNvPr id="4" name="Footer Placeholder 3"/>
-          <p:cNvSpPr>
-            <a:spLocks noGrp="1"/>
-          </p:cNvSpPr>
-          <p:nvPr>
-            <p:ph type="ftr" sz="quarter" idx="11"/>
+          <p:cNvPr id="8" name="Slide Number Placeholder 7"/>
+          <p:cNvSpPr>
+            <a:spLocks noGrp="1"/>
+          </p:cNvSpPr>
+          <p:nvPr>
+            <p:ph type="sldNum" sz="quarter" idx="11"/>
           </p:nvPr>
         </p:nvSpPr>
         <p:spPr/>
@@ -1880,31 +3004,31 @@
           <a:bodyPr/>
           <a:lstStyle/>
           <a:p>
-            <a:endParaRPr lang="en-US"/>
-          </a:p>
-        </p:txBody>
-      </p:sp>
-      <p:sp>
-        <p:nvSpPr>
-          <p:cNvPr id="5" name="Slide Number Placeholder 4"/>
-          <p:cNvSpPr>
-            <a:spLocks noGrp="1"/>
-          </p:cNvSpPr>
-          <p:nvPr>
-            <p:ph type="sldNum" sz="quarter" idx="12"/>
-          </p:nvPr>
-        </p:nvSpPr>
-        <p:spPr/>
-        <p:txBody>
-          <a:bodyPr/>
-          <a:lstStyle/>
-          <a:p>
-            <a:fld id="{B6F15528-21DE-4FAA-801E-634DDDAF4B2B}" type="slidenum">
-              <a:rPr lang="en-US" smtClean="0"/>
+            <a:fld id="{2AA957AF-53C0-420B-9C2D-77DB1416566C}" type="slidenum">
+              <a:rPr kumimoji="0" lang="en-US" smtClean="0"/>
               <a:pPr/>
               <a:t>‹#›</a:t>
             </a:fld>
-            <a:endParaRPr lang="en-US"/>
+            <a:endParaRPr kumimoji="0" lang="en-US"/>
+          </a:p>
+        </p:txBody>
+      </p:sp>
+      <p:sp>
+        <p:nvSpPr>
+          <p:cNvPr id="9" name="Footer Placeholder 8"/>
+          <p:cNvSpPr>
+            <a:spLocks noGrp="1"/>
+          </p:cNvSpPr>
+          <p:nvPr>
+            <p:ph type="ftr" sz="quarter" idx="12"/>
+          </p:nvPr>
+        </p:nvSpPr>
+        <p:spPr/>
+        <p:txBody>
+          <a:bodyPr/>
+          <a:lstStyle/>
+          <a:p>
+            <a:endParaRPr kumimoji="0" lang="en-US"/>
           </a:p>
         </p:txBody>
       </p:sp>
@@ -1948,10 +3072,10 @@
           <a:bodyPr/>
           <a:lstStyle/>
           <a:p>
-            <a:fld id="{1D8BD707-D9CF-40AE-B4C6-C98DA3205C09}" type="datetimeFigureOut">
+            <a:fld id="{E637BB6B-EE1B-48FB-8575-0D55C373DE88}" type="datetimeFigureOut">
               <a:rPr lang="en-US" smtClean="0"/>
               <a:pPr/>
-              <a:t>9/18/2006</a:t>
+              <a:t>5/3/2007</a:t>
             </a:fld>
             <a:endParaRPr lang="en-US"/>
           </a:p>
@@ -1972,7 +3096,7 @@
           <a:bodyPr/>
           <a:lstStyle/>
           <a:p>
-            <a:endParaRPr lang="en-US"/>
+            <a:endParaRPr kumimoji="0" lang="en-US"/>
           </a:p>
         </p:txBody>
       </p:sp>
@@ -1991,12 +3115,12 @@
           <a:bodyPr/>
           <a:lstStyle/>
           <a:p>
-            <a:fld id="{B6F15528-21DE-4FAA-801E-634DDDAF4B2B}" type="slidenum">
-              <a:rPr lang="en-US" smtClean="0"/>
+            <a:fld id="{2AA957AF-53C0-420B-9C2D-77DB1416566C}" type="slidenum">
+              <a:rPr kumimoji="0" lang="en-US" smtClean="0"/>
               <a:pPr/>
               <a:t>‹#›</a:t>
             </a:fld>
-            <a:endParaRPr lang="en-US"/>
+            <a:endParaRPr kumimoji="0" lang="en-US"/>
           </a:p>
         </p:txBody>
       </p:sp>
@@ -2037,53 +3161,107 @@
         </p:nvSpPr>
         <p:spPr>
           <a:xfrm>
-            <a:off x="457200" y="273050"/>
-            <a:ext cx="3008313" cy="1162050"/>
+            <a:off x="457200" y="1185528"/>
+            <a:ext cx="3200400" cy="730250"/>
           </a:xfrm>
         </p:spPr>
         <p:txBody>
-          <a:bodyPr anchor="b"/>
+          <a:bodyPr tIns="0" bIns="0" anchor="t"/>
           <a:lstStyle>
             <a:lvl1pPr algn="l">
-              <a:defRPr sz="2000" b="1"/>
+              <a:buNone/>
+              <a:defRPr sz="1800" b="1">
+                <a:solidFill>
+                  <a:schemeClr val="accent1"/>
+                </a:solidFill>
+              </a:defRPr>
             </a:lvl1pPr>
           </a:lstStyle>
           <a:p>
             <a:r>
-              <a:rPr lang="en-US" smtClean="0"/>
+              <a:rPr kumimoji="0" lang="en-US" smtClean="0"/>
               <a:t>Click to edit Master title style</a:t>
             </a:r>
-            <a:endParaRPr lang="en-US"/>
-          </a:p>
-        </p:txBody>
-      </p:sp>
-      <p:sp>
-        <p:nvSpPr>
-          <p:cNvPr id="3" name="Content Placeholder 2"/>
-          <p:cNvSpPr>
-            <a:spLocks noGrp="1"/>
-          </p:cNvSpPr>
-          <p:nvPr>
-            <p:ph idx="1"/>
+            <a:endParaRPr kumimoji="0" lang="en-US"/>
+          </a:p>
+        </p:txBody>
+      </p:sp>
+      <p:sp>
+        <p:nvSpPr>
+          <p:cNvPr id="3" name="Text Placeholder 2"/>
+          <p:cNvSpPr>
+            <a:spLocks noGrp="1"/>
+          </p:cNvSpPr>
+          <p:nvPr>
+            <p:ph type="body" idx="2"/>
           </p:nvPr>
         </p:nvSpPr>
         <p:spPr>
           <a:xfrm>
-            <a:off x="3575050" y="273050"/>
-            <a:ext cx="5111750" cy="5853113"/>
+            <a:off x="457200" y="214424"/>
+            <a:ext cx="2743200" cy="914400"/>
+          </a:xfrm>
+        </p:spPr>
+        <p:txBody>
+          <a:bodyPr lIns="45720" tIns="0" rIns="45720" bIns="0" anchor="b"/>
+          <a:lstStyle>
+            <a:lvl1pPr marL="0" indent="0" algn="l">
+              <a:buNone/>
+              <a:defRPr sz="1400"/>
+            </a:lvl1pPr>
+            <a:lvl2pPr>
+              <a:buNone/>
+              <a:defRPr sz="1200"/>
+            </a:lvl2pPr>
+            <a:lvl3pPr>
+              <a:buNone/>
+              <a:defRPr sz="1000"/>
+            </a:lvl3pPr>
+            <a:lvl4pPr>
+              <a:buNone/>
+              <a:defRPr sz="900"/>
+            </a:lvl4pPr>
+            <a:lvl5pPr>
+              <a:buNone/>
+              <a:defRPr sz="900"/>
+            </a:lvl5pPr>
+          </a:lstStyle>
+          <a:p>
+            <a:pPr lvl="0" eaLnBrk="1" latinLnBrk="0" hangingPunct="1"/>
+            <a:r>
+              <a:rPr kumimoji="0" lang="en-US" smtClean="0"/>
+              <a:t>Click to edit Master text styles</a:t>
+            </a:r>
+          </a:p>
+        </p:txBody>
+      </p:sp>
+      <p:sp>
+        <p:nvSpPr>
+          <p:cNvPr id="4" name="Content Placeholder 3"/>
+          <p:cNvSpPr>
+            <a:spLocks noGrp="1"/>
+          </p:cNvSpPr>
+          <p:nvPr>
+            <p:ph sz="half" idx="1"/>
+          </p:nvPr>
+        </p:nvSpPr>
+        <p:spPr>
+          <a:xfrm>
+            <a:off x="457200" y="1981200"/>
+            <a:ext cx="7086600" cy="3810000"/>
           </a:xfrm>
         </p:spPr>
         <p:txBody>
           <a:bodyPr/>
           <a:lstStyle>
             <a:lvl1pPr>
-              <a:defRPr sz="3200"/>
+              <a:defRPr sz="2800"/>
             </a:lvl1pPr>
             <a:lvl2pPr>
-              <a:defRPr sz="2800"/>
+              <a:defRPr sz="2400"/>
             </a:lvl2pPr>
             <a:lvl3pPr>
-              <a:defRPr sz="2400"/>
+              <a:defRPr sz="2200"/>
             </a:lvl3pPr>
             <a:lvl4pPr>
               <a:defRPr sz="2000"/>
@@ -2091,186 +3269,114 @@
             <a:lvl5pPr>
               <a:defRPr sz="2000"/>
             </a:lvl5pPr>
-            <a:lvl6pPr>
-              <a:defRPr sz="2000"/>
-            </a:lvl6pPr>
-            <a:lvl7pPr>
-              <a:defRPr sz="2000"/>
-            </a:lvl7pPr>
-            <a:lvl8pPr>
-              <a:defRPr sz="2000"/>
-            </a:lvl8pPr>
-            <a:lvl9pPr>
-              <a:defRPr sz="2000"/>
-            </a:lvl9pPr>
           </a:lstStyle>
           <a:p>
-            <a:pPr lvl="0"/>
+            <a:pPr lvl="0" eaLnBrk="1" latinLnBrk="0" hangingPunct="1"/>
             <a:r>
               <a:rPr lang="en-US" smtClean="0"/>
               <a:t>Click to edit Master text styles</a:t>
             </a:r>
           </a:p>
           <a:p>
-            <a:pPr lvl="1"/>
+            <a:pPr lvl="1" eaLnBrk="1" latinLnBrk="0" hangingPunct="1"/>
             <a:r>
               <a:rPr lang="en-US" smtClean="0"/>
               <a:t>Second level</a:t>
             </a:r>
           </a:p>
           <a:p>
-            <a:pPr lvl="2"/>
+            <a:pPr lvl="2" eaLnBrk="1" latinLnBrk="0" hangingPunct="1"/>
             <a:r>
               <a:rPr lang="en-US" smtClean="0"/>
               <a:t>Third level</a:t>
             </a:r>
           </a:p>
           <a:p>
-            <a:pPr lvl="3"/>
+            <a:pPr lvl="3" eaLnBrk="1" latinLnBrk="0" hangingPunct="1"/>
             <a:r>
               <a:rPr lang="en-US" smtClean="0"/>
               <a:t>Fourth level</a:t>
             </a:r>
           </a:p>
           <a:p>
-            <a:pPr lvl="4"/>
+            <a:pPr lvl="4" eaLnBrk="1" latinLnBrk="0" hangingPunct="1"/>
             <a:r>
               <a:rPr lang="en-US" smtClean="0"/>
               <a:t>Fifth level</a:t>
             </a:r>
+            <a:endParaRPr kumimoji="0" lang="en-US"/>
+          </a:p>
+        </p:txBody>
+      </p:sp>
+      <p:sp>
+        <p:nvSpPr>
+          <p:cNvPr id="5" name="Date Placeholder 4"/>
+          <p:cNvSpPr>
+            <a:spLocks noGrp="1"/>
+          </p:cNvSpPr>
+          <p:nvPr>
+            <p:ph type="dt" sz="half" idx="10"/>
+          </p:nvPr>
+        </p:nvSpPr>
+        <p:spPr/>
+        <p:txBody>
+          <a:bodyPr/>
+          <a:lstStyle/>
+          <a:p>
+            <a:fld id="{E637BB6B-EE1B-48FB-8575-0D55C373DE88}" type="datetimeFigureOut">
+              <a:rPr lang="en-US" smtClean="0"/>
+              <a:pPr/>
+              <a:t>5/3/2007</a:t>
+            </a:fld>
             <a:endParaRPr lang="en-US"/>
           </a:p>
         </p:txBody>
       </p:sp>
       <p:sp>
         <p:nvSpPr>
-          <p:cNvPr id="4" name="Text Placeholder 3"/>
-          <p:cNvSpPr>
-            <a:spLocks noGrp="1"/>
-          </p:cNvSpPr>
-          <p:nvPr>
-            <p:ph type="body" sz="half" idx="2"/>
+          <p:cNvPr id="6" name="Footer Placeholder 5"/>
+          <p:cNvSpPr>
+            <a:spLocks noGrp="1"/>
+          </p:cNvSpPr>
+          <p:nvPr>
+            <p:ph type="ftr" sz="quarter" idx="11"/>
+          </p:nvPr>
+        </p:nvSpPr>
+        <p:spPr/>
+        <p:txBody>
+          <a:bodyPr/>
+          <a:lstStyle/>
+          <a:p>
+            <a:endParaRPr kumimoji="0" lang="en-US"/>
+          </a:p>
+        </p:txBody>
+      </p:sp>
+      <p:sp>
+        <p:nvSpPr>
+          <p:cNvPr id="7" name="Slide Number Placeholder 6"/>
+          <p:cNvSpPr>
+            <a:spLocks noGrp="1"/>
+          </p:cNvSpPr>
+          <p:nvPr>
+            <p:ph type="sldNum" sz="quarter" idx="12"/>
           </p:nvPr>
         </p:nvSpPr>
         <p:spPr>
           <a:xfrm>
-            <a:off x="457200" y="1435100"/>
-            <a:ext cx="3008313" cy="4691063"/>
+            <a:off x="8156448" y="6422064"/>
+            <a:ext cx="762000" cy="365125"/>
           </a:xfrm>
         </p:spPr>
         <p:txBody>
           <a:bodyPr/>
-          <a:lstStyle>
-            <a:lvl1pPr marL="0" indent="0">
-              <a:buNone/>
-              <a:defRPr sz="1400"/>
-            </a:lvl1pPr>
-            <a:lvl2pPr marL="457200" indent="0">
-              <a:buNone/>
-              <a:defRPr sz="1200"/>
-            </a:lvl2pPr>
-            <a:lvl3pPr marL="914400" indent="0">
-              <a:buNone/>
-              <a:defRPr sz="1000"/>
-            </a:lvl3pPr>
-            <a:lvl4pPr marL="1371600" indent="0">
-              <a:buNone/>
-              <a:defRPr sz="900"/>
-            </a:lvl4pPr>
-            <a:lvl5pPr marL="1828800" indent="0">
-              <a:buNone/>
-              <a:defRPr sz="900"/>
-            </a:lvl5pPr>
-            <a:lvl6pPr marL="2286000" indent="0">
-              <a:buNone/>
-              <a:defRPr sz="900"/>
-            </a:lvl6pPr>
-            <a:lvl7pPr marL="2743200" indent="0">
-              <a:buNone/>
-              <a:defRPr sz="900"/>
-            </a:lvl7pPr>
-            <a:lvl8pPr marL="3200400" indent="0">
-              <a:buNone/>
-              <a:defRPr sz="900"/>
-            </a:lvl8pPr>
-            <a:lvl9pPr marL="3657600" indent="0">
-              <a:buNone/>
-              <a:defRPr sz="900"/>
-            </a:lvl9pPr>
-          </a:lstStyle>
-          <a:p>
-            <a:pPr lvl="0"/>
-            <a:r>
-              <a:rPr lang="en-US" smtClean="0"/>
-              <a:t>Click to edit Master text styles</a:t>
-            </a:r>
-          </a:p>
-        </p:txBody>
-      </p:sp>
-      <p:sp>
-        <p:nvSpPr>
-          <p:cNvPr id="5" name="Date Placeholder 4"/>
-          <p:cNvSpPr>
-            <a:spLocks noGrp="1"/>
-          </p:cNvSpPr>
-          <p:nvPr>
-            <p:ph type="dt" sz="half" idx="10"/>
-          </p:nvPr>
-        </p:nvSpPr>
-        <p:spPr/>
-        <p:txBody>
-          <a:bodyPr/>
-          <a:lstStyle/>
-          <a:p>
-            <a:fld id="{1D8BD707-D9CF-40AE-B4C6-C98DA3205C09}" type="datetimeFigureOut">
-              <a:rPr lang="en-US" smtClean="0"/>
-              <a:pPr/>
-              <a:t>9/18/2006</a:t>
-            </a:fld>
-            <a:endParaRPr lang="en-US"/>
-          </a:p>
-        </p:txBody>
-      </p:sp>
-      <p:sp>
-        <p:nvSpPr>
-          <p:cNvPr id="6" name="Footer Placeholder 5"/>
-          <p:cNvSpPr>
-            <a:spLocks noGrp="1"/>
-          </p:cNvSpPr>
-          <p:nvPr>
-            <p:ph type="ftr" sz="quarter" idx="11"/>
-          </p:nvPr>
-        </p:nvSpPr>
-        <p:spPr/>
-        <p:txBody>
-          <a:bodyPr/>
-          <a:lstStyle/>
-          <a:p>
-            <a:endParaRPr lang="en-US"/>
-          </a:p>
-        </p:txBody>
-      </p:sp>
-      <p:sp>
-        <p:nvSpPr>
-          <p:cNvPr id="7" name="Slide Number Placeholder 6"/>
-          <p:cNvSpPr>
-            <a:spLocks noGrp="1"/>
-          </p:cNvSpPr>
-          <p:nvPr>
-            <p:ph type="sldNum" sz="quarter" idx="12"/>
-          </p:nvPr>
-        </p:nvSpPr>
-        <p:spPr/>
-        <p:txBody>
-          <a:bodyPr/>
-          <a:lstStyle/>
-          <a:p>
-            <a:fld id="{B6F15528-21DE-4FAA-801E-634DDDAF4B2B}" type="slidenum">
-              <a:rPr lang="en-US" smtClean="0"/>
+          <a:lstStyle/>
+          <a:p>
+            <a:fld id="{2AA957AF-53C0-420B-9C2D-77DB1416566C}" type="slidenum">
+              <a:rPr kumimoji="0" lang="en-US" smtClean="0"/>
               <a:pPr/>
               <a:t>‹#›</a:t>
             </a:fld>
-            <a:endParaRPr lang="en-US"/>
+            <a:endParaRPr kumimoji="0" lang="en-US"/>
           </a:p>
         </p:txBody>
       </p:sp>
@@ -2283,7 +3389,7 @@
 </file>
 
 <file path=ppt/slideLayouts/slideLayout9.xml><?xml version="1.0" encoding="utf-8"?>
-<p:sldLayout xmlns:a="http://schemas.openxmlformats.org/drawingml/2006/main" xmlns:r="http://schemas.openxmlformats.org/officeDocument/2006/relationships" xmlns:p="http://schemas.openxmlformats.org/presentationml/2006/main" type="picTx" preserve="1">
+<p:sldLayout xmlns:a="http://schemas.openxmlformats.org/drawingml/2006/main" xmlns:r="http://schemas.openxmlformats.org/officeDocument/2006/relationships" xmlns:p="http://schemas.openxmlformats.org/presentationml/2006/main" showMasterSp="0" type="picTx" preserve="1">
   <p:cSld name="Picture with Caption">
     <p:spTree>
       <p:nvGrpSpPr>
@@ -2311,23 +3417,28 @@
         </p:nvSpPr>
         <p:spPr>
           <a:xfrm>
-            <a:off x="1792288" y="4800600"/>
-            <a:ext cx="5486400" cy="566738"/>
+            <a:off x="5556732" y="1705709"/>
+            <a:ext cx="3053868" cy="1253808"/>
           </a:xfrm>
         </p:spPr>
         <p:txBody>
           <a:bodyPr anchor="b"/>
           <a:lstStyle>
             <a:lvl1pPr algn="l">
-              <a:defRPr sz="2000" b="1"/>
+              <a:buNone/>
+              <a:defRPr sz="2200" b="1">
+                <a:solidFill>
+                  <a:schemeClr val="accent1"/>
+                </a:solidFill>
+              </a:defRPr>
             </a:lvl1pPr>
           </a:lstStyle>
           <a:p>
             <a:r>
-              <a:rPr lang="en-US" smtClean="0"/>
+              <a:rPr kumimoji="0" lang="en-US" smtClean="0"/>
               <a:t>Click to edit Master title style</a:t>
             </a:r>
-            <a:endParaRPr lang="en-US"/>
+            <a:endParaRPr kumimoji="0" lang="en-US"/>
           </a:p>
         </p:txBody>
       </p:sp>
@@ -2343,9 +3454,44 @@
         </p:nvSpPr>
         <p:spPr>
           <a:xfrm>
-            <a:off x="1792288" y="612775"/>
-            <a:ext cx="5486400" cy="4114800"/>
+            <a:off x="1065628" y="1019907"/>
+            <a:ext cx="4114800" cy="4114800"/>
           </a:xfrm>
+          <a:prstGeom prst="ellipse">
+            <a:avLst/>
+          </a:prstGeom>
+          <a:solidFill>
+            <a:schemeClr val="bg2">
+              <a:shade val="50000"/>
+            </a:schemeClr>
+          </a:solidFill>
+          <a:ln w="50800" cap="flat">
+            <a:solidFill>
+              <a:schemeClr val="bg2"/>
+            </a:solidFill>
+            <a:miter lim="800000"/>
+          </a:ln>
+          <a:effectLst>
+            <a:outerShdw blurRad="152000" dist="345000" dir="5400000" sx="-80000" sy="-18000" rotWithShape="0">
+              <a:srgbClr val="000000">
+                <a:alpha val="25000"/>
+              </a:srgbClr>
+            </a:outerShdw>
+          </a:effectLst>
+          <a:scene3d>
+            <a:camera prst="orthographicFront"/>
+            <a:lightRig rig="contrasting" dir="t">
+              <a:rot lat="0" lon="0" rev="2400000"/>
+            </a:lightRig>
+          </a:scene3d>
+          <a:sp3d contourW="7620">
+            <a:bevelT w="63500" h="63500"/>
+            <a:contourClr>
+              <a:schemeClr val="bg2">
+                <a:shade val="50000"/>
+              </a:schemeClr>
+            </a:contourClr>
+          </a:sp3d>
         </p:spPr>
         <p:txBody>
           <a:bodyPr/>
@@ -2354,41 +3500,13 @@
               <a:buNone/>
               <a:defRPr sz="3200"/>
             </a:lvl1pPr>
-            <a:lvl2pPr marL="457200" indent="0">
-              <a:buNone/>
-              <a:defRPr sz="2800"/>
-            </a:lvl2pPr>
-            <a:lvl3pPr marL="914400" indent="0">
-              <a:buNone/>
-              <a:defRPr sz="2400"/>
-            </a:lvl3pPr>
-            <a:lvl4pPr marL="1371600" indent="0">
-              <a:buNone/>
-              <a:defRPr sz="2000"/>
-            </a:lvl4pPr>
-            <a:lvl5pPr marL="1828800" indent="0">
-              <a:buNone/>
-              <a:defRPr sz="2000"/>
-            </a:lvl5pPr>
-            <a:lvl6pPr marL="2286000" indent="0">
-              <a:buNone/>
-              <a:defRPr sz="2000"/>
-            </a:lvl6pPr>
-            <a:lvl7pPr marL="2743200" indent="0">
-              <a:buNone/>
-              <a:defRPr sz="2000"/>
-            </a:lvl7pPr>
-            <a:lvl8pPr marL="3200400" indent="0">
-              <a:buNone/>
-              <a:defRPr sz="2000"/>
-            </a:lvl8pPr>
-            <a:lvl9pPr marL="3657600" indent="0">
-              <a:buNone/>
-              <a:defRPr sz="2000"/>
-            </a:lvl9pPr>
           </a:lstStyle>
           <a:p>
-            <a:endParaRPr lang="en-US"/>
+            <a:r>
+              <a:rPr kumimoji="0" lang="en-US" smtClean="0"/>
+              <a:t>Click icon to add picture</a:t>
+            </a:r>
+            <a:endParaRPr kumimoji="0" lang="en-US" dirty="0"/>
           </a:p>
         </p:txBody>
       </p:sp>
@@ -2404,54 +3522,43 @@
         </p:nvSpPr>
         <p:spPr>
           <a:xfrm>
-            <a:off x="1792288" y="5367338"/>
-            <a:ext cx="5486400" cy="804862"/>
+            <a:off x="5556734" y="2998765"/>
+            <a:ext cx="3053866" cy="2663482"/>
           </a:xfrm>
         </p:spPr>
         <p:txBody>
-          <a:bodyPr/>
+          <a:bodyPr lIns="45720" rIns="45720"/>
           <a:lstStyle>
             <a:lvl1pPr marL="0" indent="0">
+              <a:buFontTx/>
               <a:buNone/>
-              <a:defRPr sz="1400"/>
+              <a:defRPr sz="1200"/>
             </a:lvl1pPr>
-            <a:lvl2pPr marL="457200" indent="0">
+            <a:lvl2pPr>
+              <a:buFontTx/>
               <a:buNone/>
               <a:defRPr sz="1200"/>
             </a:lvl2pPr>
-            <a:lvl3pPr marL="914400" indent="0">
+            <a:lvl3pPr>
+              <a:buFontTx/>
               <a:buNone/>
               <a:defRPr sz="1000"/>
             </a:lvl3pPr>
-            <a:lvl4pPr marL="1371600" indent="0">
+            <a:lvl4pPr>
+              <a:buFontTx/>
               <a:buNone/>
               <a:defRPr sz="900"/>
             </a:lvl4pPr>
-            <a:lvl5pPr marL="1828800" indent="0">
+            <a:lvl5pPr>
+              <a:buFontTx/>
               <a:buNone/>
               <a:defRPr sz="900"/>
             </a:lvl5pPr>
-            <a:lvl6pPr marL="2286000" indent="0">
-              <a:buNone/>
-              <a:defRPr sz="900"/>
-            </a:lvl6pPr>
-            <a:lvl7pPr marL="2743200" indent="0">
-              <a:buNone/>
-              <a:defRPr sz="900"/>
-            </a:lvl7pPr>
-            <a:lvl8pPr marL="3200400" indent="0">
-              <a:buNone/>
-              <a:defRPr sz="900"/>
-            </a:lvl8pPr>
-            <a:lvl9pPr marL="3657600" indent="0">
-              <a:buNone/>
-              <a:defRPr sz="900"/>
-            </a:lvl9pPr>
           </a:lstStyle>
           <a:p>
-            <a:pPr lvl="0"/>
-            <a:r>
-              <a:rPr lang="en-US" smtClean="0"/>
+            <a:pPr lvl="0" eaLnBrk="1" latinLnBrk="0" hangingPunct="1"/>
+            <a:r>
+              <a:rPr kumimoji="0" lang="en-US" smtClean="0"/>
               <a:t>Click to edit Master text styles</a:t>
             </a:r>
           </a:p>
@@ -2467,15 +3574,20 @@
             <p:ph type="dt" sz="half" idx="10"/>
           </p:nvPr>
         </p:nvSpPr>
-        <p:spPr/>
+        <p:spPr>
+          <a:xfrm>
+            <a:off x="457200" y="6422064"/>
+            <a:ext cx="2133600" cy="365125"/>
+          </a:xfrm>
+        </p:spPr>
         <p:txBody>
           <a:bodyPr/>
           <a:lstStyle/>
           <a:p>
-            <a:fld id="{1D8BD707-D9CF-40AE-B4C6-C98DA3205C09}" type="datetimeFigureOut">
+            <a:fld id="{E637BB6B-EE1B-48FB-8575-0D55C373DE88}" type="datetimeFigureOut">
               <a:rPr lang="en-US" smtClean="0"/>
               <a:pPr/>
-              <a:t>9/18/2006</a:t>
+              <a:t>5/3/2007</a:t>
             </a:fld>
             <a:endParaRPr lang="en-US"/>
           </a:p>
@@ -2496,7 +3608,7 @@
           <a:bodyPr/>
           <a:lstStyle/>
           <a:p>
-            <a:endParaRPr lang="en-US"/>
+            <a:endParaRPr kumimoji="0" lang="en-US"/>
           </a:p>
         </p:txBody>
       </p:sp>
@@ -2515,12 +3627,12 @@
           <a:bodyPr/>
           <a:lstStyle/>
           <a:p>
-            <a:fld id="{B6F15528-21DE-4FAA-801E-634DDDAF4B2B}" type="slidenum">
-              <a:rPr lang="en-US" smtClean="0"/>
+            <a:fld id="{2AA957AF-53C0-420B-9C2D-77DB1416566C}" type="slidenum">
+              <a:rPr kumimoji="0" lang="en-US" smtClean="0"/>
               <a:pPr/>
               <a:t>‹#›</a:t>
             </a:fld>
-            <a:endParaRPr lang="en-US"/>
+            <a:endParaRPr kumimoji="0" lang="en-US"/>
           </a:p>
         </p:txBody>
       </p:sp>
@@ -2537,7 +3649,7 @@
   <p:cSld>
     <p:bg>
       <p:bgRef idx="1001">
-        <a:schemeClr val="bg1"/>
+        <a:schemeClr val="bg2"/>
       </p:bgRef>
     </p:bg>
     <p:spTree>
@@ -2556,7 +3668,203 @@
       </p:grpSpPr>
       <p:sp>
         <p:nvSpPr>
-          <p:cNvPr id="2" name="Title Placeholder 1"/>
+          <p:cNvPr id="12" name="Freeform 11"/>
+          <p:cNvSpPr>
+            <a:spLocks/>
+          </p:cNvSpPr>
+          <p:nvPr/>
+        </p:nvSpPr>
+        <p:spPr bwMode="auto">
+          <a:xfrm>
+            <a:off x="0" y="4752126"/>
+            <a:ext cx="9144000" cy="2112962"/>
+          </a:xfrm>
+          <a:custGeom>
+            <a:avLst>
+              <a:gd name="A1" fmla="val 0"/>
+              <a:gd name="A2" fmla="val 0"/>
+              <a:gd name="A3" fmla="val 0"/>
+              <a:gd name="A4" fmla="val 0"/>
+              <a:gd name="A5" fmla="val 0"/>
+              <a:gd name="A6" fmla="val 0"/>
+              <a:gd name="A7" fmla="val 0"/>
+              <a:gd name="A8" fmla="val 0"/>
+            </a:avLst>
+            <a:gdLst/>
+            <a:ahLst/>
+            <a:cxnLst>
+              <a:cxn ang="0">
+                <a:pos x="0" y="1066"/>
+              </a:cxn>
+              <a:cxn ang="0">
+                <a:pos x="0" y="1331"/>
+              </a:cxn>
+              <a:cxn ang="0">
+                <a:pos x="5760" y="1331"/>
+              </a:cxn>
+              <a:cxn ang="0">
+                <a:pos x="5760" y="0"/>
+              </a:cxn>
+              <a:cxn ang="0">
+                <a:pos x="0" y="1066"/>
+              </a:cxn>
+            </a:cxnLst>
+            <a:rect l="0" t="0" r="0" b="0"/>
+            <a:pathLst>
+              <a:path w="5760" h="1331">
+                <a:moveTo>
+                  <a:pt x="0" y="1066"/>
+                </a:moveTo>
+                <a:lnTo>
+                  <a:pt x="0" y="1331"/>
+                </a:lnTo>
+                <a:lnTo>
+                  <a:pt x="5760" y="1331"/>
+                </a:lnTo>
+                <a:lnTo>
+                  <a:pt x="5760" y="0"/>
+                </a:lnTo>
+                <a:cubicBezTo>
+                  <a:pt x="3220" y="1206"/>
+                  <a:pt x="2250" y="1146"/>
+                  <a:pt x="0" y="1066"/>
+                </a:cubicBezTo>
+                <a:close/>
+              </a:path>
+            </a:pathLst>
+          </a:custGeom>
+          <a:solidFill>
+            <a:schemeClr val="bg1">
+              <a:tint val="80000"/>
+              <a:satMod val="200000"/>
+              <a:alpha val="45000"/>
+            </a:schemeClr>
+          </a:solidFill>
+          <a:ln w="9525" cap="flat" cmpd="sng" algn="ctr">
+            <a:noFill/>
+            <a:prstDash val="solid"/>
+            <a:round/>
+            <a:headEnd type="none" w="med" len="med"/>
+            <a:tailEnd type="none" w="med" len="med"/>
+          </a:ln>
+          <a:effectLst>
+            <a:outerShdw blurRad="50800" dist="44450" dir="16200000" algn="ctr" rotWithShape="0">
+              <a:prstClr val="black">
+                <a:alpha val="35000"/>
+              </a:prstClr>
+            </a:outerShdw>
+          </a:effectLst>
+        </p:spPr>
+        <p:txBody>
+          <a:bodyPr vert="horz" wrap="square" lIns="91440" tIns="45720" rIns="91440" bIns="45720" anchor="t" compatLnSpc="1"/>
+          <a:lstStyle/>
+          <a:p>
+            <a:endParaRPr kumimoji="0" lang="en-US"/>
+          </a:p>
+        </p:txBody>
+      </p:sp>
+      <p:sp>
+        <p:nvSpPr>
+          <p:cNvPr id="16" name="Freeform 15"/>
+          <p:cNvSpPr>
+            <a:spLocks/>
+          </p:cNvSpPr>
+          <p:nvPr/>
+        </p:nvSpPr>
+        <p:spPr bwMode="auto">
+          <a:xfrm>
+            <a:off x="7315200" y="0"/>
+            <a:ext cx="1828800" cy="6858000"/>
+          </a:xfrm>
+          <a:custGeom>
+            <a:avLst/>
+            <a:gdLst>
+              <a:gd name="connsiteX0" fmla="*/ 1914 w 1914"/>
+              <a:gd name="connsiteY0" fmla="*/ 9 h 4329"/>
+              <a:gd name="connsiteX1" fmla="*/ 1914 w 1914"/>
+              <a:gd name="connsiteY1" fmla="*/ 4329 h 4329"/>
+              <a:gd name="connsiteX2" fmla="*/ 204 w 1914"/>
+              <a:gd name="connsiteY2" fmla="*/ 4327 h 4329"/>
+              <a:gd name="connsiteX3" fmla="*/ 0 w 1914"/>
+              <a:gd name="connsiteY3" fmla="*/ 0 h 4329"/>
+              <a:gd name="connsiteX4" fmla="*/ 1914 w 1914"/>
+              <a:gd name="connsiteY4" fmla="*/ 9 h 4329"/>
+            </a:gdLst>
+            <a:ahLst/>
+            <a:cxnLst>
+              <a:cxn ang="0">
+                <a:pos x="connsiteX0" y="connsiteY0"/>
+              </a:cxn>
+              <a:cxn ang="0">
+                <a:pos x="connsiteX1" y="connsiteY1"/>
+              </a:cxn>
+              <a:cxn ang="0">
+                <a:pos x="connsiteX2" y="connsiteY2"/>
+              </a:cxn>
+              <a:cxn ang="0">
+                <a:pos x="connsiteX3" y="connsiteY3"/>
+              </a:cxn>
+              <a:cxn ang="0">
+                <a:pos x="connsiteX4" y="connsiteY4"/>
+              </a:cxn>
+            </a:cxnLst>
+            <a:rect l="l" t="t" r="r" b="b"/>
+            <a:pathLst>
+              <a:path w="1914" h="4329">
+                <a:moveTo>
+                  <a:pt x="1914" y="9"/>
+                </a:moveTo>
+                <a:lnTo>
+                  <a:pt x="1914" y="4329"/>
+                </a:lnTo>
+                <a:lnTo>
+                  <a:pt x="204" y="4327"/>
+                </a:lnTo>
+                <a:cubicBezTo>
+                  <a:pt x="1288" y="3574"/>
+                  <a:pt x="2082" y="1734"/>
+                  <a:pt x="0" y="0"/>
+                </a:cubicBezTo>
+                <a:lnTo>
+                  <a:pt x="1914" y="9"/>
+                </a:lnTo>
+                <a:close/>
+              </a:path>
+            </a:pathLst>
+          </a:custGeom>
+          <a:solidFill>
+            <a:schemeClr val="bg1">
+              <a:tint val="90000"/>
+              <a:satMod val="350000"/>
+              <a:alpha val="40000"/>
+            </a:schemeClr>
+          </a:solidFill>
+          <a:ln w="9525" cap="flat" cmpd="sng" algn="ctr">
+            <a:noFill/>
+            <a:prstDash val="solid"/>
+            <a:round/>
+            <a:headEnd type="none" w="med" len="med"/>
+            <a:tailEnd type="none" w="med" len="med"/>
+          </a:ln>
+          <a:effectLst>
+            <a:outerShdw blurRad="50800" dist="50800" dir="10800000" algn="ctr" rotWithShape="0">
+              <a:prstClr val="black">
+                <a:alpha val="45000"/>
+              </a:prstClr>
+            </a:outerShdw>
+          </a:effectLst>
+        </p:spPr>
+        <p:txBody>
+          <a:bodyPr vert="horz" wrap="square" lIns="91440" tIns="45720" rIns="91440" bIns="45720" anchor="t" compatLnSpc="1"/>
+          <a:lstStyle/>
+          <a:p>
+            <a:endParaRPr kumimoji="0" lang="en-US"/>
+          </a:p>
+        </p:txBody>
+      </p:sp>
+      <p:sp>
+        <p:nvSpPr>
+          <p:cNvPr id="9" name="Title Placeholder 8"/>
           <p:cNvSpPr>
             <a:spLocks noGrp="1"/>
           </p:cNvSpPr>
@@ -2567,29 +3875,29 @@
         <p:spPr>
           <a:xfrm>
             <a:off x="457200" y="274638"/>
-            <a:ext cx="8229600" cy="1143000"/>
+            <a:ext cx="7467600" cy="1143000"/>
           </a:xfrm>
           <a:prstGeom prst="rect">
             <a:avLst/>
           </a:prstGeom>
         </p:spPr>
         <p:txBody>
-          <a:bodyPr vert="horz" lIns="91440" tIns="45720" rIns="91440" bIns="45720" rtlCol="0" anchor="ctr">
+          <a:bodyPr vert="horz" lIns="45720" rIns="45720" anchor="ctr">
             <a:normAutofit/>
           </a:bodyPr>
           <a:lstStyle/>
           <a:p>
             <a:r>
-              <a:rPr lang="en-US" smtClean="0"/>
+              <a:rPr kumimoji="0" lang="en-US" smtClean="0"/>
               <a:t>Click to edit Master title style</a:t>
             </a:r>
-            <a:endParaRPr lang="en-US"/>
-          </a:p>
-        </p:txBody>
-      </p:sp>
-      <p:sp>
-        <p:nvSpPr>
-          <p:cNvPr id="3" name="Text Placeholder 2"/>
+            <a:endParaRPr kumimoji="0" lang="en-US"/>
+          </a:p>
+        </p:txBody>
+      </p:sp>
+      <p:sp>
+        <p:nvSpPr>
+          <p:cNvPr id="30" name="Text Placeholder 29"/>
           <p:cNvSpPr>
             <a:spLocks noGrp="1"/>
           </p:cNvSpPr>
@@ -2600,58 +3908,58 @@
         <p:spPr>
           <a:xfrm>
             <a:off x="457200" y="1600200"/>
-            <a:ext cx="8229600" cy="4525963"/>
+            <a:ext cx="7467600" cy="4525963"/>
           </a:xfrm>
           <a:prstGeom prst="rect">
             <a:avLst/>
           </a:prstGeom>
         </p:spPr>
         <p:txBody>
-          <a:bodyPr vert="horz" lIns="91440" tIns="45720" rIns="91440" bIns="45720" rtlCol="0">
+          <a:bodyPr vert="horz">
             <a:normAutofit/>
           </a:bodyPr>
           <a:lstStyle/>
           <a:p>
-            <a:pPr lvl="0"/>
-            <a:r>
-              <a:rPr lang="en-US" smtClean="0"/>
+            <a:pPr lvl="0" eaLnBrk="1" latinLnBrk="0" hangingPunct="1"/>
+            <a:r>
+              <a:rPr kumimoji="0" lang="en-US" smtClean="0"/>
               <a:t>Click to edit Master text styles</a:t>
             </a:r>
           </a:p>
           <a:p>
-            <a:pPr lvl="1"/>
-            <a:r>
-              <a:rPr lang="en-US" smtClean="0"/>
+            <a:pPr lvl="1" eaLnBrk="1" latinLnBrk="0" hangingPunct="1"/>
+            <a:r>
+              <a:rPr kumimoji="0" lang="en-US" smtClean="0"/>
               <a:t>Second level</a:t>
             </a:r>
           </a:p>
           <a:p>
-            <a:pPr lvl="2"/>
-            <a:r>
-              <a:rPr lang="en-US" smtClean="0"/>
+            <a:pPr lvl="2" eaLnBrk="1" latinLnBrk="0" hangingPunct="1"/>
+            <a:r>
+              <a:rPr kumimoji="0" lang="en-US" smtClean="0"/>
               <a:t>Third level</a:t>
             </a:r>
           </a:p>
           <a:p>
-            <a:pPr lvl="3"/>
-            <a:r>
-              <a:rPr lang="en-US" smtClean="0"/>
+            <a:pPr lvl="3" eaLnBrk="1" latinLnBrk="0" hangingPunct="1"/>
+            <a:r>
+              <a:rPr kumimoji="0" lang="en-US" smtClean="0"/>
               <a:t>Fourth level</a:t>
             </a:r>
           </a:p>
           <a:p>
-            <a:pPr lvl="4"/>
-            <a:r>
-              <a:rPr lang="en-US" smtClean="0"/>
+            <a:pPr lvl="4" eaLnBrk="1" latinLnBrk="0" hangingPunct="1"/>
+            <a:r>
+              <a:rPr kumimoji="0" lang="en-US" smtClean="0"/>
               <a:t>Fifth level</a:t>
             </a:r>
-            <a:endParaRPr lang="en-US"/>
-          </a:p>
-        </p:txBody>
-      </p:sp>
-      <p:sp>
-        <p:nvSpPr>
-          <p:cNvPr id="4" name="Date Placeholder 3"/>
+            <a:endParaRPr kumimoji="0" lang="en-US"/>
+          </a:p>
+        </p:txBody>
+      </p:sp>
+      <p:sp>
+        <p:nvSpPr>
+          <p:cNvPr id="10" name="Date Placeholder 9"/>
           <p:cNvSpPr>
             <a:spLocks noGrp="1"/>
           </p:cNvSpPr>
@@ -2661,7 +3969,7 @@
         </p:nvSpPr>
         <p:spPr>
           <a:xfrm>
-            <a:off x="457200" y="6356350"/>
+            <a:off x="457200" y="6422064"/>
             <a:ext cx="2133600" cy="365125"/>
           </a:xfrm>
           <a:prstGeom prst="rect">
@@ -2669,31 +3977,37 @@
           </a:prstGeom>
         </p:spPr>
         <p:txBody>
-          <a:bodyPr vert="horz" lIns="91440" tIns="45720" rIns="91440" bIns="45720" rtlCol="0" anchor="ctr"/>
+          <a:bodyPr vert="horz" bIns="0" anchor="b"/>
           <a:lstStyle>
-            <a:lvl1pPr algn="l">
-              <a:defRPr sz="1200">
+            <a:lvl1pPr algn="l" eaLnBrk="1" latinLnBrk="0" hangingPunct="1">
+              <a:defRPr kumimoji="0" sz="1000">
                 <a:solidFill>
-                  <a:schemeClr val="tx1">
-                    <a:tint val="75000"/>
+                  <a:schemeClr val="tx2">
+                    <a:shade val="50000"/>
                   </a:schemeClr>
                 </a:solidFill>
               </a:defRPr>
             </a:lvl1pPr>
           </a:lstStyle>
           <a:p>
-            <a:fld id="{1D8BD707-D9CF-40AE-B4C6-C98DA3205C09}" type="datetimeFigureOut">
+            <a:fld id="{E637BB6B-EE1B-48FB-8575-0D55C373DE88}" type="datetimeFigureOut">
               <a:rPr lang="en-US" smtClean="0"/>
               <a:pPr/>
-              <a:t>9/18/2006</a:t>
+              <a:t>5/3/2007</a:t>
             </a:fld>
-            <a:endParaRPr lang="en-US"/>
-          </a:p>
-        </p:txBody>
-      </p:sp>
-      <p:sp>
-        <p:nvSpPr>
-          <p:cNvPr id="5" name="Footer Placeholder 4"/>
+            <a:endParaRPr lang="en-US" sz="1000">
+              <a:solidFill>
+                <a:schemeClr val="tx2">
+                  <a:shade val="50000"/>
+                </a:schemeClr>
+              </a:solidFill>
+            </a:endParaRPr>
+          </a:p>
+        </p:txBody>
+      </p:sp>
+      <p:sp>
+        <p:nvSpPr>
+          <p:cNvPr id="22" name="Footer Placeholder 21"/>
           <p:cNvSpPr>
             <a:spLocks noGrp="1"/>
           </p:cNvSpPr>
@@ -2703,7 +4017,7 @@
         </p:nvSpPr>
         <p:spPr>
           <a:xfrm>
-            <a:off x="3124200" y="6356350"/>
+            <a:off x="3124200" y="6422064"/>
             <a:ext cx="2895600" cy="365125"/>
           </a:xfrm>
           <a:prstGeom prst="rect">
@@ -2711,26 +4025,33 @@
           </a:prstGeom>
         </p:spPr>
         <p:txBody>
-          <a:bodyPr vert="horz" lIns="91440" tIns="45720" rIns="91440" bIns="45720" rtlCol="0" anchor="ctr"/>
+          <a:bodyPr vert="horz" lIns="0" rIns="0" bIns="0" anchor="b"/>
           <a:lstStyle>
-            <a:lvl1pPr algn="ctr">
-              <a:defRPr sz="1200">
+            <a:lvl1pPr algn="ctr" eaLnBrk="1" latinLnBrk="0" hangingPunct="1">
+              <a:defRPr kumimoji="0" sz="1000">
                 <a:solidFill>
-                  <a:schemeClr val="tx1">
-                    <a:tint val="75000"/>
+                  <a:schemeClr val="tx2">
+                    <a:shade val="50000"/>
                   </a:schemeClr>
                 </a:solidFill>
               </a:defRPr>
             </a:lvl1pPr>
           </a:lstStyle>
           <a:p>
-            <a:endParaRPr lang="en-US"/>
-          </a:p>
-        </p:txBody>
-      </p:sp>
-      <p:sp>
-        <p:nvSpPr>
-          <p:cNvPr id="6" name="Slide Number Placeholder 5"/>
+            <a:pPr algn="ctr" eaLnBrk="1" latinLnBrk="0" hangingPunct="1"/>
+            <a:endParaRPr kumimoji="0" lang="en-US" sz="1000" dirty="0">
+              <a:solidFill>
+                <a:schemeClr val="tx2">
+                  <a:shade val="50000"/>
+                </a:schemeClr>
+              </a:solidFill>
+            </a:endParaRPr>
+          </a:p>
+        </p:txBody>
+      </p:sp>
+      <p:sp>
+        <p:nvSpPr>
+          <p:cNvPr id="18" name="Slide Number Placeholder 17"/>
           <p:cNvSpPr>
             <a:spLocks noGrp="1"/>
           </p:cNvSpPr>
@@ -2740,60 +4061,66 @@
         </p:nvSpPr>
         <p:spPr>
           <a:xfrm>
-            <a:off x="6553200" y="6356350"/>
-            <a:ext cx="2133600" cy="365125"/>
+            <a:off x="8153400" y="6422064"/>
+            <a:ext cx="762000" cy="365125"/>
           </a:xfrm>
           <a:prstGeom prst="rect">
             <a:avLst/>
           </a:prstGeom>
         </p:spPr>
         <p:txBody>
-          <a:bodyPr vert="horz" lIns="91440" tIns="45720" rIns="91440" bIns="45720" rtlCol="0" anchor="ctr"/>
+          <a:bodyPr vert="horz" lIns="0" tIns="0" rIns="0" bIns="0" anchor="b"/>
           <a:lstStyle>
-            <a:lvl1pPr algn="r">
-              <a:defRPr sz="1200">
+            <a:lvl1pPr algn="r" eaLnBrk="1" latinLnBrk="0" hangingPunct="1">
+              <a:defRPr kumimoji="0" sz="1000">
                 <a:solidFill>
-                  <a:schemeClr val="tx1">
-                    <a:tint val="75000"/>
+                  <a:schemeClr val="tx2">
+                    <a:shade val="50000"/>
                   </a:schemeClr>
                 </a:solidFill>
               </a:defRPr>
             </a:lvl1pPr>
           </a:lstStyle>
           <a:p>
-            <a:fld id="{B6F15528-21DE-4FAA-801E-634DDDAF4B2B}" type="slidenum">
-              <a:rPr lang="en-US" smtClean="0"/>
+            <a:fld id="{2AA957AF-53C0-420B-9C2D-77DB1416566C}" type="slidenum">
+              <a:rPr kumimoji="0" lang="en-US" smtClean="0"/>
               <a:pPr/>
               <a:t>‹#›</a:t>
             </a:fld>
-            <a:endParaRPr lang="en-US"/>
+            <a:endParaRPr kumimoji="0" lang="en-US" sz="1000" dirty="0">
+              <a:solidFill>
+                <a:schemeClr val="tx2">
+                  <a:shade val="50000"/>
+                </a:schemeClr>
+              </a:solidFill>
+            </a:endParaRPr>
           </a:p>
         </p:txBody>
       </p:sp>
     </p:spTree>
   </p:cSld>
-  <p:clrMap bg1="lt1" tx1="dk1" bg2="lt2" tx2="dk2" accent1="accent1" accent2="accent2" accent3="accent3" accent4="accent4" accent5="accent5" accent6="accent6" hlink="hlink" folHlink="folHlink"/>
+  <p:clrMap bg1="dk1" tx1="lt1" bg2="dk2" tx2="lt2" accent1="accent1" accent2="accent2" accent3="accent3" accent4="accent4" accent5="accent5" accent6="accent6" hlink="hlink" folHlink="folHlink"/>
   <p:sldLayoutIdLst>
-    <p:sldLayoutId id="2147483649" r:id="rId1"/>
-    <p:sldLayoutId id="2147483650" r:id="rId2"/>
-    <p:sldLayoutId id="2147483651" r:id="rId3"/>
-    <p:sldLayoutId id="2147483652" r:id="rId4"/>
-    <p:sldLayoutId id="2147483653" r:id="rId5"/>
-    <p:sldLayoutId id="2147483654" r:id="rId6"/>
-    <p:sldLayoutId id="2147483655" r:id="rId7"/>
-    <p:sldLayoutId id="2147483656" r:id="rId8"/>
-    <p:sldLayoutId id="2147483657" r:id="rId9"/>
-    <p:sldLayoutId id="2147483658" r:id="rId10"/>
-    <p:sldLayoutId id="2147483659" r:id="rId11"/>
+    <p:sldLayoutId id="2147483661" r:id="rId1"/>
+    <p:sldLayoutId id="2147483662" r:id="rId2"/>
+    <p:sldLayoutId id="2147483663" r:id="rId3"/>
+    <p:sldLayoutId id="2147483664" r:id="rId4"/>
+    <p:sldLayoutId id="2147483665" r:id="rId5"/>
+    <p:sldLayoutId id="2147483666" r:id="rId6"/>
+    <p:sldLayoutId id="2147483667" r:id="rId7"/>
+    <p:sldLayoutId id="2147483668" r:id="rId8"/>
+    <p:sldLayoutId id="2147483669" r:id="rId9"/>
+    <p:sldLayoutId id="2147483670" r:id="rId10"/>
+    <p:sldLayoutId id="2147483671" r:id="rId11"/>
   </p:sldLayoutIdLst>
   <p:txStyles>
     <p:titleStyle>
-      <a:lvl1pPr algn="ctr" defTabSz="914400" rtl="0" eaLnBrk="1" latinLnBrk="0" hangingPunct="1">
+      <a:lvl1pPr algn="l" rtl="0" eaLnBrk="1" latinLnBrk="0" hangingPunct="1">
         <a:spcBef>
           <a:spcPct val="0"/>
         </a:spcBef>
         <a:buNone/>
-        <a:defRPr sz="4400" kern="1200">
+        <a:defRPr kumimoji="0" sz="4600" kern="1200">
           <a:solidFill>
             <a:schemeClr val="tx1"/>
           </a:solidFill>
@@ -2804,13 +4131,17 @@
       </a:lvl1pPr>
     </p:titleStyle>
     <p:bodyStyle>
-      <a:lvl1pPr marL="342900" indent="-342900" algn="l" defTabSz="914400" rtl="0" eaLnBrk="1" latinLnBrk="0" hangingPunct="1">
+      <a:lvl1pPr marL="420624" indent="-384048" algn="l" rtl="0" eaLnBrk="1" latinLnBrk="0" hangingPunct="1">
         <a:spcBef>
           <a:spcPct val="20000"/>
         </a:spcBef>
-        <a:buFont typeface="Arial" pitchFamily="34" charset="0"/>
-        <a:buChar char="•"/>
-        <a:defRPr sz="3200" kern="1200">
+        <a:buClr>
+          <a:schemeClr val="accent1"/>
+        </a:buClr>
+        <a:buSzPct val="80000"/>
+        <a:buFont typeface="Wingdings 2"/>
+        <a:buChar char=""/>
+        <a:defRPr kumimoji="0" sz="3000" kern="1200">
           <a:solidFill>
             <a:schemeClr val="tx1"/>
           </a:solidFill>
@@ -2819,13 +4150,17 @@
           <a:cs typeface="+mn-cs"/>
         </a:defRPr>
       </a:lvl1pPr>
-      <a:lvl2pPr marL="742950" indent="-285750" algn="l" defTabSz="914400" rtl="0" eaLnBrk="1" latinLnBrk="0" hangingPunct="1">
+      <a:lvl2pPr marL="722376" indent="-274320" algn="l" rtl="0" eaLnBrk="1" latinLnBrk="0" hangingPunct="1">
         <a:spcBef>
           <a:spcPct val="20000"/>
         </a:spcBef>
-        <a:buFont typeface="Arial" pitchFamily="34" charset="0"/>
-        <a:buChar char="–"/>
-        <a:defRPr sz="2800" kern="1200">
+        <a:buClr>
+          <a:schemeClr val="accent1"/>
+        </a:buClr>
+        <a:buSzPct val="90000"/>
+        <a:buFont typeface="Wingdings 2"/>
+        <a:buChar char=""/>
+        <a:defRPr kumimoji="0" sz="2600" kern="1200">
           <a:solidFill>
             <a:schemeClr val="tx1"/>
           </a:solidFill>
@@ -2834,13 +4169,17 @@
           <a:cs typeface="+mn-cs"/>
         </a:defRPr>
       </a:lvl2pPr>
-      <a:lvl3pPr marL="1143000" indent="-228600" algn="l" defTabSz="914400" rtl="0" eaLnBrk="1" latinLnBrk="0" hangingPunct="1">
+      <a:lvl3pPr marL="1005840" indent="-256032" algn="l" rtl="0" eaLnBrk="1" latinLnBrk="0" hangingPunct="1">
         <a:spcBef>
           <a:spcPct val="20000"/>
         </a:spcBef>
-        <a:buFont typeface="Arial" pitchFamily="34" charset="0"/>
-        <a:buChar char="•"/>
-        <a:defRPr sz="2400" kern="1200">
+        <a:buClr>
+          <a:schemeClr val="accent2"/>
+        </a:buClr>
+        <a:buSzPct val="85000"/>
+        <a:buFont typeface="Arial"/>
+        <a:buChar char="○"/>
+        <a:defRPr kumimoji="0" sz="2400" kern="1200">
           <a:solidFill>
             <a:schemeClr val="tx1"/>
           </a:solidFill>
@@ -2849,13 +4188,17 @@
           <a:cs typeface="+mn-cs"/>
         </a:defRPr>
       </a:lvl3pPr>
-      <a:lvl4pPr marL="1600200" indent="-228600" algn="l" defTabSz="914400" rtl="0" eaLnBrk="1" latinLnBrk="0" hangingPunct="1">
+      <a:lvl4pPr marL="1280160" indent="-237744" algn="l" rtl="0" eaLnBrk="1" latinLnBrk="0" hangingPunct="1">
         <a:spcBef>
           <a:spcPct val="20000"/>
         </a:spcBef>
-        <a:buFont typeface="Arial" pitchFamily="34" charset="0"/>
-        <a:buChar char="–"/>
-        <a:defRPr sz="2000" kern="1200">
+        <a:buClr>
+          <a:schemeClr val="accent3"/>
+        </a:buClr>
+        <a:buSzPct val="90000"/>
+        <a:buFont typeface="Wingdings 2"/>
+        <a:buChar char=""/>
+        <a:defRPr kumimoji="0" sz="2000" kern="1200">
           <a:solidFill>
             <a:schemeClr val="tx1"/>
           </a:solidFill>
@@ -2864,13 +4207,17 @@
           <a:cs typeface="+mn-cs"/>
         </a:defRPr>
       </a:lvl4pPr>
-      <a:lvl5pPr marL="2057400" indent="-228600" algn="l" defTabSz="914400" rtl="0" eaLnBrk="1" latinLnBrk="0" hangingPunct="1">
+      <a:lvl5pPr marL="1490472" indent="-182880" algn="l" rtl="0" eaLnBrk="1" latinLnBrk="0" hangingPunct="1">
         <a:spcBef>
           <a:spcPct val="20000"/>
         </a:spcBef>
-        <a:buFont typeface="Arial" pitchFamily="34" charset="0"/>
-        <a:buChar char="»"/>
-        <a:defRPr sz="2000" kern="1200">
+        <a:buClr>
+          <a:schemeClr val="accent4"/>
+        </a:buClr>
+        <a:buSzPct val="100000"/>
+        <a:buFont typeface="Arial"/>
+        <a:buChar char="-"/>
+        <a:defRPr kumimoji="0" sz="2000" kern="1200">
           <a:solidFill>
             <a:schemeClr val="tx1"/>
           </a:solidFill>
@@ -2879,13 +4226,16 @@
           <a:cs typeface="+mn-cs"/>
         </a:defRPr>
       </a:lvl5pPr>
-      <a:lvl6pPr marL="2514600" indent="-228600" algn="l" defTabSz="914400" rtl="0" eaLnBrk="1" latinLnBrk="0" hangingPunct="1">
+      <a:lvl6pPr marL="1700784" indent="-182880" algn="l" rtl="0" eaLnBrk="1" latinLnBrk="0" hangingPunct="1">
         <a:spcBef>
           <a:spcPct val="20000"/>
         </a:spcBef>
-        <a:buFont typeface="Arial" pitchFamily="34" charset="0"/>
-        <a:buChar char="•"/>
-        <a:defRPr sz="2000" kern="1200">
+        <a:buClr>
+          <a:schemeClr val="accent5"/>
+        </a:buClr>
+        <a:buFont typeface="Arial"/>
+        <a:buChar char="-"/>
+        <a:defRPr kumimoji="0" sz="2000" kern="1200" baseline="0">
           <a:solidFill>
             <a:schemeClr val="tx1"/>
           </a:solidFill>
@@ -2894,13 +4244,17 @@
           <a:cs typeface="+mn-cs"/>
         </a:defRPr>
       </a:lvl6pPr>
-      <a:lvl7pPr marL="2971800" indent="-228600" algn="l" defTabSz="914400" rtl="0" eaLnBrk="1" latinLnBrk="0" hangingPunct="1">
+      <a:lvl7pPr marL="1920240" indent="-182880" algn="l" rtl="0" eaLnBrk="1" latinLnBrk="0" hangingPunct="1">
         <a:spcBef>
           <a:spcPct val="20000"/>
         </a:spcBef>
-        <a:buFont typeface="Arial" pitchFamily="34" charset="0"/>
+        <a:buClr>
+          <a:schemeClr val="accent6"/>
+        </a:buClr>
+        <a:buSzPct val="100000"/>
+        <a:buFont typeface="Arial"/>
         <a:buChar char="•"/>
-        <a:defRPr sz="2000" kern="1200">
+        <a:defRPr kumimoji="0" sz="1800" kern="1200" baseline="0">
           <a:solidFill>
             <a:schemeClr val="tx1"/>
           </a:solidFill>
@@ -2909,13 +4263,16 @@
           <a:cs typeface="+mn-cs"/>
         </a:defRPr>
       </a:lvl7pPr>
-      <a:lvl8pPr marL="3429000" indent="-228600" algn="l" defTabSz="914400" rtl="0" eaLnBrk="1" latinLnBrk="0" hangingPunct="1">
+      <a:lvl8pPr marL="2139696" indent="-182880" algn="l" rtl="0" eaLnBrk="1" latinLnBrk="0" hangingPunct="1">
         <a:spcBef>
           <a:spcPct val="20000"/>
         </a:spcBef>
-        <a:buFont typeface="Arial" pitchFamily="34" charset="0"/>
-        <a:buChar char="•"/>
-        <a:defRPr sz="2000" kern="1200">
+        <a:buClr>
+          <a:schemeClr val="accent6"/>
+        </a:buClr>
+        <a:buFont typeface="Arial"/>
+        <a:buChar char="▪"/>
+        <a:defRPr kumimoji="0" sz="1600" kern="1200">
           <a:solidFill>
             <a:schemeClr val="tx1"/>
           </a:solidFill>
@@ -2924,13 +4281,16 @@
           <a:cs typeface="+mn-cs"/>
         </a:defRPr>
       </a:lvl8pPr>
-      <a:lvl9pPr marL="3886200" indent="-228600" algn="l" defTabSz="914400" rtl="0" eaLnBrk="1" latinLnBrk="0" hangingPunct="1">
+      <a:lvl9pPr marL="2331720" indent="-182880" algn="l" rtl="0" eaLnBrk="1" latinLnBrk="0" hangingPunct="1">
         <a:spcBef>
           <a:spcPct val="20000"/>
         </a:spcBef>
-        <a:buFont typeface="Arial" pitchFamily="34" charset="0"/>
+        <a:buClr>
+          <a:schemeClr val="accent6"/>
+        </a:buClr>
+        <a:buFont typeface="Arial"/>
         <a:buChar char="•"/>
-        <a:defRPr sz="2000" kern="1200">
+        <a:defRPr kumimoji="0" sz="1600" kern="1200">
           <a:solidFill>
             <a:schemeClr val="tx1"/>
           </a:solidFill>
@@ -2941,11 +4301,8 @@
       </a:lvl9pPr>
     </p:bodyStyle>
     <p:otherStyle>
-      <a:defPPr>
-        <a:defRPr lang="en-US"/>
-      </a:defPPr>
-      <a:lvl1pPr marL="0" algn="l" defTabSz="914400" rtl="0" eaLnBrk="1" latinLnBrk="0" hangingPunct="1">
-        <a:defRPr sz="1800" kern="1200">
+      <a:lvl1pPr marL="0" algn="l" rtl="0" eaLnBrk="1" latinLnBrk="0" hangingPunct="1">
+        <a:defRPr kumimoji="0" kern="1200">
           <a:solidFill>
             <a:schemeClr val="tx1"/>
           </a:solidFill>
@@ -2954,8 +4311,8 @@
           <a:cs typeface="+mn-cs"/>
         </a:defRPr>
       </a:lvl1pPr>
-      <a:lvl2pPr marL="457200" algn="l" defTabSz="914400" rtl="0" eaLnBrk="1" latinLnBrk="0" hangingPunct="1">
-        <a:defRPr sz="1800" kern="1200">
+      <a:lvl2pPr marL="457200" algn="l" rtl="0" eaLnBrk="1" latinLnBrk="0" hangingPunct="1">
+        <a:defRPr kumimoji="0" kern="1200">
           <a:solidFill>
             <a:schemeClr val="tx1"/>
           </a:solidFill>
@@ -2964,8 +4321,8 @@
           <a:cs typeface="+mn-cs"/>
         </a:defRPr>
       </a:lvl2pPr>
-      <a:lvl3pPr marL="914400" algn="l" defTabSz="914400" rtl="0" eaLnBrk="1" latinLnBrk="0" hangingPunct="1">
-        <a:defRPr sz="1800" kern="1200">
+      <a:lvl3pPr marL="914400" algn="l" rtl="0" eaLnBrk="1" latinLnBrk="0" hangingPunct="1">
+        <a:defRPr kumimoji="0" kern="1200">
           <a:solidFill>
             <a:schemeClr val="tx1"/>
           </a:solidFill>
@@ -2974,8 +4331,8 @@
           <a:cs typeface="+mn-cs"/>
         </a:defRPr>
       </a:lvl3pPr>
-      <a:lvl4pPr marL="1371600" algn="l" defTabSz="914400" rtl="0" eaLnBrk="1" latinLnBrk="0" hangingPunct="1">
-        <a:defRPr sz="1800" kern="1200">
+      <a:lvl4pPr marL="1371600" algn="l" rtl="0" eaLnBrk="1" latinLnBrk="0" hangingPunct="1">
+        <a:defRPr kumimoji="0" kern="1200">
           <a:solidFill>
             <a:schemeClr val="tx1"/>
           </a:solidFill>
@@ -2984,8 +4341,8 @@
           <a:cs typeface="+mn-cs"/>
         </a:defRPr>
       </a:lvl4pPr>
-      <a:lvl5pPr marL="1828800" algn="l" defTabSz="914400" rtl="0" eaLnBrk="1" latinLnBrk="0" hangingPunct="1">
-        <a:defRPr sz="1800" kern="1200">
+      <a:lvl5pPr marL="1828800" algn="l" rtl="0" eaLnBrk="1" latinLnBrk="0" hangingPunct="1">
+        <a:defRPr kumimoji="0" kern="1200">
           <a:solidFill>
             <a:schemeClr val="tx1"/>
           </a:solidFill>
@@ -2994,8 +4351,8 @@
           <a:cs typeface="+mn-cs"/>
         </a:defRPr>
       </a:lvl5pPr>
-      <a:lvl6pPr marL="2286000" algn="l" defTabSz="914400" rtl="0" eaLnBrk="1" latinLnBrk="0" hangingPunct="1">
-        <a:defRPr sz="1800" kern="1200">
+      <a:lvl6pPr marL="2286000" algn="l" rtl="0" eaLnBrk="1" latinLnBrk="0" hangingPunct="1">
+        <a:defRPr kumimoji="0" kern="1200">
           <a:solidFill>
             <a:schemeClr val="tx1"/>
           </a:solidFill>
@@ -3004,8 +4361,8 @@
           <a:cs typeface="+mn-cs"/>
         </a:defRPr>
       </a:lvl6pPr>
-      <a:lvl7pPr marL="2743200" algn="l" defTabSz="914400" rtl="0" eaLnBrk="1" latinLnBrk="0" hangingPunct="1">
-        <a:defRPr sz="1800" kern="1200">
+      <a:lvl7pPr marL="2743200" algn="l" rtl="0" eaLnBrk="1" latinLnBrk="0" hangingPunct="1">
+        <a:defRPr kumimoji="0" kern="1200">
           <a:solidFill>
             <a:schemeClr val="tx1"/>
           </a:solidFill>
@@ -3014,8 +4371,8 @@
           <a:cs typeface="+mn-cs"/>
         </a:defRPr>
       </a:lvl7pPr>
-      <a:lvl8pPr marL="3200400" algn="l" defTabSz="914400" rtl="0" eaLnBrk="1" latinLnBrk="0" hangingPunct="1">
-        <a:defRPr sz="1800" kern="1200">
+      <a:lvl8pPr marL="3200400" algn="l" rtl="0" eaLnBrk="1" latinLnBrk="0" hangingPunct="1">
+        <a:defRPr kumimoji="0" kern="1200">
           <a:solidFill>
             <a:schemeClr val="tx1"/>
           </a:solidFill>
@@ -3024,8 +4381,8 @@
           <a:cs typeface="+mn-cs"/>
         </a:defRPr>
       </a:lvl8pPr>
-      <a:lvl9pPr marL="3657600" algn="l" defTabSz="914400" rtl="0" eaLnBrk="1" latinLnBrk="0" hangingPunct="1">
-        <a:defRPr sz="1800" kern="1200">
+      <a:lvl9pPr marL="3657600" algn="l" rtl="0" eaLnBrk="1" latinLnBrk="0" hangingPunct="1">
+        <a:defRPr kumimoji="0" kern="1200">
           <a:solidFill>
             <a:schemeClr val="tx1"/>
           </a:solidFill>
@@ -3039,7 +4396,1080 @@
 </p:sldMaster>
 </file>
 
+<file path=ppt/slides/slide1.xml><?xml version="1.0" encoding="utf-8"?>
+<p:sld xmlns:a="http://schemas.openxmlformats.org/drawingml/2006/main" xmlns:r="http://schemas.openxmlformats.org/officeDocument/2006/relationships" xmlns:p="http://schemas.openxmlformats.org/presentationml/2006/main">
+  <p:cSld>
+    <p:spTree>
+      <p:nvGrpSpPr>
+        <p:cNvPr id="1" name=""/>
+        <p:cNvGrpSpPr/>
+        <p:nvPr/>
+      </p:nvGrpSpPr>
+      <p:grpSpPr>
+        <a:xfrm>
+          <a:off x="0" y="0"/>
+          <a:ext cx="0" cy="0"/>
+          <a:chOff x="0" y="0"/>
+          <a:chExt cx="0" cy="0"/>
+        </a:xfrm>
+      </p:grpSpPr>
+      <p:pic>
+        <p:nvPicPr>
+          <p:cNvPr id="6" name="Picture 5" descr="hawk.png"/>
+          <p:cNvPicPr>
+            <a:picLocks noChangeAspect="1"/>
+          </p:cNvPicPr>
+          <p:nvPr/>
+        </p:nvPicPr>
+        <p:blipFill>
+          <a:blip r:embed="rId2"/>
+          <a:stretch>
+            <a:fillRect/>
+          </a:stretch>
+        </p:blipFill>
+        <p:spPr>
+          <a:xfrm>
+            <a:off x="0" y="0"/>
+            <a:ext cx="3174604" cy="3066667"/>
+          </a:xfrm>
+          <a:prstGeom prst="rect">
+            <a:avLst/>
+          </a:prstGeom>
+        </p:spPr>
+      </p:pic>
+      <p:sp>
+        <p:nvSpPr>
+          <p:cNvPr id="2" name="Title 1"/>
+          <p:cNvSpPr>
+            <a:spLocks noGrp="1"/>
+          </p:cNvSpPr>
+          <p:nvPr>
+            <p:ph type="ctrTitle"/>
+          </p:nvPr>
+        </p:nvSpPr>
+        <p:spPr/>
+        <p:txBody>
+          <a:bodyPr/>
+          <a:lstStyle/>
+          <a:p>
+            <a:r>
+              <a:rPr smtClean="0"/>
+              <a:t>The </a:t>
+            </a:r>
+            <a:r>
+              <a:rPr smtClean="0"/>
+              <a:t>Firehawk </a:t>
+            </a:r>
+            <a:r>
+              <a:rPr smtClean="0"/>
+              <a:t>Toolbar</a:t>
+            </a:r>
+            <a:br>
+              <a:rPr smtClean="0"/>
+            </a:br>
+            <a:r>
+              <a:rPr sz="2400" smtClean="0"/>
+              <a:t>Final </a:t>
+            </a:r>
+            <a:r>
+              <a:rPr sz="2400" smtClean="0"/>
+              <a:t>Presentation</a:t>
+            </a:r>
+            <a:br>
+              <a:rPr sz="2400" smtClean="0"/>
+            </a:br>
+            <a:endParaRPr lang="en-US" sz="2400" dirty="0"/>
+          </a:p>
+        </p:txBody>
+      </p:sp>
+      <p:sp>
+        <p:nvSpPr>
+          <p:cNvPr id="3" name="Subtitle 2"/>
+          <p:cNvSpPr>
+            <a:spLocks noGrp="1"/>
+          </p:cNvSpPr>
+          <p:nvPr>
+            <p:ph type="subTitle" idx="1"/>
+          </p:nvPr>
+        </p:nvSpPr>
+        <p:spPr/>
+        <p:txBody>
+          <a:bodyPr/>
+          <a:lstStyle/>
+          <a:p>
+            <a:r>
+              <a:rPr lang="en-US" dirty="0" smtClean="0"/>
+              <a:t>John </a:t>
+            </a:r>
+            <a:r>
+              <a:rPr lang="en-US" dirty="0" err="1" smtClean="0"/>
+              <a:t>Foushee</a:t>
+            </a:r>
+            <a:endParaRPr lang="en-US" dirty="0" smtClean="0"/>
+          </a:p>
+          <a:p>
+            <a:r>
+              <a:rPr lang="en-US" dirty="0" smtClean="0"/>
+              <a:t>Andrew Hulbert</a:t>
+            </a:r>
+          </a:p>
+          <a:p>
+            <a:r>
+              <a:rPr lang="en-US" dirty="0" smtClean="0"/>
+              <a:t>Brian </a:t>
+            </a:r>
+            <a:r>
+              <a:rPr lang="en-US" dirty="0" err="1" smtClean="0"/>
+              <a:t>Louden</a:t>
+            </a:r>
+            <a:endParaRPr lang="en-US" dirty="0"/>
+          </a:p>
+        </p:txBody>
+      </p:sp>
+    </p:spTree>
+  </p:cSld>
+  <p:clrMapOvr>
+    <a:masterClrMapping/>
+  </p:clrMapOvr>
+  <p:timing>
+    <p:tnLst>
+      <p:par>
+        <p:cTn id="1" dur="indefinite" restart="never" nodeType="tmRoot"/>
+      </p:par>
+    </p:tnLst>
+  </p:timing>
+</p:sld>
+</file>
+
+<file path=ppt/slides/slide2.xml><?xml version="1.0" encoding="utf-8"?>
+<p:sld xmlns:a="http://schemas.openxmlformats.org/drawingml/2006/main" xmlns:r="http://schemas.openxmlformats.org/officeDocument/2006/relationships" xmlns:p="http://schemas.openxmlformats.org/presentationml/2006/main">
+  <p:cSld>
+    <p:spTree>
+      <p:nvGrpSpPr>
+        <p:cNvPr id="1" name=""/>
+        <p:cNvGrpSpPr/>
+        <p:nvPr/>
+      </p:nvGrpSpPr>
+      <p:grpSpPr>
+        <a:xfrm>
+          <a:off x="0" y="0"/>
+          <a:ext cx="0" cy="0"/>
+          <a:chOff x="0" y="0"/>
+          <a:chExt cx="0" cy="0"/>
+        </a:xfrm>
+      </p:grpSpPr>
+      <p:pic>
+        <p:nvPicPr>
+          <p:cNvPr id="5" name="Picture 4" descr="hawk2.png"/>
+          <p:cNvPicPr>
+            <a:picLocks noChangeAspect="1"/>
+          </p:cNvPicPr>
+          <p:nvPr/>
+        </p:nvPicPr>
+        <p:blipFill>
+          <a:blip r:embed="rId3"/>
+          <a:stretch>
+            <a:fillRect/>
+          </a:stretch>
+        </p:blipFill>
+        <p:spPr>
+          <a:xfrm>
+            <a:off x="1397396" y="362333"/>
+            <a:ext cx="6349207" cy="6133334"/>
+          </a:xfrm>
+          <a:prstGeom prst="rect">
+            <a:avLst/>
+          </a:prstGeom>
+        </p:spPr>
+      </p:pic>
+      <p:sp>
+        <p:nvSpPr>
+          <p:cNvPr id="2" name="Title 1"/>
+          <p:cNvSpPr>
+            <a:spLocks noGrp="1"/>
+          </p:cNvSpPr>
+          <p:nvPr>
+            <p:ph type="title"/>
+          </p:nvPr>
+        </p:nvSpPr>
+        <p:spPr/>
+        <p:txBody>
+          <a:bodyPr/>
+          <a:lstStyle/>
+          <a:p>
+            <a:r>
+              <a:rPr lang="en-US" b="1" dirty="0" smtClean="0"/>
+              <a:t>Problem: Web Accessibility</a:t>
+            </a:r>
+            <a:endParaRPr lang="en-US" b="1" dirty="0"/>
+          </a:p>
+        </p:txBody>
+      </p:sp>
+      <p:sp>
+        <p:nvSpPr>
+          <p:cNvPr id="3" name="Content Placeholder 2"/>
+          <p:cNvSpPr>
+            <a:spLocks noGrp="1"/>
+          </p:cNvSpPr>
+          <p:nvPr>
+            <p:ph idx="1"/>
+          </p:nvPr>
+        </p:nvSpPr>
+        <p:spPr>
+          <a:xfrm>
+            <a:off x="457200" y="1600200"/>
+            <a:ext cx="7467600" cy="4953000"/>
+          </a:xfrm>
+        </p:spPr>
+        <p:txBody>
+          <a:bodyPr>
+            <a:normAutofit/>
+          </a:bodyPr>
+          <a:lstStyle/>
+          <a:p>
+            <a:r>
+              <a:rPr lang="en-US" dirty="0" smtClean="0"/>
+              <a:t>Web Accessibility</a:t>
+            </a:r>
+          </a:p>
+          <a:p>
+            <a:pPr lvl="1"/>
+            <a:r>
+              <a:rPr lang="en-US" dirty="0" smtClean="0"/>
+              <a:t>Traditional Methods of Navigating the Web</a:t>
+            </a:r>
+          </a:p>
+          <a:p>
+            <a:pPr lvl="2"/>
+            <a:r>
+              <a:rPr lang="en-US" dirty="0" smtClean="0"/>
+              <a:t>Mouse clicks and hyperlinks</a:t>
+            </a:r>
+          </a:p>
+          <a:p>
+            <a:pPr lvl="1"/>
+            <a:r>
+              <a:rPr lang="en-US" dirty="0" smtClean="0"/>
+              <a:t>What if you had no mouse?</a:t>
+            </a:r>
+          </a:p>
+          <a:p>
+            <a:pPr lvl="2"/>
+            <a:r>
+              <a:rPr lang="en-US" dirty="0" smtClean="0"/>
+              <a:t>Disabled user input is often limited to speech or switch input </a:t>
+            </a:r>
+          </a:p>
+          <a:p>
+            <a:r>
+              <a:rPr lang="en-US" dirty="0" smtClean="0"/>
+              <a:t>Project Goal</a:t>
+            </a:r>
+          </a:p>
+          <a:p>
+            <a:pPr lvl="1"/>
+            <a:r>
+              <a:rPr lang="en-US" dirty="0" smtClean="0"/>
+              <a:t>Allow Users to Access Web Content and Browser Functionality with non-traditional input</a:t>
+            </a:r>
+          </a:p>
+        </p:txBody>
+      </p:sp>
+    </p:spTree>
+  </p:cSld>
+  <p:clrMapOvr>
+    <a:masterClrMapping/>
+  </p:clrMapOvr>
+  <p:timing>
+    <p:tnLst>
+      <p:par>
+        <p:cTn id="1" dur="indefinite" restart="never" nodeType="tmRoot"/>
+      </p:par>
+    </p:tnLst>
+  </p:timing>
+</p:sld>
+</file>
+
+<file path=ppt/slides/slide3.xml><?xml version="1.0" encoding="utf-8"?>
+<p:sld xmlns:a="http://schemas.openxmlformats.org/drawingml/2006/main" xmlns:r="http://schemas.openxmlformats.org/officeDocument/2006/relationships" xmlns:p="http://schemas.openxmlformats.org/presentationml/2006/main">
+  <p:cSld>
+    <p:spTree>
+      <p:nvGrpSpPr>
+        <p:cNvPr id="1" name=""/>
+        <p:cNvGrpSpPr/>
+        <p:nvPr/>
+      </p:nvGrpSpPr>
+      <p:grpSpPr>
+        <a:xfrm>
+          <a:off x="0" y="0"/>
+          <a:ext cx="0" cy="0"/>
+          <a:chOff x="0" y="0"/>
+          <a:chExt cx="0" cy="0"/>
+        </a:xfrm>
+      </p:grpSpPr>
+      <p:sp>
+        <p:nvSpPr>
+          <p:cNvPr id="2" name="Title 1"/>
+          <p:cNvSpPr>
+            <a:spLocks noGrp="1"/>
+          </p:cNvSpPr>
+          <p:nvPr>
+            <p:ph type="title"/>
+          </p:nvPr>
+        </p:nvSpPr>
+        <p:spPr/>
+        <p:txBody>
+          <a:bodyPr>
+            <a:normAutofit/>
+          </a:bodyPr>
+          <a:lstStyle/>
+          <a:p>
+            <a:r>
+              <a:rPr lang="en-US" b="1" dirty="0" smtClean="0"/>
+              <a:t>Solution: Hawking Toolbar</a:t>
+            </a:r>
+            <a:endParaRPr lang="en-US" dirty="0"/>
+          </a:p>
+        </p:txBody>
+      </p:sp>
+      <p:sp>
+        <p:nvSpPr>
+          <p:cNvPr id="3" name="Content Placeholder 2"/>
+          <p:cNvSpPr>
+            <a:spLocks noGrp="1"/>
+          </p:cNvSpPr>
+          <p:nvPr>
+            <p:ph idx="1"/>
+          </p:nvPr>
+        </p:nvSpPr>
+        <p:spPr/>
+        <p:txBody>
+          <a:bodyPr>
+            <a:normAutofit/>
+          </a:bodyPr>
+          <a:lstStyle/>
+          <a:p>
+            <a:r>
+              <a:rPr lang="en-US" dirty="0" smtClean="0"/>
+              <a:t>Allows disabled users to cycle through links on a webpage using only two input switches/keys</a:t>
+            </a:r>
+          </a:p>
+          <a:p>
+            <a:r>
+              <a:rPr lang="en-US" dirty="0" smtClean="0"/>
+              <a:t>Works on any computer platform (Mac, Windows, Linux) running Firefox browser</a:t>
+            </a:r>
+          </a:p>
+        </p:txBody>
+      </p:sp>
+      <p:pic>
+        <p:nvPicPr>
+          <p:cNvPr id="4" name="Picture 3" descr="hawk2.png"/>
+          <p:cNvPicPr>
+            <a:picLocks noChangeAspect="1"/>
+          </p:cNvPicPr>
+          <p:nvPr/>
+        </p:nvPicPr>
+        <p:blipFill>
+          <a:blip r:embed="rId3"/>
+          <a:stretch>
+            <a:fillRect/>
+          </a:stretch>
+        </p:blipFill>
+        <p:spPr>
+          <a:xfrm>
+            <a:off x="1397396" y="362333"/>
+            <a:ext cx="6349207" cy="6133334"/>
+          </a:xfrm>
+          <a:prstGeom prst="rect">
+            <a:avLst/>
+          </a:prstGeom>
+        </p:spPr>
+      </p:pic>
+      <p:pic>
+        <p:nvPicPr>
+          <p:cNvPr id="1026" name="Picture 2"/>
+          <p:cNvPicPr>
+            <a:picLocks noChangeAspect="1" noChangeArrowheads="1"/>
+          </p:cNvPicPr>
+          <p:nvPr/>
+        </p:nvPicPr>
+        <p:blipFill>
+          <a:blip r:embed="rId4"/>
+          <a:srcRect l="871" t="5755"/>
+          <a:stretch>
+            <a:fillRect/>
+          </a:stretch>
+        </p:blipFill>
+        <p:spPr bwMode="auto">
+          <a:xfrm>
+            <a:off x="228600" y="5105400"/>
+            <a:ext cx="8667750" cy="1247775"/>
+          </a:xfrm>
+          <a:prstGeom prst="rect">
+            <a:avLst/>
+          </a:prstGeom>
+          <a:noFill/>
+          <a:ln w="9525">
+            <a:noFill/>
+            <a:miter lim="800000"/>
+            <a:headEnd/>
+            <a:tailEnd/>
+          </a:ln>
+          <a:effectLst/>
+        </p:spPr>
+      </p:pic>
+    </p:spTree>
+  </p:cSld>
+  <p:clrMapOvr>
+    <a:masterClrMapping/>
+  </p:clrMapOvr>
+  <p:timing>
+    <p:tnLst>
+      <p:par>
+        <p:cTn id="1" dur="indefinite" restart="never" nodeType="tmRoot"/>
+      </p:par>
+    </p:tnLst>
+  </p:timing>
+</p:sld>
+</file>
+
+<file path=ppt/slides/slide4.xml><?xml version="1.0" encoding="utf-8"?>
+<p:sld xmlns:a="http://schemas.openxmlformats.org/drawingml/2006/main" xmlns:r="http://schemas.openxmlformats.org/officeDocument/2006/relationships" xmlns:p="http://schemas.openxmlformats.org/presentationml/2006/main">
+  <p:cSld>
+    <p:spTree>
+      <p:nvGrpSpPr>
+        <p:cNvPr id="1" name=""/>
+        <p:cNvGrpSpPr/>
+        <p:nvPr/>
+      </p:nvGrpSpPr>
+      <p:grpSpPr>
+        <a:xfrm>
+          <a:off x="0" y="0"/>
+          <a:ext cx="0" cy="0"/>
+          <a:chOff x="0" y="0"/>
+          <a:chExt cx="0" cy="0"/>
+        </a:xfrm>
+      </p:grpSpPr>
+      <p:pic>
+        <p:nvPicPr>
+          <p:cNvPr id="4" name="Picture 3" descr="hawk2.png"/>
+          <p:cNvPicPr>
+            <a:picLocks noChangeAspect="1"/>
+          </p:cNvPicPr>
+          <p:nvPr/>
+        </p:nvPicPr>
+        <p:blipFill>
+          <a:blip r:embed="rId3"/>
+          <a:stretch>
+            <a:fillRect/>
+          </a:stretch>
+        </p:blipFill>
+        <p:spPr>
+          <a:xfrm>
+            <a:off x="1397396" y="362333"/>
+            <a:ext cx="6349207" cy="6133334"/>
+          </a:xfrm>
+          <a:prstGeom prst="rect">
+            <a:avLst/>
+          </a:prstGeom>
+        </p:spPr>
+      </p:pic>
+      <p:sp>
+        <p:nvSpPr>
+          <p:cNvPr id="2" name="Title 1"/>
+          <p:cNvSpPr>
+            <a:spLocks noGrp="1"/>
+          </p:cNvSpPr>
+          <p:nvPr>
+            <p:ph type="title"/>
+          </p:nvPr>
+        </p:nvSpPr>
+        <p:spPr/>
+        <p:txBody>
+          <a:bodyPr>
+            <a:normAutofit/>
+          </a:bodyPr>
+          <a:lstStyle/>
+          <a:p>
+            <a:r>
+              <a:rPr lang="en-US" sz="4400" b="1" dirty="0" smtClean="0"/>
+              <a:t>How it Works</a:t>
+            </a:r>
+            <a:endParaRPr lang="en-US" sz="4400" b="1" dirty="0"/>
+          </a:p>
+        </p:txBody>
+      </p:sp>
+      <p:sp>
+        <p:nvSpPr>
+          <p:cNvPr id="3" name="Content Placeholder 2"/>
+          <p:cNvSpPr>
+            <a:spLocks noGrp="1"/>
+          </p:cNvSpPr>
+          <p:nvPr>
+            <p:ph idx="1"/>
+          </p:nvPr>
+        </p:nvSpPr>
+        <p:spPr/>
+        <p:txBody>
+          <a:bodyPr/>
+          <a:lstStyle/>
+          <a:p>
+            <a:r>
+              <a:rPr lang="en-US" dirty="0" smtClean="0"/>
+              <a:t>Two Basic Operations</a:t>
+            </a:r>
+          </a:p>
+          <a:p>
+            <a:pPr lvl="1"/>
+            <a:r>
+              <a:rPr lang="en-US" dirty="0" smtClean="0"/>
+              <a:t>Move (between links or toolbar buttons)</a:t>
+            </a:r>
+          </a:p>
+          <a:p>
+            <a:pPr lvl="1"/>
+            <a:r>
+              <a:rPr lang="en-US" dirty="0" smtClean="0"/>
+              <a:t>Engage (click links or toolbar buttons)</a:t>
+            </a:r>
+          </a:p>
+          <a:p>
+            <a:r>
+              <a:rPr lang="en-US" dirty="0" smtClean="0"/>
+              <a:t>Balance between function and simplicity</a:t>
+            </a:r>
+          </a:p>
+          <a:p>
+            <a:r>
+              <a:rPr lang="en-US" dirty="0" smtClean="0"/>
+              <a:t>Use for toolbar, extensions and links</a:t>
+            </a:r>
+          </a:p>
+          <a:p>
+            <a:pPr lvl="1"/>
+            <a:r>
+              <a:rPr lang="en-US" dirty="0" smtClean="0"/>
+              <a:t>Scrolling</a:t>
+            </a:r>
+            <a:endParaRPr lang="en-US" dirty="0" smtClean="0"/>
+          </a:p>
+          <a:p>
+            <a:pPr lvl="1"/>
+            <a:r>
+              <a:rPr lang="en-US" dirty="0" smtClean="0"/>
+              <a:t>Bookmarks</a:t>
+            </a:r>
+          </a:p>
+          <a:p>
+            <a:pPr lvl="1"/>
+            <a:r>
+              <a:rPr lang="en-US" dirty="0" smtClean="0"/>
+              <a:t>Navigation (Forward, Backwards, Refresh)</a:t>
+            </a:r>
+          </a:p>
+        </p:txBody>
+      </p:sp>
+      <p:pic>
+        <p:nvPicPr>
+          <p:cNvPr id="2051" name="Picture 3"/>
+          <p:cNvPicPr>
+            <a:picLocks noChangeAspect="1" noChangeArrowheads="1"/>
+          </p:cNvPicPr>
+          <p:nvPr/>
+        </p:nvPicPr>
+        <p:blipFill>
+          <a:blip r:embed="rId4"/>
+          <a:srcRect/>
+          <a:stretch>
+            <a:fillRect/>
+          </a:stretch>
+        </p:blipFill>
+        <p:spPr bwMode="auto">
+          <a:xfrm>
+            <a:off x="1524001" y="5936768"/>
+            <a:ext cx="5257800" cy="616432"/>
+          </a:xfrm>
+          <a:prstGeom prst="rect">
+            <a:avLst/>
+          </a:prstGeom>
+          <a:noFill/>
+          <a:ln w="9525">
+            <a:noFill/>
+            <a:miter lim="800000"/>
+            <a:headEnd/>
+            <a:tailEnd/>
+          </a:ln>
+          <a:effectLst/>
+        </p:spPr>
+      </p:pic>
+    </p:spTree>
+  </p:cSld>
+  <p:clrMapOvr>
+    <a:masterClrMapping/>
+  </p:clrMapOvr>
+  <p:timing>
+    <p:tnLst>
+      <p:par>
+        <p:cTn id="1" dur="indefinite" restart="never" nodeType="tmRoot"/>
+      </p:par>
+    </p:tnLst>
+  </p:timing>
+</p:sld>
+</file>
+
+<file path=ppt/slides/slide5.xml><?xml version="1.0" encoding="utf-8"?>
+<p:sld xmlns:a="http://schemas.openxmlformats.org/drawingml/2006/main" xmlns:r="http://schemas.openxmlformats.org/officeDocument/2006/relationships" xmlns:p="http://schemas.openxmlformats.org/presentationml/2006/main">
+  <p:cSld>
+    <p:spTree>
+      <p:nvGrpSpPr>
+        <p:cNvPr id="1" name=""/>
+        <p:cNvGrpSpPr/>
+        <p:nvPr/>
+      </p:nvGrpSpPr>
+      <p:grpSpPr>
+        <a:xfrm>
+          <a:off x="0" y="0"/>
+          <a:ext cx="0" cy="0"/>
+          <a:chOff x="0" y="0"/>
+          <a:chExt cx="0" cy="0"/>
+        </a:xfrm>
+      </p:grpSpPr>
+      <p:sp>
+        <p:nvSpPr>
+          <p:cNvPr id="2" name="Title 1"/>
+          <p:cNvSpPr>
+            <a:spLocks noGrp="1"/>
+          </p:cNvSpPr>
+          <p:nvPr>
+            <p:ph type="title"/>
+          </p:nvPr>
+        </p:nvSpPr>
+        <p:spPr/>
+        <p:txBody>
+          <a:bodyPr/>
+          <a:lstStyle/>
+          <a:p>
+            <a:r>
+              <a:rPr lang="en-US" b="1" dirty="0" smtClean="0"/>
+              <a:t>Hawking Extensions</a:t>
+            </a:r>
+            <a:endParaRPr lang="en-US" b="1" dirty="0"/>
+          </a:p>
+        </p:txBody>
+      </p:sp>
+      <p:sp>
+        <p:nvSpPr>
+          <p:cNvPr id="3" name="Content Placeholder 2"/>
+          <p:cNvSpPr>
+            <a:spLocks noGrp="1"/>
+          </p:cNvSpPr>
+          <p:nvPr>
+            <p:ph idx="1"/>
+          </p:nvPr>
+        </p:nvSpPr>
+        <p:spPr/>
+        <p:txBody>
+          <a:bodyPr>
+            <a:normAutofit/>
+          </a:bodyPr>
+          <a:lstStyle/>
+          <a:p>
+            <a:r>
+              <a:rPr lang="en-US" dirty="0" smtClean="0"/>
+              <a:t>Each extension implemented as a separate toolbar.</a:t>
+            </a:r>
+          </a:p>
+          <a:p>
+            <a:pPr lvl="1"/>
+            <a:r>
+              <a:rPr lang="en-US" dirty="0" smtClean="0"/>
+              <a:t>Toolbars become visible when the user selects an extension on the main toolbar.</a:t>
+            </a:r>
+          </a:p>
+          <a:p>
+            <a:r>
+              <a:rPr lang="en-US" dirty="0" smtClean="0"/>
+              <a:t>Built to be extensible</a:t>
+            </a:r>
+          </a:p>
+          <a:p>
+            <a:pPr lvl="1"/>
+            <a:r>
+              <a:rPr lang="en-US" dirty="0" smtClean="0"/>
+              <a:t>The Center for Literacy and Disability Studies</a:t>
+            </a:r>
+          </a:p>
+        </p:txBody>
+      </p:sp>
+      <p:pic>
+        <p:nvPicPr>
+          <p:cNvPr id="4" name="Picture 3" descr="hawk2.png"/>
+          <p:cNvPicPr>
+            <a:picLocks noChangeAspect="1"/>
+          </p:cNvPicPr>
+          <p:nvPr/>
+        </p:nvPicPr>
+        <p:blipFill>
+          <a:blip r:embed="rId3"/>
+          <a:stretch>
+            <a:fillRect/>
+          </a:stretch>
+        </p:blipFill>
+        <p:spPr>
+          <a:xfrm>
+            <a:off x="1397396" y="362333"/>
+            <a:ext cx="6349207" cy="6133334"/>
+          </a:xfrm>
+          <a:prstGeom prst="rect">
+            <a:avLst/>
+          </a:prstGeom>
+        </p:spPr>
+      </p:pic>
+    </p:spTree>
+  </p:cSld>
+  <p:clrMapOvr>
+    <a:masterClrMapping/>
+  </p:clrMapOvr>
+  <p:timing>
+    <p:tnLst>
+      <p:par>
+        <p:cTn id="1" dur="indefinite" restart="never" nodeType="tmRoot"/>
+      </p:par>
+    </p:tnLst>
+  </p:timing>
+</p:sld>
+</file>
+
 <file path=ppt/theme/theme1.xml><?xml version="1.0" encoding="utf-8"?>
+<a:theme xmlns:a="http://schemas.openxmlformats.org/drawingml/2006/main" name="Technic">
+  <a:themeElements>
+    <a:clrScheme name="Technic">
+      <a:dk1>
+        <a:sysClr val="windowText" lastClr="000000"/>
+      </a:dk1>
+      <a:lt1>
+        <a:sysClr val="window" lastClr="FFFFFF"/>
+      </a:lt1>
+      <a:dk2>
+        <a:srgbClr val="3B3B3B"/>
+      </a:dk2>
+      <a:lt2>
+        <a:srgbClr val="D4D2D0"/>
+      </a:lt2>
+      <a:accent1>
+        <a:srgbClr val="6EA0B0"/>
+      </a:accent1>
+      <a:accent2>
+        <a:srgbClr val="CCAF0A"/>
+      </a:accent2>
+      <a:accent3>
+        <a:srgbClr val="8D89A4"/>
+      </a:accent3>
+      <a:accent4>
+        <a:srgbClr val="748560"/>
+      </a:accent4>
+      <a:accent5>
+        <a:srgbClr val="9E9273"/>
+      </a:accent5>
+      <a:accent6>
+        <a:srgbClr val="7E848D"/>
+      </a:accent6>
+      <a:hlink>
+        <a:srgbClr val="00C8C3"/>
+      </a:hlink>
+      <a:folHlink>
+        <a:srgbClr val="A116E0"/>
+      </a:folHlink>
+    </a:clrScheme>
+    <a:fontScheme name="Technic">
+      <a:majorFont>
+        <a:latin typeface="Franklin Gothic Book"/>
+        <a:ea typeface=""/>
+        <a:cs typeface=""/>
+        <a:font script="Jpan" typeface="ＭＳ Ｐゴシック"/>
+        <a:font script="Hang" typeface="HY견고딕"/>
+        <a:font script="Hans" typeface="宋体"/>
+        <a:font script="Hant" typeface="微軟正黑體"/>
+        <a:font script="Arab" typeface="Tahoma"/>
+        <a:font script="Hebr" typeface="Arial"/>
+        <a:font script="Thai" typeface="Cordia New"/>
+        <a:font script="Ethi" typeface="Nyala"/>
+        <a:font script="Beng" typeface="Vrinda"/>
+        <a:font script="Gujr" typeface="Shruti"/>
+        <a:font script="Khmr" typeface="DaunPenh"/>
+        <a:font script="Knda" typeface="Tunga"/>
+        <a:font script="Guru" typeface="Raavi"/>
+        <a:font script="Cans" typeface="Euphemia"/>
+        <a:font script="Cher" typeface="Plantagenet Cherokee"/>
+        <a:font script="Yiii" typeface="Microsoft Yi Baiti"/>
+        <a:font script="Tibt" typeface="Microsoft Himalaya"/>
+        <a:font script="Thaa" typeface="MV Boli"/>
+        <a:font script="Deva" typeface="Mangal"/>
+        <a:font script="Telu" typeface="Gautami"/>
+        <a:font script="Taml" typeface="Latha"/>
+        <a:font script="Syrc" typeface="Estrangelo Edessa"/>
+        <a:font script="Orya" typeface="Kalinga"/>
+        <a:font script="Mlym" typeface="Kartika"/>
+        <a:font script="Laoo" typeface="DokChampa"/>
+        <a:font script="Sinh" typeface="Iskoola Pota"/>
+        <a:font script="Mong" typeface="Mongolian Baiti"/>
+        <a:font script="Viet" typeface="Arial"/>
+        <a:font script="Uigh" typeface="Microsoft Uighur"/>
+      </a:majorFont>
+      <a:minorFont>
+        <a:latin typeface="Arial"/>
+        <a:ea typeface=""/>
+        <a:cs typeface=""/>
+        <a:font script="Jpan" typeface="HGｺﾞｼｯｸM"/>
+        <a:font script="Hang" typeface="HY중고딕"/>
+        <a:font script="Hans" typeface="黑体"/>
+        <a:font script="Hant" typeface="微軟正黑體"/>
+        <a:font script="Arab" typeface="Tahoma"/>
+        <a:font script="Hebr" typeface="Levenim MT"/>
+        <a:font script="Thai" typeface="LilyUPC"/>
+        <a:font script="Ethi" typeface="Nyala"/>
+        <a:font script="Beng" typeface="Vrinda"/>
+        <a:font script="Gujr" typeface="Shruti"/>
+        <a:font script="Khmr" typeface="DaunPenh"/>
+        <a:font script="Knda" typeface="Tunga"/>
+        <a:font script="Guru" typeface="Raavi"/>
+        <a:font script="Cans" typeface="Euphemia"/>
+        <a:font script="Cher" typeface="Plantagenet Cherokee"/>
+        <a:font script="Yiii" typeface="Microsoft Yi Baiti"/>
+        <a:font script="Tibt" typeface="Microsoft Himalaya"/>
+        <a:font script="Thaa" typeface="MV Boli"/>
+        <a:font script="Deva" typeface="Mangal"/>
+        <a:font script="Telu" typeface="Gautami"/>
+        <a:font script="Taml" typeface="Latha"/>
+        <a:font script="Syrc" typeface="Estrangelo Edessa"/>
+        <a:font script="Orya" typeface="Kalinga"/>
+        <a:font script="Mlym" typeface="Kartika"/>
+        <a:font script="Laoo" typeface="DokChampa"/>
+        <a:font script="Sinh" typeface="Iskoola Pota"/>
+        <a:font script="Mong" typeface="Mongolian Baiti"/>
+        <a:font script="Viet" typeface="Arial"/>
+        <a:font script="Uigh" typeface="Microsoft Uighur"/>
+      </a:minorFont>
+    </a:fontScheme>
+    <a:fmtScheme name="Technic">
+      <a:fillStyleLst>
+        <a:solidFill>
+          <a:schemeClr val="phClr"/>
+        </a:solidFill>
+        <a:gradFill rotWithShape="1">
+          <a:gsLst>
+            <a:gs pos="0">
+              <a:schemeClr val="phClr">
+                <a:tint val="1000"/>
+              </a:schemeClr>
+            </a:gs>
+            <a:gs pos="68000">
+              <a:schemeClr val="phClr">
+                <a:tint val="77000"/>
+              </a:schemeClr>
+            </a:gs>
+            <a:gs pos="81000">
+              <a:schemeClr val="phClr">
+                <a:tint val="79000"/>
+              </a:schemeClr>
+            </a:gs>
+            <a:gs pos="86000">
+              <a:schemeClr val="phClr">
+                <a:tint val="73000"/>
+              </a:schemeClr>
+            </a:gs>
+            <a:gs pos="100000">
+              <a:schemeClr val="phClr">
+                <a:tint val="35000"/>
+              </a:schemeClr>
+            </a:gs>
+          </a:gsLst>
+          <a:lin ang="5400000" scaled="1"/>
+        </a:gradFill>
+        <a:gradFill rotWithShape="1">
+          <a:gsLst>
+            <a:gs pos="0">
+              <a:schemeClr val="phClr">
+                <a:tint val="73000"/>
+                <a:satMod val="150000"/>
+              </a:schemeClr>
+            </a:gs>
+            <a:gs pos="25000">
+              <a:schemeClr val="phClr">
+                <a:tint val="96000"/>
+                <a:shade val="80000"/>
+                <a:satMod val="105000"/>
+              </a:schemeClr>
+            </a:gs>
+            <a:gs pos="38000">
+              <a:schemeClr val="phClr">
+                <a:tint val="96000"/>
+                <a:shade val="59000"/>
+                <a:satMod val="120000"/>
+              </a:schemeClr>
+            </a:gs>
+            <a:gs pos="55000">
+              <a:schemeClr val="phClr">
+                <a:shade val="57000"/>
+                <a:satMod val="120000"/>
+              </a:schemeClr>
+            </a:gs>
+            <a:gs pos="80000">
+              <a:schemeClr val="phClr">
+                <a:shade val="56000"/>
+                <a:satMod val="145000"/>
+              </a:schemeClr>
+            </a:gs>
+            <a:gs pos="88000">
+              <a:schemeClr val="phClr">
+                <a:shade val="63000"/>
+                <a:satMod val="160000"/>
+              </a:schemeClr>
+            </a:gs>
+            <a:gs pos="100000">
+              <a:schemeClr val="phClr">
+                <a:tint val="99555"/>
+                <a:satMod val="155000"/>
+              </a:schemeClr>
+            </a:gs>
+          </a:gsLst>
+          <a:lin ang="5400000" scaled="1"/>
+        </a:gradFill>
+      </a:fillStyleLst>
+      <a:lnStyleLst>
+        <a:ln w="9525" cap="flat" cmpd="sng" algn="ctr">
+          <a:solidFill>
+            <a:schemeClr val="phClr">
+              <a:shade val="60000"/>
+              <a:satMod val="300000"/>
+            </a:schemeClr>
+          </a:solidFill>
+          <a:prstDash val="solid"/>
+        </a:ln>
+        <a:ln w="19050" cap="flat" cmpd="sng" algn="ctr">
+          <a:solidFill>
+            <a:schemeClr val="phClr"/>
+          </a:solidFill>
+          <a:prstDash val="solid"/>
+        </a:ln>
+        <a:ln w="19050" cap="flat" cmpd="sng" algn="ctr">
+          <a:solidFill>
+            <a:schemeClr val="phClr"/>
+          </a:solidFill>
+          <a:prstDash val="solid"/>
+        </a:ln>
+      </a:lnStyleLst>
+      <a:effectStyleLst>
+        <a:effectStyle>
+          <a:effectLst>
+            <a:glow rad="63500">
+              <a:schemeClr val="phClr">
+                <a:tint val="30000"/>
+                <a:shade val="95000"/>
+                <a:satMod val="300000"/>
+                <a:alpha val="50000"/>
+              </a:schemeClr>
+            </a:glow>
+          </a:effectLst>
+        </a:effectStyle>
+        <a:effectStyle>
+          <a:effectLst>
+            <a:glow rad="70000">
+              <a:schemeClr val="phClr">
+                <a:tint val="30000"/>
+                <a:shade val="95000"/>
+                <a:satMod val="300000"/>
+                <a:alpha val="50000"/>
+              </a:schemeClr>
+            </a:glow>
+          </a:effectLst>
+        </a:effectStyle>
+        <a:effectStyle>
+          <a:effectLst>
+            <a:glow rad="76200">
+              <a:schemeClr val="phClr">
+                <a:tint val="30000"/>
+                <a:shade val="95000"/>
+                <a:satMod val="300000"/>
+                <a:alpha val="50000"/>
+              </a:schemeClr>
+            </a:glow>
+          </a:effectLst>
+          <a:scene3d>
+            <a:camera prst="orthographicFront" fov="0">
+              <a:rot lat="0" lon="0" rev="0"/>
+            </a:camera>
+            <a:lightRig rig="harsh" dir="t">
+              <a:rot lat="6000000" lon="6000000" rev="0"/>
+            </a:lightRig>
+          </a:scene3d>
+          <a:sp3d contourW="10000" prstMaterial="metal">
+            <a:bevelT w="20000" h="9000" prst="softRound"/>
+            <a:contourClr>
+              <a:schemeClr val="phClr">
+                <a:shade val="30000"/>
+                <a:satMod val="200000"/>
+              </a:schemeClr>
+            </a:contourClr>
+          </a:sp3d>
+        </a:effectStyle>
+      </a:effectStyleLst>
+      <a:bgFillStyleLst>
+        <a:solidFill>
+          <a:schemeClr val="phClr"/>
+        </a:solidFill>
+        <a:gradFill rotWithShape="1">
+          <a:gsLst>
+            <a:gs pos="0">
+              <a:schemeClr val="phClr">
+                <a:shade val="40000"/>
+                <a:satMod val="150000"/>
+              </a:schemeClr>
+            </a:gs>
+            <a:gs pos="30000">
+              <a:schemeClr val="phClr">
+                <a:shade val="60000"/>
+                <a:satMod val="150000"/>
+              </a:schemeClr>
+            </a:gs>
+            <a:gs pos="100000">
+              <a:schemeClr val="phClr">
+                <a:tint val="83000"/>
+                <a:satMod val="200000"/>
+              </a:schemeClr>
+            </a:gs>
+          </a:gsLst>
+          <a:lin ang="13000000" scaled="0"/>
+        </a:gradFill>
+        <a:gradFill rotWithShape="1">
+          <a:gsLst>
+            <a:gs pos="0">
+              <a:schemeClr val="phClr">
+                <a:tint val="78000"/>
+                <a:satMod val="220000"/>
+              </a:schemeClr>
+            </a:gs>
+            <a:gs pos="100000">
+              <a:schemeClr val="phClr">
+                <a:shade val="35000"/>
+                <a:satMod val="155000"/>
+              </a:schemeClr>
+            </a:gs>
+          </a:gsLst>
+          <a:path path="circle">
+            <a:fillToRect l="60000" t="50000" r="40000" b="50000"/>
+          </a:path>
+        </a:gradFill>
+      </a:bgFillStyleLst>
+    </a:fmtScheme>
+  </a:themeElements>
+  <a:objectDefaults/>
+  <a:extraClrSchemeLst/>
+</a:theme>
+</file>
+
+<file path=ppt/theme/theme2.xml><?xml version="1.0" encoding="utf-8"?>
 <a:theme xmlns:a="http://schemas.openxmlformats.org/drawingml/2006/main" name="Office Theme">
   <a:themeElements>
     <a:clrScheme name="Office">

--- a/hawking-toolbar/docs/HawkingFinalPresentation.pptx
+++ b/hawking-toolbar/docs/HawkingFinalPresentation.pptx
@@ -5,7 +5,7 @@
     <p:sldMasterId id="2147483660" r:id="rId1"/>
   </p:sldMasterIdLst>
   <p:notesMasterIdLst>
-    <p:notesMasterId r:id="rId7"/>
+    <p:notesMasterId r:id="rId12"/>
   </p:notesMasterIdLst>
   <p:sldIdLst>
     <p:sldId id="257" r:id="rId2"/>
@@ -13,6 +13,11 @@
     <p:sldId id="260" r:id="rId4"/>
     <p:sldId id="261" r:id="rId5"/>
     <p:sldId id="262" r:id="rId6"/>
+    <p:sldId id="263" r:id="rId7"/>
+    <p:sldId id="264" r:id="rId8"/>
+    <p:sldId id="265" r:id="rId9"/>
+    <p:sldId id="267" r:id="rId10"/>
+    <p:sldId id="266" r:id="rId11"/>
   </p:sldIdLst>
   <p:sldSz cx="9144000" cy="6858000" type="screen4x3"/>
   <p:notesSz cx="6858000" cy="9144000"/>
@@ -20,94 +25,124 @@
     <a:defPPr>
       <a:defRPr lang="en-US"/>
     </a:defPPr>
-    <a:lvl1pPr marL="0" algn="l" defTabSz="914400" rtl="0" eaLnBrk="1" latinLnBrk="0" hangingPunct="1">
-      <a:defRPr sz="1800" kern="1200">
+    <a:lvl1pPr algn="l" rtl="0" fontAlgn="base">
+      <a:spcBef>
+        <a:spcPct val="0"/>
+      </a:spcBef>
+      <a:spcAft>
+        <a:spcPct val="0"/>
+      </a:spcAft>
+      <a:defRPr kern="1200">
         <a:solidFill>
           <a:schemeClr val="tx1"/>
         </a:solidFill>
-        <a:latin typeface="+mn-lt"/>
+        <a:latin typeface="Arial" charset="0"/>
         <a:ea typeface="+mn-ea"/>
-        <a:cs typeface="+mn-cs"/>
+        <a:cs typeface="Arial" charset="0"/>
       </a:defRPr>
     </a:lvl1pPr>
-    <a:lvl2pPr marL="457200" algn="l" defTabSz="914400" rtl="0" eaLnBrk="1" latinLnBrk="0" hangingPunct="1">
-      <a:defRPr sz="1800" kern="1200">
+    <a:lvl2pPr marL="457200" algn="l" rtl="0" fontAlgn="base">
+      <a:spcBef>
+        <a:spcPct val="0"/>
+      </a:spcBef>
+      <a:spcAft>
+        <a:spcPct val="0"/>
+      </a:spcAft>
+      <a:defRPr kern="1200">
         <a:solidFill>
           <a:schemeClr val="tx1"/>
         </a:solidFill>
-        <a:latin typeface="+mn-lt"/>
+        <a:latin typeface="Arial" charset="0"/>
         <a:ea typeface="+mn-ea"/>
-        <a:cs typeface="+mn-cs"/>
+        <a:cs typeface="Arial" charset="0"/>
       </a:defRPr>
     </a:lvl2pPr>
-    <a:lvl3pPr marL="914400" algn="l" defTabSz="914400" rtl="0" eaLnBrk="1" latinLnBrk="0" hangingPunct="1">
-      <a:defRPr sz="1800" kern="1200">
+    <a:lvl3pPr marL="914400" algn="l" rtl="0" fontAlgn="base">
+      <a:spcBef>
+        <a:spcPct val="0"/>
+      </a:spcBef>
+      <a:spcAft>
+        <a:spcPct val="0"/>
+      </a:spcAft>
+      <a:defRPr kern="1200">
         <a:solidFill>
           <a:schemeClr val="tx1"/>
         </a:solidFill>
-        <a:latin typeface="+mn-lt"/>
+        <a:latin typeface="Arial" charset="0"/>
         <a:ea typeface="+mn-ea"/>
-        <a:cs typeface="+mn-cs"/>
+        <a:cs typeface="Arial" charset="0"/>
       </a:defRPr>
     </a:lvl3pPr>
-    <a:lvl4pPr marL="1371600" algn="l" defTabSz="914400" rtl="0" eaLnBrk="1" latinLnBrk="0" hangingPunct="1">
-      <a:defRPr sz="1800" kern="1200">
+    <a:lvl4pPr marL="1371600" algn="l" rtl="0" fontAlgn="base">
+      <a:spcBef>
+        <a:spcPct val="0"/>
+      </a:spcBef>
+      <a:spcAft>
+        <a:spcPct val="0"/>
+      </a:spcAft>
+      <a:defRPr kern="1200">
         <a:solidFill>
           <a:schemeClr val="tx1"/>
         </a:solidFill>
-        <a:latin typeface="+mn-lt"/>
+        <a:latin typeface="Arial" charset="0"/>
         <a:ea typeface="+mn-ea"/>
-        <a:cs typeface="+mn-cs"/>
+        <a:cs typeface="Arial" charset="0"/>
       </a:defRPr>
     </a:lvl4pPr>
-    <a:lvl5pPr marL="1828800" algn="l" defTabSz="914400" rtl="0" eaLnBrk="1" latinLnBrk="0" hangingPunct="1">
-      <a:defRPr sz="1800" kern="1200">
+    <a:lvl5pPr marL="1828800" algn="l" rtl="0" fontAlgn="base">
+      <a:spcBef>
+        <a:spcPct val="0"/>
+      </a:spcBef>
+      <a:spcAft>
+        <a:spcPct val="0"/>
+      </a:spcAft>
+      <a:defRPr kern="1200">
         <a:solidFill>
           <a:schemeClr val="tx1"/>
         </a:solidFill>
-        <a:latin typeface="+mn-lt"/>
+        <a:latin typeface="Arial" charset="0"/>
         <a:ea typeface="+mn-ea"/>
-        <a:cs typeface="+mn-cs"/>
+        <a:cs typeface="Arial" charset="0"/>
       </a:defRPr>
     </a:lvl5pPr>
     <a:lvl6pPr marL="2286000" algn="l" defTabSz="914400" rtl="0" eaLnBrk="1" latinLnBrk="0" hangingPunct="1">
-      <a:defRPr sz="1800" kern="1200">
+      <a:defRPr kern="1200">
         <a:solidFill>
           <a:schemeClr val="tx1"/>
         </a:solidFill>
-        <a:latin typeface="+mn-lt"/>
+        <a:latin typeface="Arial" charset="0"/>
         <a:ea typeface="+mn-ea"/>
-        <a:cs typeface="+mn-cs"/>
+        <a:cs typeface="Arial" charset="0"/>
       </a:defRPr>
     </a:lvl6pPr>
     <a:lvl7pPr marL="2743200" algn="l" defTabSz="914400" rtl="0" eaLnBrk="1" latinLnBrk="0" hangingPunct="1">
-      <a:defRPr sz="1800" kern="1200">
+      <a:defRPr kern="1200">
         <a:solidFill>
           <a:schemeClr val="tx1"/>
         </a:solidFill>
-        <a:latin typeface="+mn-lt"/>
+        <a:latin typeface="Arial" charset="0"/>
         <a:ea typeface="+mn-ea"/>
-        <a:cs typeface="+mn-cs"/>
+        <a:cs typeface="Arial" charset="0"/>
       </a:defRPr>
     </a:lvl7pPr>
     <a:lvl8pPr marL="3200400" algn="l" defTabSz="914400" rtl="0" eaLnBrk="1" latinLnBrk="0" hangingPunct="1">
-      <a:defRPr sz="1800" kern="1200">
+      <a:defRPr kern="1200">
         <a:solidFill>
           <a:schemeClr val="tx1"/>
         </a:solidFill>
-        <a:latin typeface="+mn-lt"/>
+        <a:latin typeface="Arial" charset="0"/>
         <a:ea typeface="+mn-ea"/>
-        <a:cs typeface="+mn-cs"/>
+        <a:cs typeface="Arial" charset="0"/>
       </a:defRPr>
     </a:lvl8pPr>
     <a:lvl9pPr marL="3657600" algn="l" defTabSz="914400" rtl="0" eaLnBrk="1" latinLnBrk="0" hangingPunct="1">
-      <a:defRPr sz="1800" kern="1200">
+      <a:defRPr kern="1200">
         <a:solidFill>
           <a:schemeClr val="tx1"/>
         </a:solidFill>
-        <a:latin typeface="+mn-lt"/>
+        <a:latin typeface="Arial" charset="0"/>
         <a:ea typeface="+mn-ea"/>
-        <a:cs typeface="+mn-cs"/>
+        <a:cs typeface="Arial" charset="0"/>
       </a:defRPr>
     </a:lvl9pPr>
   </p:defaultTextStyle>
@@ -158,11 +193,23 @@
         <p:txBody>
           <a:bodyPr vert="horz" lIns="91440" tIns="45720" rIns="91440" bIns="45720" rtlCol="0"/>
           <a:lstStyle>
-            <a:lvl1pPr algn="l">
-              <a:defRPr sz="1200"/>
+            <a:lvl1pPr algn="l" fontAlgn="auto">
+              <a:spcBef>
+                <a:spcPts val="0"/>
+              </a:spcBef>
+              <a:spcAft>
+                <a:spcPts val="0"/>
+              </a:spcAft>
+              <a:defRPr sz="1200">
+                <a:latin typeface="+mn-lt"/>
+                <a:cs typeface="+mn-cs"/>
+              </a:defRPr>
             </a:lvl1pPr>
           </a:lstStyle>
           <a:p>
+            <a:pPr>
+              <a:defRPr/>
+            </a:pPr>
             <a:endParaRPr lang="en-US"/>
           </a:p>
         </p:txBody>
@@ -189,13 +236,28 @@
         <p:txBody>
           <a:bodyPr vert="horz" lIns="91440" tIns="45720" rIns="91440" bIns="45720" rtlCol="0"/>
           <a:lstStyle>
-            <a:lvl1pPr algn="r">
-              <a:defRPr sz="1200"/>
+            <a:lvl1pPr algn="r" fontAlgn="auto">
+              <a:spcBef>
+                <a:spcPts val="0"/>
+              </a:spcBef>
+              <a:spcAft>
+                <a:spcPts val="0"/>
+              </a:spcAft>
+              <a:defRPr sz="1200" smtClean="0">
+                <a:latin typeface="+mn-lt"/>
+                <a:cs typeface="+mn-cs"/>
+              </a:defRPr>
             </a:lvl1pPr>
           </a:lstStyle>
           <a:p>
-            <a:fld id="{31A79A47-AF2B-4C7F-8FB0-8C7665D2529D}" type="datetimeFigureOut">
-              <a:rPr lang="en-US" smtClean="0"/>
+            <a:pPr>
+              <a:defRPr/>
+            </a:pPr>
+            <a:fld id="{51E621E5-D338-49D2-A523-664ADC0F5054}" type="datetimeFigureOut">
+              <a:rPr lang="en-US"/>
+              <a:pPr>
+                <a:defRPr/>
+              </a:pPr>
               <a:t>5/3/2007</a:t>
             </a:fld>
             <a:endParaRPr lang="en-US"/>
@@ -231,7 +293,8 @@
           <a:bodyPr vert="horz" lIns="91440" tIns="45720" rIns="91440" bIns="45720" rtlCol="0" anchor="ctr"/>
           <a:lstStyle/>
           <a:p>
-            <a:endParaRPr lang="en-US"/>
+            <a:pPr lvl="0"/>
+            <a:endParaRPr lang="en-US" noProof="0"/>
           </a:p>
         </p:txBody>
       </p:sp>
@@ -262,38 +325,38 @@
           <a:p>
             <a:pPr lvl="0"/>
             <a:r>
-              <a:rPr lang="en-US" smtClean="0"/>
+              <a:rPr lang="en-US" noProof="0" smtClean="0"/>
               <a:t>Click to edit Master text styles</a:t>
             </a:r>
           </a:p>
           <a:p>
             <a:pPr lvl="1"/>
             <a:r>
-              <a:rPr lang="en-US" smtClean="0"/>
+              <a:rPr lang="en-US" noProof="0" smtClean="0"/>
               <a:t>Second level</a:t>
             </a:r>
           </a:p>
           <a:p>
             <a:pPr lvl="2"/>
             <a:r>
-              <a:rPr lang="en-US" smtClean="0"/>
+              <a:rPr lang="en-US" noProof="0" smtClean="0"/>
               <a:t>Third level</a:t>
             </a:r>
           </a:p>
           <a:p>
             <a:pPr lvl="3"/>
             <a:r>
-              <a:rPr lang="en-US" smtClean="0"/>
+              <a:rPr lang="en-US" noProof="0" smtClean="0"/>
               <a:t>Fourth level</a:t>
             </a:r>
           </a:p>
           <a:p>
             <a:pPr lvl="4"/>
             <a:r>
-              <a:rPr lang="en-US" smtClean="0"/>
+              <a:rPr lang="en-US" noProof="0" smtClean="0"/>
               <a:t>Fifth level</a:t>
             </a:r>
-            <a:endParaRPr lang="en-US"/>
+            <a:endParaRPr lang="en-US" noProof="0"/>
           </a:p>
         </p:txBody>
       </p:sp>
@@ -319,11 +382,23 @@
         <p:txBody>
           <a:bodyPr vert="horz" lIns="91440" tIns="45720" rIns="91440" bIns="45720" rtlCol="0" anchor="b"/>
           <a:lstStyle>
-            <a:lvl1pPr algn="l">
-              <a:defRPr sz="1200"/>
+            <a:lvl1pPr algn="l" fontAlgn="auto">
+              <a:spcBef>
+                <a:spcPts val="0"/>
+              </a:spcBef>
+              <a:spcAft>
+                <a:spcPts val="0"/>
+              </a:spcAft>
+              <a:defRPr sz="1200">
+                <a:latin typeface="+mn-lt"/>
+                <a:cs typeface="+mn-cs"/>
+              </a:defRPr>
             </a:lvl1pPr>
           </a:lstStyle>
           <a:p>
+            <a:pPr>
+              <a:defRPr/>
+            </a:pPr>
             <a:endParaRPr lang="en-US"/>
           </a:p>
         </p:txBody>
@@ -350,13 +425,28 @@
         <p:txBody>
           <a:bodyPr vert="horz" lIns="91440" tIns="45720" rIns="91440" bIns="45720" rtlCol="0" anchor="b"/>
           <a:lstStyle>
-            <a:lvl1pPr algn="r">
-              <a:defRPr sz="1200"/>
+            <a:lvl1pPr algn="r" fontAlgn="auto">
+              <a:spcBef>
+                <a:spcPts val="0"/>
+              </a:spcBef>
+              <a:spcAft>
+                <a:spcPts val="0"/>
+              </a:spcAft>
+              <a:defRPr sz="1200" smtClean="0">
+                <a:latin typeface="+mn-lt"/>
+                <a:cs typeface="+mn-cs"/>
+              </a:defRPr>
             </a:lvl1pPr>
           </a:lstStyle>
           <a:p>
-            <a:fld id="{1FBAFBD1-9FEF-48A2-92BA-4705BADA4FD9}" type="slidenum">
-              <a:rPr lang="en-US" smtClean="0"/>
+            <a:pPr>
+              <a:defRPr/>
+            </a:pPr>
+            <a:fld id="{8B99D63D-F7C9-471E-94BF-BD6F7042FFC5}" type="slidenum">
+              <a:rPr lang="en-US"/>
+              <a:pPr>
+                <a:defRPr/>
+              </a:pPr>
               <a:t>‹#›</a:t>
             </a:fld>
             <a:endParaRPr lang="en-US"/>
@@ -367,7 +457,13 @@
   </p:cSld>
   <p:clrMap bg1="lt1" tx1="dk1" bg2="lt2" tx2="dk2" accent1="accent1" accent2="accent2" accent3="accent3" accent4="accent4" accent5="accent5" accent6="accent6" hlink="hlink" folHlink="folHlink"/>
   <p:notesStyle>
-    <a:lvl1pPr marL="0" algn="l" defTabSz="914400" rtl="0" eaLnBrk="1" latinLnBrk="0" hangingPunct="1">
+    <a:lvl1pPr algn="l" rtl="0" fontAlgn="base">
+      <a:spcBef>
+        <a:spcPct val="30000"/>
+      </a:spcBef>
+      <a:spcAft>
+        <a:spcPct val="0"/>
+      </a:spcAft>
       <a:defRPr sz="1200" kern="1200">
         <a:solidFill>
           <a:schemeClr val="tx1"/>
@@ -377,7 +473,13 @@
         <a:cs typeface="+mn-cs"/>
       </a:defRPr>
     </a:lvl1pPr>
-    <a:lvl2pPr marL="457200" algn="l" defTabSz="914400" rtl="0" eaLnBrk="1" latinLnBrk="0" hangingPunct="1">
+    <a:lvl2pPr marL="457200" algn="l" rtl="0" fontAlgn="base">
+      <a:spcBef>
+        <a:spcPct val="30000"/>
+      </a:spcBef>
+      <a:spcAft>
+        <a:spcPct val="0"/>
+      </a:spcAft>
       <a:defRPr sz="1200" kern="1200">
         <a:solidFill>
           <a:schemeClr val="tx1"/>
@@ -387,7 +489,13 @@
         <a:cs typeface="+mn-cs"/>
       </a:defRPr>
     </a:lvl2pPr>
-    <a:lvl3pPr marL="914400" algn="l" defTabSz="914400" rtl="0" eaLnBrk="1" latinLnBrk="0" hangingPunct="1">
+    <a:lvl3pPr marL="914400" algn="l" rtl="0" fontAlgn="base">
+      <a:spcBef>
+        <a:spcPct val="30000"/>
+      </a:spcBef>
+      <a:spcAft>
+        <a:spcPct val="0"/>
+      </a:spcAft>
       <a:defRPr sz="1200" kern="1200">
         <a:solidFill>
           <a:schemeClr val="tx1"/>
@@ -397,7 +505,13 @@
         <a:cs typeface="+mn-cs"/>
       </a:defRPr>
     </a:lvl3pPr>
-    <a:lvl4pPr marL="1371600" algn="l" defTabSz="914400" rtl="0" eaLnBrk="1" latinLnBrk="0" hangingPunct="1">
+    <a:lvl4pPr marL="1371600" algn="l" rtl="0" fontAlgn="base">
+      <a:spcBef>
+        <a:spcPct val="30000"/>
+      </a:spcBef>
+      <a:spcAft>
+        <a:spcPct val="0"/>
+      </a:spcAft>
       <a:defRPr sz="1200" kern="1200">
         <a:solidFill>
           <a:schemeClr val="tx1"/>
@@ -407,7 +521,13 @@
         <a:cs typeface="+mn-cs"/>
       </a:defRPr>
     </a:lvl4pPr>
-    <a:lvl5pPr marL="1828800" algn="l" defTabSz="914400" rtl="0" eaLnBrk="1" latinLnBrk="0" hangingPunct="1">
+    <a:lvl5pPr marL="1828800" algn="l" rtl="0" fontAlgn="base">
+      <a:spcBef>
+        <a:spcPct val="30000"/>
+      </a:spcBef>
+      <a:spcAft>
+        <a:spcPct val="0"/>
+      </a:spcAft>
       <a:defRPr sz="1200" kern="1200">
         <a:solidFill>
           <a:schemeClr val="tx1"/>
@@ -480,7 +600,7 @@
       </p:grpSpPr>
       <p:sp>
         <p:nvSpPr>
-          <p:cNvPr id="2" name="Slide Image Placeholder 1"/>
+          <p:cNvPr id="16385" name="Slide Image Placeholder 1"/>
           <p:cNvSpPr>
             <a:spLocks noGrp="1" noRot="1" noChangeAspect="1"/>
           </p:cNvSpPr>
@@ -488,11 +608,21 @@
             <p:ph type="sldImg"/>
           </p:nvPr>
         </p:nvSpPr>
-        <p:spPr/>
-      </p:sp>
-      <p:sp>
-        <p:nvSpPr>
-          <p:cNvPr id="3" name="Notes Placeholder 2"/>
+        <p:spPr bwMode="auto">
+          <a:noFill/>
+          <a:ln>
+            <a:solidFill>
+              <a:srgbClr val="000000"/>
+            </a:solidFill>
+            <a:miter lim="800000"/>
+            <a:headEnd/>
+            <a:tailEnd/>
+          </a:ln>
+        </p:spPr>
+      </p:sp>
+      <p:sp>
+        <p:nvSpPr>
+          <p:cNvPr id="16386" name="Notes Placeholder 2"/>
           <p:cNvSpPr>
             <a:spLocks noGrp="1"/>
           </p:cNvSpPr>
@@ -500,50 +630,99 @@
             <p:ph type="body" idx="1"/>
           </p:nvPr>
         </p:nvSpPr>
-        <p:spPr/>
-        <p:txBody>
-          <a:bodyPr>
-            <a:normAutofit/>
+        <p:spPr bwMode="auto">
+          <a:noFill/>
+        </p:spPr>
+        <p:txBody>
+          <a:bodyPr wrap="square" numCol="1" anchor="t" anchorCtr="0" compatLnSpc="1">
+            <a:prstTxWarp prst="textNoShape">
+              <a:avLst/>
+            </a:prstTxWarp>
           </a:bodyPr>
           <a:lstStyle/>
           <a:p>
-            <a:r>
-              <a:rPr lang="en-US" baseline="0" dirty="0" smtClean="0"/>
+            <a:pPr>
+              <a:spcBef>
+                <a:spcPct val="0"/>
+              </a:spcBef>
+            </a:pPr>
+            <a:r>
+              <a:rPr lang="en-US" smtClean="0"/>
               <a:t>***Mention Client (Literacy Center, their website)</a:t>
             </a:r>
           </a:p>
           <a:p>
-            <a:r>
-              <a:rPr lang="en-US" baseline="0" dirty="0" smtClean="0"/>
+            <a:pPr>
+              <a:spcBef>
+                <a:spcPct val="0"/>
+              </a:spcBef>
+            </a:pPr>
+            <a:r>
+              <a:rPr lang="en-US" smtClean="0"/>
               <a:t>***Named after Stephen Hawking (why)</a:t>
             </a:r>
           </a:p>
           <a:p>
-            <a:endParaRPr lang="en-US" baseline="0" dirty="0" smtClean="0"/>
-          </a:p>
-        </p:txBody>
-      </p:sp>
-      <p:sp>
-        <p:nvSpPr>
-          <p:cNvPr id="4" name="Slide Number Placeholder 3"/>
-          <p:cNvSpPr>
-            <a:spLocks noGrp="1"/>
-          </p:cNvSpPr>
-          <p:nvPr>
-            <p:ph type="sldNum" sz="quarter" idx="10"/>
-          </p:nvPr>
-        </p:nvSpPr>
-        <p:spPr/>
-        <p:txBody>
-          <a:bodyPr/>
+            <a:pPr>
+              <a:spcBef>
+                <a:spcPct val="0"/>
+              </a:spcBef>
+            </a:pPr>
+            <a:endParaRPr lang="en-US" smtClean="0"/>
+          </a:p>
+        </p:txBody>
+      </p:sp>
+      <p:sp>
+        <p:nvSpPr>
+          <p:cNvPr id="16387" name="Slide Number Placeholder 3"/>
+          <p:cNvSpPr>
+            <a:spLocks noGrp="1"/>
+          </p:cNvSpPr>
+          <p:nvPr>
+            <p:ph type="sldNum" sz="quarter" idx="5"/>
+          </p:nvPr>
+        </p:nvSpPr>
+        <p:spPr bwMode="auto">
+          <a:noFill/>
+          <a:ln>
+            <a:miter lim="800000"/>
+            <a:headEnd/>
+            <a:tailEnd/>
+          </a:ln>
+        </p:spPr>
+        <p:txBody>
+          <a:bodyPr wrap="square" numCol="1" anchorCtr="0" compatLnSpc="1">
+            <a:prstTxWarp prst="textNoShape">
+              <a:avLst/>
+            </a:prstTxWarp>
+          </a:bodyPr>
           <a:lstStyle/>
           <a:p>
-            <a:fld id="{6A5519B4-A123-40E2-BC43-75FC166965BD}" type="slidenum">
-              <a:rPr lang="en-US" smtClean="0"/>
-              <a:pPr/>
+            <a:pPr fontAlgn="base">
+              <a:spcBef>
+                <a:spcPct val="0"/>
+              </a:spcBef>
+              <a:spcAft>
+                <a:spcPct val="0"/>
+              </a:spcAft>
+            </a:pPr>
+            <a:fld id="{82384508-C297-4766-8D4D-809D8594756B}" type="slidenum">
+              <a:rPr lang="en-US">
+                <a:cs typeface="Arial" charset="0"/>
+              </a:rPr>
+              <a:pPr fontAlgn="base">
+                <a:spcBef>
+                  <a:spcPct val="0"/>
+                </a:spcBef>
+                <a:spcAft>
+                  <a:spcPct val="0"/>
+                </a:spcAft>
+              </a:pPr>
               <a:t>2</a:t>
             </a:fld>
-            <a:endParaRPr lang="en-US"/>
+            <a:endParaRPr lang="en-US">
+              <a:cs typeface="Arial" charset="0"/>
+            </a:endParaRPr>
           </a:p>
         </p:txBody>
       </p:sp>
@@ -574,7 +753,7 @@
       </p:grpSpPr>
       <p:sp>
         <p:nvSpPr>
-          <p:cNvPr id="2" name="Slide Image Placeholder 1"/>
+          <p:cNvPr id="18433" name="Slide Image Placeholder 1"/>
           <p:cNvSpPr>
             <a:spLocks noGrp="1" noRot="1" noChangeAspect="1"/>
           </p:cNvSpPr>
@@ -582,11 +761,21 @@
             <p:ph type="sldImg"/>
           </p:nvPr>
         </p:nvSpPr>
-        <p:spPr/>
-      </p:sp>
-      <p:sp>
-        <p:nvSpPr>
-          <p:cNvPr id="3" name="Notes Placeholder 2"/>
+        <p:spPr bwMode="auto">
+          <a:noFill/>
+          <a:ln>
+            <a:solidFill>
+              <a:srgbClr val="000000"/>
+            </a:solidFill>
+            <a:miter lim="800000"/>
+            <a:headEnd/>
+            <a:tailEnd/>
+          </a:ln>
+        </p:spPr>
+      </p:sp>
+      <p:sp>
+        <p:nvSpPr>
+          <p:cNvPr id="18434" name="Notes Placeholder 2"/>
           <p:cNvSpPr>
             <a:spLocks noGrp="1"/>
           </p:cNvSpPr>
@@ -594,61 +783,88 @@
             <p:ph type="body" idx="1"/>
           </p:nvPr>
         </p:nvSpPr>
-        <p:spPr/>
-        <p:txBody>
-          <a:bodyPr>
-            <a:normAutofit/>
+        <p:spPr bwMode="auto">
+          <a:noFill/>
+        </p:spPr>
+        <p:txBody>
+          <a:bodyPr wrap="square" numCol="1" anchor="t" anchorCtr="0" compatLnSpc="1">
+            <a:prstTxWarp prst="textNoShape">
+              <a:avLst/>
+            </a:prstTxWarp>
           </a:bodyPr>
           <a:lstStyle/>
           <a:p>
-            <a:pPr marL="0" marR="0" indent="0" algn="l" defTabSz="914400" rtl="0" eaLnBrk="1" fontAlgn="auto" latinLnBrk="0" hangingPunct="1">
-              <a:lnSpc>
-                <a:spcPct val="100000"/>
-              </a:lnSpc>
+            <a:pPr>
               <a:spcBef>
-                <a:spcPts val="0"/>
+                <a:spcPct val="0"/>
+              </a:spcBef>
+            </a:pPr>
+            <a:r>
+              <a:rPr lang="en-US" smtClean="0"/>
+              <a:t>Serves as an interface between user input and the webpage seen on the screen</a:t>
+            </a:r>
+          </a:p>
+          <a:p>
+            <a:pPr>
+              <a:spcBef>
+                <a:spcPct val="0"/>
+              </a:spcBef>
+            </a:pPr>
+            <a:endParaRPr lang="en-US" smtClean="0"/>
+          </a:p>
+        </p:txBody>
+      </p:sp>
+      <p:sp>
+        <p:nvSpPr>
+          <p:cNvPr id="18435" name="Slide Number Placeholder 3"/>
+          <p:cNvSpPr>
+            <a:spLocks noGrp="1"/>
+          </p:cNvSpPr>
+          <p:nvPr>
+            <p:ph type="sldNum" sz="quarter" idx="5"/>
+          </p:nvPr>
+        </p:nvSpPr>
+        <p:spPr bwMode="auto">
+          <a:noFill/>
+          <a:ln>
+            <a:miter lim="800000"/>
+            <a:headEnd/>
+            <a:tailEnd/>
+          </a:ln>
+        </p:spPr>
+        <p:txBody>
+          <a:bodyPr wrap="square" numCol="1" anchorCtr="0" compatLnSpc="1">
+            <a:prstTxWarp prst="textNoShape">
+              <a:avLst/>
+            </a:prstTxWarp>
+          </a:bodyPr>
+          <a:lstStyle/>
+          <a:p>
+            <a:pPr fontAlgn="base">
+              <a:spcBef>
+                <a:spcPct val="0"/>
               </a:spcBef>
               <a:spcAft>
-                <a:spcPts val="0"/>
+                <a:spcPct val="0"/>
               </a:spcAft>
-              <a:buClrTx/>
-              <a:buSzTx/>
-              <a:buFontTx/>
-              <a:buNone/>
-              <a:tabLst/>
-              <a:defRPr/>
-            </a:pPr>
-            <a:r>
-              <a:rPr lang="en-US" dirty="0" smtClean="0"/>
-              <a:t>Serves as an interface between user input and the webpage seen on the screen</a:t>
-            </a:r>
-          </a:p>
-          <a:p>
-            <a:endParaRPr lang="en-US" dirty="0"/>
-          </a:p>
-        </p:txBody>
-      </p:sp>
-      <p:sp>
-        <p:nvSpPr>
-          <p:cNvPr id="4" name="Slide Number Placeholder 3"/>
-          <p:cNvSpPr>
-            <a:spLocks noGrp="1"/>
-          </p:cNvSpPr>
-          <p:nvPr>
-            <p:ph type="sldNum" sz="quarter" idx="10"/>
-          </p:nvPr>
-        </p:nvSpPr>
-        <p:spPr/>
-        <p:txBody>
-          <a:bodyPr/>
-          <a:lstStyle/>
-          <a:p>
-            <a:fld id="{6A5519B4-A123-40E2-BC43-75FC166965BD}" type="slidenum">
-              <a:rPr lang="en-US" smtClean="0"/>
-              <a:pPr/>
+            </a:pPr>
+            <a:fld id="{130AB870-21F2-48CE-B8BE-ED9A5E21CF48}" type="slidenum">
+              <a:rPr lang="en-US">
+                <a:cs typeface="Arial" charset="0"/>
+              </a:rPr>
+              <a:pPr fontAlgn="base">
+                <a:spcBef>
+                  <a:spcPct val="0"/>
+                </a:spcBef>
+                <a:spcAft>
+                  <a:spcPct val="0"/>
+                </a:spcAft>
+              </a:pPr>
               <a:t>3</a:t>
             </a:fld>
-            <a:endParaRPr lang="en-US"/>
+            <a:endParaRPr lang="en-US">
+              <a:cs typeface="Arial" charset="0"/>
+            </a:endParaRPr>
           </a:p>
         </p:txBody>
       </p:sp>
@@ -679,7 +895,7 @@
       </p:grpSpPr>
       <p:sp>
         <p:nvSpPr>
-          <p:cNvPr id="2" name="Slide Image Placeholder 1"/>
+          <p:cNvPr id="20481" name="Slide Image Placeholder 1"/>
           <p:cNvSpPr>
             <a:spLocks noGrp="1" noRot="1" noChangeAspect="1"/>
           </p:cNvSpPr>
@@ -687,11 +903,21 @@
             <p:ph type="sldImg"/>
           </p:nvPr>
         </p:nvSpPr>
-        <p:spPr/>
-      </p:sp>
-      <p:sp>
-        <p:nvSpPr>
-          <p:cNvPr id="3" name="Notes Placeholder 2"/>
+        <p:spPr bwMode="auto">
+          <a:noFill/>
+          <a:ln>
+            <a:solidFill>
+              <a:srgbClr val="000000"/>
+            </a:solidFill>
+            <a:miter lim="800000"/>
+            <a:headEnd/>
+            <a:tailEnd/>
+          </a:ln>
+        </p:spPr>
+      </p:sp>
+      <p:sp>
+        <p:nvSpPr>
+          <p:cNvPr id="20482" name="Notes Placeholder 2"/>
           <p:cNvSpPr>
             <a:spLocks noGrp="1"/>
           </p:cNvSpPr>
@@ -699,38 +925,77 @@
             <p:ph type="body" idx="1"/>
           </p:nvPr>
         </p:nvSpPr>
-        <p:spPr/>
-        <p:txBody>
-          <a:bodyPr>
-            <a:normAutofit/>
+        <p:spPr bwMode="auto">
+          <a:noFill/>
+        </p:spPr>
+        <p:txBody>
+          <a:bodyPr wrap="square" numCol="1" anchor="t" anchorCtr="0" compatLnSpc="1">
+            <a:prstTxWarp prst="textNoShape">
+              <a:avLst/>
+            </a:prstTxWarp>
           </a:bodyPr>
           <a:lstStyle/>
           <a:p>
-            <a:endParaRPr lang="en-US" dirty="0"/>
-          </a:p>
-        </p:txBody>
-      </p:sp>
-      <p:sp>
-        <p:nvSpPr>
-          <p:cNvPr id="4" name="Slide Number Placeholder 3"/>
-          <p:cNvSpPr>
-            <a:spLocks noGrp="1"/>
-          </p:cNvSpPr>
-          <p:nvPr>
-            <p:ph type="sldNum" sz="quarter" idx="10"/>
-          </p:nvPr>
-        </p:nvSpPr>
-        <p:spPr/>
-        <p:txBody>
-          <a:bodyPr/>
+            <a:pPr>
+              <a:spcBef>
+                <a:spcPct val="0"/>
+              </a:spcBef>
+            </a:pPr>
+            <a:endParaRPr lang="en-US" smtClean="0"/>
+          </a:p>
+        </p:txBody>
+      </p:sp>
+      <p:sp>
+        <p:nvSpPr>
+          <p:cNvPr id="20483" name="Slide Number Placeholder 3"/>
+          <p:cNvSpPr>
+            <a:spLocks noGrp="1"/>
+          </p:cNvSpPr>
+          <p:nvPr>
+            <p:ph type="sldNum" sz="quarter" idx="5"/>
+          </p:nvPr>
+        </p:nvSpPr>
+        <p:spPr bwMode="auto">
+          <a:noFill/>
+          <a:ln>
+            <a:miter lim="800000"/>
+            <a:headEnd/>
+            <a:tailEnd/>
+          </a:ln>
+        </p:spPr>
+        <p:txBody>
+          <a:bodyPr wrap="square" numCol="1" anchorCtr="0" compatLnSpc="1">
+            <a:prstTxWarp prst="textNoShape">
+              <a:avLst/>
+            </a:prstTxWarp>
+          </a:bodyPr>
           <a:lstStyle/>
           <a:p>
-            <a:fld id="{6A5519B4-A123-40E2-BC43-75FC166965BD}" type="slidenum">
-              <a:rPr lang="en-US" smtClean="0"/>
-              <a:pPr/>
+            <a:pPr fontAlgn="base">
+              <a:spcBef>
+                <a:spcPct val="0"/>
+              </a:spcBef>
+              <a:spcAft>
+                <a:spcPct val="0"/>
+              </a:spcAft>
+            </a:pPr>
+            <a:fld id="{AB3BF73D-0D03-41E8-816C-A817775A1361}" type="slidenum">
+              <a:rPr lang="en-US">
+                <a:cs typeface="Arial" charset="0"/>
+              </a:rPr>
+              <a:pPr fontAlgn="base">
+                <a:spcBef>
+                  <a:spcPct val="0"/>
+                </a:spcBef>
+                <a:spcAft>
+                  <a:spcPct val="0"/>
+                </a:spcAft>
+              </a:pPr>
               <a:t>4</a:t>
             </a:fld>
-            <a:endParaRPr lang="en-US"/>
+            <a:endParaRPr lang="en-US">
+              <a:cs typeface="Arial" charset="0"/>
+            </a:endParaRPr>
           </a:p>
         </p:txBody>
       </p:sp>
@@ -761,7 +1026,7 @@
       </p:grpSpPr>
       <p:sp>
         <p:nvSpPr>
-          <p:cNvPr id="2" name="Slide Image Placeholder 1"/>
+          <p:cNvPr id="22529" name="Slide Image Placeholder 1"/>
           <p:cNvSpPr>
             <a:spLocks noGrp="1" noRot="1" noChangeAspect="1"/>
           </p:cNvSpPr>
@@ -769,11 +1034,21 @@
             <p:ph type="sldImg"/>
           </p:nvPr>
         </p:nvSpPr>
-        <p:spPr/>
-      </p:sp>
-      <p:sp>
-        <p:nvSpPr>
-          <p:cNvPr id="3" name="Notes Placeholder 2"/>
+        <p:spPr bwMode="auto">
+          <a:noFill/>
+          <a:ln>
+            <a:solidFill>
+              <a:srgbClr val="000000"/>
+            </a:solidFill>
+            <a:miter lim="800000"/>
+            <a:headEnd/>
+            <a:tailEnd/>
+          </a:ln>
+        </p:spPr>
+      </p:sp>
+      <p:sp>
+        <p:nvSpPr>
+          <p:cNvPr id="22530" name="Notes Placeholder 2"/>
           <p:cNvSpPr>
             <a:spLocks noGrp="1"/>
           </p:cNvSpPr>
@@ -781,74 +1056,858 @@
             <p:ph type="body" idx="1"/>
           </p:nvPr>
         </p:nvSpPr>
-        <p:spPr/>
-        <p:txBody>
-          <a:bodyPr>
-            <a:normAutofit/>
+        <p:spPr bwMode="auto">
+          <a:noFill/>
+        </p:spPr>
+        <p:txBody>
+          <a:bodyPr wrap="square" numCol="1" anchor="t" anchorCtr="0" compatLnSpc="1">
+            <a:prstTxWarp prst="textNoShape">
+              <a:avLst/>
+            </a:prstTxWarp>
           </a:bodyPr>
           <a:lstStyle/>
           <a:p>
-            <a:r>
-              <a:rPr lang="en-US" dirty="0" smtClean="0"/>
+            <a:pPr>
+              <a:spcBef>
+                <a:spcPct val="0"/>
+              </a:spcBef>
+            </a:pPr>
+            <a:r>
+              <a:rPr lang="en-US" smtClean="0"/>
               <a:t>Demo:</a:t>
             </a:r>
           </a:p>
           <a:p>
-            <a:endParaRPr lang="en-US" dirty="0" smtClean="0"/>
-          </a:p>
-          <a:p>
-            <a:r>
-              <a:rPr lang="en-US" dirty="0" smtClean="0"/>
-              <a:t>Literacy</a:t>
-            </a:r>
-            <a:r>
-              <a:rPr lang="en-US" baseline="0" dirty="0" smtClean="0"/>
-              <a:t> Center in Read by Myself Mode</a:t>
-            </a:r>
-          </a:p>
-          <a:p>
-            <a:r>
-              <a:rPr lang="en-US" baseline="0" dirty="0" smtClean="0"/>
+            <a:pPr>
+              <a:spcBef>
+                <a:spcPct val="0"/>
+              </a:spcBef>
+            </a:pPr>
+            <a:endParaRPr lang="en-US" smtClean="0"/>
+          </a:p>
+          <a:p>
+            <a:pPr>
+              <a:spcBef>
+                <a:spcPct val="0"/>
+              </a:spcBef>
+            </a:pPr>
+            <a:r>
+              <a:rPr lang="en-US" smtClean="0"/>
+              <a:t>Literacy Center in Read by Myself Mode</a:t>
+            </a:r>
+          </a:p>
+          <a:p>
+            <a:pPr>
+              <a:spcBef>
+                <a:spcPct val="0"/>
+              </a:spcBef>
+            </a:pPr>
+            <a:r>
+              <a:rPr lang="en-US" smtClean="0"/>
               <a:t>Mention website design principles to maximize accessibility</a:t>
             </a:r>
           </a:p>
           <a:p>
-            <a:r>
-              <a:rPr lang="en-US" baseline="0" dirty="0" smtClean="0"/>
-              <a:t>Sites: DTH, </a:t>
-            </a:r>
-            <a:r>
-              <a:rPr lang="en-US" baseline="0" dirty="0" err="1" smtClean="0"/>
-              <a:t>bbc</a:t>
-            </a:r>
-            <a:endParaRPr lang="en-US" baseline="0" dirty="0" smtClean="0"/>
-          </a:p>
-          <a:p>
-            <a:endParaRPr lang="en-US" dirty="0"/>
-          </a:p>
-        </p:txBody>
-      </p:sp>
-      <p:sp>
-        <p:nvSpPr>
-          <p:cNvPr id="4" name="Slide Number Placeholder 3"/>
-          <p:cNvSpPr>
-            <a:spLocks noGrp="1"/>
-          </p:cNvSpPr>
-          <p:nvPr>
-            <p:ph type="sldNum" sz="quarter" idx="10"/>
-          </p:nvPr>
-        </p:nvSpPr>
-        <p:spPr/>
-        <p:txBody>
-          <a:bodyPr/>
+            <a:pPr>
+              <a:spcBef>
+                <a:spcPct val="0"/>
+              </a:spcBef>
+            </a:pPr>
+            <a:r>
+              <a:rPr lang="en-US" smtClean="0"/>
+              <a:t>Sites: DTH, bbc</a:t>
+            </a:r>
+          </a:p>
+          <a:p>
+            <a:pPr>
+              <a:spcBef>
+                <a:spcPct val="0"/>
+              </a:spcBef>
+            </a:pPr>
+            <a:endParaRPr lang="en-US" smtClean="0"/>
+          </a:p>
+        </p:txBody>
+      </p:sp>
+      <p:sp>
+        <p:nvSpPr>
+          <p:cNvPr id="22531" name="Slide Number Placeholder 3"/>
+          <p:cNvSpPr>
+            <a:spLocks noGrp="1"/>
+          </p:cNvSpPr>
+          <p:nvPr>
+            <p:ph type="sldNum" sz="quarter" idx="5"/>
+          </p:nvPr>
+        </p:nvSpPr>
+        <p:spPr bwMode="auto">
+          <a:noFill/>
+          <a:ln>
+            <a:miter lim="800000"/>
+            <a:headEnd/>
+            <a:tailEnd/>
+          </a:ln>
+        </p:spPr>
+        <p:txBody>
+          <a:bodyPr wrap="square" numCol="1" anchorCtr="0" compatLnSpc="1">
+            <a:prstTxWarp prst="textNoShape">
+              <a:avLst/>
+            </a:prstTxWarp>
+          </a:bodyPr>
           <a:lstStyle/>
           <a:p>
-            <a:fld id="{6A5519B4-A123-40E2-BC43-75FC166965BD}" type="slidenum">
-              <a:rPr lang="en-US" smtClean="0"/>
-              <a:pPr/>
+            <a:pPr fontAlgn="base">
+              <a:spcBef>
+                <a:spcPct val="0"/>
+              </a:spcBef>
+              <a:spcAft>
+                <a:spcPct val="0"/>
+              </a:spcAft>
+            </a:pPr>
+            <a:fld id="{3503FCE7-7489-4203-9BCD-98812E3BEA4F}" type="slidenum">
+              <a:rPr lang="en-US">
+                <a:cs typeface="Arial" charset="0"/>
+              </a:rPr>
+              <a:pPr fontAlgn="base">
+                <a:spcBef>
+                  <a:spcPct val="0"/>
+                </a:spcBef>
+                <a:spcAft>
+                  <a:spcPct val="0"/>
+                </a:spcAft>
+              </a:pPr>
               <a:t>5</a:t>
             </a:fld>
-            <a:endParaRPr lang="en-US"/>
+            <a:endParaRPr lang="en-US">
+              <a:cs typeface="Arial" charset="0"/>
+            </a:endParaRPr>
+          </a:p>
+        </p:txBody>
+      </p:sp>
+    </p:spTree>
+  </p:cSld>
+  <p:clrMapOvr>
+    <a:masterClrMapping/>
+  </p:clrMapOvr>
+</p:notes>
+</file>
+
+<file path=ppt/notesSlides/notesSlide5.xml><?xml version="1.0" encoding="utf-8"?>
+<p:notes xmlns:a="http://schemas.openxmlformats.org/drawingml/2006/main" xmlns:r="http://schemas.openxmlformats.org/officeDocument/2006/relationships" xmlns:p="http://schemas.openxmlformats.org/presentationml/2006/main">
+  <p:cSld>
+    <p:spTree>
+      <p:nvGrpSpPr>
+        <p:cNvPr id="1" name=""/>
+        <p:cNvGrpSpPr/>
+        <p:nvPr/>
+      </p:nvGrpSpPr>
+      <p:grpSpPr>
+        <a:xfrm>
+          <a:off x="0" y="0"/>
+          <a:ext cx="0" cy="0"/>
+          <a:chOff x="0" y="0"/>
+          <a:chExt cx="0" cy="0"/>
+        </a:xfrm>
+      </p:grpSpPr>
+      <p:sp>
+        <p:nvSpPr>
+          <p:cNvPr id="29698" name="Slide Image Placeholder 1"/>
+          <p:cNvSpPr>
+            <a:spLocks noGrp="1" noRot="1" noChangeAspect="1" noTextEdit="1"/>
+          </p:cNvSpPr>
+          <p:nvPr>
+            <p:ph type="sldImg"/>
+          </p:nvPr>
+        </p:nvSpPr>
+        <p:spPr bwMode="auto">
+          <a:noFill/>
+          <a:ln>
+            <a:solidFill>
+              <a:srgbClr val="000000"/>
+            </a:solidFill>
+            <a:miter lim="800000"/>
+            <a:headEnd/>
+            <a:tailEnd/>
+          </a:ln>
+        </p:spPr>
+      </p:sp>
+      <p:sp>
+        <p:nvSpPr>
+          <p:cNvPr id="29699" name="Notes Placeholder 2"/>
+          <p:cNvSpPr>
+            <a:spLocks noGrp="1"/>
+          </p:cNvSpPr>
+          <p:nvPr>
+            <p:ph type="body" idx="1"/>
+          </p:nvPr>
+        </p:nvSpPr>
+        <p:spPr bwMode="auto">
+          <a:noFill/>
+        </p:spPr>
+        <p:txBody>
+          <a:bodyPr wrap="square" numCol="1" anchor="t" anchorCtr="0" compatLnSpc="1">
+            <a:prstTxWarp prst="textNoShape">
+              <a:avLst/>
+            </a:prstTxWarp>
+          </a:bodyPr>
+          <a:lstStyle/>
+          <a:p>
+            <a:pPr>
+              <a:spcBef>
+                <a:spcPct val="0"/>
+              </a:spcBef>
+              <a:buFontTx/>
+              <a:buChar char="-"/>
+            </a:pPr>
+            <a:r>
+              <a:rPr lang="en-US" smtClean="0"/>
+              <a:t>Creating Extensions</a:t>
+            </a:r>
+          </a:p>
+          <a:p>
+            <a:pPr lvl="1">
+              <a:spcBef>
+                <a:spcPct val="0"/>
+              </a:spcBef>
+              <a:buFontTx/>
+              <a:buChar char="-"/>
+            </a:pPr>
+            <a:r>
+              <a:rPr lang="en-US" smtClean="0"/>
+              <a:t>-Easy to use interface for designing / installing extensions</a:t>
+            </a:r>
+          </a:p>
+          <a:p>
+            <a:pPr lvl="1">
+              <a:spcBef>
+                <a:spcPct val="0"/>
+              </a:spcBef>
+              <a:buFontTx/>
+              <a:buChar char="-"/>
+            </a:pPr>
+            <a:r>
+              <a:rPr lang="en-US" smtClean="0"/>
+              <a:t>-Direct Access to browser components</a:t>
+            </a:r>
+          </a:p>
+          <a:p>
+            <a:pPr>
+              <a:spcBef>
+                <a:spcPct val="0"/>
+              </a:spcBef>
+              <a:buFontTx/>
+              <a:buChar char="-"/>
+            </a:pPr>
+            <a:r>
+              <a:rPr lang="en-US" smtClean="0"/>
+              <a:t>-Profile Manager</a:t>
+            </a:r>
+          </a:p>
+          <a:p>
+            <a:pPr lvl="1">
+              <a:spcBef>
+                <a:spcPct val="0"/>
+              </a:spcBef>
+              <a:buFontTx/>
+              <a:buChar char="-"/>
+            </a:pPr>
+            <a:r>
+              <a:rPr lang="en-US" smtClean="0"/>
+              <a:t>-Allows for rapid development, implementation of multiple user preference sets</a:t>
+            </a:r>
+          </a:p>
+          <a:p>
+            <a:pPr>
+              <a:spcBef>
+                <a:spcPct val="0"/>
+              </a:spcBef>
+              <a:buFontTx/>
+              <a:buChar char="-"/>
+            </a:pPr>
+            <a:r>
+              <a:rPr lang="en-US" smtClean="0"/>
+              <a:t>-XUL</a:t>
+            </a:r>
+          </a:p>
+          <a:p>
+            <a:pPr lvl="1">
+              <a:spcBef>
+                <a:spcPct val="0"/>
+              </a:spcBef>
+              <a:buFontTx/>
+              <a:buChar char="-"/>
+            </a:pPr>
+            <a:r>
+              <a:rPr lang="en-US" smtClean="0"/>
+              <a:t>XML User Interface Language</a:t>
+            </a:r>
+          </a:p>
+          <a:p>
+            <a:pPr lvl="1">
+              <a:spcBef>
+                <a:spcPct val="0"/>
+              </a:spcBef>
+              <a:buFontTx/>
+              <a:buChar char="-"/>
+            </a:pPr>
+            <a:r>
+              <a:rPr lang="en-US" smtClean="0"/>
+              <a:t>-defines GUI layout of firefox</a:t>
+            </a:r>
+          </a:p>
+          <a:p>
+            <a:pPr>
+              <a:spcBef>
+                <a:spcPct val="0"/>
+              </a:spcBef>
+              <a:buFontTx/>
+              <a:buChar char="-"/>
+            </a:pPr>
+            <a:r>
+              <a:rPr lang="en-US" smtClean="0"/>
+              <a:t>-Use Javascript and CSS to develop extensions</a:t>
+            </a:r>
+          </a:p>
+          <a:p>
+            <a:pPr>
+              <a:spcBef>
+                <a:spcPct val="0"/>
+              </a:spcBef>
+              <a:buFontTx/>
+              <a:buChar char="-"/>
+            </a:pPr>
+            <a:endParaRPr lang="en-US" smtClean="0"/>
+          </a:p>
+        </p:txBody>
+      </p:sp>
+      <p:sp>
+        <p:nvSpPr>
+          <p:cNvPr id="29700" name="Slide Number Placeholder 3"/>
+          <p:cNvSpPr txBox="1">
+            <a:spLocks noGrp="1"/>
+          </p:cNvSpPr>
+          <p:nvPr/>
+        </p:nvSpPr>
+        <p:spPr bwMode="auto">
+          <a:xfrm>
+            <a:off x="3884613" y="8685213"/>
+            <a:ext cx="2971800" cy="457200"/>
+          </a:xfrm>
+          <a:prstGeom prst="rect">
+            <a:avLst/>
+          </a:prstGeom>
+          <a:noFill/>
+          <a:ln w="9525">
+            <a:noFill/>
+            <a:miter lim="800000"/>
+            <a:headEnd/>
+            <a:tailEnd/>
+          </a:ln>
+        </p:spPr>
+        <p:txBody>
+          <a:bodyPr anchor="b"/>
+          <a:lstStyle/>
+          <a:p>
+            <a:pPr algn="r"/>
+            <a:fld id="{519D438A-FAE2-4CB7-8569-C2898E50D29B}" type="slidenum">
+              <a:rPr lang="en-US" sz="1200">
+                <a:latin typeface="Calibri" pitchFamily="34" charset="0"/>
+              </a:rPr>
+              <a:pPr algn="r"/>
+              <a:t>6</a:t>
+            </a:fld>
+            <a:endParaRPr lang="en-US" sz="1200">
+              <a:latin typeface="Calibri" pitchFamily="34" charset="0"/>
+            </a:endParaRPr>
+          </a:p>
+        </p:txBody>
+      </p:sp>
+    </p:spTree>
+  </p:cSld>
+  <p:clrMapOvr>
+    <a:masterClrMapping/>
+  </p:clrMapOvr>
+</p:notes>
+</file>
+
+<file path=ppt/notesSlides/notesSlide6.xml><?xml version="1.0" encoding="utf-8"?>
+<p:notes xmlns:a="http://schemas.openxmlformats.org/drawingml/2006/main" xmlns:r="http://schemas.openxmlformats.org/officeDocument/2006/relationships" xmlns:p="http://schemas.openxmlformats.org/presentationml/2006/main">
+  <p:cSld>
+    <p:spTree>
+      <p:nvGrpSpPr>
+        <p:cNvPr id="1" name=""/>
+        <p:cNvGrpSpPr/>
+        <p:nvPr/>
+      </p:nvGrpSpPr>
+      <p:grpSpPr>
+        <a:xfrm>
+          <a:off x="0" y="0"/>
+          <a:ext cx="0" cy="0"/>
+          <a:chOff x="0" y="0"/>
+          <a:chExt cx="0" cy="0"/>
+        </a:xfrm>
+      </p:grpSpPr>
+      <p:sp>
+        <p:nvSpPr>
+          <p:cNvPr id="32770" name="Slide Image Placeholder 1"/>
+          <p:cNvSpPr>
+            <a:spLocks noGrp="1" noRot="1" noChangeAspect="1" noTextEdit="1"/>
+          </p:cNvSpPr>
+          <p:nvPr>
+            <p:ph type="sldImg"/>
+          </p:nvPr>
+        </p:nvSpPr>
+        <p:spPr bwMode="auto">
+          <a:noFill/>
+          <a:ln>
+            <a:solidFill>
+              <a:srgbClr val="000000"/>
+            </a:solidFill>
+            <a:miter lim="800000"/>
+            <a:headEnd/>
+            <a:tailEnd/>
+          </a:ln>
+        </p:spPr>
+      </p:sp>
+      <p:sp>
+        <p:nvSpPr>
+          <p:cNvPr id="32771" name="Notes Placeholder 2"/>
+          <p:cNvSpPr>
+            <a:spLocks noGrp="1"/>
+          </p:cNvSpPr>
+          <p:nvPr>
+            <p:ph type="body" idx="1"/>
+          </p:nvPr>
+        </p:nvSpPr>
+        <p:spPr bwMode="auto">
+          <a:noFill/>
+        </p:spPr>
+        <p:txBody>
+          <a:bodyPr wrap="square" numCol="1" anchor="t" anchorCtr="0" compatLnSpc="1">
+            <a:prstTxWarp prst="textNoShape">
+              <a:avLst/>
+            </a:prstTxWarp>
+          </a:bodyPr>
+          <a:lstStyle/>
+          <a:p>
+            <a:pPr>
+              <a:spcBef>
+                <a:spcPct val="0"/>
+              </a:spcBef>
+              <a:buFontTx/>
+              <a:buChar char="-"/>
+            </a:pPr>
+            <a:r>
+              <a:rPr lang="en-US" smtClean="0"/>
+              <a:t>Mention Sub Toolbars In Demo</a:t>
+            </a:r>
+          </a:p>
+          <a:p>
+            <a:pPr>
+              <a:spcBef>
+                <a:spcPct val="0"/>
+              </a:spcBef>
+              <a:buFontTx/>
+              <a:buChar char="-"/>
+            </a:pPr>
+            <a:endParaRPr lang="en-US" smtClean="0"/>
+          </a:p>
+        </p:txBody>
+      </p:sp>
+      <p:sp>
+        <p:nvSpPr>
+          <p:cNvPr id="32772" name="Slide Number Placeholder 3"/>
+          <p:cNvSpPr txBox="1">
+            <a:spLocks noGrp="1"/>
+          </p:cNvSpPr>
+          <p:nvPr/>
+        </p:nvSpPr>
+        <p:spPr bwMode="auto">
+          <a:xfrm>
+            <a:off x="3884613" y="8685213"/>
+            <a:ext cx="2971800" cy="457200"/>
+          </a:xfrm>
+          <a:prstGeom prst="rect">
+            <a:avLst/>
+          </a:prstGeom>
+          <a:noFill/>
+          <a:ln w="9525">
+            <a:noFill/>
+            <a:miter lim="800000"/>
+            <a:headEnd/>
+            <a:tailEnd/>
+          </a:ln>
+        </p:spPr>
+        <p:txBody>
+          <a:bodyPr anchor="b"/>
+          <a:lstStyle/>
+          <a:p>
+            <a:pPr algn="r"/>
+            <a:fld id="{79EC86BD-9C41-452C-B000-7F0F46315E70}" type="slidenum">
+              <a:rPr lang="en-US" sz="1200">
+                <a:latin typeface="Calibri" pitchFamily="34" charset="0"/>
+              </a:rPr>
+              <a:pPr algn="r"/>
+              <a:t>8</a:t>
+            </a:fld>
+            <a:endParaRPr lang="en-US" sz="1200">
+              <a:latin typeface="Calibri" pitchFamily="34" charset="0"/>
+            </a:endParaRPr>
+          </a:p>
+        </p:txBody>
+      </p:sp>
+    </p:spTree>
+  </p:cSld>
+  <p:clrMapOvr>
+    <a:masterClrMapping/>
+  </p:clrMapOvr>
+</p:notes>
+</file>
+
+<file path=ppt/notesSlides/notesSlide7.xml><?xml version="1.0" encoding="utf-8"?>
+<p:notes xmlns:a="http://schemas.openxmlformats.org/drawingml/2006/main" xmlns:r="http://schemas.openxmlformats.org/officeDocument/2006/relationships" xmlns:p="http://schemas.openxmlformats.org/presentationml/2006/main">
+  <p:cSld>
+    <p:spTree>
+      <p:nvGrpSpPr>
+        <p:cNvPr id="1" name=""/>
+        <p:cNvGrpSpPr/>
+        <p:nvPr/>
+      </p:nvGrpSpPr>
+      <p:grpSpPr>
+        <a:xfrm>
+          <a:off x="0" y="0"/>
+          <a:ext cx="0" cy="0"/>
+          <a:chOff x="0" y="0"/>
+          <a:chExt cx="0" cy="0"/>
+        </a:xfrm>
+      </p:grpSpPr>
+      <p:sp>
+        <p:nvSpPr>
+          <p:cNvPr id="36866" name="Slide Image Placeholder 1"/>
+          <p:cNvSpPr>
+            <a:spLocks noGrp="1" noRot="1" noChangeAspect="1" noTextEdit="1"/>
+          </p:cNvSpPr>
+          <p:nvPr>
+            <p:ph type="sldImg"/>
+          </p:nvPr>
+        </p:nvSpPr>
+        <p:spPr bwMode="auto">
+          <a:noFill/>
+          <a:ln>
+            <a:solidFill>
+              <a:srgbClr val="000000"/>
+            </a:solidFill>
+            <a:miter lim="800000"/>
+            <a:headEnd/>
+            <a:tailEnd/>
+          </a:ln>
+        </p:spPr>
+      </p:sp>
+      <p:sp>
+        <p:nvSpPr>
+          <p:cNvPr id="36867" name="Notes Placeholder 2"/>
+          <p:cNvSpPr>
+            <a:spLocks noGrp="1"/>
+          </p:cNvSpPr>
+          <p:nvPr>
+            <p:ph type="body" idx="1"/>
+          </p:nvPr>
+        </p:nvSpPr>
+        <p:spPr bwMode="auto">
+          <a:noFill/>
+        </p:spPr>
+        <p:txBody>
+          <a:bodyPr wrap="square" numCol="1" anchor="t" anchorCtr="0" compatLnSpc="1">
+            <a:prstTxWarp prst="textNoShape">
+              <a:avLst/>
+            </a:prstTxWarp>
+          </a:bodyPr>
+          <a:lstStyle/>
+          <a:p>
+            <a:pPr>
+              <a:spcBef>
+                <a:spcPct val="0"/>
+              </a:spcBef>
+            </a:pPr>
+            <a:endParaRPr lang="en-US" smtClean="0"/>
+          </a:p>
+        </p:txBody>
+      </p:sp>
+      <p:sp>
+        <p:nvSpPr>
+          <p:cNvPr id="36868" name="Slide Number Placeholder 3"/>
+          <p:cNvSpPr txBox="1">
+            <a:spLocks noGrp="1"/>
+          </p:cNvSpPr>
+          <p:nvPr/>
+        </p:nvSpPr>
+        <p:spPr bwMode="auto">
+          <a:xfrm>
+            <a:off x="3884613" y="8685213"/>
+            <a:ext cx="2971800" cy="457200"/>
+          </a:xfrm>
+          <a:prstGeom prst="rect">
+            <a:avLst/>
+          </a:prstGeom>
+          <a:noFill/>
+          <a:ln w="9525">
+            <a:noFill/>
+            <a:miter lim="800000"/>
+            <a:headEnd/>
+            <a:tailEnd/>
+          </a:ln>
+        </p:spPr>
+        <p:txBody>
+          <a:bodyPr anchor="b"/>
+          <a:lstStyle/>
+          <a:p>
+            <a:pPr algn="r"/>
+            <a:fld id="{A1ADDF59-7DDF-49C6-AC9D-7CB8F2B4257F}" type="slidenum">
+              <a:rPr lang="en-US" sz="1200">
+                <a:latin typeface="Calibri" pitchFamily="34" charset="0"/>
+              </a:rPr>
+              <a:pPr algn="r"/>
+              <a:t>9</a:t>
+            </a:fld>
+            <a:endParaRPr lang="en-US" sz="1200">
+              <a:latin typeface="Calibri" pitchFamily="34" charset="0"/>
+            </a:endParaRPr>
+          </a:p>
+        </p:txBody>
+      </p:sp>
+    </p:spTree>
+  </p:cSld>
+  <p:clrMapOvr>
+    <a:masterClrMapping/>
+  </p:clrMapOvr>
+</p:notes>
+</file>
+
+<file path=ppt/notesSlides/notesSlide8.xml><?xml version="1.0" encoding="utf-8"?>
+<p:notes xmlns:a="http://schemas.openxmlformats.org/drawingml/2006/main" xmlns:r="http://schemas.openxmlformats.org/officeDocument/2006/relationships" xmlns:p="http://schemas.openxmlformats.org/presentationml/2006/main">
+  <p:cSld>
+    <p:spTree>
+      <p:nvGrpSpPr>
+        <p:cNvPr id="1" name=""/>
+        <p:cNvGrpSpPr/>
+        <p:nvPr/>
+      </p:nvGrpSpPr>
+      <p:grpSpPr>
+        <a:xfrm>
+          <a:off x="0" y="0"/>
+          <a:ext cx="0" cy="0"/>
+          <a:chOff x="0" y="0"/>
+          <a:chExt cx="0" cy="0"/>
+        </a:xfrm>
+      </p:grpSpPr>
+      <p:sp>
+        <p:nvSpPr>
+          <p:cNvPr id="34818" name="Slide Image Placeholder 1"/>
+          <p:cNvSpPr>
+            <a:spLocks noGrp="1" noRot="1" noChangeAspect="1" noTextEdit="1"/>
+          </p:cNvSpPr>
+          <p:nvPr>
+            <p:ph type="sldImg"/>
+          </p:nvPr>
+        </p:nvSpPr>
+        <p:spPr bwMode="auto">
+          <a:noFill/>
+          <a:ln>
+            <a:solidFill>
+              <a:srgbClr val="000000"/>
+            </a:solidFill>
+            <a:miter lim="800000"/>
+            <a:headEnd/>
+            <a:tailEnd/>
+          </a:ln>
+        </p:spPr>
+      </p:sp>
+      <p:sp>
+        <p:nvSpPr>
+          <p:cNvPr id="34819" name="Notes Placeholder 2"/>
+          <p:cNvSpPr>
+            <a:spLocks noGrp="1"/>
+          </p:cNvSpPr>
+          <p:nvPr>
+            <p:ph type="body" idx="1"/>
+          </p:nvPr>
+        </p:nvSpPr>
+        <p:spPr bwMode="auto">
+          <a:noFill/>
+        </p:spPr>
+        <p:txBody>
+          <a:bodyPr wrap="square" numCol="1" anchor="t" anchorCtr="0" compatLnSpc="1">
+            <a:prstTxWarp prst="textNoShape">
+              <a:avLst/>
+            </a:prstTxWarp>
+          </a:bodyPr>
+          <a:lstStyle/>
+          <a:p>
+            <a:pPr>
+              <a:spcBef>
+                <a:spcPct val="0"/>
+              </a:spcBef>
+              <a:buFontTx/>
+              <a:buChar char="-"/>
+            </a:pPr>
+            <a:r>
+              <a:rPr lang="en-US" smtClean="0"/>
+              <a:t>Creating Extensions</a:t>
+            </a:r>
+          </a:p>
+          <a:p>
+            <a:pPr lvl="1">
+              <a:spcBef>
+                <a:spcPct val="0"/>
+              </a:spcBef>
+              <a:buFontTx/>
+              <a:buChar char="-"/>
+            </a:pPr>
+            <a:r>
+              <a:rPr lang="en-US" smtClean="0"/>
+              <a:t>-Easy to use interface for designing / installing extensions</a:t>
+            </a:r>
+          </a:p>
+          <a:p>
+            <a:pPr lvl="1">
+              <a:spcBef>
+                <a:spcPct val="0"/>
+              </a:spcBef>
+              <a:buFontTx/>
+              <a:buChar char="-"/>
+            </a:pPr>
+            <a:r>
+              <a:rPr lang="en-US" smtClean="0"/>
+              <a:t>-Direct Access to browser components</a:t>
+            </a:r>
+          </a:p>
+          <a:p>
+            <a:pPr>
+              <a:spcBef>
+                <a:spcPct val="0"/>
+              </a:spcBef>
+              <a:buFontTx/>
+              <a:buChar char="-"/>
+            </a:pPr>
+            <a:r>
+              <a:rPr lang="en-US" smtClean="0"/>
+              <a:t>-Profile Manager</a:t>
+            </a:r>
+          </a:p>
+          <a:p>
+            <a:pPr lvl="1">
+              <a:spcBef>
+                <a:spcPct val="0"/>
+              </a:spcBef>
+              <a:buFontTx/>
+              <a:buChar char="-"/>
+            </a:pPr>
+            <a:r>
+              <a:rPr lang="en-US" smtClean="0"/>
+              <a:t>-Allows for rapid development, implementation of multiple user preference sets</a:t>
+            </a:r>
+          </a:p>
+          <a:p>
+            <a:pPr>
+              <a:spcBef>
+                <a:spcPct val="0"/>
+              </a:spcBef>
+              <a:buFontTx/>
+              <a:buChar char="-"/>
+            </a:pPr>
+            <a:r>
+              <a:rPr lang="en-US" smtClean="0"/>
+              <a:t>-XUL</a:t>
+            </a:r>
+          </a:p>
+          <a:p>
+            <a:pPr lvl="1">
+              <a:spcBef>
+                <a:spcPct val="0"/>
+              </a:spcBef>
+              <a:buFontTx/>
+              <a:buChar char="-"/>
+            </a:pPr>
+            <a:r>
+              <a:rPr lang="en-US" smtClean="0"/>
+              <a:t>XML User Interface Language</a:t>
+            </a:r>
+          </a:p>
+          <a:p>
+            <a:pPr lvl="1">
+              <a:spcBef>
+                <a:spcPct val="0"/>
+              </a:spcBef>
+              <a:buFontTx/>
+              <a:buChar char="-"/>
+            </a:pPr>
+            <a:r>
+              <a:rPr lang="en-US" smtClean="0"/>
+              <a:t>-defines GUI layout of firefox</a:t>
+            </a:r>
+          </a:p>
+          <a:p>
+            <a:pPr>
+              <a:spcBef>
+                <a:spcPct val="0"/>
+              </a:spcBef>
+              <a:buFontTx/>
+              <a:buChar char="-"/>
+            </a:pPr>
+            <a:r>
+              <a:rPr lang="en-US" smtClean="0"/>
+              <a:t>-Use Javascript and CSS to develop extensions</a:t>
+            </a:r>
+          </a:p>
+          <a:p>
+            <a:pPr>
+              <a:spcBef>
+                <a:spcPct val="0"/>
+              </a:spcBef>
+              <a:buFontTx/>
+              <a:buChar char="-"/>
+            </a:pPr>
+            <a:endParaRPr lang="en-US" smtClean="0"/>
+          </a:p>
+        </p:txBody>
+      </p:sp>
+      <p:sp>
+        <p:nvSpPr>
+          <p:cNvPr id="34820" name="Slide Number Placeholder 3"/>
+          <p:cNvSpPr txBox="1">
+            <a:spLocks noGrp="1"/>
+          </p:cNvSpPr>
+          <p:nvPr/>
+        </p:nvSpPr>
+        <p:spPr bwMode="auto">
+          <a:xfrm>
+            <a:off x="3884613" y="8685213"/>
+            <a:ext cx="2971800" cy="457200"/>
+          </a:xfrm>
+          <a:prstGeom prst="rect">
+            <a:avLst/>
+          </a:prstGeom>
+          <a:noFill/>
+          <a:ln w="9525">
+            <a:noFill/>
+            <a:miter lim="800000"/>
+            <a:headEnd/>
+            <a:tailEnd/>
+          </a:ln>
+        </p:spPr>
+        <p:txBody>
+          <a:bodyPr anchor="b"/>
+          <a:lstStyle/>
+          <a:p>
+            <a:pPr algn="r"/>
+            <a:fld id="{0E19D3F2-4A1B-4019-B67D-3A67A82C0AF6}" type="slidenum">
+              <a:rPr lang="en-US" sz="1200">
+                <a:latin typeface="Calibri" pitchFamily="34" charset="0"/>
+              </a:rPr>
+              <a:pPr algn="r"/>
+              <a:t>10</a:t>
+            </a:fld>
+            <a:endParaRPr lang="en-US" sz="1200">
+              <a:latin typeface="Calibri" pitchFamily="34" charset="0"/>
+            </a:endParaRPr>
           </a:p>
         </p:txBody>
       </p:sp>
@@ -884,7 +1943,7 @@
       </p:grpSpPr>
       <p:sp>
         <p:nvSpPr>
-          <p:cNvPr id="7" name="Freeform 6"/>
+          <p:cNvPr id="4" name="Freeform 6"/>
           <p:cNvSpPr>
             <a:spLocks/>
           </p:cNvSpPr>
@@ -892,7 +1951,7 @@
         </p:nvSpPr>
         <p:spPr bwMode="auto">
           <a:xfrm>
-            <a:off x="0" y="4752126"/>
+            <a:off x="0" y="4751388"/>
             <a:ext cx="9144000" cy="2112962"/>
           </a:xfrm>
           <a:custGeom>
@@ -972,16 +2031,28 @@
           </a:effectLst>
         </p:spPr>
         <p:txBody>
-          <a:bodyPr vert="horz" wrap="square" lIns="91440" tIns="45720" rIns="91440" bIns="45720" anchor="t" compatLnSpc="1"/>
+          <a:bodyPr/>
           <a:lstStyle/>
           <a:p>
-            <a:endParaRPr kumimoji="0" lang="en-US"/>
-          </a:p>
-        </p:txBody>
-      </p:sp>
-      <p:sp>
-        <p:nvSpPr>
-          <p:cNvPr id="8" name="Freeform 7"/>
+            <a:pPr fontAlgn="auto">
+              <a:spcBef>
+                <a:spcPts val="0"/>
+              </a:spcBef>
+              <a:spcAft>
+                <a:spcPts val="0"/>
+              </a:spcAft>
+              <a:defRPr/>
+            </a:pPr>
+            <a:endParaRPr lang="en-US">
+              <a:latin typeface="+mn-lt"/>
+              <a:cs typeface="+mn-cs"/>
+            </a:endParaRPr>
+          </a:p>
+        </p:txBody>
+      </p:sp>
+      <p:sp>
+        <p:nvSpPr>
+          <p:cNvPr id="5" name="Freeform 7"/>
           <p:cNvSpPr>
             <a:spLocks/>
           </p:cNvSpPr>
@@ -1071,10 +2142,22 @@
           </a:effectLst>
         </p:spPr>
         <p:txBody>
-          <a:bodyPr vert="horz" wrap="square" lIns="91440" tIns="45720" rIns="91440" bIns="45720" anchor="t" compatLnSpc="1"/>
+          <a:bodyPr/>
           <a:lstStyle/>
           <a:p>
-            <a:endParaRPr kumimoji="0" lang="en-US"/>
+            <a:pPr fontAlgn="auto">
+              <a:spcBef>
+                <a:spcPts val="0"/>
+              </a:spcBef>
+              <a:spcAft>
+                <a:spcPts val="0"/>
+              </a:spcAft>
+              <a:defRPr/>
+            </a:pPr>
+            <a:endParaRPr lang="en-US">
+              <a:latin typeface="+mn-lt"/>
+              <a:cs typeface="+mn-cs"/>
+            </a:endParaRPr>
           </a:p>
         </p:txBody>
       </p:sp>
@@ -1095,7 +2178,7 @@
           </a:xfrm>
         </p:spPr>
         <p:txBody>
-          <a:bodyPr rIns="45720" anchor="t"/>
+          <a:bodyPr anchor="t"/>
           <a:lstStyle>
             <a:lvl1pPr algn="r">
               <a:defRPr lang="en-US" b="1" cap="all" baseline="0" dirty="0">
@@ -1156,10 +2239,10 @@
           </a:lstStyle>
           <a:p>
             <a:r>
-              <a:rPr kumimoji="0" lang="en-US" smtClean="0"/>
+              <a:rPr lang="en-US" smtClean="0"/>
               <a:t>Click to edit Master title style</a:t>
             </a:r>
-            <a:endParaRPr kumimoji="0" lang="en-US"/>
+            <a:endParaRPr lang="en-US"/>
           </a:p>
         </p:txBody>
       </p:sp>
@@ -1220,16 +2303,16 @@
           </a:lstStyle>
           <a:p>
             <a:r>
-              <a:rPr kumimoji="0" lang="en-US" smtClean="0"/>
+              <a:rPr lang="en-US" smtClean="0"/>
               <a:t>Click to edit Master subtitle style</a:t>
             </a:r>
-            <a:endParaRPr kumimoji="0" lang="en-US"/>
-          </a:p>
-        </p:txBody>
-      </p:sp>
-      <p:sp>
-        <p:nvSpPr>
-          <p:cNvPr id="30" name="Date Placeholder 29"/>
+            <a:endParaRPr lang="en-US"/>
+          </a:p>
+        </p:txBody>
+      </p:sp>
+      <p:sp>
+        <p:nvSpPr>
+          <p:cNvPr id="6" name="Date Placeholder 29"/>
           <p:cNvSpPr>
             <a:spLocks noGrp="1"/>
           </p:cNvSpPr>
@@ -1240,11 +2323,20 @@
         <p:spPr/>
         <p:txBody>
           <a:bodyPr/>
-          <a:lstStyle/>
-          <a:p>
-            <a:fld id="{E637BB6B-EE1B-48FB-8575-0D55C373DE88}" type="datetimeFigureOut">
-              <a:rPr lang="en-US" smtClean="0"/>
-              <a:pPr/>
+          <a:lstStyle>
+            <a:lvl1pPr>
+              <a:defRPr/>
+            </a:lvl1pPr>
+          </a:lstStyle>
+          <a:p>
+            <a:pPr>
+              <a:defRPr/>
+            </a:pPr>
+            <a:fld id="{371ECB08-026C-4E40-85F1-F00E944E626D}" type="datetimeFigureOut">
+              <a:rPr lang="en-US"/>
+              <a:pPr>
+                <a:defRPr/>
+              </a:pPr>
               <a:t>5/3/2007</a:t>
             </a:fld>
             <a:endParaRPr lang="en-US"/>
@@ -1253,7 +2345,7 @@
       </p:sp>
       <p:sp>
         <p:nvSpPr>
-          <p:cNvPr id="19" name="Footer Placeholder 18"/>
+          <p:cNvPr id="7" name="Footer Placeholder 18"/>
           <p:cNvSpPr>
             <a:spLocks noGrp="1"/>
           </p:cNvSpPr>
@@ -1264,15 +2356,22 @@
         <p:spPr/>
         <p:txBody>
           <a:bodyPr/>
-          <a:lstStyle/>
-          <a:p>
-            <a:endParaRPr kumimoji="0" lang="en-US"/>
-          </a:p>
-        </p:txBody>
-      </p:sp>
-      <p:sp>
-        <p:nvSpPr>
-          <p:cNvPr id="27" name="Slide Number Placeholder 26"/>
+          <a:lstStyle>
+            <a:lvl1pPr>
+              <a:defRPr/>
+            </a:lvl1pPr>
+          </a:lstStyle>
+          <a:p>
+            <a:pPr>
+              <a:defRPr/>
+            </a:pPr>
+            <a:endParaRPr lang="en-US"/>
+          </a:p>
+        </p:txBody>
+      </p:sp>
+      <p:sp>
+        <p:nvSpPr>
+          <p:cNvPr id="8" name="Slide Number Placeholder 26"/>
           <p:cNvSpPr>
             <a:spLocks noGrp="1"/>
           </p:cNvSpPr>
@@ -1283,14 +2382,23 @@
         <p:spPr/>
         <p:txBody>
           <a:bodyPr/>
-          <a:lstStyle/>
-          <a:p>
-            <a:fld id="{2AA957AF-53C0-420B-9C2D-77DB1416566C}" type="slidenum">
-              <a:rPr kumimoji="0" lang="en-US" smtClean="0"/>
-              <a:pPr/>
+          <a:lstStyle>
+            <a:lvl1pPr>
+              <a:defRPr/>
+            </a:lvl1pPr>
+          </a:lstStyle>
+          <a:p>
+            <a:pPr>
+              <a:defRPr/>
+            </a:pPr>
+            <a:fld id="{37B12F1E-F778-435D-B752-E0E56DC9E9D5}" type="slidenum">
+              <a:rPr lang="en-US"/>
+              <a:pPr>
+                <a:defRPr/>
+              </a:pPr>
               <a:t>‹#›</a:t>
             </a:fld>
-            <a:endParaRPr kumimoji="0" lang="en-US"/>
+            <a:endParaRPr lang="en-US"/>
           </a:p>
         </p:txBody>
       </p:sp>
@@ -1335,10 +2443,10 @@
           <a:lstStyle/>
           <a:p>
             <a:r>
-              <a:rPr kumimoji="0" lang="en-US" smtClean="0"/>
+              <a:rPr lang="en-US" smtClean="0"/>
               <a:t>Click to edit Master title style</a:t>
             </a:r>
-            <a:endParaRPr kumimoji="0" lang="en-US"/>
+            <a:endParaRPr lang="en-US"/>
           </a:p>
         </p:txBody>
       </p:sp>
@@ -1357,46 +2465,46 @@
           <a:bodyPr vert="eaVert"/>
           <a:lstStyle/>
           <a:p>
-            <a:pPr lvl="0" eaLnBrk="1" latinLnBrk="0" hangingPunct="1"/>
+            <a:pPr lvl="0"/>
             <a:r>
               <a:rPr lang="en-US" smtClean="0"/>
               <a:t>Click to edit Master text styles</a:t>
             </a:r>
           </a:p>
           <a:p>
-            <a:pPr lvl="1" eaLnBrk="1" latinLnBrk="0" hangingPunct="1"/>
+            <a:pPr lvl="1"/>
             <a:r>
               <a:rPr lang="en-US" smtClean="0"/>
               <a:t>Second level</a:t>
             </a:r>
           </a:p>
           <a:p>
-            <a:pPr lvl="2" eaLnBrk="1" latinLnBrk="0" hangingPunct="1"/>
+            <a:pPr lvl="2"/>
             <a:r>
               <a:rPr lang="en-US" smtClean="0"/>
               <a:t>Third level</a:t>
             </a:r>
           </a:p>
           <a:p>
-            <a:pPr lvl="3" eaLnBrk="1" latinLnBrk="0" hangingPunct="1"/>
+            <a:pPr lvl="3"/>
             <a:r>
               <a:rPr lang="en-US" smtClean="0"/>
               <a:t>Fourth level</a:t>
             </a:r>
           </a:p>
           <a:p>
-            <a:pPr lvl="4" eaLnBrk="1" latinLnBrk="0" hangingPunct="1"/>
+            <a:pPr lvl="4"/>
             <a:r>
               <a:rPr lang="en-US" smtClean="0"/>
               <a:t>Fifth level</a:t>
             </a:r>
-            <a:endParaRPr kumimoji="0" lang="en-US"/>
-          </a:p>
-        </p:txBody>
-      </p:sp>
-      <p:sp>
-        <p:nvSpPr>
-          <p:cNvPr id="4" name="Date Placeholder 3"/>
+            <a:endParaRPr lang="en-US"/>
+          </a:p>
+        </p:txBody>
+      </p:sp>
+      <p:sp>
+        <p:nvSpPr>
+          <p:cNvPr id="4" name="Date Placeholder 9"/>
           <p:cNvSpPr>
             <a:spLocks noGrp="1"/>
           </p:cNvSpPr>
@@ -1407,20 +2515,29 @@
         <p:spPr/>
         <p:txBody>
           <a:bodyPr/>
-          <a:lstStyle/>
-          <a:p>
-            <a:fld id="{E637BB6B-EE1B-48FB-8575-0D55C373DE88}" type="datetimeFigureOut">
-              <a:rPr lang="en-US" smtClean="0"/>
-              <a:pPr/>
+          <a:lstStyle>
+            <a:lvl1pPr>
+              <a:defRPr/>
+            </a:lvl1pPr>
+          </a:lstStyle>
+          <a:p>
+            <a:pPr>
+              <a:defRPr/>
+            </a:pPr>
+            <a:fld id="{87B24C48-E183-457E-B835-DBDA16C34A2E}" type="datetimeFigureOut">
+              <a:rPr lang="en-US"/>
+              <a:pPr>
+                <a:defRPr/>
+              </a:pPr>
               <a:t>5/3/2007</a:t>
             </a:fld>
-            <a:endParaRPr lang="en-US" dirty="0"/>
-          </a:p>
-        </p:txBody>
-      </p:sp>
-      <p:sp>
-        <p:nvSpPr>
-          <p:cNvPr id="5" name="Footer Placeholder 4"/>
+            <a:endParaRPr lang="en-US"/>
+          </a:p>
+        </p:txBody>
+      </p:sp>
+      <p:sp>
+        <p:nvSpPr>
+          <p:cNvPr id="5" name="Footer Placeholder 21"/>
           <p:cNvSpPr>
             <a:spLocks noGrp="1"/>
           </p:cNvSpPr>
@@ -1431,15 +2548,22 @@
         <p:spPr/>
         <p:txBody>
           <a:bodyPr/>
-          <a:lstStyle/>
-          <a:p>
-            <a:endParaRPr kumimoji="0" lang="en-US"/>
-          </a:p>
-        </p:txBody>
-      </p:sp>
-      <p:sp>
-        <p:nvSpPr>
-          <p:cNvPr id="6" name="Slide Number Placeholder 5"/>
+          <a:lstStyle>
+            <a:lvl1pPr>
+              <a:defRPr/>
+            </a:lvl1pPr>
+          </a:lstStyle>
+          <a:p>
+            <a:pPr>
+              <a:defRPr/>
+            </a:pPr>
+            <a:endParaRPr lang="en-US"/>
+          </a:p>
+        </p:txBody>
+      </p:sp>
+      <p:sp>
+        <p:nvSpPr>
+          <p:cNvPr id="6" name="Slide Number Placeholder 17"/>
           <p:cNvSpPr>
             <a:spLocks noGrp="1"/>
           </p:cNvSpPr>
@@ -1450,14 +2574,23 @@
         <p:spPr/>
         <p:txBody>
           <a:bodyPr/>
-          <a:lstStyle/>
-          <a:p>
-            <a:fld id="{2AA957AF-53C0-420B-9C2D-77DB1416566C}" type="slidenum">
-              <a:rPr kumimoji="0" lang="en-US" smtClean="0"/>
-              <a:pPr/>
+          <a:lstStyle>
+            <a:lvl1pPr>
+              <a:defRPr/>
+            </a:lvl1pPr>
+          </a:lstStyle>
+          <a:p>
+            <a:pPr>
+              <a:defRPr/>
+            </a:pPr>
+            <a:fld id="{D90FC186-54BC-4F96-BC14-748B60EE10D3}" type="slidenum">
+              <a:rPr lang="en-US"/>
+              <a:pPr>
+                <a:defRPr/>
+              </a:pPr>
               <a:t>‹#›</a:t>
             </a:fld>
-            <a:endParaRPr kumimoji="0" lang="en-US"/>
+            <a:endParaRPr lang="en-US" dirty="0"/>
           </a:p>
         </p:txBody>
       </p:sp>
@@ -1507,10 +2640,10 @@
           <a:lstStyle/>
           <a:p>
             <a:r>
-              <a:rPr kumimoji="0" lang="en-US" smtClean="0"/>
+              <a:rPr lang="en-US" smtClean="0"/>
               <a:t>Click to edit Master title style</a:t>
             </a:r>
-            <a:endParaRPr kumimoji="0" lang="en-US"/>
+            <a:endParaRPr lang="en-US"/>
           </a:p>
         </p:txBody>
       </p:sp>
@@ -1534,46 +2667,46 @@
           <a:bodyPr vert="eaVert"/>
           <a:lstStyle/>
           <a:p>
-            <a:pPr lvl="0" eaLnBrk="1" latinLnBrk="0" hangingPunct="1"/>
+            <a:pPr lvl="0"/>
             <a:r>
               <a:rPr lang="en-US" smtClean="0"/>
               <a:t>Click to edit Master text styles</a:t>
             </a:r>
           </a:p>
           <a:p>
-            <a:pPr lvl="1" eaLnBrk="1" latinLnBrk="0" hangingPunct="1"/>
+            <a:pPr lvl="1"/>
             <a:r>
               <a:rPr lang="en-US" smtClean="0"/>
               <a:t>Second level</a:t>
             </a:r>
           </a:p>
           <a:p>
-            <a:pPr lvl="2" eaLnBrk="1" latinLnBrk="0" hangingPunct="1"/>
+            <a:pPr lvl="2"/>
             <a:r>
               <a:rPr lang="en-US" smtClean="0"/>
               <a:t>Third level</a:t>
             </a:r>
           </a:p>
           <a:p>
-            <a:pPr lvl="3" eaLnBrk="1" latinLnBrk="0" hangingPunct="1"/>
+            <a:pPr lvl="3"/>
             <a:r>
               <a:rPr lang="en-US" smtClean="0"/>
               <a:t>Fourth level</a:t>
             </a:r>
           </a:p>
           <a:p>
-            <a:pPr lvl="4" eaLnBrk="1" latinLnBrk="0" hangingPunct="1"/>
+            <a:pPr lvl="4"/>
             <a:r>
               <a:rPr lang="en-US" smtClean="0"/>
               <a:t>Fifth level</a:t>
             </a:r>
-            <a:endParaRPr kumimoji="0" lang="en-US"/>
-          </a:p>
-        </p:txBody>
-      </p:sp>
-      <p:sp>
-        <p:nvSpPr>
-          <p:cNvPr id="4" name="Date Placeholder 3"/>
+            <a:endParaRPr lang="en-US"/>
+          </a:p>
+        </p:txBody>
+      </p:sp>
+      <p:sp>
+        <p:nvSpPr>
+          <p:cNvPr id="4" name="Date Placeholder 9"/>
           <p:cNvSpPr>
             <a:spLocks noGrp="1"/>
           </p:cNvSpPr>
@@ -1584,11 +2717,20 @@
         <p:spPr/>
         <p:txBody>
           <a:bodyPr/>
-          <a:lstStyle/>
-          <a:p>
-            <a:fld id="{E637BB6B-EE1B-48FB-8575-0D55C373DE88}" type="datetimeFigureOut">
-              <a:rPr lang="en-US" smtClean="0"/>
-              <a:pPr/>
+          <a:lstStyle>
+            <a:lvl1pPr>
+              <a:defRPr/>
+            </a:lvl1pPr>
+          </a:lstStyle>
+          <a:p>
+            <a:pPr>
+              <a:defRPr/>
+            </a:pPr>
+            <a:fld id="{0EB64FF7-4664-4C94-8F43-8C7688990FE1}" type="datetimeFigureOut">
+              <a:rPr lang="en-US"/>
+              <a:pPr>
+                <a:defRPr/>
+              </a:pPr>
               <a:t>5/3/2007</a:t>
             </a:fld>
             <a:endParaRPr lang="en-US"/>
@@ -1597,7 +2739,7 @@
       </p:sp>
       <p:sp>
         <p:nvSpPr>
-          <p:cNvPr id="5" name="Footer Placeholder 4"/>
+          <p:cNvPr id="5" name="Footer Placeholder 21"/>
           <p:cNvSpPr>
             <a:spLocks noGrp="1"/>
           </p:cNvSpPr>
@@ -1608,15 +2750,22 @@
         <p:spPr/>
         <p:txBody>
           <a:bodyPr/>
-          <a:lstStyle/>
-          <a:p>
-            <a:endParaRPr kumimoji="0" lang="en-US"/>
-          </a:p>
-        </p:txBody>
-      </p:sp>
-      <p:sp>
-        <p:nvSpPr>
-          <p:cNvPr id="6" name="Slide Number Placeholder 5"/>
+          <a:lstStyle>
+            <a:lvl1pPr>
+              <a:defRPr/>
+            </a:lvl1pPr>
+          </a:lstStyle>
+          <a:p>
+            <a:pPr>
+              <a:defRPr/>
+            </a:pPr>
+            <a:endParaRPr lang="en-US"/>
+          </a:p>
+        </p:txBody>
+      </p:sp>
+      <p:sp>
+        <p:nvSpPr>
+          <p:cNvPr id="6" name="Slide Number Placeholder 17"/>
           <p:cNvSpPr>
             <a:spLocks noGrp="1"/>
           </p:cNvSpPr>
@@ -1627,14 +2776,23 @@
         <p:spPr/>
         <p:txBody>
           <a:bodyPr/>
-          <a:lstStyle/>
-          <a:p>
-            <a:fld id="{2AA957AF-53C0-420B-9C2D-77DB1416566C}" type="slidenum">
-              <a:rPr kumimoji="0" lang="en-US" smtClean="0"/>
-              <a:pPr/>
+          <a:lstStyle>
+            <a:lvl1pPr>
+              <a:defRPr/>
+            </a:lvl1pPr>
+          </a:lstStyle>
+          <a:p>
+            <a:pPr>
+              <a:defRPr/>
+            </a:pPr>
+            <a:fld id="{0C4782A3-7E8F-4D4A-A87E-77EE241410C2}" type="slidenum">
+              <a:rPr lang="en-US"/>
+              <a:pPr>
+                <a:defRPr/>
+              </a:pPr>
               <a:t>‹#›</a:t>
             </a:fld>
-            <a:endParaRPr kumimoji="0" lang="en-US"/>
+            <a:endParaRPr lang="en-US" dirty="0"/>
           </a:p>
         </p:txBody>
       </p:sp>
@@ -1683,10 +2841,10 @@
           </a:lstStyle>
           <a:p>
             <a:r>
-              <a:rPr kumimoji="0" lang="en-US" smtClean="0"/>
+              <a:rPr lang="en-US" smtClean="0"/>
               <a:t>Click to edit Master title style</a:t>
             </a:r>
-            <a:endParaRPr kumimoji="0" lang="en-US"/>
+            <a:endParaRPr lang="en-US"/>
           </a:p>
         </p:txBody>
       </p:sp>
@@ -1705,46 +2863,46 @@
           <a:bodyPr/>
           <a:lstStyle/>
           <a:p>
-            <a:pPr lvl="0" eaLnBrk="1" latinLnBrk="0" hangingPunct="1"/>
+            <a:pPr lvl="0"/>
             <a:r>
               <a:rPr lang="en-US" smtClean="0"/>
               <a:t>Click to edit Master text styles</a:t>
             </a:r>
           </a:p>
           <a:p>
-            <a:pPr lvl="1" eaLnBrk="1" latinLnBrk="0" hangingPunct="1"/>
+            <a:pPr lvl="1"/>
             <a:r>
               <a:rPr lang="en-US" smtClean="0"/>
               <a:t>Second level</a:t>
             </a:r>
           </a:p>
           <a:p>
-            <a:pPr lvl="2" eaLnBrk="1" latinLnBrk="0" hangingPunct="1"/>
+            <a:pPr lvl="2"/>
             <a:r>
               <a:rPr lang="en-US" smtClean="0"/>
               <a:t>Third level</a:t>
             </a:r>
           </a:p>
           <a:p>
-            <a:pPr lvl="3" eaLnBrk="1" latinLnBrk="0" hangingPunct="1"/>
+            <a:pPr lvl="3"/>
             <a:r>
               <a:rPr lang="en-US" smtClean="0"/>
               <a:t>Fourth level</a:t>
             </a:r>
           </a:p>
           <a:p>
-            <a:pPr lvl="4" eaLnBrk="1" latinLnBrk="0" hangingPunct="1"/>
+            <a:pPr lvl="4"/>
             <a:r>
               <a:rPr lang="en-US" smtClean="0"/>
               <a:t>Fifth level</a:t>
             </a:r>
-            <a:endParaRPr kumimoji="0" lang="en-US"/>
-          </a:p>
-        </p:txBody>
-      </p:sp>
-      <p:sp>
-        <p:nvSpPr>
-          <p:cNvPr id="4" name="Date Placeholder 3"/>
+            <a:endParaRPr lang="en-US"/>
+          </a:p>
+        </p:txBody>
+      </p:sp>
+      <p:sp>
+        <p:nvSpPr>
+          <p:cNvPr id="4" name="Date Placeholder 9"/>
           <p:cNvSpPr>
             <a:spLocks noGrp="1"/>
           </p:cNvSpPr>
@@ -1755,11 +2913,20 @@
         <p:spPr/>
         <p:txBody>
           <a:bodyPr/>
-          <a:lstStyle/>
-          <a:p>
-            <a:fld id="{E637BB6B-EE1B-48FB-8575-0D55C373DE88}" type="datetimeFigureOut">
-              <a:rPr lang="en-US" smtClean="0"/>
-              <a:pPr/>
+          <a:lstStyle>
+            <a:lvl1pPr>
+              <a:defRPr/>
+            </a:lvl1pPr>
+          </a:lstStyle>
+          <a:p>
+            <a:pPr>
+              <a:defRPr/>
+            </a:pPr>
+            <a:fld id="{CD321483-578E-472A-B7DD-DC23A8D6CEE8}" type="datetimeFigureOut">
+              <a:rPr lang="en-US"/>
+              <a:pPr>
+                <a:defRPr/>
+              </a:pPr>
               <a:t>5/3/2007</a:t>
             </a:fld>
             <a:endParaRPr lang="en-US"/>
@@ -1768,7 +2935,7 @@
       </p:sp>
       <p:sp>
         <p:nvSpPr>
-          <p:cNvPr id="5" name="Footer Placeholder 4"/>
+          <p:cNvPr id="5" name="Footer Placeholder 21"/>
           <p:cNvSpPr>
             <a:spLocks noGrp="1"/>
           </p:cNvSpPr>
@@ -1779,15 +2946,22 @@
         <p:spPr/>
         <p:txBody>
           <a:bodyPr/>
-          <a:lstStyle/>
-          <a:p>
-            <a:endParaRPr kumimoji="0" lang="en-US"/>
-          </a:p>
-        </p:txBody>
-      </p:sp>
-      <p:sp>
-        <p:nvSpPr>
-          <p:cNvPr id="6" name="Slide Number Placeholder 5"/>
+          <a:lstStyle>
+            <a:lvl1pPr>
+              <a:defRPr/>
+            </a:lvl1pPr>
+          </a:lstStyle>
+          <a:p>
+            <a:pPr>
+              <a:defRPr/>
+            </a:pPr>
+            <a:endParaRPr lang="en-US"/>
+          </a:p>
+        </p:txBody>
+      </p:sp>
+      <p:sp>
+        <p:nvSpPr>
+          <p:cNvPr id="6" name="Slide Number Placeholder 17"/>
           <p:cNvSpPr>
             <a:spLocks noGrp="1"/>
           </p:cNvSpPr>
@@ -1798,14 +2972,23 @@
         <p:spPr/>
         <p:txBody>
           <a:bodyPr/>
-          <a:lstStyle/>
-          <a:p>
-            <a:fld id="{2AA957AF-53C0-420B-9C2D-77DB1416566C}" type="slidenum">
-              <a:rPr kumimoji="0" lang="en-US" smtClean="0"/>
-              <a:pPr/>
+          <a:lstStyle>
+            <a:lvl1pPr>
+              <a:defRPr/>
+            </a:lvl1pPr>
+          </a:lstStyle>
+          <a:p>
+            <a:pPr>
+              <a:defRPr/>
+            </a:pPr>
+            <a:fld id="{C52E0988-9BD9-4196-8056-FEF74DA99914}" type="slidenum">
+              <a:rPr lang="en-US"/>
+              <a:pPr>
+                <a:defRPr/>
+              </a:pPr>
               <a:t>‹#›</a:t>
             </a:fld>
-            <a:endParaRPr kumimoji="0" lang="en-US"/>
+            <a:endParaRPr lang="en-US" dirty="0"/>
           </a:p>
         </p:txBody>
       </p:sp>
@@ -1841,7 +3024,7 @@
       </p:grpSpPr>
       <p:sp>
         <p:nvSpPr>
-          <p:cNvPr id="7" name="Freeform 6"/>
+          <p:cNvPr id="4" name="Freeform 6"/>
           <p:cNvSpPr>
             <a:spLocks/>
           </p:cNvSpPr>
@@ -1849,7 +3032,7 @@
         </p:nvSpPr>
         <p:spPr bwMode="auto">
           <a:xfrm>
-            <a:off x="0" y="4752126"/>
+            <a:off x="0" y="4751388"/>
             <a:ext cx="9144000" cy="2112962"/>
           </a:xfrm>
           <a:custGeom>
@@ -1929,16 +3112,28 @@
           </a:effectLst>
         </p:spPr>
         <p:txBody>
-          <a:bodyPr vert="horz" wrap="square" lIns="91440" tIns="45720" rIns="91440" bIns="45720" anchor="t" compatLnSpc="1"/>
+          <a:bodyPr/>
           <a:lstStyle/>
           <a:p>
-            <a:endParaRPr kumimoji="0" lang="en-US"/>
-          </a:p>
-        </p:txBody>
-      </p:sp>
-      <p:sp>
-        <p:nvSpPr>
-          <p:cNvPr id="9" name="Freeform 8"/>
+            <a:pPr fontAlgn="auto">
+              <a:spcBef>
+                <a:spcPts val="0"/>
+              </a:spcBef>
+              <a:spcAft>
+                <a:spcPts val="0"/>
+              </a:spcAft>
+              <a:defRPr/>
+            </a:pPr>
+            <a:endParaRPr lang="en-US">
+              <a:latin typeface="+mn-lt"/>
+              <a:cs typeface="+mn-cs"/>
+            </a:endParaRPr>
+          </a:p>
+        </p:txBody>
+      </p:sp>
+      <p:sp>
+        <p:nvSpPr>
+          <p:cNvPr id="5" name="Freeform 8"/>
           <p:cNvSpPr>
             <a:spLocks/>
           </p:cNvSpPr>
@@ -2028,10 +3223,22 @@
           </a:effectLst>
         </p:spPr>
         <p:txBody>
-          <a:bodyPr vert="horz" wrap="square" lIns="91440" tIns="45720" rIns="91440" bIns="45720" anchor="t" compatLnSpc="1"/>
+          <a:bodyPr/>
           <a:lstStyle/>
           <a:p>
-            <a:endParaRPr kumimoji="0" lang="en-US"/>
+            <a:pPr fontAlgn="auto">
+              <a:spcBef>
+                <a:spcPts val="0"/>
+              </a:spcBef>
+              <a:spcAft>
+                <a:spcPts val="0"/>
+              </a:spcAft>
+              <a:defRPr/>
+            </a:pPr>
+            <a:endParaRPr lang="en-US">
+              <a:latin typeface="+mn-lt"/>
+              <a:cs typeface="+mn-cs"/>
+            </a:endParaRPr>
           </a:p>
         </p:txBody>
       </p:sp>
@@ -2114,10 +3321,10 @@
           </a:lstStyle>
           <a:p>
             <a:r>
-              <a:rPr kumimoji="0" lang="en-US" smtClean="0"/>
+              <a:rPr lang="en-US" smtClean="0"/>
               <a:t>Click to edit Master title style</a:t>
             </a:r>
-            <a:endParaRPr kumimoji="0" lang="en-US"/>
+            <a:endParaRPr lang="en-US"/>
           </a:p>
         </p:txBody>
       </p:sp>
@@ -2191,9 +3398,9 @@
             </a:lvl5pPr>
           </a:lstStyle>
           <a:p>
-            <a:pPr lvl="0" eaLnBrk="1" latinLnBrk="0" hangingPunct="1"/>
-            <a:r>
-              <a:rPr kumimoji="0" lang="en-US" smtClean="0"/>
+            <a:pPr lvl="0"/>
+            <a:r>
+              <a:rPr lang="en-US" smtClean="0"/>
               <a:t>Click to edit Master text styles</a:t>
             </a:r>
           </a:p>
@@ -2201,7 +3408,7 @@
       </p:sp>
       <p:sp>
         <p:nvSpPr>
-          <p:cNvPr id="4" name="Date Placeholder 3"/>
+          <p:cNvPr id="6" name="Date Placeholder 3"/>
           <p:cNvSpPr>
             <a:spLocks noGrp="1"/>
           </p:cNvSpPr>
@@ -2212,11 +3419,20 @@
         <p:spPr/>
         <p:txBody>
           <a:bodyPr/>
-          <a:lstStyle/>
-          <a:p>
-            <a:fld id="{E637BB6B-EE1B-48FB-8575-0D55C373DE88}" type="datetimeFigureOut">
-              <a:rPr lang="en-US" smtClean="0"/>
-              <a:pPr/>
+          <a:lstStyle>
+            <a:lvl1pPr>
+              <a:defRPr/>
+            </a:lvl1pPr>
+          </a:lstStyle>
+          <a:p>
+            <a:pPr>
+              <a:defRPr/>
+            </a:pPr>
+            <a:fld id="{179B1EA0-09B5-4A1B-8FE8-3A4CD9C3210F}" type="datetimeFigureOut">
+              <a:rPr lang="en-US"/>
+              <a:pPr>
+                <a:defRPr/>
+              </a:pPr>
               <a:t>5/3/2007</a:t>
             </a:fld>
             <a:endParaRPr lang="en-US"/>
@@ -2225,7 +3441,7 @@
       </p:sp>
       <p:sp>
         <p:nvSpPr>
-          <p:cNvPr id="5" name="Footer Placeholder 4"/>
+          <p:cNvPr id="7" name="Footer Placeholder 4"/>
           <p:cNvSpPr>
             <a:spLocks noGrp="1"/>
           </p:cNvSpPr>
@@ -2236,15 +3452,22 @@
         <p:spPr/>
         <p:txBody>
           <a:bodyPr/>
-          <a:lstStyle/>
-          <a:p>
-            <a:endParaRPr kumimoji="0" lang="en-US"/>
-          </a:p>
-        </p:txBody>
-      </p:sp>
-      <p:sp>
-        <p:nvSpPr>
-          <p:cNvPr id="6" name="Slide Number Placeholder 5"/>
+          <a:lstStyle>
+            <a:lvl1pPr>
+              <a:defRPr/>
+            </a:lvl1pPr>
+          </a:lstStyle>
+          <a:p>
+            <a:pPr>
+              <a:defRPr/>
+            </a:pPr>
+            <a:endParaRPr lang="en-US"/>
+          </a:p>
+        </p:txBody>
+      </p:sp>
+      <p:sp>
+        <p:nvSpPr>
+          <p:cNvPr id="8" name="Slide Number Placeholder 5"/>
           <p:cNvSpPr>
             <a:spLocks noGrp="1"/>
           </p:cNvSpPr>
@@ -2255,14 +3478,23 @@
         <p:spPr/>
         <p:txBody>
           <a:bodyPr/>
-          <a:lstStyle/>
-          <a:p>
-            <a:fld id="{2AA957AF-53C0-420B-9C2D-77DB1416566C}" type="slidenum">
-              <a:rPr kumimoji="0" lang="en-US" smtClean="0"/>
-              <a:pPr/>
+          <a:lstStyle>
+            <a:lvl1pPr>
+              <a:defRPr/>
+            </a:lvl1pPr>
+          </a:lstStyle>
+          <a:p>
+            <a:pPr>
+              <a:defRPr/>
+            </a:pPr>
+            <a:fld id="{1747061D-DB7A-4C5C-B0EC-CE9D16B32855}" type="slidenum">
+              <a:rPr lang="en-US"/>
+              <a:pPr>
+                <a:defRPr/>
+              </a:pPr>
               <a:t>‹#›</a:t>
             </a:fld>
-            <a:endParaRPr kumimoji="0" lang="en-US"/>
+            <a:endParaRPr lang="en-US"/>
           </a:p>
         </p:txBody>
       </p:sp>
@@ -2312,10 +3544,10 @@
           <a:lstStyle/>
           <a:p>
             <a:r>
-              <a:rPr kumimoji="0" lang="en-US" smtClean="0"/>
+              <a:rPr lang="en-US" smtClean="0"/>
               <a:t>Click to edit Master title style</a:t>
             </a:r>
-            <a:endParaRPr kumimoji="0" lang="en-US"/>
+            <a:endParaRPr lang="en-US"/>
           </a:p>
         </p:txBody>
       </p:sp>
@@ -2355,40 +3587,40 @@
             </a:lvl5pPr>
           </a:lstStyle>
           <a:p>
-            <a:pPr lvl="0" eaLnBrk="1" latinLnBrk="0" hangingPunct="1"/>
+            <a:pPr lvl="0"/>
             <a:r>
               <a:rPr lang="en-US" smtClean="0"/>
               <a:t>Click to edit Master text styles</a:t>
             </a:r>
           </a:p>
           <a:p>
-            <a:pPr lvl="1" eaLnBrk="1" latinLnBrk="0" hangingPunct="1"/>
+            <a:pPr lvl="1"/>
             <a:r>
               <a:rPr lang="en-US" smtClean="0"/>
               <a:t>Second level</a:t>
             </a:r>
           </a:p>
           <a:p>
-            <a:pPr lvl="2" eaLnBrk="1" latinLnBrk="0" hangingPunct="1"/>
+            <a:pPr lvl="2"/>
             <a:r>
               <a:rPr lang="en-US" smtClean="0"/>
               <a:t>Third level</a:t>
             </a:r>
           </a:p>
           <a:p>
-            <a:pPr lvl="3" eaLnBrk="1" latinLnBrk="0" hangingPunct="1"/>
+            <a:pPr lvl="3"/>
             <a:r>
               <a:rPr lang="en-US" smtClean="0"/>
               <a:t>Fourth level</a:t>
             </a:r>
           </a:p>
           <a:p>
-            <a:pPr lvl="4" eaLnBrk="1" latinLnBrk="0" hangingPunct="1"/>
+            <a:pPr lvl="4"/>
             <a:r>
               <a:rPr lang="en-US" smtClean="0"/>
               <a:t>Fifth level</a:t>
             </a:r>
-            <a:endParaRPr kumimoji="0" lang="en-US"/>
+            <a:endParaRPr lang="en-US"/>
           </a:p>
         </p:txBody>
       </p:sp>
@@ -2428,46 +3660,46 @@
             </a:lvl5pPr>
           </a:lstStyle>
           <a:p>
-            <a:pPr lvl="0" eaLnBrk="1" latinLnBrk="0" hangingPunct="1"/>
+            <a:pPr lvl="0"/>
             <a:r>
               <a:rPr lang="en-US" smtClean="0"/>
               <a:t>Click to edit Master text styles</a:t>
             </a:r>
           </a:p>
           <a:p>
-            <a:pPr lvl="1" eaLnBrk="1" latinLnBrk="0" hangingPunct="1"/>
+            <a:pPr lvl="1"/>
             <a:r>
               <a:rPr lang="en-US" smtClean="0"/>
               <a:t>Second level</a:t>
             </a:r>
           </a:p>
           <a:p>
-            <a:pPr lvl="2" eaLnBrk="1" latinLnBrk="0" hangingPunct="1"/>
+            <a:pPr lvl="2"/>
             <a:r>
               <a:rPr lang="en-US" smtClean="0"/>
               <a:t>Third level</a:t>
             </a:r>
           </a:p>
           <a:p>
-            <a:pPr lvl="3" eaLnBrk="1" latinLnBrk="0" hangingPunct="1"/>
+            <a:pPr lvl="3"/>
             <a:r>
               <a:rPr lang="en-US" smtClean="0"/>
               <a:t>Fourth level</a:t>
             </a:r>
           </a:p>
           <a:p>
-            <a:pPr lvl="4" eaLnBrk="1" latinLnBrk="0" hangingPunct="1"/>
+            <a:pPr lvl="4"/>
             <a:r>
               <a:rPr lang="en-US" smtClean="0"/>
               <a:t>Fifth level</a:t>
             </a:r>
-            <a:endParaRPr kumimoji="0" lang="en-US"/>
-          </a:p>
-        </p:txBody>
-      </p:sp>
-      <p:sp>
-        <p:nvSpPr>
-          <p:cNvPr id="5" name="Date Placeholder 4"/>
+            <a:endParaRPr lang="en-US"/>
+          </a:p>
+        </p:txBody>
+      </p:sp>
+      <p:sp>
+        <p:nvSpPr>
+          <p:cNvPr id="5" name="Date Placeholder 9"/>
           <p:cNvSpPr>
             <a:spLocks noGrp="1"/>
           </p:cNvSpPr>
@@ -2478,11 +3710,20 @@
         <p:spPr/>
         <p:txBody>
           <a:bodyPr/>
-          <a:lstStyle/>
-          <a:p>
-            <a:fld id="{E637BB6B-EE1B-48FB-8575-0D55C373DE88}" type="datetimeFigureOut">
-              <a:rPr lang="en-US" smtClean="0"/>
-              <a:pPr/>
+          <a:lstStyle>
+            <a:lvl1pPr>
+              <a:defRPr/>
+            </a:lvl1pPr>
+          </a:lstStyle>
+          <a:p>
+            <a:pPr>
+              <a:defRPr/>
+            </a:pPr>
+            <a:fld id="{C565AC7E-A8F0-4F18-96A0-DF7644A6A9C4}" type="datetimeFigureOut">
+              <a:rPr lang="en-US"/>
+              <a:pPr>
+                <a:defRPr/>
+              </a:pPr>
               <a:t>5/3/2007</a:t>
             </a:fld>
             <a:endParaRPr lang="en-US"/>
@@ -2491,7 +3732,7 @@
       </p:sp>
       <p:sp>
         <p:nvSpPr>
-          <p:cNvPr id="6" name="Footer Placeholder 5"/>
+          <p:cNvPr id="6" name="Footer Placeholder 21"/>
           <p:cNvSpPr>
             <a:spLocks noGrp="1"/>
           </p:cNvSpPr>
@@ -2502,15 +3743,22 @@
         <p:spPr/>
         <p:txBody>
           <a:bodyPr/>
-          <a:lstStyle/>
-          <a:p>
-            <a:endParaRPr kumimoji="0" lang="en-US"/>
-          </a:p>
-        </p:txBody>
-      </p:sp>
-      <p:sp>
-        <p:nvSpPr>
-          <p:cNvPr id="7" name="Slide Number Placeholder 6"/>
+          <a:lstStyle>
+            <a:lvl1pPr>
+              <a:defRPr/>
+            </a:lvl1pPr>
+          </a:lstStyle>
+          <a:p>
+            <a:pPr>
+              <a:defRPr/>
+            </a:pPr>
+            <a:endParaRPr lang="en-US"/>
+          </a:p>
+        </p:txBody>
+      </p:sp>
+      <p:sp>
+        <p:nvSpPr>
+          <p:cNvPr id="7" name="Slide Number Placeholder 17"/>
           <p:cNvSpPr>
             <a:spLocks noGrp="1"/>
           </p:cNvSpPr>
@@ -2521,14 +3769,23 @@
         <p:spPr/>
         <p:txBody>
           <a:bodyPr/>
-          <a:lstStyle/>
-          <a:p>
-            <a:fld id="{2AA957AF-53C0-420B-9C2D-77DB1416566C}" type="slidenum">
-              <a:rPr kumimoji="0" lang="en-US" smtClean="0"/>
-              <a:pPr/>
+          <a:lstStyle>
+            <a:lvl1pPr>
+              <a:defRPr/>
+            </a:lvl1pPr>
+          </a:lstStyle>
+          <a:p>
+            <a:pPr>
+              <a:defRPr/>
+            </a:pPr>
+            <a:fld id="{6D5D5E69-CEC4-40EB-B778-B4536727A620}" type="slidenum">
+              <a:rPr lang="en-US"/>
+              <a:pPr>
+                <a:defRPr/>
+              </a:pPr>
               <a:t>‹#›</a:t>
             </a:fld>
-            <a:endParaRPr kumimoji="0" lang="en-US"/>
+            <a:endParaRPr lang="en-US" dirty="0"/>
           </a:p>
         </p:txBody>
       </p:sp>
@@ -2574,7 +3831,7 @@
           </a:xfrm>
         </p:spPr>
         <p:txBody>
-          <a:bodyPr anchor="ctr"/>
+          <a:bodyPr/>
           <a:lstStyle>
             <a:lvl1pPr>
               <a:defRPr/>
@@ -2582,10 +3839,10 @@
           </a:lstStyle>
           <a:p>
             <a:r>
-              <a:rPr kumimoji="0" lang="en-US" smtClean="0"/>
+              <a:rPr lang="en-US" smtClean="0"/>
               <a:t>Click to edit Master title style</a:t>
             </a:r>
-            <a:endParaRPr kumimoji="0" lang="en-US"/>
+            <a:endParaRPr lang="en-US"/>
           </a:p>
         </p:txBody>
       </p:sp>
@@ -2606,7 +3863,7 @@
           </a:xfrm>
         </p:spPr>
         <p:txBody>
-          <a:bodyPr anchor="t"/>
+          <a:bodyPr/>
           <a:lstStyle>
             <a:lvl1pPr marL="0" indent="0">
               <a:buNone/>
@@ -2634,9 +3891,9 @@
             </a:lvl5pPr>
           </a:lstStyle>
           <a:p>
-            <a:pPr lvl="0" eaLnBrk="1" latinLnBrk="0" hangingPunct="1"/>
-            <a:r>
-              <a:rPr kumimoji="0" lang="en-US" smtClean="0"/>
+            <a:pPr lvl="0"/>
+            <a:r>
+              <a:rPr lang="en-US" smtClean="0"/>
               <a:t>Click to edit Master text styles</a:t>
             </a:r>
           </a:p>
@@ -2659,7 +3916,7 @@
           </a:xfrm>
         </p:spPr>
         <p:txBody>
-          <a:bodyPr anchor="t"/>
+          <a:bodyPr/>
           <a:lstStyle>
             <a:lvl1pPr marL="0" indent="0">
               <a:buNone/>
@@ -2687,9 +3944,9 @@
             </a:lvl5pPr>
           </a:lstStyle>
           <a:p>
-            <a:pPr lvl="0" eaLnBrk="1" latinLnBrk="0" hangingPunct="1"/>
-            <a:r>
-              <a:rPr kumimoji="0" lang="en-US" smtClean="0"/>
+            <a:pPr lvl="0"/>
+            <a:r>
+              <a:rPr lang="en-US" smtClean="0"/>
               <a:t>Click to edit Master text styles</a:t>
             </a:r>
           </a:p>
@@ -2731,40 +3988,40 @@
             </a:lvl5pPr>
           </a:lstStyle>
           <a:p>
-            <a:pPr lvl="0" eaLnBrk="1" latinLnBrk="0" hangingPunct="1"/>
+            <a:pPr lvl="0"/>
             <a:r>
               <a:rPr lang="en-US" smtClean="0"/>
               <a:t>Click to edit Master text styles</a:t>
             </a:r>
           </a:p>
           <a:p>
-            <a:pPr lvl="1" eaLnBrk="1" latinLnBrk="0" hangingPunct="1"/>
+            <a:pPr lvl="1"/>
             <a:r>
               <a:rPr lang="en-US" smtClean="0"/>
               <a:t>Second level</a:t>
             </a:r>
           </a:p>
           <a:p>
-            <a:pPr lvl="2" eaLnBrk="1" latinLnBrk="0" hangingPunct="1"/>
+            <a:pPr lvl="2"/>
             <a:r>
               <a:rPr lang="en-US" smtClean="0"/>
               <a:t>Third level</a:t>
             </a:r>
           </a:p>
           <a:p>
-            <a:pPr lvl="3" eaLnBrk="1" latinLnBrk="0" hangingPunct="1"/>
+            <a:pPr lvl="3"/>
             <a:r>
               <a:rPr lang="en-US" smtClean="0"/>
               <a:t>Fourth level</a:t>
             </a:r>
           </a:p>
           <a:p>
-            <a:pPr lvl="4" eaLnBrk="1" latinLnBrk="0" hangingPunct="1"/>
+            <a:pPr lvl="4"/>
             <a:r>
               <a:rPr lang="en-US" smtClean="0"/>
               <a:t>Fifth level</a:t>
             </a:r>
-            <a:endParaRPr kumimoji="0" lang="en-US"/>
+            <a:endParaRPr lang="en-US"/>
           </a:p>
         </p:txBody>
       </p:sp>
@@ -2804,40 +4061,40 @@
             </a:lvl5pPr>
           </a:lstStyle>
           <a:p>
-            <a:pPr lvl="0" eaLnBrk="1" latinLnBrk="0" hangingPunct="1"/>
+            <a:pPr lvl="0"/>
             <a:r>
               <a:rPr lang="en-US" smtClean="0"/>
               <a:t>Click to edit Master text styles</a:t>
             </a:r>
           </a:p>
           <a:p>
-            <a:pPr lvl="1" eaLnBrk="1" latinLnBrk="0" hangingPunct="1"/>
+            <a:pPr lvl="1"/>
             <a:r>
               <a:rPr lang="en-US" smtClean="0"/>
               <a:t>Second level</a:t>
             </a:r>
           </a:p>
           <a:p>
-            <a:pPr lvl="2" eaLnBrk="1" latinLnBrk="0" hangingPunct="1"/>
+            <a:pPr lvl="2"/>
             <a:r>
               <a:rPr lang="en-US" smtClean="0"/>
               <a:t>Third level</a:t>
             </a:r>
           </a:p>
           <a:p>
-            <a:pPr lvl="3" eaLnBrk="1" latinLnBrk="0" hangingPunct="1"/>
+            <a:pPr lvl="3"/>
             <a:r>
               <a:rPr lang="en-US" smtClean="0"/>
               <a:t>Fourth level</a:t>
             </a:r>
           </a:p>
           <a:p>
-            <a:pPr lvl="4" eaLnBrk="1" latinLnBrk="0" hangingPunct="1"/>
+            <a:pPr lvl="4"/>
             <a:r>
               <a:rPr lang="en-US" smtClean="0"/>
               <a:t>Fifth level</a:t>
             </a:r>
-            <a:endParaRPr kumimoji="0" lang="en-US"/>
+            <a:endParaRPr lang="en-US"/>
           </a:p>
         </p:txBody>
       </p:sp>
@@ -2854,11 +4111,20 @@
         <p:spPr/>
         <p:txBody>
           <a:bodyPr/>
-          <a:lstStyle/>
-          <a:p>
-            <a:fld id="{E637BB6B-EE1B-48FB-8575-0D55C373DE88}" type="datetimeFigureOut">
-              <a:rPr lang="en-US" smtClean="0"/>
-              <a:pPr/>
+          <a:lstStyle>
+            <a:lvl1pPr>
+              <a:defRPr/>
+            </a:lvl1pPr>
+          </a:lstStyle>
+          <a:p>
+            <a:pPr>
+              <a:defRPr/>
+            </a:pPr>
+            <a:fld id="{0D27FF7E-0BB5-4202-904F-869E0FD0873E}" type="datetimeFigureOut">
+              <a:rPr lang="en-US"/>
+              <a:pPr>
+                <a:defRPr/>
+              </a:pPr>
               <a:t>5/3/2007</a:t>
             </a:fld>
             <a:endParaRPr lang="en-US"/>
@@ -2878,9 +4144,16 @@
         <p:spPr/>
         <p:txBody>
           <a:bodyPr/>
-          <a:lstStyle/>
-          <a:p>
-            <a:endParaRPr kumimoji="0" lang="en-US"/>
+          <a:lstStyle>
+            <a:lvl1pPr>
+              <a:defRPr/>
+            </a:lvl1pPr>
+          </a:lstStyle>
+          <a:p>
+            <a:pPr>
+              <a:defRPr/>
+            </a:pPr>
+            <a:endParaRPr lang="en-US"/>
           </a:p>
         </p:txBody>
       </p:sp>
@@ -2897,14 +4170,23 @@
         <p:spPr/>
         <p:txBody>
           <a:bodyPr/>
-          <a:lstStyle/>
-          <a:p>
-            <a:fld id="{2AA957AF-53C0-420B-9C2D-77DB1416566C}" type="slidenum">
-              <a:rPr kumimoji="0" lang="en-US" smtClean="0"/>
-              <a:pPr/>
+          <a:lstStyle>
+            <a:lvl1pPr>
+              <a:defRPr/>
+            </a:lvl1pPr>
+          </a:lstStyle>
+          <a:p>
+            <a:pPr>
+              <a:defRPr/>
+            </a:pPr>
+            <a:fld id="{D374F2B9-9F6C-48EF-B555-4C6024C96E8B}" type="slidenum">
+              <a:rPr lang="en-US"/>
+              <a:pPr>
+                <a:defRPr/>
+              </a:pPr>
               <a:t>‹#›</a:t>
             </a:fld>
-            <a:endParaRPr kumimoji="0" lang="en-US"/>
+            <a:endParaRPr lang="en-US"/>
           </a:p>
         </p:txBody>
       </p:sp>
@@ -2950,7 +4232,7 @@
           </a:xfrm>
         </p:spPr>
         <p:txBody>
-          <a:bodyPr anchor="ctr"/>
+          <a:bodyPr/>
           <a:lstStyle>
             <a:lvl1pPr algn="l">
               <a:defRPr sz="4600"/>
@@ -2958,16 +4240,16 @@
           </a:lstStyle>
           <a:p>
             <a:r>
-              <a:rPr kumimoji="0" lang="en-US" smtClean="0"/>
+              <a:rPr lang="en-US" smtClean="0"/>
               <a:t>Click to edit Master title style</a:t>
             </a:r>
-            <a:endParaRPr kumimoji="0" lang="en-US"/>
-          </a:p>
-        </p:txBody>
-      </p:sp>
-      <p:sp>
-        <p:nvSpPr>
-          <p:cNvPr id="7" name="Date Placeholder 6"/>
+            <a:endParaRPr lang="en-US"/>
+          </a:p>
+        </p:txBody>
+      </p:sp>
+      <p:sp>
+        <p:nvSpPr>
+          <p:cNvPr id="3" name="Date Placeholder 9"/>
           <p:cNvSpPr>
             <a:spLocks noGrp="1"/>
           </p:cNvSpPr>
@@ -2978,11 +4260,20 @@
         <p:spPr/>
         <p:txBody>
           <a:bodyPr/>
-          <a:lstStyle/>
-          <a:p>
-            <a:fld id="{E637BB6B-EE1B-48FB-8575-0D55C373DE88}" type="datetimeFigureOut">
-              <a:rPr lang="en-US" smtClean="0"/>
-              <a:pPr/>
+          <a:lstStyle>
+            <a:lvl1pPr>
+              <a:defRPr/>
+            </a:lvl1pPr>
+          </a:lstStyle>
+          <a:p>
+            <a:pPr>
+              <a:defRPr/>
+            </a:pPr>
+            <a:fld id="{6657C835-9E69-468C-8B93-DA8D64D432B4}" type="datetimeFigureOut">
+              <a:rPr lang="en-US"/>
+              <a:pPr>
+                <a:defRPr/>
+              </a:pPr>
               <a:t>5/3/2007</a:t>
             </a:fld>
             <a:endParaRPr lang="en-US"/>
@@ -2991,44 +4282,60 @@
       </p:sp>
       <p:sp>
         <p:nvSpPr>
-          <p:cNvPr id="8" name="Slide Number Placeholder 7"/>
-          <p:cNvSpPr>
-            <a:spLocks noGrp="1"/>
-          </p:cNvSpPr>
-          <p:nvPr>
-            <p:ph type="sldNum" sz="quarter" idx="11"/>
+          <p:cNvPr id="4" name="Footer Placeholder 21"/>
+          <p:cNvSpPr>
+            <a:spLocks noGrp="1"/>
+          </p:cNvSpPr>
+          <p:nvPr>
+            <p:ph type="ftr" sz="quarter" idx="11"/>
           </p:nvPr>
         </p:nvSpPr>
         <p:spPr/>
         <p:txBody>
           <a:bodyPr/>
-          <a:lstStyle/>
-          <a:p>
-            <a:fld id="{2AA957AF-53C0-420B-9C2D-77DB1416566C}" type="slidenum">
-              <a:rPr kumimoji="0" lang="en-US" smtClean="0"/>
-              <a:pPr/>
+          <a:lstStyle>
+            <a:lvl1pPr>
+              <a:defRPr/>
+            </a:lvl1pPr>
+          </a:lstStyle>
+          <a:p>
+            <a:pPr>
+              <a:defRPr/>
+            </a:pPr>
+            <a:endParaRPr lang="en-US"/>
+          </a:p>
+        </p:txBody>
+      </p:sp>
+      <p:sp>
+        <p:nvSpPr>
+          <p:cNvPr id="5" name="Slide Number Placeholder 17"/>
+          <p:cNvSpPr>
+            <a:spLocks noGrp="1"/>
+          </p:cNvSpPr>
+          <p:nvPr>
+            <p:ph type="sldNum" sz="quarter" idx="12"/>
+          </p:nvPr>
+        </p:nvSpPr>
+        <p:spPr/>
+        <p:txBody>
+          <a:bodyPr/>
+          <a:lstStyle>
+            <a:lvl1pPr>
+              <a:defRPr/>
+            </a:lvl1pPr>
+          </a:lstStyle>
+          <a:p>
+            <a:pPr>
+              <a:defRPr/>
+            </a:pPr>
+            <a:fld id="{E71F434E-2967-4E9B-AF69-7F8FF51A6B5F}" type="slidenum">
+              <a:rPr lang="en-US"/>
+              <a:pPr>
+                <a:defRPr/>
+              </a:pPr>
               <a:t>‹#›</a:t>
             </a:fld>
-            <a:endParaRPr kumimoji="0" lang="en-US"/>
-          </a:p>
-        </p:txBody>
-      </p:sp>
-      <p:sp>
-        <p:nvSpPr>
-          <p:cNvPr id="9" name="Footer Placeholder 8"/>
-          <p:cNvSpPr>
-            <a:spLocks noGrp="1"/>
-          </p:cNvSpPr>
-          <p:nvPr>
-            <p:ph type="ftr" sz="quarter" idx="12"/>
-          </p:nvPr>
-        </p:nvSpPr>
-        <p:spPr/>
-        <p:txBody>
-          <a:bodyPr/>
-          <a:lstStyle/>
-          <a:p>
-            <a:endParaRPr kumimoji="0" lang="en-US"/>
+            <a:endParaRPr lang="en-US" dirty="0"/>
           </a:p>
         </p:txBody>
       </p:sp>
@@ -3059,7 +4366,7 @@
       </p:grpSpPr>
       <p:sp>
         <p:nvSpPr>
-          <p:cNvPr id="2" name="Date Placeholder 1"/>
+          <p:cNvPr id="2" name="Date Placeholder 9"/>
           <p:cNvSpPr>
             <a:spLocks noGrp="1"/>
           </p:cNvSpPr>
@@ -3070,11 +4377,20 @@
         <p:spPr/>
         <p:txBody>
           <a:bodyPr/>
-          <a:lstStyle/>
-          <a:p>
-            <a:fld id="{E637BB6B-EE1B-48FB-8575-0D55C373DE88}" type="datetimeFigureOut">
-              <a:rPr lang="en-US" smtClean="0"/>
-              <a:pPr/>
+          <a:lstStyle>
+            <a:lvl1pPr>
+              <a:defRPr/>
+            </a:lvl1pPr>
+          </a:lstStyle>
+          <a:p>
+            <a:pPr>
+              <a:defRPr/>
+            </a:pPr>
+            <a:fld id="{D0B295B0-6FCB-4C54-B5B7-D8C89256F489}" type="datetimeFigureOut">
+              <a:rPr lang="en-US"/>
+              <a:pPr>
+                <a:defRPr/>
+              </a:pPr>
               <a:t>5/3/2007</a:t>
             </a:fld>
             <a:endParaRPr lang="en-US"/>
@@ -3083,7 +4399,7 @@
       </p:sp>
       <p:sp>
         <p:nvSpPr>
-          <p:cNvPr id="3" name="Footer Placeholder 2"/>
+          <p:cNvPr id="3" name="Footer Placeholder 21"/>
           <p:cNvSpPr>
             <a:spLocks noGrp="1"/>
           </p:cNvSpPr>
@@ -3094,15 +4410,22 @@
         <p:spPr/>
         <p:txBody>
           <a:bodyPr/>
-          <a:lstStyle/>
-          <a:p>
-            <a:endParaRPr kumimoji="0" lang="en-US"/>
-          </a:p>
-        </p:txBody>
-      </p:sp>
-      <p:sp>
-        <p:nvSpPr>
-          <p:cNvPr id="4" name="Slide Number Placeholder 3"/>
+          <a:lstStyle>
+            <a:lvl1pPr>
+              <a:defRPr/>
+            </a:lvl1pPr>
+          </a:lstStyle>
+          <a:p>
+            <a:pPr>
+              <a:defRPr/>
+            </a:pPr>
+            <a:endParaRPr lang="en-US"/>
+          </a:p>
+        </p:txBody>
+      </p:sp>
+      <p:sp>
+        <p:nvSpPr>
+          <p:cNvPr id="4" name="Slide Number Placeholder 17"/>
           <p:cNvSpPr>
             <a:spLocks noGrp="1"/>
           </p:cNvSpPr>
@@ -3113,14 +4436,23 @@
         <p:spPr/>
         <p:txBody>
           <a:bodyPr/>
-          <a:lstStyle/>
-          <a:p>
-            <a:fld id="{2AA957AF-53C0-420B-9C2D-77DB1416566C}" type="slidenum">
-              <a:rPr kumimoji="0" lang="en-US" smtClean="0"/>
-              <a:pPr/>
+          <a:lstStyle>
+            <a:lvl1pPr>
+              <a:defRPr/>
+            </a:lvl1pPr>
+          </a:lstStyle>
+          <a:p>
+            <a:pPr>
+              <a:defRPr/>
+            </a:pPr>
+            <a:fld id="{BB5B8B8A-2102-424C-BFDB-858290265EA8}" type="slidenum">
+              <a:rPr lang="en-US"/>
+              <a:pPr>
+                <a:defRPr/>
+              </a:pPr>
               <a:t>‹#›</a:t>
             </a:fld>
-            <a:endParaRPr kumimoji="0" lang="en-US"/>
+            <a:endParaRPr lang="en-US" dirty="0"/>
           </a:p>
         </p:txBody>
       </p:sp>
@@ -3179,10 +4511,10 @@
           </a:lstStyle>
           <a:p>
             <a:r>
-              <a:rPr kumimoji="0" lang="en-US" smtClean="0"/>
+              <a:rPr lang="en-US" smtClean="0"/>
               <a:t>Click to edit Master title style</a:t>
             </a:r>
-            <a:endParaRPr kumimoji="0" lang="en-US"/>
+            <a:endParaRPr lang="en-US"/>
           </a:p>
         </p:txBody>
       </p:sp>
@@ -3227,9 +4559,9 @@
             </a:lvl5pPr>
           </a:lstStyle>
           <a:p>
-            <a:pPr lvl="0" eaLnBrk="1" latinLnBrk="0" hangingPunct="1"/>
-            <a:r>
-              <a:rPr kumimoji="0" lang="en-US" smtClean="0"/>
+            <a:pPr lvl="0"/>
+            <a:r>
+              <a:rPr lang="en-US" smtClean="0"/>
               <a:t>Click to edit Master text styles</a:t>
             </a:r>
           </a:p>
@@ -3271,40 +4603,40 @@
             </a:lvl5pPr>
           </a:lstStyle>
           <a:p>
-            <a:pPr lvl="0" eaLnBrk="1" latinLnBrk="0" hangingPunct="1"/>
+            <a:pPr lvl="0"/>
             <a:r>
               <a:rPr lang="en-US" smtClean="0"/>
               <a:t>Click to edit Master text styles</a:t>
             </a:r>
           </a:p>
           <a:p>
-            <a:pPr lvl="1" eaLnBrk="1" latinLnBrk="0" hangingPunct="1"/>
+            <a:pPr lvl="1"/>
             <a:r>
               <a:rPr lang="en-US" smtClean="0"/>
               <a:t>Second level</a:t>
             </a:r>
           </a:p>
           <a:p>
-            <a:pPr lvl="2" eaLnBrk="1" latinLnBrk="0" hangingPunct="1"/>
+            <a:pPr lvl="2"/>
             <a:r>
               <a:rPr lang="en-US" smtClean="0"/>
               <a:t>Third level</a:t>
             </a:r>
           </a:p>
           <a:p>
-            <a:pPr lvl="3" eaLnBrk="1" latinLnBrk="0" hangingPunct="1"/>
+            <a:pPr lvl="3"/>
             <a:r>
               <a:rPr lang="en-US" smtClean="0"/>
               <a:t>Fourth level</a:t>
             </a:r>
           </a:p>
           <a:p>
-            <a:pPr lvl="4" eaLnBrk="1" latinLnBrk="0" hangingPunct="1"/>
+            <a:pPr lvl="4"/>
             <a:r>
               <a:rPr lang="en-US" smtClean="0"/>
               <a:t>Fifth level</a:t>
             </a:r>
-            <a:endParaRPr kumimoji="0" lang="en-US"/>
+            <a:endParaRPr lang="en-US"/>
           </a:p>
         </p:txBody>
       </p:sp>
@@ -3321,11 +4653,20 @@
         <p:spPr/>
         <p:txBody>
           <a:bodyPr/>
-          <a:lstStyle/>
-          <a:p>
-            <a:fld id="{E637BB6B-EE1B-48FB-8575-0D55C373DE88}" type="datetimeFigureOut">
-              <a:rPr lang="en-US" smtClean="0"/>
-              <a:pPr/>
+          <a:lstStyle>
+            <a:lvl1pPr>
+              <a:defRPr/>
+            </a:lvl1pPr>
+          </a:lstStyle>
+          <a:p>
+            <a:pPr>
+              <a:defRPr/>
+            </a:pPr>
+            <a:fld id="{DD69C2E5-8051-45B0-859A-E3ADB0FAD691}" type="datetimeFigureOut">
+              <a:rPr lang="en-US"/>
+              <a:pPr>
+                <a:defRPr/>
+              </a:pPr>
               <a:t>5/3/2007</a:t>
             </a:fld>
             <a:endParaRPr lang="en-US"/>
@@ -3345,9 +4686,16 @@
         <p:spPr/>
         <p:txBody>
           <a:bodyPr/>
-          <a:lstStyle/>
-          <a:p>
-            <a:endParaRPr kumimoji="0" lang="en-US"/>
+          <a:lstStyle>
+            <a:lvl1pPr>
+              <a:defRPr/>
+            </a:lvl1pPr>
+          </a:lstStyle>
+          <a:p>
+            <a:pPr>
+              <a:defRPr/>
+            </a:pPr>
+            <a:endParaRPr lang="en-US"/>
           </a:p>
         </p:txBody>
       </p:sp>
@@ -3363,20 +4711,29 @@
         </p:nvSpPr>
         <p:spPr>
           <a:xfrm>
-            <a:off x="8156448" y="6422064"/>
+            <a:off x="8156575" y="6421438"/>
             <a:ext cx="762000" cy="365125"/>
           </a:xfrm>
         </p:spPr>
         <p:txBody>
           <a:bodyPr/>
-          <a:lstStyle/>
-          <a:p>
-            <a:fld id="{2AA957AF-53C0-420B-9C2D-77DB1416566C}" type="slidenum">
-              <a:rPr kumimoji="0" lang="en-US" smtClean="0"/>
-              <a:pPr/>
+          <a:lstStyle>
+            <a:lvl1pPr>
+              <a:defRPr/>
+            </a:lvl1pPr>
+          </a:lstStyle>
+          <a:p>
+            <a:pPr>
+              <a:defRPr/>
+            </a:pPr>
+            <a:fld id="{3ABFE5C3-91BE-4929-A192-5CFCC349BC01}" type="slidenum">
+              <a:rPr lang="en-US"/>
+              <a:pPr>
+                <a:defRPr/>
+              </a:pPr>
               <a:t>‹#›</a:t>
             </a:fld>
-            <a:endParaRPr kumimoji="0" lang="en-US"/>
+            <a:endParaRPr lang="en-US"/>
           </a:p>
         </p:txBody>
       </p:sp>
@@ -3435,10 +4792,10 @@
           </a:lstStyle>
           <a:p>
             <a:r>
-              <a:rPr kumimoji="0" lang="en-US" smtClean="0"/>
+              <a:rPr lang="en-US" smtClean="0"/>
               <a:t>Click to edit Master title style</a:t>
             </a:r>
-            <a:endParaRPr kumimoji="0" lang="en-US"/>
+            <a:endParaRPr lang="en-US"/>
           </a:p>
         </p:txBody>
       </p:sp>
@@ -3494,7 +4851,9 @@
           </a:sp3d>
         </p:spPr>
         <p:txBody>
-          <a:bodyPr/>
+          <a:bodyPr>
+            <a:normAutofit/>
+          </a:bodyPr>
           <a:lstStyle>
             <a:lvl1pPr marL="0" indent="0">
               <a:buNone/>
@@ -3502,11 +4861,12 @@
             </a:lvl1pPr>
           </a:lstStyle>
           <a:p>
-            <a:r>
-              <a:rPr kumimoji="0" lang="en-US" smtClean="0"/>
+            <a:pPr lvl="0"/>
+            <a:r>
+              <a:rPr lang="en-US" noProof="0" smtClean="0"/>
               <a:t>Click icon to add picture</a:t>
             </a:r>
-            <a:endParaRPr kumimoji="0" lang="en-US" dirty="0"/>
+            <a:endParaRPr lang="en-US" noProof="0" dirty="0"/>
           </a:p>
         </p:txBody>
       </p:sp>
@@ -3556,9 +4916,9 @@
             </a:lvl5pPr>
           </a:lstStyle>
           <a:p>
-            <a:pPr lvl="0" eaLnBrk="1" latinLnBrk="0" hangingPunct="1"/>
-            <a:r>
-              <a:rPr kumimoji="0" lang="en-US" smtClean="0"/>
+            <a:pPr lvl="0"/>
+            <a:r>
+              <a:rPr lang="en-US" smtClean="0"/>
               <a:t>Click to edit Master text styles</a:t>
             </a:r>
           </a:p>
@@ -3574,19 +4934,23 @@
             <p:ph type="dt" sz="half" idx="10"/>
           </p:nvPr>
         </p:nvSpPr>
-        <p:spPr>
-          <a:xfrm>
-            <a:off x="457200" y="6422064"/>
-            <a:ext cx="2133600" cy="365125"/>
-          </a:xfrm>
-        </p:spPr>
+        <p:spPr/>
         <p:txBody>
           <a:bodyPr/>
-          <a:lstStyle/>
-          <a:p>
-            <a:fld id="{E637BB6B-EE1B-48FB-8575-0D55C373DE88}" type="datetimeFigureOut">
-              <a:rPr lang="en-US" smtClean="0"/>
-              <a:pPr/>
+          <a:lstStyle>
+            <a:lvl1pPr>
+              <a:defRPr/>
+            </a:lvl1pPr>
+          </a:lstStyle>
+          <a:p>
+            <a:pPr>
+              <a:defRPr/>
+            </a:pPr>
+            <a:fld id="{17B89062-0F27-45C2-AB9E-22A4E02EBFE2}" type="datetimeFigureOut">
+              <a:rPr lang="en-US"/>
+              <a:pPr>
+                <a:defRPr/>
+              </a:pPr>
               <a:t>5/3/2007</a:t>
             </a:fld>
             <a:endParaRPr lang="en-US"/>
@@ -3606,9 +4970,16 @@
         <p:spPr/>
         <p:txBody>
           <a:bodyPr/>
-          <a:lstStyle/>
-          <a:p>
-            <a:endParaRPr kumimoji="0" lang="en-US"/>
+          <a:lstStyle>
+            <a:lvl1pPr>
+              <a:defRPr/>
+            </a:lvl1pPr>
+          </a:lstStyle>
+          <a:p>
+            <a:pPr>
+              <a:defRPr/>
+            </a:pPr>
+            <a:endParaRPr lang="en-US"/>
           </a:p>
         </p:txBody>
       </p:sp>
@@ -3625,14 +4996,23 @@
         <p:spPr/>
         <p:txBody>
           <a:bodyPr/>
-          <a:lstStyle/>
-          <a:p>
-            <a:fld id="{2AA957AF-53C0-420B-9C2D-77DB1416566C}" type="slidenum">
-              <a:rPr kumimoji="0" lang="en-US" smtClean="0"/>
-              <a:pPr/>
+          <a:lstStyle>
+            <a:lvl1pPr>
+              <a:defRPr/>
+            </a:lvl1pPr>
+          </a:lstStyle>
+          <a:p>
+            <a:pPr>
+              <a:defRPr/>
+            </a:pPr>
+            <a:fld id="{B17D40DF-1B45-4277-BF82-F42E88E5768C}" type="slidenum">
+              <a:rPr lang="en-US"/>
+              <a:pPr>
+                <a:defRPr/>
+              </a:pPr>
               <a:t>‹#›</a:t>
             </a:fld>
-            <a:endParaRPr kumimoji="0" lang="en-US"/>
+            <a:endParaRPr lang="en-US"/>
           </a:p>
         </p:txBody>
       </p:sp>
@@ -3676,7 +5056,7 @@
         </p:nvSpPr>
         <p:spPr bwMode="auto">
           <a:xfrm>
-            <a:off x="0" y="4752126"/>
+            <a:off x="0" y="4751388"/>
             <a:ext cx="9144000" cy="2112962"/>
           </a:xfrm>
           <a:custGeom>
@@ -3756,10 +5136,22 @@
           </a:effectLst>
         </p:spPr>
         <p:txBody>
-          <a:bodyPr vert="horz" wrap="square" lIns="91440" tIns="45720" rIns="91440" bIns="45720" anchor="t" compatLnSpc="1"/>
+          <a:bodyPr/>
           <a:lstStyle/>
           <a:p>
-            <a:endParaRPr kumimoji="0" lang="en-US"/>
+            <a:pPr fontAlgn="auto">
+              <a:spcBef>
+                <a:spcPts val="0"/>
+              </a:spcBef>
+              <a:spcAft>
+                <a:spcPts val="0"/>
+              </a:spcAft>
+              <a:defRPr/>
+            </a:pPr>
+            <a:endParaRPr lang="en-US">
+              <a:latin typeface="+mn-lt"/>
+              <a:cs typeface="+mn-cs"/>
+            </a:endParaRPr>
           </a:p>
         </p:txBody>
       </p:sp>
@@ -3855,16 +5247,28 @@
           </a:effectLst>
         </p:spPr>
         <p:txBody>
-          <a:bodyPr vert="horz" wrap="square" lIns="91440" tIns="45720" rIns="91440" bIns="45720" anchor="t" compatLnSpc="1"/>
+          <a:bodyPr/>
           <a:lstStyle/>
           <a:p>
-            <a:endParaRPr kumimoji="0" lang="en-US"/>
-          </a:p>
-        </p:txBody>
-      </p:sp>
-      <p:sp>
-        <p:nvSpPr>
-          <p:cNvPr id="9" name="Title Placeholder 8"/>
+            <a:pPr fontAlgn="auto">
+              <a:spcBef>
+                <a:spcPts val="0"/>
+              </a:spcBef>
+              <a:spcAft>
+                <a:spcPts val="0"/>
+              </a:spcAft>
+              <a:defRPr/>
+            </a:pPr>
+            <a:endParaRPr lang="en-US">
+              <a:latin typeface="+mn-lt"/>
+              <a:cs typeface="+mn-cs"/>
+            </a:endParaRPr>
+          </a:p>
+        </p:txBody>
+      </p:sp>
+      <p:sp>
+        <p:nvSpPr>
+          <p:cNvPr id="1028" name="Title Placeholder 8"/>
           <p:cNvSpPr>
             <a:spLocks noGrp="1"/>
           </p:cNvSpPr>
@@ -3872,7 +5276,7 @@
             <p:ph type="title"/>
           </p:nvPr>
         </p:nvSpPr>
-        <p:spPr>
+        <p:spPr bwMode="auto">
           <a:xfrm>
             <a:off x="457200" y="274638"/>
             <a:ext cx="7467600" cy="1143000"/>
@@ -3880,24 +5284,33 @@
           <a:prstGeom prst="rect">
             <a:avLst/>
           </a:prstGeom>
+          <a:noFill/>
+          <a:ln w="9525">
+            <a:noFill/>
+            <a:miter lim="800000"/>
+            <a:headEnd/>
+            <a:tailEnd/>
+          </a:ln>
         </p:spPr>
         <p:txBody>
-          <a:bodyPr vert="horz" lIns="45720" rIns="45720" anchor="ctr">
-            <a:normAutofit/>
+          <a:bodyPr vert="horz" wrap="square" lIns="45720" tIns="45720" rIns="45720" bIns="45720" numCol="1" anchor="ctr" anchorCtr="0" compatLnSpc="1">
+            <a:prstTxWarp prst="textNoShape">
+              <a:avLst/>
+            </a:prstTxWarp>
           </a:bodyPr>
           <a:lstStyle/>
           <a:p>
-            <a:r>
-              <a:rPr kumimoji="0" lang="en-US" smtClean="0"/>
+            <a:pPr lvl="0"/>
+            <a:r>
+              <a:rPr lang="en-US" smtClean="0"/>
               <a:t>Click to edit Master title style</a:t>
             </a:r>
-            <a:endParaRPr kumimoji="0" lang="en-US"/>
-          </a:p>
-        </p:txBody>
-      </p:sp>
-      <p:sp>
-        <p:nvSpPr>
-          <p:cNvPr id="30" name="Text Placeholder 29"/>
+          </a:p>
+        </p:txBody>
+      </p:sp>
+      <p:sp>
+        <p:nvSpPr>
+          <p:cNvPr id="1029" name="Text Placeholder 29"/>
           <p:cNvSpPr>
             <a:spLocks noGrp="1"/>
           </p:cNvSpPr>
@@ -3905,7 +5318,7 @@
             <p:ph type="body" idx="1"/>
           </p:nvPr>
         </p:nvSpPr>
-        <p:spPr>
+        <p:spPr bwMode="auto">
           <a:xfrm>
             <a:off x="457200" y="1600200"/>
             <a:ext cx="7467600" cy="4525963"/>
@@ -3913,47 +5326,55 @@
           <a:prstGeom prst="rect">
             <a:avLst/>
           </a:prstGeom>
+          <a:noFill/>
+          <a:ln w="9525">
+            <a:noFill/>
+            <a:miter lim="800000"/>
+            <a:headEnd/>
+            <a:tailEnd/>
+          </a:ln>
         </p:spPr>
         <p:txBody>
-          <a:bodyPr vert="horz">
-            <a:normAutofit/>
+          <a:bodyPr vert="horz" wrap="square" lIns="91440" tIns="45720" rIns="91440" bIns="45720" numCol="1" anchor="t" anchorCtr="0" compatLnSpc="1">
+            <a:prstTxWarp prst="textNoShape">
+              <a:avLst/>
+            </a:prstTxWarp>
           </a:bodyPr>
           <a:lstStyle/>
           <a:p>
-            <a:pPr lvl="0" eaLnBrk="1" latinLnBrk="0" hangingPunct="1"/>
-            <a:r>
-              <a:rPr kumimoji="0" lang="en-US" smtClean="0"/>
+            <a:pPr lvl="0"/>
+            <a:r>
+              <a:rPr lang="en-US" smtClean="0"/>
               <a:t>Click to edit Master text styles</a:t>
             </a:r>
           </a:p>
           <a:p>
-            <a:pPr lvl="1" eaLnBrk="1" latinLnBrk="0" hangingPunct="1"/>
-            <a:r>
-              <a:rPr kumimoji="0" lang="en-US" smtClean="0"/>
+            <a:pPr lvl="1"/>
+            <a:r>
+              <a:rPr lang="en-US" smtClean="0"/>
               <a:t>Second level</a:t>
             </a:r>
           </a:p>
           <a:p>
-            <a:pPr lvl="2" eaLnBrk="1" latinLnBrk="0" hangingPunct="1"/>
-            <a:r>
-              <a:rPr kumimoji="0" lang="en-US" smtClean="0"/>
+            <a:pPr lvl="2"/>
+            <a:r>
+              <a:rPr lang="en-US" smtClean="0"/>
               <a:t>Third level</a:t>
             </a:r>
           </a:p>
           <a:p>
-            <a:pPr lvl="3" eaLnBrk="1" latinLnBrk="0" hangingPunct="1"/>
-            <a:r>
-              <a:rPr kumimoji="0" lang="en-US" smtClean="0"/>
+            <a:pPr lvl="3"/>
+            <a:r>
+              <a:rPr lang="en-US" smtClean="0"/>
               <a:t>Fourth level</a:t>
             </a:r>
           </a:p>
           <a:p>
-            <a:pPr lvl="4" eaLnBrk="1" latinLnBrk="0" hangingPunct="1"/>
-            <a:r>
-              <a:rPr kumimoji="0" lang="en-US" smtClean="0"/>
+            <a:pPr lvl="4"/>
+            <a:r>
+              <a:rPr lang="en-US" smtClean="0"/>
               <a:t>Fifth level</a:t>
             </a:r>
-            <a:endParaRPr kumimoji="0" lang="en-US"/>
           </a:p>
         </p:txBody>
       </p:sp>
@@ -3969,7 +5390,7 @@
         </p:nvSpPr>
         <p:spPr>
           <a:xfrm>
-            <a:off x="457200" y="6422064"/>
+            <a:off x="457200" y="6421438"/>
             <a:ext cx="2133600" cy="365125"/>
           </a:xfrm>
           <a:prstGeom prst="rect">
@@ -3979,29 +5400,36 @@
         <p:txBody>
           <a:bodyPr vert="horz" bIns="0" anchor="b"/>
           <a:lstStyle>
-            <a:lvl1pPr algn="l" eaLnBrk="1" latinLnBrk="0" hangingPunct="1">
-              <a:defRPr kumimoji="0" sz="1000">
+            <a:lvl1pPr algn="l" eaLnBrk="1" fontAlgn="auto" latinLnBrk="0" hangingPunct="1">
+              <a:spcBef>
+                <a:spcPts val="0"/>
+              </a:spcBef>
+              <a:spcAft>
+                <a:spcPts val="0"/>
+              </a:spcAft>
+              <a:defRPr kumimoji="0" sz="1000" smtClean="0">
                 <a:solidFill>
                   <a:schemeClr val="tx2">
                     <a:shade val="50000"/>
                   </a:schemeClr>
                 </a:solidFill>
+                <a:latin typeface="+mn-lt"/>
+                <a:cs typeface="+mn-cs"/>
               </a:defRPr>
             </a:lvl1pPr>
           </a:lstStyle>
           <a:p>
-            <a:fld id="{E637BB6B-EE1B-48FB-8575-0D55C373DE88}" type="datetimeFigureOut">
-              <a:rPr lang="en-US" smtClean="0"/>
-              <a:pPr/>
+            <a:pPr>
+              <a:defRPr/>
+            </a:pPr>
+            <a:fld id="{0C54CE13-7050-42B9-BB97-F2E3C1065EAC}" type="datetimeFigureOut">
+              <a:rPr lang="en-US"/>
+              <a:pPr>
+                <a:defRPr/>
+              </a:pPr>
               <a:t>5/3/2007</a:t>
             </a:fld>
-            <a:endParaRPr lang="en-US" sz="1000">
-              <a:solidFill>
-                <a:schemeClr val="tx2">
-                  <a:shade val="50000"/>
-                </a:schemeClr>
-              </a:solidFill>
-            </a:endParaRPr>
+            <a:endParaRPr lang="en-US"/>
           </a:p>
         </p:txBody>
       </p:sp>
@@ -4017,7 +5445,7 @@
         </p:nvSpPr>
         <p:spPr>
           <a:xfrm>
-            <a:off x="3124200" y="6422064"/>
+            <a:off x="3124200" y="6421438"/>
             <a:ext cx="2895600" cy="365125"/>
           </a:xfrm>
           <a:prstGeom prst="rect">
@@ -4027,25 +5455,29 @@
         <p:txBody>
           <a:bodyPr vert="horz" lIns="0" rIns="0" bIns="0" anchor="b"/>
           <a:lstStyle>
-            <a:lvl1pPr algn="ctr" eaLnBrk="1" latinLnBrk="0" hangingPunct="1">
-              <a:defRPr kumimoji="0" sz="1000">
+            <a:lvl1pPr algn="ctr" eaLnBrk="1" fontAlgn="auto" latinLnBrk="0" hangingPunct="1">
+              <a:spcBef>
+                <a:spcPts val="0"/>
+              </a:spcBef>
+              <a:spcAft>
+                <a:spcPts val="0"/>
+              </a:spcAft>
+              <a:defRPr kumimoji="0" sz="1000" dirty="0">
                 <a:solidFill>
                   <a:schemeClr val="tx2">
                     <a:shade val="50000"/>
                   </a:schemeClr>
                 </a:solidFill>
+                <a:latin typeface="+mn-lt"/>
+                <a:cs typeface="+mn-cs"/>
               </a:defRPr>
             </a:lvl1pPr>
           </a:lstStyle>
           <a:p>
-            <a:pPr algn="ctr" eaLnBrk="1" latinLnBrk="0" hangingPunct="1"/>
-            <a:endParaRPr kumimoji="0" lang="en-US" sz="1000" dirty="0">
-              <a:solidFill>
-                <a:schemeClr val="tx2">
-                  <a:shade val="50000"/>
-                </a:schemeClr>
-              </a:solidFill>
-            </a:endParaRPr>
+            <a:pPr>
+              <a:defRPr/>
+            </a:pPr>
+            <a:endParaRPr lang="en-US"/>
           </a:p>
         </p:txBody>
       </p:sp>
@@ -4061,7 +5493,7 @@
         </p:nvSpPr>
         <p:spPr>
           <a:xfrm>
-            <a:off x="8153400" y="6422064"/>
+            <a:off x="8153400" y="6421438"/>
             <a:ext cx="762000" cy="365125"/>
           </a:xfrm>
           <a:prstGeom prst="rect">
@@ -4071,29 +5503,36 @@
         <p:txBody>
           <a:bodyPr vert="horz" lIns="0" tIns="0" rIns="0" bIns="0" anchor="b"/>
           <a:lstStyle>
-            <a:lvl1pPr algn="r" eaLnBrk="1" latinLnBrk="0" hangingPunct="1">
-              <a:defRPr kumimoji="0" sz="1000">
+            <a:lvl1pPr algn="r" eaLnBrk="1" fontAlgn="auto" latinLnBrk="0" hangingPunct="1">
+              <a:spcBef>
+                <a:spcPts val="0"/>
+              </a:spcBef>
+              <a:spcAft>
+                <a:spcPts val="0"/>
+              </a:spcAft>
+              <a:defRPr kumimoji="0" sz="1000" smtClean="0">
                 <a:solidFill>
                   <a:schemeClr val="tx2">
                     <a:shade val="50000"/>
                   </a:schemeClr>
                 </a:solidFill>
+                <a:latin typeface="+mn-lt"/>
+                <a:cs typeface="+mn-cs"/>
               </a:defRPr>
             </a:lvl1pPr>
           </a:lstStyle>
           <a:p>
-            <a:fld id="{2AA957AF-53C0-420B-9C2D-77DB1416566C}" type="slidenum">
-              <a:rPr kumimoji="0" lang="en-US" smtClean="0"/>
-              <a:pPr/>
+            <a:pPr>
+              <a:defRPr/>
+            </a:pPr>
+            <a:fld id="{A8614936-4EC9-4DFB-B1B4-2E4052D3186C}" type="slidenum">
+              <a:rPr lang="en-US"/>
+              <a:pPr>
+                <a:defRPr/>
+              </a:pPr>
               <a:t>‹#›</a:t>
             </a:fld>
-            <a:endParaRPr kumimoji="0" lang="en-US" sz="1000" dirty="0">
-              <a:solidFill>
-                <a:schemeClr val="tx2">
-                  <a:shade val="50000"/>
-                </a:schemeClr>
-              </a:solidFill>
-            </a:endParaRPr>
+            <a:endParaRPr lang="en-US" dirty="0"/>
           </a:p>
         </p:txBody>
       </p:sp>
@@ -4101,26 +5540,28 @@
   </p:cSld>
   <p:clrMap bg1="dk1" tx1="lt1" bg2="dk2" tx2="lt2" accent1="accent1" accent2="accent2" accent3="accent3" accent4="accent4" accent5="accent5" accent6="accent6" hlink="hlink" folHlink="folHlink"/>
   <p:sldLayoutIdLst>
-    <p:sldLayoutId id="2147483661" r:id="rId1"/>
-    <p:sldLayoutId id="2147483662" r:id="rId2"/>
-    <p:sldLayoutId id="2147483663" r:id="rId3"/>
-    <p:sldLayoutId id="2147483664" r:id="rId4"/>
-    <p:sldLayoutId id="2147483665" r:id="rId5"/>
-    <p:sldLayoutId id="2147483666" r:id="rId6"/>
-    <p:sldLayoutId id="2147483667" r:id="rId7"/>
-    <p:sldLayoutId id="2147483668" r:id="rId8"/>
-    <p:sldLayoutId id="2147483669" r:id="rId9"/>
+    <p:sldLayoutId id="2147483672" r:id="rId1"/>
+    <p:sldLayoutId id="2147483666" r:id="rId2"/>
+    <p:sldLayoutId id="2147483673" r:id="rId3"/>
+    <p:sldLayoutId id="2147483667" r:id="rId4"/>
+    <p:sldLayoutId id="2147483674" r:id="rId5"/>
+    <p:sldLayoutId id="2147483668" r:id="rId6"/>
+    <p:sldLayoutId id="2147483669" r:id="rId7"/>
+    <p:sldLayoutId id="2147483675" r:id="rId8"/>
+    <p:sldLayoutId id="2147483676" r:id="rId9"/>
     <p:sldLayoutId id="2147483670" r:id="rId10"/>
     <p:sldLayoutId id="2147483671" r:id="rId11"/>
   </p:sldLayoutIdLst>
   <p:txStyles>
     <p:titleStyle>
-      <a:lvl1pPr algn="l" rtl="0" eaLnBrk="1" latinLnBrk="0" hangingPunct="1">
+      <a:lvl1pPr algn="l" rtl="0" fontAlgn="base">
         <a:spcBef>
           <a:spcPct val="0"/>
         </a:spcBef>
-        <a:buNone/>
-        <a:defRPr kumimoji="0" sz="4600" kern="1200">
+        <a:spcAft>
+          <a:spcPct val="0"/>
+        </a:spcAft>
+        <a:defRPr sz="4600" kern="1200">
           <a:solidFill>
             <a:schemeClr val="tx1"/>
           </a:solidFill>
@@ -4129,19 +5570,134 @@
           <a:cs typeface="+mj-cs"/>
         </a:defRPr>
       </a:lvl1pPr>
+      <a:lvl2pPr algn="l" rtl="0" fontAlgn="base">
+        <a:spcBef>
+          <a:spcPct val="0"/>
+        </a:spcBef>
+        <a:spcAft>
+          <a:spcPct val="0"/>
+        </a:spcAft>
+        <a:defRPr sz="4600">
+          <a:solidFill>
+            <a:schemeClr val="tx1"/>
+          </a:solidFill>
+          <a:latin typeface="Franklin Gothic Book" pitchFamily="34" charset="0"/>
+        </a:defRPr>
+      </a:lvl2pPr>
+      <a:lvl3pPr algn="l" rtl="0" fontAlgn="base">
+        <a:spcBef>
+          <a:spcPct val="0"/>
+        </a:spcBef>
+        <a:spcAft>
+          <a:spcPct val="0"/>
+        </a:spcAft>
+        <a:defRPr sz="4600">
+          <a:solidFill>
+            <a:schemeClr val="tx1"/>
+          </a:solidFill>
+          <a:latin typeface="Franklin Gothic Book" pitchFamily="34" charset="0"/>
+        </a:defRPr>
+      </a:lvl3pPr>
+      <a:lvl4pPr algn="l" rtl="0" fontAlgn="base">
+        <a:spcBef>
+          <a:spcPct val="0"/>
+        </a:spcBef>
+        <a:spcAft>
+          <a:spcPct val="0"/>
+        </a:spcAft>
+        <a:defRPr sz="4600">
+          <a:solidFill>
+            <a:schemeClr val="tx1"/>
+          </a:solidFill>
+          <a:latin typeface="Franklin Gothic Book" pitchFamily="34" charset="0"/>
+        </a:defRPr>
+      </a:lvl4pPr>
+      <a:lvl5pPr algn="l" rtl="0" fontAlgn="base">
+        <a:spcBef>
+          <a:spcPct val="0"/>
+        </a:spcBef>
+        <a:spcAft>
+          <a:spcPct val="0"/>
+        </a:spcAft>
+        <a:defRPr sz="4600">
+          <a:solidFill>
+            <a:schemeClr val="tx1"/>
+          </a:solidFill>
+          <a:latin typeface="Franklin Gothic Book" pitchFamily="34" charset="0"/>
+        </a:defRPr>
+      </a:lvl5pPr>
+      <a:lvl6pPr marL="457200" algn="l" rtl="0" fontAlgn="base">
+        <a:spcBef>
+          <a:spcPct val="0"/>
+        </a:spcBef>
+        <a:spcAft>
+          <a:spcPct val="0"/>
+        </a:spcAft>
+        <a:defRPr sz="4600">
+          <a:solidFill>
+            <a:schemeClr val="tx1"/>
+          </a:solidFill>
+          <a:latin typeface="Franklin Gothic Book" pitchFamily="34" charset="0"/>
+        </a:defRPr>
+      </a:lvl6pPr>
+      <a:lvl7pPr marL="914400" algn="l" rtl="0" fontAlgn="base">
+        <a:spcBef>
+          <a:spcPct val="0"/>
+        </a:spcBef>
+        <a:spcAft>
+          <a:spcPct val="0"/>
+        </a:spcAft>
+        <a:defRPr sz="4600">
+          <a:solidFill>
+            <a:schemeClr val="tx1"/>
+          </a:solidFill>
+          <a:latin typeface="Franklin Gothic Book" pitchFamily="34" charset="0"/>
+        </a:defRPr>
+      </a:lvl7pPr>
+      <a:lvl8pPr marL="1371600" algn="l" rtl="0" fontAlgn="base">
+        <a:spcBef>
+          <a:spcPct val="0"/>
+        </a:spcBef>
+        <a:spcAft>
+          <a:spcPct val="0"/>
+        </a:spcAft>
+        <a:defRPr sz="4600">
+          <a:solidFill>
+            <a:schemeClr val="tx1"/>
+          </a:solidFill>
+          <a:latin typeface="Franklin Gothic Book" pitchFamily="34" charset="0"/>
+        </a:defRPr>
+      </a:lvl8pPr>
+      <a:lvl9pPr marL="1828800" algn="l" rtl="0" fontAlgn="base">
+        <a:spcBef>
+          <a:spcPct val="0"/>
+        </a:spcBef>
+        <a:spcAft>
+          <a:spcPct val="0"/>
+        </a:spcAft>
+        <a:defRPr sz="4600">
+          <a:solidFill>
+            <a:schemeClr val="tx1"/>
+          </a:solidFill>
+          <a:latin typeface="Franklin Gothic Book" pitchFamily="34" charset="0"/>
+        </a:defRPr>
+      </a:lvl9pPr>
     </p:titleStyle>
     <p:bodyStyle>
-      <a:lvl1pPr marL="420624" indent="-384048" algn="l" rtl="0" eaLnBrk="1" latinLnBrk="0" hangingPunct="1">
+      <a:lvl1pPr marL="419100" indent="-382588" algn="l" rtl="0" fontAlgn="base">
         <a:spcBef>
           <a:spcPct val="20000"/>
         </a:spcBef>
+        <a:spcAft>
+          <a:spcPct val="0"/>
+        </a:spcAft>
         <a:buClr>
           <a:schemeClr val="accent1"/>
         </a:buClr>
         <a:buSzPct val="80000"/>
-        <a:buFont typeface="Wingdings 2"/>
+        <a:buFont typeface="Wingdings 2" pitchFamily="18" charset="2"/>
         <a:buChar char=""/>
-        <a:defRPr kumimoji="0" sz="3000" kern="1200">
+        <a:defRPr sz="3000" kern="1200">
           <a:solidFill>
             <a:schemeClr val="tx1"/>
           </a:solidFill>
@@ -4150,17 +5706,20 @@
           <a:cs typeface="+mn-cs"/>
         </a:defRPr>
       </a:lvl1pPr>
-      <a:lvl2pPr marL="722376" indent="-274320" algn="l" rtl="0" eaLnBrk="1" latinLnBrk="0" hangingPunct="1">
+      <a:lvl2pPr marL="722313" indent="-273050" algn="l" rtl="0" fontAlgn="base">
         <a:spcBef>
           <a:spcPct val="20000"/>
         </a:spcBef>
+        <a:spcAft>
+          <a:spcPct val="0"/>
+        </a:spcAft>
         <a:buClr>
           <a:schemeClr val="accent1"/>
         </a:buClr>
         <a:buSzPct val="90000"/>
-        <a:buFont typeface="Wingdings 2"/>
+        <a:buFont typeface="Wingdings 2" pitchFamily="18" charset="2"/>
         <a:buChar char=""/>
-        <a:defRPr kumimoji="0" sz="2600" kern="1200">
+        <a:defRPr sz="2600" kern="1200">
           <a:solidFill>
             <a:schemeClr val="tx1"/>
           </a:solidFill>
@@ -4169,17 +5728,20 @@
           <a:cs typeface="+mn-cs"/>
         </a:defRPr>
       </a:lvl2pPr>
-      <a:lvl3pPr marL="1005840" indent="-256032" algn="l" rtl="0" eaLnBrk="1" latinLnBrk="0" hangingPunct="1">
+      <a:lvl3pPr marL="1004888" indent="-255588" algn="l" rtl="0" fontAlgn="base">
         <a:spcBef>
           <a:spcPct val="20000"/>
         </a:spcBef>
+        <a:spcAft>
+          <a:spcPct val="0"/>
+        </a:spcAft>
         <a:buClr>
           <a:schemeClr val="accent2"/>
         </a:buClr>
         <a:buSzPct val="85000"/>
-        <a:buFont typeface="Arial"/>
+        <a:buFont typeface="Arial" charset="0"/>
         <a:buChar char="○"/>
-        <a:defRPr kumimoji="0" sz="2400" kern="1200">
+        <a:defRPr sz="2400" kern="1200">
           <a:solidFill>
             <a:schemeClr val="tx1"/>
           </a:solidFill>
@@ -4188,17 +5750,20 @@
           <a:cs typeface="+mn-cs"/>
         </a:defRPr>
       </a:lvl3pPr>
-      <a:lvl4pPr marL="1280160" indent="-237744" algn="l" rtl="0" eaLnBrk="1" latinLnBrk="0" hangingPunct="1">
+      <a:lvl4pPr marL="1279525" indent="-236538" algn="l" rtl="0" fontAlgn="base">
         <a:spcBef>
           <a:spcPct val="20000"/>
         </a:spcBef>
+        <a:spcAft>
+          <a:spcPct val="0"/>
+        </a:spcAft>
         <a:buClr>
-          <a:schemeClr val="accent3"/>
+          <a:srgbClr val="8D89A4"/>
         </a:buClr>
         <a:buSzPct val="90000"/>
-        <a:buFont typeface="Wingdings 2"/>
+        <a:buFont typeface="Wingdings 2" pitchFamily="18" charset="2"/>
         <a:buChar char=""/>
-        <a:defRPr kumimoji="0" sz="2000" kern="1200">
+        <a:defRPr sz="2000" kern="1200">
           <a:solidFill>
             <a:schemeClr val="tx1"/>
           </a:solidFill>
@@ -4207,17 +5772,20 @@
           <a:cs typeface="+mn-cs"/>
         </a:defRPr>
       </a:lvl4pPr>
-      <a:lvl5pPr marL="1490472" indent="-182880" algn="l" rtl="0" eaLnBrk="1" latinLnBrk="0" hangingPunct="1">
+      <a:lvl5pPr marL="1489075" indent="-182563" algn="l" rtl="0" fontAlgn="base">
         <a:spcBef>
           <a:spcPct val="20000"/>
         </a:spcBef>
+        <a:spcAft>
+          <a:spcPct val="0"/>
+        </a:spcAft>
         <a:buClr>
-          <a:schemeClr val="accent4"/>
+          <a:srgbClr val="748560"/>
         </a:buClr>
         <a:buSzPct val="100000"/>
-        <a:buFont typeface="Arial"/>
+        <a:buFont typeface="Arial" charset="0"/>
         <a:buChar char="-"/>
-        <a:defRPr kumimoji="0" sz="2000" kern="1200">
+        <a:defRPr sz="2000" kern="1200">
           <a:solidFill>
             <a:schemeClr val="tx1"/>
           </a:solidFill>
@@ -4415,7 +5983,7 @@
       </p:grpSpPr>
       <p:pic>
         <p:nvPicPr>
-          <p:cNvPr id="6" name="Picture 5" descr="hawk.png"/>
+          <p:cNvPr id="14337" name="Picture 5" descr="hawk.png"/>
           <p:cNvPicPr>
             <a:picLocks noChangeAspect="1"/>
           </p:cNvPicPr>
@@ -4423,109 +5991,222 @@
         </p:nvPicPr>
         <p:blipFill>
           <a:blip r:embed="rId2"/>
+          <a:srcRect/>
+          <a:stretch>
+            <a:fillRect/>
+          </a:stretch>
+        </p:blipFill>
+        <p:spPr bwMode="auto">
+          <a:xfrm>
+            <a:off x="0" y="0"/>
+            <a:ext cx="3175000" cy="3067050"/>
+          </a:xfrm>
+          <a:prstGeom prst="rect">
+            <a:avLst/>
+          </a:prstGeom>
+          <a:noFill/>
+          <a:ln w="9525">
+            <a:noFill/>
+            <a:miter lim="800000"/>
+            <a:headEnd/>
+            <a:tailEnd/>
+          </a:ln>
+        </p:spPr>
+      </p:pic>
+      <p:sp>
+        <p:nvSpPr>
+          <p:cNvPr id="2" name="Title 1"/>
+          <p:cNvSpPr>
+            <a:spLocks noGrp="1"/>
+          </p:cNvSpPr>
+          <p:nvPr>
+            <p:ph type="ctrTitle"/>
+          </p:nvPr>
+        </p:nvSpPr>
+        <p:spPr/>
+        <p:txBody>
+          <a:bodyPr>
+            <a:normAutofit/>
+          </a:bodyPr>
+          <a:lstStyle/>
+          <a:p>
+            <a:pPr fontAlgn="auto">
+              <a:spcAft>
+                <a:spcPts val="0"/>
+              </a:spcAft>
+              <a:defRPr/>
+            </a:pPr>
+            <a:r>
+              <a:rPr smtClean="0"/>
+              <a:t>The Firehawk Toolbar</a:t>
+            </a:r>
+            <a:br>
+              <a:rPr smtClean="0"/>
+            </a:br>
+            <a:r>
+              <a:rPr sz="2400" smtClean="0"/>
+              <a:t>Final Presentation</a:t>
+            </a:r>
+            <a:br>
+              <a:rPr sz="2400" smtClean="0"/>
+            </a:br>
+            <a:endParaRPr sz="2400"/>
+          </a:p>
+        </p:txBody>
+      </p:sp>
+      <p:sp>
+        <p:nvSpPr>
+          <p:cNvPr id="14339" name="Subtitle 2"/>
+          <p:cNvSpPr>
+            <a:spLocks noGrp="1"/>
+          </p:cNvSpPr>
+          <p:nvPr>
+            <p:ph type="subTitle" idx="1"/>
+          </p:nvPr>
+        </p:nvSpPr>
+        <p:spPr>
+          <a:xfrm>
+            <a:off x="433388" y="1544638"/>
+            <a:ext cx="6480175" cy="1752600"/>
+          </a:xfrm>
+        </p:spPr>
+        <p:txBody>
+          <a:bodyPr/>
+          <a:lstStyle/>
+          <a:p>
+            <a:r>
+              <a:rPr lang="en-US" smtClean="0"/>
+              <a:t>John Foushee</a:t>
+            </a:r>
+          </a:p>
+          <a:p>
+            <a:r>
+              <a:rPr lang="en-US" smtClean="0"/>
+              <a:t>Andrew Hulbert</a:t>
+            </a:r>
+          </a:p>
+          <a:p>
+            <a:r>
+              <a:rPr lang="en-US" smtClean="0"/>
+              <a:t>Brian Louden</a:t>
+            </a:r>
+          </a:p>
+        </p:txBody>
+      </p:sp>
+    </p:spTree>
+  </p:cSld>
+  <p:clrMapOvr>
+    <a:masterClrMapping/>
+  </p:clrMapOvr>
+  <p:timing>
+    <p:tnLst>
+      <p:par>
+        <p:cTn id="1" dur="indefinite" restart="never" nodeType="tmRoot"/>
+      </p:par>
+    </p:tnLst>
+  </p:timing>
+</p:sld>
+</file>
+
+<file path=ppt/slides/slide10.xml><?xml version="1.0" encoding="utf-8"?>
+<p:sld xmlns:a="http://schemas.openxmlformats.org/drawingml/2006/main" xmlns:r="http://schemas.openxmlformats.org/officeDocument/2006/relationships" xmlns:p="http://schemas.openxmlformats.org/presentationml/2006/main">
+  <p:cSld>
+    <p:spTree>
+      <p:nvGrpSpPr>
+        <p:cNvPr id="1" name=""/>
+        <p:cNvGrpSpPr/>
+        <p:nvPr/>
+      </p:nvGrpSpPr>
+      <p:grpSpPr>
+        <a:xfrm>
+          <a:off x="0" y="0"/>
+          <a:ext cx="0" cy="0"/>
+          <a:chOff x="0" y="0"/>
+          <a:chExt cx="0" cy="0"/>
+        </a:xfrm>
+      </p:grpSpPr>
+      <p:pic>
+        <p:nvPicPr>
+          <p:cNvPr id="33794" name="Picture 3" descr="hawk2.png"/>
+          <p:cNvPicPr>
+            <a:picLocks noChangeAspect="1"/>
+          </p:cNvPicPr>
+          <p:nvPr/>
+        </p:nvPicPr>
+        <p:blipFill>
+          <a:blip r:embed="rId3"/>
+          <a:srcRect/>
+          <a:stretch>
+            <a:fillRect/>
+          </a:stretch>
+        </p:blipFill>
+        <p:spPr bwMode="auto">
+          <a:xfrm>
+            <a:off x="1397000" y="361950"/>
+            <a:ext cx="6350000" cy="6134100"/>
+          </a:xfrm>
+          <a:prstGeom prst="rect">
+            <a:avLst/>
+          </a:prstGeom>
+          <a:noFill/>
+          <a:ln w="9525">
+            <a:noFill/>
+            <a:miter lim="800000"/>
+            <a:headEnd/>
+            <a:tailEnd/>
+          </a:ln>
+        </p:spPr>
+      </p:pic>
+      <p:sp>
+        <p:nvSpPr>
+          <p:cNvPr id="33795" name="Title 1"/>
+          <p:cNvSpPr>
+            <a:spLocks noGrp="1"/>
+          </p:cNvSpPr>
+          <p:nvPr>
+            <p:ph type="title" idx="4294967295"/>
+          </p:nvPr>
+        </p:nvSpPr>
+        <p:spPr/>
+        <p:txBody>
+          <a:bodyPr/>
+          <a:lstStyle/>
+          <a:p>
+            <a:r>
+              <a:rPr lang="en-US" b="1" smtClean="0"/>
+              <a:t>Demo</a:t>
+            </a:r>
+          </a:p>
+        </p:txBody>
+      </p:sp>
+      <p:pic>
+        <p:nvPicPr>
+          <p:cNvPr id="33797" name="Picture 5" descr="fox2.png">
+            <a:hlinkClick r:id="rId4"/>
+          </p:cNvPr>
+          <p:cNvPicPr>
+            <a:picLocks noChangeAspect="1"/>
+          </p:cNvPicPr>
+          <p:nvPr>
+            <p:ph idx="4294967295"/>
+          </p:nvPr>
+        </p:nvPicPr>
+        <p:blipFill>
+          <a:blip r:embed="rId5"/>
+          <a:srcRect/>
           <a:stretch>
             <a:fillRect/>
           </a:stretch>
         </p:blipFill>
         <p:spPr>
           <a:xfrm>
-            <a:off x="0" y="0"/>
-            <a:ext cx="3174604" cy="3066667"/>
+            <a:off x="3124200" y="2514600"/>
+            <a:ext cx="2719388" cy="2574925"/>
           </a:xfrm>
-          <a:prstGeom prst="rect">
-            <a:avLst/>
-          </a:prstGeom>
+          <a:noFill/>
+          <a:ln/>
         </p:spPr>
       </p:pic>
-      <p:sp>
-        <p:nvSpPr>
-          <p:cNvPr id="2" name="Title 1"/>
-          <p:cNvSpPr>
-            <a:spLocks noGrp="1"/>
-          </p:cNvSpPr>
-          <p:nvPr>
-            <p:ph type="ctrTitle"/>
-          </p:nvPr>
-        </p:nvSpPr>
-        <p:spPr/>
-        <p:txBody>
-          <a:bodyPr/>
-          <a:lstStyle/>
-          <a:p>
-            <a:r>
-              <a:rPr smtClean="0"/>
-              <a:t>The </a:t>
-            </a:r>
-            <a:r>
-              <a:rPr smtClean="0"/>
-              <a:t>Firehawk </a:t>
-            </a:r>
-            <a:r>
-              <a:rPr smtClean="0"/>
-              <a:t>Toolbar</a:t>
-            </a:r>
-            <a:br>
-              <a:rPr smtClean="0"/>
-            </a:br>
-            <a:r>
-              <a:rPr sz="2400" smtClean="0"/>
-              <a:t>Final </a:t>
-            </a:r>
-            <a:r>
-              <a:rPr sz="2400" smtClean="0"/>
-              <a:t>Presentation</a:t>
-            </a:r>
-            <a:br>
-              <a:rPr sz="2400" smtClean="0"/>
-            </a:br>
-            <a:endParaRPr lang="en-US" sz="2400" dirty="0"/>
-          </a:p>
-        </p:txBody>
-      </p:sp>
-      <p:sp>
-        <p:nvSpPr>
-          <p:cNvPr id="3" name="Subtitle 2"/>
-          <p:cNvSpPr>
-            <a:spLocks noGrp="1"/>
-          </p:cNvSpPr>
-          <p:nvPr>
-            <p:ph type="subTitle" idx="1"/>
-          </p:nvPr>
-        </p:nvSpPr>
-        <p:spPr/>
-        <p:txBody>
-          <a:bodyPr/>
-          <a:lstStyle/>
-          <a:p>
-            <a:r>
-              <a:rPr lang="en-US" dirty="0" smtClean="0"/>
-              <a:t>John </a:t>
-            </a:r>
-            <a:r>
-              <a:rPr lang="en-US" dirty="0" err="1" smtClean="0"/>
-              <a:t>Foushee</a:t>
-            </a:r>
-            <a:endParaRPr lang="en-US" dirty="0" smtClean="0"/>
-          </a:p>
-          <a:p>
-            <a:r>
-              <a:rPr lang="en-US" dirty="0" smtClean="0"/>
-              <a:t>Andrew Hulbert</a:t>
-            </a:r>
-          </a:p>
-          <a:p>
-            <a:r>
-              <a:rPr lang="en-US" dirty="0" smtClean="0"/>
-              <a:t>Brian </a:t>
-            </a:r>
-            <a:r>
-              <a:rPr lang="en-US" dirty="0" err="1" smtClean="0"/>
-              <a:t>Louden</a:t>
-            </a:r>
-            <a:endParaRPr lang="en-US" dirty="0"/>
-          </a:p>
-        </p:txBody>
-      </p:sp>
     </p:spTree>
   </p:cSld>
   <p:clrMapOvr>
@@ -4560,7 +6241,7 @@
       </p:grpSpPr>
       <p:pic>
         <p:nvPicPr>
-          <p:cNvPr id="5" name="Picture 4" descr="hawk2.png"/>
+          <p:cNvPr id="15361" name="Picture 4" descr="hawk2.png"/>
           <p:cNvPicPr>
             <a:picLocks noChangeAspect="1"/>
           </p:cNvPicPr>
@@ -4568,23 +6249,31 @@
         </p:nvPicPr>
         <p:blipFill>
           <a:blip r:embed="rId3"/>
+          <a:srcRect/>
           <a:stretch>
             <a:fillRect/>
           </a:stretch>
         </p:blipFill>
-        <p:spPr>
+        <p:spPr bwMode="auto">
           <a:xfrm>
-            <a:off x="1397396" y="362333"/>
-            <a:ext cx="6349207" cy="6133334"/>
+            <a:off x="1397000" y="361950"/>
+            <a:ext cx="6350000" cy="6134100"/>
           </a:xfrm>
           <a:prstGeom prst="rect">
             <a:avLst/>
           </a:prstGeom>
+          <a:noFill/>
+          <a:ln w="9525">
+            <a:noFill/>
+            <a:miter lim="800000"/>
+            <a:headEnd/>
+            <a:tailEnd/>
+          </a:ln>
         </p:spPr>
       </p:pic>
       <p:sp>
         <p:nvSpPr>
-          <p:cNvPr id="2" name="Title 1"/>
+          <p:cNvPr id="15362" name="Title 1"/>
           <p:cNvSpPr>
             <a:spLocks noGrp="1"/>
           </p:cNvSpPr>
@@ -4598,16 +6287,15 @@
           <a:lstStyle/>
           <a:p>
             <a:r>
-              <a:rPr lang="en-US" b="1" dirty="0" smtClean="0"/>
+              <a:rPr lang="en-US" b="1" smtClean="0"/>
               <a:t>Problem: Web Accessibility</a:t>
             </a:r>
-            <a:endParaRPr lang="en-US" b="1" dirty="0"/>
-          </a:p>
-        </p:txBody>
-      </p:sp>
-      <p:sp>
-        <p:nvSpPr>
-          <p:cNvPr id="3" name="Content Placeholder 2"/>
+          </a:p>
+        </p:txBody>
+      </p:sp>
+      <p:sp>
+        <p:nvSpPr>
+          <p:cNvPr id="15363" name="Content Placeholder 2"/>
           <p:cNvSpPr>
             <a:spLocks noGrp="1"/>
           </p:cNvSpPr>
@@ -4622,54 +6310,52 @@
           </a:xfrm>
         </p:spPr>
         <p:txBody>
-          <a:bodyPr>
-            <a:normAutofit/>
-          </a:bodyPr>
+          <a:bodyPr/>
           <a:lstStyle/>
           <a:p>
             <a:r>
-              <a:rPr lang="en-US" dirty="0" smtClean="0"/>
+              <a:rPr lang="en-US" smtClean="0"/>
               <a:t>Web Accessibility</a:t>
             </a:r>
           </a:p>
           <a:p>
             <a:pPr lvl="1"/>
             <a:r>
-              <a:rPr lang="en-US" dirty="0" smtClean="0"/>
+              <a:rPr lang="en-US" smtClean="0"/>
               <a:t>Traditional Methods of Navigating the Web</a:t>
             </a:r>
           </a:p>
           <a:p>
             <a:pPr lvl="2"/>
             <a:r>
-              <a:rPr lang="en-US" dirty="0" smtClean="0"/>
+              <a:rPr lang="en-US" smtClean="0"/>
               <a:t>Mouse clicks and hyperlinks</a:t>
             </a:r>
           </a:p>
           <a:p>
             <a:pPr lvl="1"/>
             <a:r>
-              <a:rPr lang="en-US" dirty="0" smtClean="0"/>
+              <a:rPr lang="en-US" smtClean="0"/>
               <a:t>What if you had no mouse?</a:t>
             </a:r>
           </a:p>
           <a:p>
             <a:pPr lvl="2"/>
             <a:r>
-              <a:rPr lang="en-US" dirty="0" smtClean="0"/>
+              <a:rPr lang="en-US" smtClean="0"/>
               <a:t>Disabled user input is often limited to speech or switch input </a:t>
             </a:r>
           </a:p>
           <a:p>
             <a:r>
-              <a:rPr lang="en-US" dirty="0" smtClean="0"/>
+              <a:rPr lang="en-US" smtClean="0"/>
               <a:t>Project Goal</a:t>
             </a:r>
           </a:p>
           <a:p>
             <a:pPr lvl="1"/>
             <a:r>
-              <a:rPr lang="en-US" dirty="0" smtClean="0"/>
+              <a:rPr lang="en-US" smtClean="0"/>
               <a:t>Allow Users to Access Web Content and Browser Functionality with non-traditional input</a:t>
             </a:r>
           </a:p>
@@ -4709,7 +6395,7 @@
       </p:grpSpPr>
       <p:sp>
         <p:nvSpPr>
-          <p:cNvPr id="2" name="Title 1"/>
+          <p:cNvPr id="17409" name="Title 1"/>
           <p:cNvSpPr>
             <a:spLocks noGrp="1"/>
           </p:cNvSpPr>
@@ -4719,22 +6405,20 @@
         </p:nvSpPr>
         <p:spPr/>
         <p:txBody>
-          <a:bodyPr>
-            <a:normAutofit/>
-          </a:bodyPr>
+          <a:bodyPr/>
           <a:lstStyle/>
           <a:p>
             <a:r>
-              <a:rPr lang="en-US" b="1" dirty="0" smtClean="0"/>
+              <a:rPr lang="en-US" b="1" smtClean="0"/>
               <a:t>Solution: Hawking Toolbar</a:t>
             </a:r>
-            <a:endParaRPr lang="en-US" dirty="0"/>
-          </a:p>
-        </p:txBody>
-      </p:sp>
-      <p:sp>
-        <p:nvSpPr>
-          <p:cNvPr id="3" name="Content Placeholder 2"/>
+            <a:endParaRPr lang="en-US" smtClean="0"/>
+          </a:p>
+        </p:txBody>
+      </p:sp>
+      <p:sp>
+        <p:nvSpPr>
+          <p:cNvPr id="17410" name="Content Placeholder 2"/>
           <p:cNvSpPr>
             <a:spLocks noGrp="1"/>
           </p:cNvSpPr>
@@ -4744,19 +6428,17 @@
         </p:nvSpPr>
         <p:spPr/>
         <p:txBody>
-          <a:bodyPr>
-            <a:normAutofit/>
-          </a:bodyPr>
+          <a:bodyPr/>
           <a:lstStyle/>
           <a:p>
             <a:r>
-              <a:rPr lang="en-US" dirty="0" smtClean="0"/>
+              <a:rPr lang="en-US" smtClean="0"/>
               <a:t>Allows disabled users to cycle through links on a webpage using only two input switches/keys</a:t>
             </a:r>
           </a:p>
           <a:p>
             <a:r>
-              <a:rPr lang="en-US" dirty="0" smtClean="0"/>
+              <a:rPr lang="en-US" smtClean="0"/>
               <a:t>Works on any computer platform (Mac, Windows, Linux) running Firefox browser</a:t>
             </a:r>
           </a:p>
@@ -4764,7 +6446,7 @@
       </p:sp>
       <p:pic>
         <p:nvPicPr>
-          <p:cNvPr id="4" name="Picture 3" descr="hawk2.png"/>
+          <p:cNvPr id="17411" name="Picture 3" descr="hawk2.png"/>
           <p:cNvPicPr>
             <a:picLocks noChangeAspect="1"/>
           </p:cNvPicPr>
@@ -4772,23 +6454,31 @@
         </p:nvPicPr>
         <p:blipFill>
           <a:blip r:embed="rId3"/>
+          <a:srcRect/>
           <a:stretch>
             <a:fillRect/>
           </a:stretch>
         </p:blipFill>
-        <p:spPr>
+        <p:spPr bwMode="auto">
           <a:xfrm>
-            <a:off x="1397396" y="362333"/>
-            <a:ext cx="6349207" cy="6133334"/>
+            <a:off x="1397000" y="361950"/>
+            <a:ext cx="6350000" cy="6134100"/>
           </a:xfrm>
           <a:prstGeom prst="rect">
             <a:avLst/>
           </a:prstGeom>
+          <a:noFill/>
+          <a:ln w="9525">
+            <a:noFill/>
+            <a:miter lim="800000"/>
+            <a:headEnd/>
+            <a:tailEnd/>
+          </a:ln>
         </p:spPr>
       </p:pic>
       <p:pic>
         <p:nvPicPr>
-          <p:cNvPr id="1026" name="Picture 2"/>
+          <p:cNvPr id="17412" name="Picture 2"/>
           <p:cNvPicPr>
             <a:picLocks noChangeAspect="1" noChangeArrowheads="1"/>
           </p:cNvPicPr>
@@ -4796,7 +6486,7 @@
         </p:nvPicPr>
         <p:blipFill>
           <a:blip r:embed="rId4"/>
-          <a:srcRect l="871" t="5755"/>
+          <a:srcRect l="871" t="5756"/>
           <a:stretch>
             <a:fillRect/>
           </a:stretch>
@@ -4816,7 +6506,6 @@
             <a:headEnd/>
             <a:tailEnd/>
           </a:ln>
-          <a:effectLst/>
         </p:spPr>
       </p:pic>
     </p:spTree>
@@ -4853,7 +6542,7 @@
       </p:grpSpPr>
       <p:pic>
         <p:nvPicPr>
-          <p:cNvPr id="4" name="Picture 3" descr="hawk2.png"/>
+          <p:cNvPr id="19457" name="Picture 3" descr="hawk2.png"/>
           <p:cNvPicPr>
             <a:picLocks noChangeAspect="1"/>
           </p:cNvPicPr>
@@ -4861,53 +6550,36 @@
         </p:nvPicPr>
         <p:blipFill>
           <a:blip r:embed="rId3"/>
+          <a:srcRect/>
           <a:stretch>
             <a:fillRect/>
           </a:stretch>
         </p:blipFill>
-        <p:spPr>
+        <p:spPr bwMode="auto">
           <a:xfrm>
-            <a:off x="1397396" y="362333"/>
-            <a:ext cx="6349207" cy="6133334"/>
+            <a:off x="1397000" y="361950"/>
+            <a:ext cx="6350000" cy="6134100"/>
           </a:xfrm>
           <a:prstGeom prst="rect">
             <a:avLst/>
           </a:prstGeom>
+          <a:noFill/>
+          <a:ln w="9525">
+            <a:noFill/>
+            <a:miter lim="800000"/>
+            <a:headEnd/>
+            <a:tailEnd/>
+          </a:ln>
         </p:spPr>
       </p:pic>
       <p:sp>
         <p:nvSpPr>
-          <p:cNvPr id="2" name="Title 1"/>
+          <p:cNvPr id="19458" name="Title 1"/>
           <p:cNvSpPr>
             <a:spLocks noGrp="1"/>
           </p:cNvSpPr>
           <p:nvPr>
             <p:ph type="title"/>
-          </p:nvPr>
-        </p:nvSpPr>
-        <p:spPr/>
-        <p:txBody>
-          <a:bodyPr>
-            <a:normAutofit/>
-          </a:bodyPr>
-          <a:lstStyle/>
-          <a:p>
-            <a:r>
-              <a:rPr lang="en-US" sz="4400" b="1" dirty="0" smtClean="0"/>
-              <a:t>How it Works</a:t>
-            </a:r>
-            <a:endParaRPr lang="en-US" sz="4400" b="1" dirty="0"/>
-          </a:p>
-        </p:txBody>
-      </p:sp>
-      <p:sp>
-        <p:nvSpPr>
-          <p:cNvPr id="3" name="Content Placeholder 2"/>
-          <p:cNvSpPr>
-            <a:spLocks noGrp="1"/>
-          </p:cNvSpPr>
-          <p:nvPr>
-            <p:ph idx="1"/>
           </p:nvPr>
         </p:nvSpPr>
         <p:spPr/>
@@ -4916,55 +6588,76 @@
           <a:lstStyle/>
           <a:p>
             <a:r>
-              <a:rPr lang="en-US" dirty="0" smtClean="0"/>
+              <a:rPr lang="en-US" sz="4400" b="1" smtClean="0"/>
+              <a:t>How it Works</a:t>
+            </a:r>
+          </a:p>
+        </p:txBody>
+      </p:sp>
+      <p:sp>
+        <p:nvSpPr>
+          <p:cNvPr id="19459" name="Content Placeholder 2"/>
+          <p:cNvSpPr>
+            <a:spLocks noGrp="1"/>
+          </p:cNvSpPr>
+          <p:nvPr>
+            <p:ph idx="1"/>
+          </p:nvPr>
+        </p:nvSpPr>
+        <p:spPr/>
+        <p:txBody>
+          <a:bodyPr/>
+          <a:lstStyle/>
+          <a:p>
+            <a:r>
+              <a:rPr lang="en-US" smtClean="0"/>
               <a:t>Two Basic Operations</a:t>
             </a:r>
           </a:p>
           <a:p>
             <a:pPr lvl="1"/>
             <a:r>
-              <a:rPr lang="en-US" dirty="0" smtClean="0"/>
+              <a:rPr lang="en-US" smtClean="0"/>
               <a:t>Move (between links or toolbar buttons)</a:t>
             </a:r>
           </a:p>
           <a:p>
             <a:pPr lvl="1"/>
             <a:r>
-              <a:rPr lang="en-US" dirty="0" smtClean="0"/>
+              <a:rPr lang="en-US" smtClean="0"/>
               <a:t>Engage (click links or toolbar buttons)</a:t>
             </a:r>
           </a:p>
           <a:p>
             <a:r>
-              <a:rPr lang="en-US" dirty="0" smtClean="0"/>
+              <a:rPr lang="en-US" smtClean="0"/>
               <a:t>Balance between function and simplicity</a:t>
             </a:r>
           </a:p>
           <a:p>
             <a:r>
-              <a:rPr lang="en-US" dirty="0" smtClean="0"/>
+              <a:rPr lang="en-US" smtClean="0"/>
               <a:t>Use for toolbar, extensions and links</a:t>
             </a:r>
           </a:p>
           <a:p>
             <a:pPr lvl="1"/>
             <a:r>
-              <a:rPr lang="en-US" dirty="0" smtClean="0"/>
+              <a:rPr lang="en-US" smtClean="0"/>
               <a:t>Scrolling</a:t>
             </a:r>
-            <a:endParaRPr lang="en-US" dirty="0" smtClean="0"/>
           </a:p>
           <a:p>
             <a:pPr lvl="1"/>
             <a:r>
-              <a:rPr lang="en-US" dirty="0" smtClean="0"/>
+              <a:rPr lang="en-US" smtClean="0"/>
               <a:t>Bookmarks</a:t>
             </a:r>
           </a:p>
           <a:p>
             <a:pPr lvl="1"/>
             <a:r>
-              <a:rPr lang="en-US" dirty="0" smtClean="0"/>
+              <a:rPr lang="en-US" smtClean="0"/>
               <a:t>Navigation (Forward, Backwards, Refresh)</a:t>
             </a:r>
           </a:p>
@@ -4972,7 +6665,7 @@
       </p:sp>
       <p:pic>
         <p:nvPicPr>
-          <p:cNvPr id="2051" name="Picture 3"/>
+          <p:cNvPr id="19460" name="Picture 3"/>
           <p:cNvPicPr>
             <a:picLocks noChangeAspect="1" noChangeArrowheads="1"/>
           </p:cNvPicPr>
@@ -4987,8 +6680,8 @@
         </p:blipFill>
         <p:spPr bwMode="auto">
           <a:xfrm>
-            <a:off x="1524001" y="5936768"/>
-            <a:ext cx="5257800" cy="616432"/>
+            <a:off x="1524000" y="5937250"/>
+            <a:ext cx="5257800" cy="615950"/>
           </a:xfrm>
           <a:prstGeom prst="rect">
             <a:avLst/>
@@ -5000,7 +6693,6 @@
             <a:headEnd/>
             <a:tailEnd/>
           </a:ln>
-          <a:effectLst/>
         </p:spPr>
       </p:pic>
     </p:spTree>
@@ -5037,7 +6729,7 @@
       </p:grpSpPr>
       <p:sp>
         <p:nvSpPr>
-          <p:cNvPr id="2" name="Title 1"/>
+          <p:cNvPr id="21505" name="Title 1"/>
           <p:cNvSpPr>
             <a:spLocks noGrp="1"/>
           </p:cNvSpPr>
@@ -5051,16 +6743,15 @@
           <a:lstStyle/>
           <a:p>
             <a:r>
-              <a:rPr lang="en-US" b="1" dirty="0" smtClean="0"/>
+              <a:rPr lang="en-US" b="1" smtClean="0"/>
               <a:t>Hawking Extensions</a:t>
             </a:r>
-            <a:endParaRPr lang="en-US" b="1" dirty="0"/>
-          </a:p>
-        </p:txBody>
-      </p:sp>
-      <p:sp>
-        <p:nvSpPr>
-          <p:cNvPr id="3" name="Content Placeholder 2"/>
+          </a:p>
+        </p:txBody>
+      </p:sp>
+      <p:sp>
+        <p:nvSpPr>
+          <p:cNvPr id="21506" name="Content Placeholder 2"/>
           <p:cNvSpPr>
             <a:spLocks noGrp="1"/>
           </p:cNvSpPr>
@@ -5070,33 +6761,31 @@
         </p:nvSpPr>
         <p:spPr/>
         <p:txBody>
-          <a:bodyPr>
-            <a:normAutofit/>
-          </a:bodyPr>
+          <a:bodyPr/>
           <a:lstStyle/>
           <a:p>
             <a:r>
-              <a:rPr lang="en-US" dirty="0" smtClean="0"/>
+              <a:rPr lang="en-US" smtClean="0"/>
               <a:t>Each extension implemented as a separate toolbar.</a:t>
             </a:r>
           </a:p>
           <a:p>
             <a:pPr lvl="1"/>
             <a:r>
-              <a:rPr lang="en-US" dirty="0" smtClean="0"/>
+              <a:rPr lang="en-US" smtClean="0"/>
               <a:t>Toolbars become visible when the user selects an extension on the main toolbar.</a:t>
             </a:r>
           </a:p>
           <a:p>
             <a:r>
-              <a:rPr lang="en-US" dirty="0" smtClean="0"/>
+              <a:rPr lang="en-US" smtClean="0"/>
               <a:t>Built to be extensible</a:t>
             </a:r>
           </a:p>
           <a:p>
             <a:pPr lvl="1"/>
             <a:r>
-              <a:rPr lang="en-US" dirty="0" smtClean="0"/>
+              <a:rPr lang="en-US" smtClean="0"/>
               <a:t>The Center for Literacy and Disability Studies</a:t>
             </a:r>
           </a:p>
@@ -5104,7 +6793,7 @@
       </p:sp>
       <p:pic>
         <p:nvPicPr>
-          <p:cNvPr id="4" name="Picture 3" descr="hawk2.png"/>
+          <p:cNvPr id="21507" name="Picture 3" descr="hawk2.png"/>
           <p:cNvPicPr>
             <a:picLocks noChangeAspect="1"/>
           </p:cNvPicPr>
@@ -5112,20 +6801,738 @@
         </p:nvPicPr>
         <p:blipFill>
           <a:blip r:embed="rId3"/>
+          <a:srcRect/>
           <a:stretch>
             <a:fillRect/>
           </a:stretch>
         </p:blipFill>
-        <p:spPr>
+        <p:spPr bwMode="auto">
           <a:xfrm>
-            <a:off x="1397396" y="362333"/>
-            <a:ext cx="6349207" cy="6133334"/>
+            <a:off x="1397000" y="361950"/>
+            <a:ext cx="6350000" cy="6134100"/>
           </a:xfrm>
           <a:prstGeom prst="rect">
             <a:avLst/>
           </a:prstGeom>
+          <a:noFill/>
+          <a:ln w="9525">
+            <a:noFill/>
+            <a:miter lim="800000"/>
+            <a:headEnd/>
+            <a:tailEnd/>
+          </a:ln>
         </p:spPr>
       </p:pic>
+    </p:spTree>
+  </p:cSld>
+  <p:clrMapOvr>
+    <a:masterClrMapping/>
+  </p:clrMapOvr>
+  <p:timing>
+    <p:tnLst>
+      <p:par>
+        <p:cTn id="1" dur="indefinite" restart="never" nodeType="tmRoot"/>
+      </p:par>
+    </p:tnLst>
+  </p:timing>
+</p:sld>
+</file>
+
+<file path=ppt/slides/slide6.xml><?xml version="1.0" encoding="utf-8"?>
+<p:sld xmlns:a="http://schemas.openxmlformats.org/drawingml/2006/main" xmlns:r="http://schemas.openxmlformats.org/officeDocument/2006/relationships" xmlns:p="http://schemas.openxmlformats.org/presentationml/2006/main">
+  <p:cSld>
+    <p:spTree>
+      <p:nvGrpSpPr>
+        <p:cNvPr id="1" name=""/>
+        <p:cNvGrpSpPr/>
+        <p:nvPr/>
+      </p:nvGrpSpPr>
+      <p:grpSpPr>
+        <a:xfrm>
+          <a:off x="0" y="0"/>
+          <a:ext cx="0" cy="0"/>
+          <a:chOff x="0" y="0"/>
+          <a:chExt cx="0" cy="0"/>
+        </a:xfrm>
+      </p:grpSpPr>
+      <p:pic>
+        <p:nvPicPr>
+          <p:cNvPr id="28674" name="Picture 3" descr="hawk2.png"/>
+          <p:cNvPicPr>
+            <a:picLocks noChangeAspect="1"/>
+          </p:cNvPicPr>
+          <p:nvPr/>
+        </p:nvPicPr>
+        <p:blipFill>
+          <a:blip r:embed="rId3"/>
+          <a:srcRect/>
+          <a:stretch>
+            <a:fillRect/>
+          </a:stretch>
+        </p:blipFill>
+        <p:spPr bwMode="auto">
+          <a:xfrm>
+            <a:off x="1397000" y="361950"/>
+            <a:ext cx="6350000" cy="6134100"/>
+          </a:xfrm>
+          <a:prstGeom prst="rect">
+            <a:avLst/>
+          </a:prstGeom>
+          <a:noFill/>
+          <a:ln w="9525">
+            <a:noFill/>
+            <a:miter lim="800000"/>
+            <a:headEnd/>
+            <a:tailEnd/>
+          </a:ln>
+        </p:spPr>
+      </p:pic>
+      <p:sp>
+        <p:nvSpPr>
+          <p:cNvPr id="28675" name="Title 1"/>
+          <p:cNvSpPr>
+            <a:spLocks noGrp="1"/>
+          </p:cNvSpPr>
+          <p:nvPr>
+            <p:ph type="title" idx="4294967295"/>
+          </p:nvPr>
+        </p:nvSpPr>
+        <p:spPr/>
+        <p:txBody>
+          <a:bodyPr/>
+          <a:lstStyle/>
+          <a:p>
+            <a:r>
+              <a:rPr lang="en-US" b="1" smtClean="0"/>
+              <a:t>Firefox Extensions</a:t>
+            </a:r>
+          </a:p>
+        </p:txBody>
+      </p:sp>
+      <p:sp>
+        <p:nvSpPr>
+          <p:cNvPr id="28676" name="Content Placeholder 2"/>
+          <p:cNvSpPr>
+            <a:spLocks noGrp="1"/>
+          </p:cNvSpPr>
+          <p:nvPr>
+            <p:ph idx="4294967295"/>
+          </p:nvPr>
+        </p:nvSpPr>
+        <p:spPr/>
+        <p:txBody>
+          <a:bodyPr/>
+          <a:lstStyle/>
+          <a:p>
+            <a:r>
+              <a:rPr lang="en-US" smtClean="0"/>
+              <a:t>Creating Extensions</a:t>
+            </a:r>
+          </a:p>
+          <a:p>
+            <a:r>
+              <a:rPr lang="en-US" smtClean="0"/>
+              <a:t>Firefox GUI</a:t>
+            </a:r>
+          </a:p>
+          <a:p>
+            <a:pPr lvl="1"/>
+            <a:r>
+              <a:rPr lang="en-US" smtClean="0"/>
+              <a:t>XUL</a:t>
+            </a:r>
+          </a:p>
+          <a:p>
+            <a:pPr lvl="2"/>
+            <a:r>
+              <a:rPr lang="en-US" smtClean="0"/>
+              <a:t>XML User Interface Language</a:t>
+            </a:r>
+          </a:p>
+          <a:p>
+            <a:r>
+              <a:rPr lang="en-US" smtClean="0"/>
+              <a:t>JavaScript + CSS</a:t>
+            </a:r>
+          </a:p>
+          <a:p>
+            <a:r>
+              <a:rPr lang="en-US" smtClean="0"/>
+              <a:t>Profile Manager</a:t>
+            </a:r>
+          </a:p>
+          <a:p>
+            <a:pPr lvl="1"/>
+            <a:r>
+              <a:rPr lang="en-US" smtClean="0"/>
+              <a:t>Development</a:t>
+            </a:r>
+          </a:p>
+          <a:p>
+            <a:pPr lvl="1"/>
+            <a:r>
+              <a:rPr lang="en-US" smtClean="0"/>
+              <a:t>Multiple Users</a:t>
+            </a:r>
+          </a:p>
+          <a:p>
+            <a:endParaRPr lang="en-US" smtClean="0"/>
+          </a:p>
+        </p:txBody>
+      </p:sp>
+    </p:spTree>
+  </p:cSld>
+  <p:clrMapOvr>
+    <a:masterClrMapping/>
+  </p:clrMapOvr>
+  <p:timing>
+    <p:tnLst>
+      <p:par>
+        <p:cTn id="1" dur="indefinite" restart="never" nodeType="tmRoot"/>
+      </p:par>
+    </p:tnLst>
+  </p:timing>
+</p:sld>
+</file>
+
+<file path=ppt/slides/slide7.xml><?xml version="1.0" encoding="utf-8"?>
+<p:sld xmlns:a="http://schemas.openxmlformats.org/drawingml/2006/main" xmlns:r="http://schemas.openxmlformats.org/officeDocument/2006/relationships" xmlns:p="http://schemas.openxmlformats.org/presentationml/2006/main">
+  <p:cSld>
+    <p:spTree>
+      <p:nvGrpSpPr>
+        <p:cNvPr id="1" name=""/>
+        <p:cNvGrpSpPr/>
+        <p:nvPr/>
+      </p:nvGrpSpPr>
+      <p:grpSpPr>
+        <a:xfrm>
+          <a:off x="0" y="0"/>
+          <a:ext cx="0" cy="0"/>
+          <a:chOff x="0" y="0"/>
+          <a:chExt cx="0" cy="0"/>
+        </a:xfrm>
+      </p:grpSpPr>
+      <p:pic>
+        <p:nvPicPr>
+          <p:cNvPr id="30722" name="Picture 3" descr="hawk2.png"/>
+          <p:cNvPicPr>
+            <a:picLocks noChangeAspect="1"/>
+          </p:cNvPicPr>
+          <p:nvPr/>
+        </p:nvPicPr>
+        <p:blipFill>
+          <a:blip r:embed="rId2"/>
+          <a:srcRect/>
+          <a:stretch>
+            <a:fillRect/>
+          </a:stretch>
+        </p:blipFill>
+        <p:spPr bwMode="auto">
+          <a:xfrm>
+            <a:off x="1397000" y="361950"/>
+            <a:ext cx="6350000" cy="6134100"/>
+          </a:xfrm>
+          <a:prstGeom prst="rect">
+            <a:avLst/>
+          </a:prstGeom>
+          <a:noFill/>
+          <a:ln w="9525">
+            <a:noFill/>
+            <a:miter lim="800000"/>
+            <a:headEnd/>
+            <a:tailEnd/>
+          </a:ln>
+        </p:spPr>
+      </p:pic>
+      <p:sp>
+        <p:nvSpPr>
+          <p:cNvPr id="2" name="Title 1"/>
+          <p:cNvSpPr>
+            <a:spLocks noGrp="1"/>
+          </p:cNvSpPr>
+          <p:nvPr>
+            <p:ph type="title" idx="4294967295"/>
+          </p:nvPr>
+        </p:nvSpPr>
+        <p:spPr/>
+        <p:txBody>
+          <a:bodyPr>
+            <a:normAutofit fontScale="90000"/>
+          </a:bodyPr>
+          <a:lstStyle/>
+          <a:p>
+            <a:pPr fontAlgn="auto">
+              <a:spcAft>
+                <a:spcPts val="0"/>
+              </a:spcAft>
+              <a:defRPr/>
+            </a:pPr>
+            <a:r>
+              <a:rPr lang="en-US" b="1" dirty="0" smtClean="0"/>
+              <a:t>Navigation Mechanism</a:t>
+            </a:r>
+            <a:br>
+              <a:rPr lang="en-US" b="1" dirty="0" smtClean="0"/>
+            </a:br>
+            <a:r>
+              <a:rPr lang="en-US" sz="2700" b="1" dirty="0" smtClean="0"/>
+              <a:t>Move and Engage</a:t>
+            </a:r>
+            <a:endParaRPr lang="en-US" sz="2700" b="1" dirty="0"/>
+          </a:p>
+        </p:txBody>
+      </p:sp>
+      <p:sp>
+        <p:nvSpPr>
+          <p:cNvPr id="30724" name="Content Placeholder 2"/>
+          <p:cNvSpPr>
+            <a:spLocks noGrp="1"/>
+          </p:cNvSpPr>
+          <p:nvPr>
+            <p:ph idx="4294967295"/>
+          </p:nvPr>
+        </p:nvSpPr>
+        <p:spPr/>
+        <p:txBody>
+          <a:bodyPr/>
+          <a:lstStyle/>
+          <a:p>
+            <a:r>
+              <a:rPr lang="en-US" smtClean="0"/>
+              <a:t>The Basic Input Operations</a:t>
+            </a:r>
+          </a:p>
+          <a:p>
+            <a:pPr lvl="1"/>
+            <a:r>
+              <a:rPr lang="en-US" smtClean="0"/>
+              <a:t>Move</a:t>
+            </a:r>
+          </a:p>
+          <a:p>
+            <a:pPr lvl="1"/>
+            <a:r>
+              <a:rPr lang="en-US" smtClean="0"/>
+              <a:t>Engage</a:t>
+            </a:r>
+          </a:p>
+          <a:p>
+            <a:r>
+              <a:rPr lang="en-US" smtClean="0"/>
+              <a:t>Goal: Be able to use and navigate the internet and browser functionality using the simple operations of move and engage.</a:t>
+            </a:r>
+          </a:p>
+        </p:txBody>
+      </p:sp>
+    </p:spTree>
+  </p:cSld>
+  <p:clrMapOvr>
+    <a:masterClrMapping/>
+  </p:clrMapOvr>
+  <p:timing>
+    <p:tnLst>
+      <p:par>
+        <p:cTn id="1" dur="indefinite" restart="never" nodeType="tmRoot"/>
+      </p:par>
+    </p:tnLst>
+  </p:timing>
+</p:sld>
+</file>
+
+<file path=ppt/slides/slide8.xml><?xml version="1.0" encoding="utf-8"?>
+<p:sld xmlns:a="http://schemas.openxmlformats.org/drawingml/2006/main" xmlns:r="http://schemas.openxmlformats.org/officeDocument/2006/relationships" xmlns:p="http://schemas.openxmlformats.org/presentationml/2006/main">
+  <p:cSld>
+    <p:spTree>
+      <p:nvGrpSpPr>
+        <p:cNvPr id="1" name=""/>
+        <p:cNvGrpSpPr/>
+        <p:nvPr/>
+      </p:nvGrpSpPr>
+      <p:grpSpPr>
+        <a:xfrm>
+          <a:off x="0" y="0"/>
+          <a:ext cx="0" cy="0"/>
+          <a:chOff x="0" y="0"/>
+          <a:chExt cx="0" cy="0"/>
+        </a:xfrm>
+      </p:grpSpPr>
+      <p:pic>
+        <p:nvPicPr>
+          <p:cNvPr id="31746" name="Picture 3" descr="hawk2.png"/>
+          <p:cNvPicPr>
+            <a:picLocks noChangeAspect="1"/>
+          </p:cNvPicPr>
+          <p:nvPr/>
+        </p:nvPicPr>
+        <p:blipFill>
+          <a:blip r:embed="rId3"/>
+          <a:srcRect/>
+          <a:stretch>
+            <a:fillRect/>
+          </a:stretch>
+        </p:blipFill>
+        <p:spPr bwMode="auto">
+          <a:xfrm>
+            <a:off x="1397000" y="361950"/>
+            <a:ext cx="6350000" cy="6134100"/>
+          </a:xfrm>
+          <a:prstGeom prst="rect">
+            <a:avLst/>
+          </a:prstGeom>
+          <a:noFill/>
+          <a:ln w="9525">
+            <a:noFill/>
+            <a:miter lim="800000"/>
+            <a:headEnd/>
+            <a:tailEnd/>
+          </a:ln>
+        </p:spPr>
+      </p:pic>
+      <p:sp>
+        <p:nvSpPr>
+          <p:cNvPr id="2" name="Title 1"/>
+          <p:cNvSpPr>
+            <a:spLocks noGrp="1"/>
+          </p:cNvSpPr>
+          <p:nvPr>
+            <p:ph type="title" idx="4294967295"/>
+          </p:nvPr>
+        </p:nvSpPr>
+        <p:spPr/>
+        <p:txBody>
+          <a:bodyPr>
+            <a:normAutofit fontScale="90000"/>
+          </a:bodyPr>
+          <a:lstStyle/>
+          <a:p>
+            <a:pPr fontAlgn="auto">
+              <a:spcAft>
+                <a:spcPts val="0"/>
+              </a:spcAft>
+              <a:defRPr/>
+            </a:pPr>
+            <a:r>
+              <a:rPr lang="en-US" b="1" dirty="0" smtClean="0">
+                <a:effectLst>
+                  <a:outerShdw blurRad="38100" dist="38100" dir="2700000" algn="tl">
+                    <a:srgbClr val="000000">
+                      <a:alpha val="43137"/>
+                    </a:srgbClr>
+                  </a:outerShdw>
+                </a:effectLst>
+              </a:rPr>
+              <a:t>Basic Architecture</a:t>
+            </a:r>
+            <a:br>
+              <a:rPr lang="en-US" b="1" dirty="0" smtClean="0">
+                <a:effectLst>
+                  <a:outerShdw blurRad="38100" dist="38100" dir="2700000" algn="tl">
+                    <a:srgbClr val="000000">
+                      <a:alpha val="43137"/>
+                    </a:srgbClr>
+                  </a:outerShdw>
+                </a:effectLst>
+              </a:rPr>
+            </a:br>
+            <a:r>
+              <a:rPr lang="en-US" sz="2700" b="1" dirty="0" smtClean="0">
+                <a:effectLst>
+                  <a:outerShdw blurRad="38100" dist="38100" dir="2700000" algn="tl">
+                    <a:srgbClr val="000000">
+                      <a:alpha val="43137"/>
+                    </a:srgbClr>
+                  </a:outerShdw>
+                </a:effectLst>
+              </a:rPr>
+              <a:t>Sub-Toolbars and Modules</a:t>
+            </a:r>
+            <a:endParaRPr lang="en-US" sz="2700" b="1" dirty="0">
+              <a:effectLst>
+                <a:outerShdw blurRad="38100" dist="38100" dir="2700000" algn="tl">
+                  <a:srgbClr val="000000">
+                    <a:alpha val="43137"/>
+                  </a:srgbClr>
+                </a:outerShdw>
+              </a:effectLst>
+            </a:endParaRPr>
+          </a:p>
+        </p:txBody>
+      </p:sp>
+      <p:sp>
+        <p:nvSpPr>
+          <p:cNvPr id="3" name="Content Placeholder 2"/>
+          <p:cNvSpPr>
+            <a:spLocks noGrp="1"/>
+          </p:cNvSpPr>
+          <p:nvPr>
+            <p:ph idx="4294967295"/>
+          </p:nvPr>
+        </p:nvSpPr>
+        <p:spPr>
+          <a:xfrm>
+            <a:off x="457200" y="1600200"/>
+            <a:ext cx="7924800" cy="4953000"/>
+          </a:xfrm>
+        </p:spPr>
+        <p:txBody>
+          <a:bodyPr>
+            <a:normAutofit/>
+          </a:bodyPr>
+          <a:lstStyle/>
+          <a:p>
+            <a:r>
+              <a:rPr lang="en-US" sz="2800" smtClean="0"/>
+              <a:t>The Sub Toolbar Architecture</a:t>
+            </a:r>
+          </a:p>
+          <a:p>
+            <a:pPr lvl="1"/>
+            <a:r>
+              <a:rPr lang="en-US" sz="2400" smtClean="0"/>
+              <a:t>Basic Menu Design – Using Move and Engage</a:t>
+            </a:r>
+          </a:p>
+          <a:p>
+            <a:pPr lvl="1"/>
+            <a:r>
+              <a:rPr lang="en-US" sz="2400" smtClean="0"/>
+              <a:t>Meets Design Challenges</a:t>
+            </a:r>
+          </a:p>
+          <a:p>
+            <a:pPr lvl="1"/>
+            <a:r>
+              <a:rPr lang="en-US" sz="2400" smtClean="0"/>
+              <a:t>Usability &amp; Intuitive Interface vs. Functionality</a:t>
+            </a:r>
+          </a:p>
+          <a:p>
+            <a:pPr lvl="2"/>
+            <a:r>
+              <a:rPr lang="en-US" sz="2200" smtClean="0"/>
+              <a:t>Maximize both…Tradeoffs</a:t>
+            </a:r>
+          </a:p>
+          <a:p>
+            <a:r>
+              <a:rPr lang="en-US" sz="2800" smtClean="0"/>
+              <a:t>Context Manager Framework</a:t>
+            </a:r>
+          </a:p>
+          <a:p>
+            <a:pPr lvl="1"/>
+            <a:r>
+              <a:rPr lang="en-US" sz="2400" smtClean="0"/>
+              <a:t>Abstraction </a:t>
+            </a:r>
+            <a:r>
+              <a:rPr lang="en-US" sz="2400" smtClean="0">
+                <a:sym typeface="Wingdings" pitchFamily="2" charset="2"/>
+              </a:rPr>
+              <a:t></a:t>
+            </a:r>
+            <a:r>
+              <a:rPr lang="en-US" sz="2400" smtClean="0"/>
+              <a:t> Framework </a:t>
+            </a:r>
+            <a:r>
+              <a:rPr lang="en-US" sz="2400" smtClean="0">
+                <a:sym typeface="Wingdings" pitchFamily="2" charset="2"/>
+              </a:rPr>
+              <a:t></a:t>
+            </a:r>
+            <a:r>
+              <a:rPr lang="en-US" sz="2400" smtClean="0"/>
+              <a:t> Extensibility</a:t>
+            </a:r>
+          </a:p>
+          <a:p>
+            <a:pPr lvl="1"/>
+            <a:r>
+              <a:rPr lang="en-US" sz="2400" smtClean="0"/>
+              <a:t>Provides a Black-box for Additional Components</a:t>
+            </a:r>
+          </a:p>
+          <a:p>
+            <a:pPr lvl="1"/>
+            <a:r>
+              <a:rPr lang="en-US" sz="2400" smtClean="0"/>
+              <a:t>Development Process = Development of Modules</a:t>
+            </a:r>
+          </a:p>
+        </p:txBody>
+      </p:sp>
+    </p:spTree>
+  </p:cSld>
+  <p:clrMapOvr>
+    <a:masterClrMapping/>
+  </p:clrMapOvr>
+  <p:timing>
+    <p:tnLst>
+      <p:par>
+        <p:cTn id="1" dur="indefinite" restart="never" nodeType="tmRoot"/>
+      </p:par>
+    </p:tnLst>
+  </p:timing>
+</p:sld>
+</file>
+
+<file path=ppt/slides/slide9.xml><?xml version="1.0" encoding="utf-8"?>
+<p:sld xmlns:a="http://schemas.openxmlformats.org/drawingml/2006/main" xmlns:r="http://schemas.openxmlformats.org/officeDocument/2006/relationships" xmlns:p="http://schemas.openxmlformats.org/presentationml/2006/main">
+  <p:cSld>
+    <p:spTree>
+      <p:nvGrpSpPr>
+        <p:cNvPr id="1" name=""/>
+        <p:cNvGrpSpPr/>
+        <p:nvPr/>
+      </p:nvGrpSpPr>
+      <p:grpSpPr>
+        <a:xfrm>
+          <a:off x="0" y="0"/>
+          <a:ext cx="0" cy="0"/>
+          <a:chOff x="0" y="0"/>
+          <a:chExt cx="0" cy="0"/>
+        </a:xfrm>
+      </p:grpSpPr>
+      <p:pic>
+        <p:nvPicPr>
+          <p:cNvPr id="35842" name="Picture 4" descr="hawk2.png"/>
+          <p:cNvPicPr>
+            <a:picLocks noChangeAspect="1"/>
+          </p:cNvPicPr>
+          <p:nvPr/>
+        </p:nvPicPr>
+        <p:blipFill>
+          <a:blip r:embed="rId3"/>
+          <a:srcRect/>
+          <a:stretch>
+            <a:fillRect/>
+          </a:stretch>
+        </p:blipFill>
+        <p:spPr bwMode="auto">
+          <a:xfrm>
+            <a:off x="1397000" y="361950"/>
+            <a:ext cx="6350000" cy="6134100"/>
+          </a:xfrm>
+          <a:prstGeom prst="rect">
+            <a:avLst/>
+          </a:prstGeom>
+          <a:noFill/>
+          <a:ln w="9525">
+            <a:noFill/>
+            <a:miter lim="800000"/>
+            <a:headEnd/>
+            <a:tailEnd/>
+          </a:ln>
+        </p:spPr>
+      </p:pic>
+      <p:sp>
+        <p:nvSpPr>
+          <p:cNvPr id="35843" name="Title 1"/>
+          <p:cNvSpPr>
+            <a:spLocks noGrp="1"/>
+          </p:cNvSpPr>
+          <p:nvPr>
+            <p:ph type="title" idx="4294967295"/>
+          </p:nvPr>
+        </p:nvSpPr>
+        <p:spPr/>
+        <p:txBody>
+          <a:bodyPr/>
+          <a:lstStyle/>
+          <a:p>
+            <a:r>
+              <a:rPr lang="en-US" b="1" smtClean="0"/>
+              <a:t>Challenges</a:t>
+            </a:r>
+          </a:p>
+        </p:txBody>
+      </p:sp>
+      <p:sp>
+        <p:nvSpPr>
+          <p:cNvPr id="35844" name="Content Placeholder 2"/>
+          <p:cNvSpPr>
+            <a:spLocks noGrp="1"/>
+          </p:cNvSpPr>
+          <p:nvPr>
+            <p:ph idx="4294967295"/>
+          </p:nvPr>
+        </p:nvSpPr>
+        <p:spPr>
+          <a:xfrm>
+            <a:off x="457200" y="1600200"/>
+            <a:ext cx="7848600" cy="5029200"/>
+          </a:xfrm>
+        </p:spPr>
+        <p:txBody>
+          <a:bodyPr/>
+          <a:lstStyle/>
+          <a:p>
+            <a:r>
+              <a:rPr lang="en-US" smtClean="0"/>
+              <a:t>Web Content</a:t>
+            </a:r>
+          </a:p>
+          <a:p>
+            <a:pPr lvl="1"/>
+            <a:r>
+              <a:rPr lang="en-US" smtClean="0"/>
+              <a:t>Detecting Visibility</a:t>
+            </a:r>
+          </a:p>
+          <a:p>
+            <a:pPr lvl="1"/>
+            <a:r>
+              <a:rPr lang="en-US" smtClean="0"/>
+              <a:t>Pop-ups, Frames, JavaScript generated frames (i.e. G-Mail), etc.</a:t>
+            </a:r>
+          </a:p>
+          <a:p>
+            <a:pPr lvl="1"/>
+            <a:r>
+              <a:rPr lang="en-US" smtClean="0"/>
+              <a:t>New Trends </a:t>
+            </a:r>
+            <a:r>
+              <a:rPr lang="en-US" smtClean="0">
+                <a:sym typeface="Wingdings" pitchFamily="2" charset="2"/>
+              </a:rPr>
+              <a:t> </a:t>
+            </a:r>
+            <a:r>
+              <a:rPr lang="en-US" smtClean="0"/>
+              <a:t>Constant Change</a:t>
+            </a:r>
+          </a:p>
+          <a:p>
+            <a:pPr lvl="2"/>
+            <a:r>
+              <a:rPr lang="en-US" smtClean="0"/>
+              <a:t>AJAX, dynamically generated pages (on the browser side)</a:t>
+            </a:r>
+          </a:p>
+          <a:p>
+            <a:r>
+              <a:rPr lang="en-US" smtClean="0"/>
+              <a:t>Usability</a:t>
+            </a:r>
+          </a:p>
+          <a:p>
+            <a:pPr lvl="1"/>
+            <a:r>
+              <a:rPr lang="en-US" smtClean="0"/>
+              <a:t>Balancing Functionality and Usability</a:t>
+            </a:r>
+          </a:p>
+          <a:p>
+            <a:pPr lvl="1"/>
+            <a:r>
+              <a:rPr lang="en-US" smtClean="0"/>
+              <a:t>Keeping it Simple and Intuitive</a:t>
+            </a:r>
+          </a:p>
+        </p:txBody>
+      </p:sp>
     </p:spTree>
   </p:cSld>
   <p:clrMapOvr>

--- a/hawking-toolbar/docs/HawkingFinalPresentation.pptx
+++ b/hawking-toolbar/docs/HawkingFinalPresentation.pptx
@@ -5,7 +5,7 @@
     <p:sldMasterId id="2147483660" r:id="rId1"/>
   </p:sldMasterIdLst>
   <p:notesMasterIdLst>
-    <p:notesMasterId r:id="rId12"/>
+    <p:notesMasterId r:id="rId13"/>
   </p:notesMasterIdLst>
   <p:sldIdLst>
     <p:sldId id="257" r:id="rId2"/>
@@ -18,6 +18,7 @@
     <p:sldId id="265" r:id="rId9"/>
     <p:sldId id="267" r:id="rId10"/>
     <p:sldId id="266" r:id="rId11"/>
+    <p:sldId id="268" r:id="rId12"/>
   </p:sldIdLst>
   <p:sldSz cx="9144000" cy="6858000" type="screen4x3"/>
   <p:notesSz cx="6858000" cy="9144000"/>
@@ -1904,6 +1905,125 @@
               </a:rPr>
               <a:pPr algn="r"/>
               <a:t>10</a:t>
+            </a:fld>
+            <a:endParaRPr lang="en-US" sz="1200">
+              <a:latin typeface="Calibri" pitchFamily="34" charset="0"/>
+            </a:endParaRPr>
+          </a:p>
+        </p:txBody>
+      </p:sp>
+    </p:spTree>
+  </p:cSld>
+  <p:clrMapOvr>
+    <a:masterClrMapping/>
+  </p:clrMapOvr>
+</p:notes>
+</file>
+
+<file path=ppt/notesSlides/notesSlide9.xml><?xml version="1.0" encoding="utf-8"?>
+<p:notes xmlns:a="http://schemas.openxmlformats.org/drawingml/2006/main" xmlns:r="http://schemas.openxmlformats.org/officeDocument/2006/relationships" xmlns:p="http://schemas.openxmlformats.org/presentationml/2006/main">
+  <p:cSld>
+    <p:spTree>
+      <p:nvGrpSpPr>
+        <p:cNvPr id="1" name=""/>
+        <p:cNvGrpSpPr/>
+        <p:nvPr/>
+      </p:nvGrpSpPr>
+      <p:grpSpPr>
+        <a:xfrm>
+          <a:off x="0" y="0"/>
+          <a:ext cx="0" cy="0"/>
+          <a:chOff x="0" y="0"/>
+          <a:chExt cx="0" cy="0"/>
+        </a:xfrm>
+      </p:grpSpPr>
+      <p:sp>
+        <p:nvSpPr>
+          <p:cNvPr id="36866" name="Slide Image Placeholder 1"/>
+          <p:cNvSpPr>
+            <a:spLocks noGrp="1" noRot="1" noChangeAspect="1" noTextEdit="1"/>
+          </p:cNvSpPr>
+          <p:nvPr>
+            <p:ph type="sldImg"/>
+          </p:nvPr>
+        </p:nvSpPr>
+        <p:spPr bwMode="auto">
+          <a:noFill/>
+          <a:ln>
+            <a:solidFill>
+              <a:srgbClr val="000000"/>
+            </a:solidFill>
+            <a:miter lim="800000"/>
+            <a:headEnd/>
+            <a:tailEnd/>
+          </a:ln>
+        </p:spPr>
+      </p:sp>
+      <p:sp>
+        <p:nvSpPr>
+          <p:cNvPr id="36867" name="Notes Placeholder 2"/>
+          <p:cNvSpPr>
+            <a:spLocks noGrp="1"/>
+          </p:cNvSpPr>
+          <p:nvPr>
+            <p:ph type="body" idx="1"/>
+          </p:nvPr>
+        </p:nvSpPr>
+        <p:spPr bwMode="auto">
+          <a:noFill/>
+        </p:spPr>
+        <p:txBody>
+          <a:bodyPr wrap="square" numCol="1" anchor="t" anchorCtr="0" compatLnSpc="1">
+            <a:prstTxWarp prst="textNoShape">
+              <a:avLst/>
+            </a:prstTxWarp>
+          </a:bodyPr>
+          <a:lstStyle/>
+          <a:p>
+            <a:pPr>
+              <a:spcBef>
+                <a:spcPct val="0"/>
+              </a:spcBef>
+            </a:pPr>
+            <a:endParaRPr lang="en-US" smtClean="0"/>
+          </a:p>
+        </p:txBody>
+      </p:sp>
+      <p:sp>
+        <p:nvSpPr>
+          <p:cNvPr id="36868" name="Slide Number Placeholder 3"/>
+          <p:cNvSpPr txBox="1">
+            <a:spLocks noGrp="1"/>
+          </p:cNvSpPr>
+          <p:nvPr/>
+        </p:nvSpPr>
+        <p:spPr bwMode="auto">
+          <a:xfrm>
+            <a:off x="3884613" y="8685213"/>
+            <a:ext cx="2971800" cy="457200"/>
+          </a:xfrm>
+          <a:prstGeom prst="rect">
+            <a:avLst/>
+          </a:prstGeom>
+          <a:noFill/>
+          <a:ln w="9525">
+            <a:noFill/>
+            <a:miter lim="800000"/>
+            <a:headEnd/>
+            <a:tailEnd/>
+          </a:ln>
+        </p:spPr>
+        <p:txBody>
+          <a:bodyPr anchor="b"/>
+          <a:lstStyle/>
+          <a:p>
+            <a:pPr algn="r"/>
+            <a:fld id="{A1ADDF59-7DDF-49C6-AC9D-7CB8F2B4257F}" type="slidenum">
+              <a:rPr lang="en-US" sz="1200">
+                <a:latin typeface="Calibri" pitchFamily="34" charset="0"/>
+              </a:rPr>
+              <a:pPr algn="r"/>
+              <a:t>11</a:t>
             </a:fld>
             <a:endParaRPr lang="en-US" sz="1200">
               <a:latin typeface="Calibri" pitchFamily="34" charset="0"/>
@@ -6173,7 +6293,7 @@
           <a:lstStyle/>
           <a:p>
             <a:r>
-              <a:rPr lang="en-US" b="1" smtClean="0"/>
+              <a:rPr lang="en-US" b="1" dirty="0" smtClean="0"/>
               <a:t>Demo</a:t>
             </a:r>
           </a:p>
@@ -6185,7 +6305,7 @@
             <a:hlinkClick r:id="rId4"/>
           </p:cNvPr>
           <p:cNvPicPr>
-            <a:picLocks noChangeAspect="1"/>
+            <a:picLocks noGrp="1" noChangeAspect="1"/>
           </p:cNvPicPr>
           <p:nvPr>
             <p:ph idx="4294967295"/>
@@ -6207,6 +6327,192 @@
           <a:ln/>
         </p:spPr>
       </p:pic>
+    </p:spTree>
+  </p:cSld>
+  <p:clrMapOvr>
+    <a:masterClrMapping/>
+  </p:clrMapOvr>
+  <p:timing>
+    <p:tnLst>
+      <p:par>
+        <p:cTn id="1" dur="indefinite" restart="never" nodeType="tmRoot"/>
+      </p:par>
+    </p:tnLst>
+  </p:timing>
+</p:sld>
+</file>
+
+<file path=ppt/slides/slide11.xml><?xml version="1.0" encoding="utf-8"?>
+<p:sld xmlns:a="http://schemas.openxmlformats.org/drawingml/2006/main" xmlns:r="http://schemas.openxmlformats.org/officeDocument/2006/relationships" xmlns:p="http://schemas.openxmlformats.org/presentationml/2006/main">
+  <p:cSld>
+    <p:spTree>
+      <p:nvGrpSpPr>
+        <p:cNvPr id="1" name=""/>
+        <p:cNvGrpSpPr/>
+        <p:nvPr/>
+      </p:nvGrpSpPr>
+      <p:grpSpPr>
+        <a:xfrm>
+          <a:off x="0" y="0"/>
+          <a:ext cx="0" cy="0"/>
+          <a:chOff x="0" y="0"/>
+          <a:chExt cx="0" cy="0"/>
+        </a:xfrm>
+      </p:grpSpPr>
+      <p:pic>
+        <p:nvPicPr>
+          <p:cNvPr id="35842" name="Picture 4" descr="hawk2.png"/>
+          <p:cNvPicPr>
+            <a:picLocks noChangeAspect="1"/>
+          </p:cNvPicPr>
+          <p:nvPr/>
+        </p:nvPicPr>
+        <p:blipFill>
+          <a:blip r:embed="rId3"/>
+          <a:srcRect/>
+          <a:stretch>
+            <a:fillRect/>
+          </a:stretch>
+        </p:blipFill>
+        <p:spPr bwMode="auto">
+          <a:xfrm>
+            <a:off x="1397000" y="361950"/>
+            <a:ext cx="6350000" cy="6134100"/>
+          </a:xfrm>
+          <a:prstGeom prst="rect">
+            <a:avLst/>
+          </a:prstGeom>
+          <a:noFill/>
+          <a:ln w="9525">
+            <a:noFill/>
+            <a:miter lim="800000"/>
+            <a:headEnd/>
+            <a:tailEnd/>
+          </a:ln>
+        </p:spPr>
+      </p:pic>
+      <p:sp>
+        <p:nvSpPr>
+          <p:cNvPr id="35843" name="Title 1"/>
+          <p:cNvSpPr>
+            <a:spLocks noGrp="1"/>
+          </p:cNvSpPr>
+          <p:nvPr>
+            <p:ph type="title" idx="4294967295"/>
+          </p:nvPr>
+        </p:nvSpPr>
+        <p:spPr/>
+        <p:txBody>
+          <a:bodyPr/>
+          <a:lstStyle/>
+          <a:p>
+            <a:r>
+              <a:rPr lang="en-US" b="1" dirty="0" smtClean="0"/>
+              <a:t>Reflections</a:t>
+            </a:r>
+            <a:endParaRPr lang="en-US" b="1" dirty="0" smtClean="0"/>
+          </a:p>
+        </p:txBody>
+      </p:sp>
+      <p:sp>
+        <p:nvSpPr>
+          <p:cNvPr id="35844" name="Content Placeholder 2"/>
+          <p:cNvSpPr>
+            <a:spLocks noGrp="1"/>
+          </p:cNvSpPr>
+          <p:nvPr>
+            <p:ph idx="4294967295"/>
+          </p:nvPr>
+        </p:nvSpPr>
+        <p:spPr>
+          <a:xfrm>
+            <a:off x="457200" y="1600200"/>
+            <a:ext cx="7848600" cy="5029200"/>
+          </a:xfrm>
+        </p:spPr>
+        <p:txBody>
+          <a:bodyPr/>
+          <a:lstStyle/>
+          <a:p>
+            <a:r>
+              <a:rPr lang="en-US" dirty="0" smtClean="0"/>
+              <a:t>What was hard</a:t>
+            </a:r>
+            <a:endParaRPr lang="en-US" dirty="0" smtClean="0"/>
+          </a:p>
+          <a:p>
+            <a:pPr lvl="1"/>
+            <a:r>
+              <a:rPr lang="en-US" dirty="0" smtClean="0"/>
+              <a:t>Lack of Documentation</a:t>
+            </a:r>
+          </a:p>
+          <a:p>
+            <a:pPr lvl="1"/>
+            <a:r>
+              <a:rPr lang="en-US" dirty="0" smtClean="0"/>
+              <a:t>Unknown functionality of Technologies</a:t>
+            </a:r>
+          </a:p>
+          <a:p>
+            <a:pPr lvl="1"/>
+            <a:r>
+              <a:rPr lang="en-US" dirty="0" smtClean="0"/>
+              <a:t>Debugging in JavaScript</a:t>
+            </a:r>
+          </a:p>
+          <a:p>
+            <a:pPr lvl="2"/>
+            <a:r>
+              <a:rPr lang="en-US" dirty="0" smtClean="0"/>
+              <a:t>What is causing errors</a:t>
+            </a:r>
+            <a:endParaRPr lang="en-US" dirty="0" smtClean="0"/>
+          </a:p>
+          <a:p>
+            <a:r>
+              <a:rPr lang="en-US" dirty="0" smtClean="0"/>
+              <a:t>What was Easy</a:t>
+            </a:r>
+            <a:endParaRPr lang="en-US" dirty="0" smtClean="0"/>
+          </a:p>
+          <a:p>
+            <a:pPr lvl="1"/>
+            <a:r>
+              <a:rPr lang="en-US" dirty="0" smtClean="0"/>
+              <a:t>JavaScript</a:t>
+            </a:r>
+          </a:p>
+          <a:p>
+            <a:r>
+              <a:rPr lang="en-US" dirty="0" smtClean="0"/>
+              <a:t>What SHOULD we have done differently</a:t>
+            </a:r>
+          </a:p>
+          <a:p>
+            <a:pPr lvl="1"/>
+            <a:r>
+              <a:rPr lang="en-US" dirty="0" smtClean="0"/>
+              <a:t>Document along th</a:t>
+            </a:r>
+            <a:r>
+              <a:rPr lang="en-US" dirty="0" smtClean="0"/>
+              <a:t>e way</a:t>
+            </a:r>
+          </a:p>
+          <a:p>
+            <a:pPr lvl="1"/>
+            <a:r>
+              <a:rPr lang="en-US" dirty="0" smtClean="0"/>
+              <a:t>More communication with actual users</a:t>
+            </a:r>
+            <a:endParaRPr lang="en-US" dirty="0" smtClean="0"/>
+          </a:p>
+          <a:p>
+            <a:endParaRPr lang="en-US" dirty="0" smtClean="0"/>
+          </a:p>
+        </p:txBody>
+      </p:sp>
     </p:spTree>
   </p:cSld>
   <p:clrMapOvr>
@@ -6393,57 +6699,6 @@
           <a:chExt cx="0" cy="0"/>
         </a:xfrm>
       </p:grpSpPr>
-      <p:sp>
-        <p:nvSpPr>
-          <p:cNvPr id="17409" name="Title 1"/>
-          <p:cNvSpPr>
-            <a:spLocks noGrp="1"/>
-          </p:cNvSpPr>
-          <p:nvPr>
-            <p:ph type="title"/>
-          </p:nvPr>
-        </p:nvSpPr>
-        <p:spPr/>
-        <p:txBody>
-          <a:bodyPr/>
-          <a:lstStyle/>
-          <a:p>
-            <a:r>
-              <a:rPr lang="en-US" b="1" smtClean="0"/>
-              <a:t>Solution: Hawking Toolbar</a:t>
-            </a:r>
-            <a:endParaRPr lang="en-US" smtClean="0"/>
-          </a:p>
-        </p:txBody>
-      </p:sp>
-      <p:sp>
-        <p:nvSpPr>
-          <p:cNvPr id="17410" name="Content Placeholder 2"/>
-          <p:cNvSpPr>
-            <a:spLocks noGrp="1"/>
-          </p:cNvSpPr>
-          <p:nvPr>
-            <p:ph idx="1"/>
-          </p:nvPr>
-        </p:nvSpPr>
-        <p:spPr/>
-        <p:txBody>
-          <a:bodyPr/>
-          <a:lstStyle/>
-          <a:p>
-            <a:r>
-              <a:rPr lang="en-US" smtClean="0"/>
-              <a:t>Allows disabled users to cycle through links on a webpage using only two input switches/keys</a:t>
-            </a:r>
-          </a:p>
-          <a:p>
-            <a:r>
-              <a:rPr lang="en-US" smtClean="0"/>
-              <a:t>Works on any computer platform (Mac, Windows, Linux) running Firefox browser</a:t>
-            </a:r>
-          </a:p>
-        </p:txBody>
-      </p:sp>
       <p:pic>
         <p:nvPicPr>
           <p:cNvPr id="17411" name="Picture 3" descr="hawk2.png"/>
@@ -6476,6 +6731,69 @@
           </a:ln>
         </p:spPr>
       </p:pic>
+      <p:sp>
+        <p:nvSpPr>
+          <p:cNvPr id="17409" name="Title 1"/>
+          <p:cNvSpPr>
+            <a:spLocks noGrp="1"/>
+          </p:cNvSpPr>
+          <p:nvPr>
+            <p:ph type="title"/>
+          </p:nvPr>
+        </p:nvSpPr>
+        <p:spPr/>
+        <p:txBody>
+          <a:bodyPr/>
+          <a:lstStyle/>
+          <a:p>
+            <a:r>
+              <a:rPr lang="en-US" b="1" dirty="0" smtClean="0"/>
+              <a:t>Solution: </a:t>
+            </a:r>
+            <a:r>
+              <a:rPr lang="en-US" b="1" dirty="0" err="1" smtClean="0"/>
+              <a:t>FireHawk</a:t>
+            </a:r>
+            <a:r>
+              <a:rPr lang="en-US" b="1" dirty="0" smtClean="0"/>
+              <a:t> </a:t>
+            </a:r>
+            <a:r>
+              <a:rPr lang="en-US" b="1" dirty="0" smtClean="0"/>
+              <a:t>Toolbar</a:t>
+            </a:r>
+            <a:endParaRPr lang="en-US" dirty="0" smtClean="0"/>
+          </a:p>
+        </p:txBody>
+      </p:sp>
+      <p:sp>
+        <p:nvSpPr>
+          <p:cNvPr id="17410" name="Content Placeholder 2"/>
+          <p:cNvSpPr>
+            <a:spLocks noGrp="1"/>
+          </p:cNvSpPr>
+          <p:nvPr>
+            <p:ph idx="1"/>
+          </p:nvPr>
+        </p:nvSpPr>
+        <p:spPr/>
+        <p:txBody>
+          <a:bodyPr/>
+          <a:lstStyle/>
+          <a:p>
+            <a:r>
+              <a:rPr lang="en-US" smtClean="0"/>
+              <a:t>Allows disabled users to cycle through links on a webpage using only two input switches/keys</a:t>
+            </a:r>
+          </a:p>
+          <a:p>
+            <a:r>
+              <a:rPr lang="en-US" smtClean="0"/>
+              <a:t>Works on any computer platform (Mac, Windows, Linux) running Firefox browser</a:t>
+            </a:r>
+          </a:p>
+        </p:txBody>
+      </p:sp>
       <p:pic>
         <p:nvPicPr>
           <p:cNvPr id="17412" name="Picture 2"/>
@@ -6727,70 +7045,6 @@
           <a:chExt cx="0" cy="0"/>
         </a:xfrm>
       </p:grpSpPr>
-      <p:sp>
-        <p:nvSpPr>
-          <p:cNvPr id="21505" name="Title 1"/>
-          <p:cNvSpPr>
-            <a:spLocks noGrp="1"/>
-          </p:cNvSpPr>
-          <p:nvPr>
-            <p:ph type="title"/>
-          </p:nvPr>
-        </p:nvSpPr>
-        <p:spPr/>
-        <p:txBody>
-          <a:bodyPr/>
-          <a:lstStyle/>
-          <a:p>
-            <a:r>
-              <a:rPr lang="en-US" b="1" smtClean="0"/>
-              <a:t>Hawking Extensions</a:t>
-            </a:r>
-          </a:p>
-        </p:txBody>
-      </p:sp>
-      <p:sp>
-        <p:nvSpPr>
-          <p:cNvPr id="21506" name="Content Placeholder 2"/>
-          <p:cNvSpPr>
-            <a:spLocks noGrp="1"/>
-          </p:cNvSpPr>
-          <p:nvPr>
-            <p:ph idx="1"/>
-          </p:nvPr>
-        </p:nvSpPr>
-        <p:spPr/>
-        <p:txBody>
-          <a:bodyPr/>
-          <a:lstStyle/>
-          <a:p>
-            <a:r>
-              <a:rPr lang="en-US" smtClean="0"/>
-              <a:t>Each extension implemented as a separate toolbar.</a:t>
-            </a:r>
-          </a:p>
-          <a:p>
-            <a:pPr lvl="1"/>
-            <a:r>
-              <a:rPr lang="en-US" smtClean="0"/>
-              <a:t>Toolbars become visible when the user selects an extension on the main toolbar.</a:t>
-            </a:r>
-          </a:p>
-          <a:p>
-            <a:r>
-              <a:rPr lang="en-US" smtClean="0"/>
-              <a:t>Built to be extensible</a:t>
-            </a:r>
-          </a:p>
-          <a:p>
-            <a:pPr lvl="1"/>
-            <a:r>
-              <a:rPr lang="en-US" smtClean="0"/>
-              <a:t>The Center for Literacy and Disability Studies</a:t>
-            </a:r>
-          </a:p>
-        </p:txBody>
-      </p:sp>
       <p:pic>
         <p:nvPicPr>
           <p:cNvPr id="21507" name="Picture 3" descr="hawk2.png"/>
@@ -6823,6 +7077,70 @@
           </a:ln>
         </p:spPr>
       </p:pic>
+      <p:sp>
+        <p:nvSpPr>
+          <p:cNvPr id="21505" name="Title 1"/>
+          <p:cNvSpPr>
+            <a:spLocks noGrp="1"/>
+          </p:cNvSpPr>
+          <p:nvPr>
+            <p:ph type="title"/>
+          </p:nvPr>
+        </p:nvSpPr>
+        <p:spPr/>
+        <p:txBody>
+          <a:bodyPr/>
+          <a:lstStyle/>
+          <a:p>
+            <a:r>
+              <a:rPr lang="en-US" b="1" smtClean="0"/>
+              <a:t>Hawking Extensions</a:t>
+            </a:r>
+          </a:p>
+        </p:txBody>
+      </p:sp>
+      <p:sp>
+        <p:nvSpPr>
+          <p:cNvPr id="21506" name="Content Placeholder 2"/>
+          <p:cNvSpPr>
+            <a:spLocks noGrp="1"/>
+          </p:cNvSpPr>
+          <p:nvPr>
+            <p:ph idx="1"/>
+          </p:nvPr>
+        </p:nvSpPr>
+        <p:spPr/>
+        <p:txBody>
+          <a:bodyPr/>
+          <a:lstStyle/>
+          <a:p>
+            <a:r>
+              <a:rPr lang="en-US" smtClean="0"/>
+              <a:t>Each extension implemented as a separate toolbar.</a:t>
+            </a:r>
+          </a:p>
+          <a:p>
+            <a:pPr lvl="1"/>
+            <a:r>
+              <a:rPr lang="en-US" smtClean="0"/>
+              <a:t>Toolbars become visible when the user selects an extension on the main toolbar.</a:t>
+            </a:r>
+          </a:p>
+          <a:p>
+            <a:r>
+              <a:rPr lang="en-US" smtClean="0"/>
+              <a:t>Built to be extensible</a:t>
+            </a:r>
+          </a:p>
+          <a:p>
+            <a:pPr lvl="1"/>
+            <a:r>
+              <a:rPr lang="en-US" smtClean="0"/>
+              <a:t>The Center for Literacy and Disability Studies</a:t>
+            </a:r>
+          </a:p>
+        </p:txBody>
+      </p:sp>
     </p:spTree>
   </p:cSld>
   <p:clrMapOvr>
@@ -6903,83 +7221,45 @@
           <a:lstStyle/>
           <a:p>
             <a:r>
-              <a:rPr lang="en-US" b="1" smtClean="0"/>
+              <a:rPr lang="en-US" b="1" dirty="0" smtClean="0"/>
               <a:t>Firefox Extensions</a:t>
             </a:r>
           </a:p>
         </p:txBody>
       </p:sp>
-      <p:sp>
-        <p:nvSpPr>
-          <p:cNvPr id="28676" name="Content Placeholder 2"/>
-          <p:cNvSpPr>
-            <a:spLocks noGrp="1"/>
-          </p:cNvSpPr>
-          <p:nvPr>
-            <p:ph idx="4294967295"/>
-          </p:nvPr>
-        </p:nvSpPr>
-        <p:spPr/>
-        <p:txBody>
-          <a:bodyPr/>
-          <a:lstStyle/>
-          <a:p>
-            <a:r>
-              <a:rPr lang="en-US" smtClean="0"/>
-              <a:t>Creating Extensions</a:t>
-            </a:r>
-          </a:p>
-          <a:p>
-            <a:r>
-              <a:rPr lang="en-US" smtClean="0"/>
-              <a:t>Firefox GUI</a:t>
-            </a:r>
-          </a:p>
-          <a:p>
-            <a:pPr lvl="1"/>
-            <a:r>
-              <a:rPr lang="en-US" smtClean="0"/>
-              <a:t>XUL</a:t>
-            </a:r>
-          </a:p>
-          <a:p>
-            <a:pPr lvl="2"/>
-            <a:r>
-              <a:rPr lang="en-US" smtClean="0"/>
-              <a:t>XML User Interface Language</a:t>
-            </a:r>
-          </a:p>
-          <a:p>
-            <a:r>
-              <a:rPr lang="en-US" smtClean="0"/>
-              <a:t>JavaScript + CSS</a:t>
-            </a:r>
-          </a:p>
-          <a:p>
-            <a:r>
-              <a:rPr lang="en-US" smtClean="0"/>
-              <a:t>Profile Manager</a:t>
-            </a:r>
-          </a:p>
-          <a:p>
-            <a:pPr lvl="1"/>
-            <a:r>
-              <a:rPr lang="en-US" smtClean="0"/>
-              <a:t>Development</a:t>
-            </a:r>
-          </a:p>
-          <a:p>
-            <a:pPr lvl="1"/>
-            <a:r>
-              <a:rPr lang="en-US" smtClean="0"/>
-              <a:t>Multiple Users</a:t>
-            </a:r>
-          </a:p>
-          <a:p>
-            <a:endParaRPr lang="en-US" smtClean="0"/>
-          </a:p>
-        </p:txBody>
-      </p:sp>
+      <p:pic>
+        <p:nvPicPr>
+          <p:cNvPr id="1028" name="Picture 4"/>
+          <p:cNvPicPr>
+            <a:picLocks noChangeAspect="1" noChangeArrowheads="1"/>
+          </p:cNvPicPr>
+          <p:nvPr/>
+        </p:nvPicPr>
+        <p:blipFill>
+          <a:blip r:embed="rId4"/>
+          <a:srcRect/>
+          <a:stretch>
+            <a:fillRect/>
+          </a:stretch>
+        </p:blipFill>
+        <p:spPr bwMode="auto">
+          <a:xfrm>
+            <a:off x="457200" y="1295400"/>
+            <a:ext cx="8216079" cy="5110162"/>
+          </a:xfrm>
+          <a:prstGeom prst="rect">
+            <a:avLst/>
+          </a:prstGeom>
+          <a:noFill/>
+          <a:ln w="9525">
+            <a:noFill/>
+            <a:miter lim="800000"/>
+            <a:headEnd/>
+            <a:tailEnd/>
+          </a:ln>
+          <a:effectLst/>
+        </p:spPr>
+      </p:pic>
     </p:spTree>
   </p:cSld>
   <p:clrMapOvr>
@@ -7442,9 +7722,10 @@
           <a:lstStyle/>
           <a:p>
             <a:r>
-              <a:rPr lang="en-US" b="1" smtClean="0"/>
-              <a:t>Challenges</a:t>
-            </a:r>
+              <a:rPr lang="en-US" b="1" dirty="0" smtClean="0"/>
+              <a:t>Current Challenges</a:t>
+            </a:r>
+            <a:endParaRPr lang="en-US" b="1" dirty="0" smtClean="0"/>
           </a:p>
         </p:txBody>
       </p:sp>
@@ -7469,67 +7750,51 @@
           <a:lstStyle/>
           <a:p>
             <a:r>
-              <a:rPr lang="en-US" smtClean="0"/>
+              <a:rPr lang="en-US" dirty="0" smtClean="0"/>
               <a:t>Web Content</a:t>
             </a:r>
           </a:p>
           <a:p>
             <a:pPr lvl="1"/>
             <a:r>
-              <a:rPr lang="en-US" smtClean="0"/>
-              <a:t>Detecting Visibility</a:t>
-            </a:r>
+              <a:rPr lang="en-US" dirty="0" smtClean="0"/>
+              <a:t>Pop-ups</a:t>
+            </a:r>
+            <a:r>
+              <a:rPr lang="en-US" dirty="0" smtClean="0"/>
+              <a:t>, </a:t>
+            </a:r>
+            <a:r>
+              <a:rPr lang="en-US" dirty="0" smtClean="0"/>
+              <a:t>AJAX pages</a:t>
+            </a:r>
+            <a:endParaRPr lang="en-US" dirty="0" smtClean="0"/>
           </a:p>
           <a:p>
             <a:pPr lvl="1"/>
             <a:r>
-              <a:rPr lang="en-US" smtClean="0"/>
-              <a:t>Pop-ups, Frames, JavaScript generated frames (i.e. G-Mail), etc.</a:t>
-            </a:r>
+              <a:rPr lang="en-US" dirty="0" smtClean="0"/>
+              <a:t>Constant </a:t>
+            </a:r>
+            <a:r>
+              <a:rPr lang="en-US" dirty="0" smtClean="0"/>
+              <a:t>Change</a:t>
+            </a:r>
+          </a:p>
+          <a:p>
+            <a:r>
+              <a:rPr lang="en-US" dirty="0" smtClean="0"/>
+              <a:t>Usability</a:t>
+            </a:r>
+            <a:endParaRPr lang="en-US" dirty="0" smtClean="0"/>
           </a:p>
           <a:p>
             <a:pPr lvl="1"/>
             <a:r>
-              <a:rPr lang="en-US" smtClean="0"/>
-              <a:t>New Trends </a:t>
-            </a:r>
-            <a:r>
-              <a:rPr lang="en-US" smtClean="0">
-                <a:sym typeface="Wingdings" pitchFamily="2" charset="2"/>
-              </a:rPr>
-              <a:t> </a:t>
-            </a:r>
-            <a:r>
-              <a:rPr lang="en-US" smtClean="0"/>
-              <a:t>Constant Change</a:t>
-            </a:r>
-          </a:p>
-          <a:p>
-            <a:pPr lvl="2"/>
-            <a:r>
-              <a:rPr lang="en-US" smtClean="0"/>
-              <a:t>AJAX, dynamically generated pages (on the browser side)</a:t>
-            </a:r>
-          </a:p>
-          <a:p>
-            <a:r>
-              <a:rPr lang="en-US" smtClean="0"/>
-              <a:t>Usability</a:t>
-            </a:r>
-          </a:p>
-          <a:p>
-            <a:pPr lvl="1"/>
-            <a:r>
-              <a:rPr lang="en-US" smtClean="0"/>
-              <a:t>Balancing Functionality and Usability</a:t>
-            </a:r>
-          </a:p>
-          <a:p>
-            <a:pPr lvl="1"/>
-            <a:r>
-              <a:rPr lang="en-US" smtClean="0"/>
-              <a:t>Keeping it Simple and Intuitive</a:t>
-            </a:r>
+              <a:rPr lang="en-US" dirty="0" smtClean="0"/>
+              <a:t>Simplicity versus Functionality</a:t>
+            </a:r>
+            <a:endParaRPr lang="en-US" dirty="0" smtClean="0"/>
           </a:p>
         </p:txBody>
       </p:sp>

--- a/hawking-toolbar/docs/HawkingFinalPresentation.pptx
+++ b/hawking-toolbar/docs/HawkingFinalPresentation.pptx
@@ -5,7 +5,7 @@
     <p:sldMasterId id="2147483660" r:id="rId1"/>
   </p:sldMasterIdLst>
   <p:notesMasterIdLst>
-    <p:notesMasterId r:id="rId13"/>
+    <p:notesMasterId r:id="rId14"/>
   </p:notesMasterIdLst>
   <p:sldIdLst>
     <p:sldId id="257" r:id="rId2"/>
@@ -16,9 +16,10 @@
     <p:sldId id="263" r:id="rId7"/>
     <p:sldId id="264" r:id="rId8"/>
     <p:sldId id="265" r:id="rId9"/>
-    <p:sldId id="267" r:id="rId10"/>
+    <p:sldId id="269" r:id="rId10"/>
     <p:sldId id="266" r:id="rId11"/>
-    <p:sldId id="268" r:id="rId12"/>
+    <p:sldId id="267" r:id="rId12"/>
+    <p:sldId id="268" r:id="rId13"/>
   </p:sldIdLst>
   <p:sldSz cx="9144000" cy="6858000" type="screen4x3"/>
   <p:notesSz cx="6858000" cy="9144000"/>
@@ -735,6 +736,125 @@
 </p:notes>
 </file>
 
+<file path=ppt/notesSlides/notesSlide10.xml><?xml version="1.0" encoding="utf-8"?>
+<p:notes xmlns:a="http://schemas.openxmlformats.org/drawingml/2006/main" xmlns:r="http://schemas.openxmlformats.org/officeDocument/2006/relationships" xmlns:p="http://schemas.openxmlformats.org/presentationml/2006/main">
+  <p:cSld>
+    <p:spTree>
+      <p:nvGrpSpPr>
+        <p:cNvPr id="1" name=""/>
+        <p:cNvGrpSpPr/>
+        <p:nvPr/>
+      </p:nvGrpSpPr>
+      <p:grpSpPr>
+        <a:xfrm>
+          <a:off x="0" y="0"/>
+          <a:ext cx="0" cy="0"/>
+          <a:chOff x="0" y="0"/>
+          <a:chExt cx="0" cy="0"/>
+        </a:xfrm>
+      </p:grpSpPr>
+      <p:sp>
+        <p:nvSpPr>
+          <p:cNvPr id="36866" name="Slide Image Placeholder 1"/>
+          <p:cNvSpPr>
+            <a:spLocks noGrp="1" noRot="1" noChangeAspect="1" noTextEdit="1"/>
+          </p:cNvSpPr>
+          <p:nvPr>
+            <p:ph type="sldImg"/>
+          </p:nvPr>
+        </p:nvSpPr>
+        <p:spPr bwMode="auto">
+          <a:noFill/>
+          <a:ln>
+            <a:solidFill>
+              <a:srgbClr val="000000"/>
+            </a:solidFill>
+            <a:miter lim="800000"/>
+            <a:headEnd/>
+            <a:tailEnd/>
+          </a:ln>
+        </p:spPr>
+      </p:sp>
+      <p:sp>
+        <p:nvSpPr>
+          <p:cNvPr id="36867" name="Notes Placeholder 2"/>
+          <p:cNvSpPr>
+            <a:spLocks noGrp="1"/>
+          </p:cNvSpPr>
+          <p:nvPr>
+            <p:ph type="body" idx="1"/>
+          </p:nvPr>
+        </p:nvSpPr>
+        <p:spPr bwMode="auto">
+          <a:noFill/>
+        </p:spPr>
+        <p:txBody>
+          <a:bodyPr wrap="square" numCol="1" anchor="t" anchorCtr="0" compatLnSpc="1">
+            <a:prstTxWarp prst="textNoShape">
+              <a:avLst/>
+            </a:prstTxWarp>
+          </a:bodyPr>
+          <a:lstStyle/>
+          <a:p>
+            <a:pPr>
+              <a:spcBef>
+                <a:spcPct val="0"/>
+              </a:spcBef>
+            </a:pPr>
+            <a:endParaRPr lang="en-US" smtClean="0"/>
+          </a:p>
+        </p:txBody>
+      </p:sp>
+      <p:sp>
+        <p:nvSpPr>
+          <p:cNvPr id="36868" name="Slide Number Placeholder 3"/>
+          <p:cNvSpPr txBox="1">
+            <a:spLocks noGrp="1"/>
+          </p:cNvSpPr>
+          <p:nvPr/>
+        </p:nvSpPr>
+        <p:spPr bwMode="auto">
+          <a:xfrm>
+            <a:off x="3884613" y="8685213"/>
+            <a:ext cx="2971800" cy="457200"/>
+          </a:xfrm>
+          <a:prstGeom prst="rect">
+            <a:avLst/>
+          </a:prstGeom>
+          <a:noFill/>
+          <a:ln w="9525">
+            <a:noFill/>
+            <a:miter lim="800000"/>
+            <a:headEnd/>
+            <a:tailEnd/>
+          </a:ln>
+        </p:spPr>
+        <p:txBody>
+          <a:bodyPr anchor="b"/>
+          <a:lstStyle/>
+          <a:p>
+            <a:pPr algn="r"/>
+            <a:fld id="{A1ADDF59-7DDF-49C6-AC9D-7CB8F2B4257F}" type="slidenum">
+              <a:rPr lang="en-US" sz="1200">
+                <a:latin typeface="Calibri" pitchFamily="34" charset="0"/>
+              </a:rPr>
+              <a:pPr algn="r"/>
+              <a:t>12</a:t>
+            </a:fld>
+            <a:endParaRPr lang="en-US" sz="1200">
+              <a:latin typeface="Calibri" pitchFamily="34" charset="0"/>
+            </a:endParaRPr>
+          </a:p>
+        </p:txBody>
+      </p:sp>
+    </p:spTree>
+  </p:cSld>
+  <p:clrMapOvr>
+    <a:masterClrMapping/>
+  </p:clrMapOvr>
+</p:notes>
+</file>
+
 <file path=ppt/notesSlides/notesSlide2.xml><?xml version="1.0" encoding="utf-8"?>
 <p:notes xmlns:a="http://schemas.openxmlformats.org/drawingml/2006/main" xmlns:r="http://schemas.openxmlformats.org/officeDocument/2006/relationships" xmlns:p="http://schemas.openxmlformats.org/presentationml/2006/main">
   <p:cSld>
@@ -1582,7 +1702,7 @@
       </p:grpSpPr>
       <p:sp>
         <p:nvSpPr>
-          <p:cNvPr id="36866" name="Slide Image Placeholder 1"/>
+          <p:cNvPr id="32770" name="Slide Image Placeholder 1"/>
           <p:cNvSpPr>
             <a:spLocks noGrp="1" noRot="1" noChangeAspect="1" noTextEdit="1"/>
           </p:cNvSpPr>
@@ -1604,7 +1724,7 @@
       </p:sp>
       <p:sp>
         <p:nvSpPr>
-          <p:cNvPr id="36867" name="Notes Placeholder 2"/>
+          <p:cNvPr id="32771" name="Notes Placeholder 2"/>
           <p:cNvSpPr>
             <a:spLocks noGrp="1"/>
           </p:cNvSpPr>
@@ -1627,6 +1747,21 @@
               <a:spcBef>
                 <a:spcPct val="0"/>
               </a:spcBef>
+              <a:buFontTx/>
+              <a:buChar char="-"/>
+            </a:pPr>
+            <a:r>
+              <a:rPr lang="en-US" smtClean="0"/>
+              <a:t>Mention Sub Toolbars In Demo</a:t>
+            </a:r>
+          </a:p>
+          <a:p>
+            <a:pPr>
+              <a:spcBef>
+                <a:spcPct val="0"/>
+              </a:spcBef>
+              <a:buFontTx/>
+              <a:buChar char="-"/>
             </a:pPr>
             <a:endParaRPr lang="en-US" smtClean="0"/>
           </a:p>
@@ -1634,7 +1769,7 @@
       </p:sp>
       <p:sp>
         <p:nvSpPr>
-          <p:cNvPr id="36868" name="Slide Number Placeholder 3"/>
+          <p:cNvPr id="32772" name="Slide Number Placeholder 3"/>
           <p:cNvSpPr txBox="1">
             <a:spLocks noGrp="1"/>
           </p:cNvSpPr>
@@ -1661,7 +1796,7 @@
           <a:lstStyle/>
           <a:p>
             <a:pPr algn="r"/>
-            <a:fld id="{A1ADDF59-7DDF-49C6-AC9D-7CB8F2B4257F}" type="slidenum">
+            <a:fld id="{79EC86BD-9C41-452C-B000-7F0F46315E70}" type="slidenum">
               <a:rPr lang="en-US" sz="1200">
                 <a:latin typeface="Calibri" pitchFamily="34" charset="0"/>
               </a:rPr>
@@ -6408,6 +6543,172 @@
           <a:p>
             <a:r>
               <a:rPr lang="en-US" b="1" dirty="0" smtClean="0"/>
+              <a:t>Challenges and Future Dev</a:t>
+            </a:r>
+            <a:endParaRPr lang="en-US" b="1" dirty="0" smtClean="0"/>
+          </a:p>
+        </p:txBody>
+      </p:sp>
+      <p:sp>
+        <p:nvSpPr>
+          <p:cNvPr id="35844" name="Content Placeholder 2"/>
+          <p:cNvSpPr>
+            <a:spLocks noGrp="1"/>
+          </p:cNvSpPr>
+          <p:nvPr>
+            <p:ph idx="4294967295"/>
+          </p:nvPr>
+        </p:nvSpPr>
+        <p:spPr>
+          <a:xfrm>
+            <a:off x="457200" y="1600200"/>
+            <a:ext cx="7848600" cy="5029200"/>
+          </a:xfrm>
+        </p:spPr>
+        <p:txBody>
+          <a:bodyPr/>
+          <a:lstStyle/>
+          <a:p>
+            <a:r>
+              <a:rPr lang="en-US" dirty="0" smtClean="0"/>
+              <a:t>Challenges</a:t>
+            </a:r>
+          </a:p>
+          <a:p>
+            <a:pPr lvl="1"/>
+            <a:r>
+              <a:rPr lang="en-US" dirty="0" smtClean="0"/>
+              <a:t>Web Content (Pop-ups</a:t>
+            </a:r>
+            <a:r>
+              <a:rPr lang="en-US" dirty="0" smtClean="0"/>
+              <a:t>, </a:t>
+            </a:r>
+            <a:r>
+              <a:rPr lang="en-US" dirty="0" smtClean="0"/>
+              <a:t>AJAX, Constantly Changing Web Design)</a:t>
+            </a:r>
+            <a:endParaRPr lang="en-US" dirty="0" smtClean="0"/>
+          </a:p>
+          <a:p>
+            <a:pPr lvl="1"/>
+            <a:r>
+              <a:rPr lang="en-US" dirty="0" smtClean="0"/>
+              <a:t>Usability (Simplicity versus Functionality)</a:t>
+            </a:r>
+          </a:p>
+          <a:p>
+            <a:pPr lvl="1"/>
+            <a:r>
+              <a:rPr lang="en-US" dirty="0" smtClean="0"/>
+              <a:t>Interesting Quirks (Removing Preferences)</a:t>
+            </a:r>
+            <a:endParaRPr lang="en-US" dirty="0" smtClean="0"/>
+          </a:p>
+          <a:p>
+            <a:r>
+              <a:rPr lang="en-US" dirty="0" smtClean="0"/>
+              <a:t>Future Development</a:t>
+            </a:r>
+          </a:p>
+          <a:p>
+            <a:pPr lvl="1"/>
+            <a:r>
+              <a:rPr lang="en-US" dirty="0" smtClean="0"/>
+              <a:t>Power of Extensions</a:t>
+            </a:r>
+          </a:p>
+          <a:p>
+            <a:pPr lvl="1"/>
+            <a:r>
+              <a:rPr lang="en-US" dirty="0" smtClean="0"/>
+              <a:t>Sound Interface, Screen Readers, etc.</a:t>
+            </a:r>
+            <a:endParaRPr lang="en-US" dirty="0" smtClean="0"/>
+          </a:p>
+        </p:txBody>
+      </p:sp>
+    </p:spTree>
+  </p:cSld>
+  <p:clrMapOvr>
+    <a:masterClrMapping/>
+  </p:clrMapOvr>
+  <p:timing>
+    <p:tnLst>
+      <p:par>
+        <p:cTn id="1" dur="indefinite" restart="never" nodeType="tmRoot"/>
+      </p:par>
+    </p:tnLst>
+  </p:timing>
+</p:sld>
+</file>
+
+<file path=ppt/slides/slide12.xml><?xml version="1.0" encoding="utf-8"?>
+<p:sld xmlns:a="http://schemas.openxmlformats.org/drawingml/2006/main" xmlns:r="http://schemas.openxmlformats.org/officeDocument/2006/relationships" xmlns:p="http://schemas.openxmlformats.org/presentationml/2006/main">
+  <p:cSld>
+    <p:spTree>
+      <p:nvGrpSpPr>
+        <p:cNvPr id="1" name=""/>
+        <p:cNvGrpSpPr/>
+        <p:nvPr/>
+      </p:nvGrpSpPr>
+      <p:grpSpPr>
+        <a:xfrm>
+          <a:off x="0" y="0"/>
+          <a:ext cx="0" cy="0"/>
+          <a:chOff x="0" y="0"/>
+          <a:chExt cx="0" cy="0"/>
+        </a:xfrm>
+      </p:grpSpPr>
+      <p:pic>
+        <p:nvPicPr>
+          <p:cNvPr id="35842" name="Picture 4" descr="hawk2.png"/>
+          <p:cNvPicPr>
+            <a:picLocks noChangeAspect="1"/>
+          </p:cNvPicPr>
+          <p:nvPr/>
+        </p:nvPicPr>
+        <p:blipFill>
+          <a:blip r:embed="rId3"/>
+          <a:srcRect/>
+          <a:stretch>
+            <a:fillRect/>
+          </a:stretch>
+        </p:blipFill>
+        <p:spPr bwMode="auto">
+          <a:xfrm>
+            <a:off x="1397000" y="361950"/>
+            <a:ext cx="6350000" cy="6134100"/>
+          </a:xfrm>
+          <a:prstGeom prst="rect">
+            <a:avLst/>
+          </a:prstGeom>
+          <a:noFill/>
+          <a:ln w="9525">
+            <a:noFill/>
+            <a:miter lim="800000"/>
+            <a:headEnd/>
+            <a:tailEnd/>
+          </a:ln>
+        </p:spPr>
+      </p:pic>
+      <p:sp>
+        <p:nvSpPr>
+          <p:cNvPr id="35843" name="Title 1"/>
+          <p:cNvSpPr>
+            <a:spLocks noGrp="1"/>
+          </p:cNvSpPr>
+          <p:nvPr>
+            <p:ph type="title" idx="4294967295"/>
+          </p:nvPr>
+        </p:nvSpPr>
+        <p:spPr/>
+        <p:txBody>
+          <a:bodyPr/>
+          <a:lstStyle/>
+          <a:p>
+            <a:r>
+              <a:rPr lang="en-US" b="1" dirty="0" smtClean="0"/>
               <a:t>Reflections</a:t>
             </a:r>
             <a:endParaRPr lang="en-US" b="1" dirty="0" smtClean="0"/>
@@ -7676,7 +7977,7 @@
       </p:grpSpPr>
       <p:pic>
         <p:nvPicPr>
-          <p:cNvPr id="35842" name="Picture 4" descr="hawk2.png"/>
+          <p:cNvPr id="31746" name="Picture 3" descr="hawk2.png"/>
           <p:cNvPicPr>
             <a:picLocks noChangeAspect="1"/>
           </p:cNvPicPr>
@@ -7708,7 +8009,7 @@
       </p:pic>
       <p:sp>
         <p:nvSpPr>
-          <p:cNvPr id="35843" name="Title 1"/>
+          <p:cNvPr id="2" name="Title 1"/>
           <p:cNvSpPr>
             <a:spLocks noGrp="1"/>
           </p:cNvSpPr>
@@ -7718,20 +8019,44 @@
         </p:nvSpPr>
         <p:spPr/>
         <p:txBody>
-          <a:bodyPr/>
+          <a:bodyPr>
+            <a:normAutofit/>
+          </a:bodyPr>
           <a:lstStyle/>
           <a:p>
-            <a:r>
-              <a:rPr lang="en-US" b="1" dirty="0" smtClean="0"/>
-              <a:t>Current Challenges</a:t>
-            </a:r>
-            <a:endParaRPr lang="en-US" b="1" dirty="0" smtClean="0"/>
-          </a:p>
-        </p:txBody>
-      </p:sp>
-      <p:sp>
-        <p:nvSpPr>
-          <p:cNvPr id="35844" name="Content Placeholder 2"/>
+            <a:pPr fontAlgn="auto">
+              <a:spcAft>
+                <a:spcPts val="0"/>
+              </a:spcAft>
+              <a:defRPr/>
+            </a:pPr>
+            <a:r>
+              <a:rPr lang="en-US" b="1" dirty="0" smtClean="0">
+                <a:effectLst>
+                  <a:outerShdw blurRad="38100" dist="38100" dir="2700000" algn="tl">
+                    <a:srgbClr val="000000">
+                      <a:alpha val="43137"/>
+                    </a:srgbClr>
+                  </a:outerShdw>
+                </a:effectLst>
+              </a:rPr>
+              <a:t>Essential Components</a:t>
+            </a:r>
+            <a:endParaRPr lang="en-US" sz="2700" b="1" dirty="0">
+              <a:effectLst>
+                <a:outerShdw blurRad="38100" dist="38100" dir="2700000" algn="tl">
+                  <a:srgbClr val="000000">
+                    <a:alpha val="43137"/>
+                  </a:srgbClr>
+                </a:outerShdw>
+              </a:effectLst>
+            </a:endParaRPr>
+          </a:p>
+        </p:txBody>
+      </p:sp>
+      <p:sp>
+        <p:nvSpPr>
+          <p:cNvPr id="3" name="Content Placeholder 2"/>
           <p:cNvSpPr>
             <a:spLocks noGrp="1"/>
           </p:cNvSpPr>
@@ -7742,59 +8067,44 @@
         <p:spPr>
           <a:xfrm>
             <a:off x="457200" y="1600200"/>
-            <a:ext cx="7848600" cy="5029200"/>
+            <a:ext cx="7924800" cy="4953000"/>
           </a:xfrm>
         </p:spPr>
         <p:txBody>
-          <a:bodyPr/>
+          <a:bodyPr>
+            <a:normAutofit/>
+          </a:bodyPr>
           <a:lstStyle/>
           <a:p>
             <a:r>
-              <a:rPr lang="en-US" dirty="0" smtClean="0"/>
-              <a:t>Web Content</a:t>
-            </a:r>
-          </a:p>
-          <a:p>
-            <a:pPr lvl="1"/>
-            <a:r>
-              <a:rPr lang="en-US" dirty="0" smtClean="0"/>
-              <a:t>Pop-ups</a:t>
-            </a:r>
-            <a:r>
-              <a:rPr lang="en-US" dirty="0" smtClean="0"/>
-              <a:t>, </a:t>
-            </a:r>
-            <a:r>
-              <a:rPr lang="en-US" dirty="0" smtClean="0"/>
-              <a:t>AJAX pages</a:t>
-            </a:r>
-            <a:endParaRPr lang="en-US" dirty="0" smtClean="0"/>
-          </a:p>
-          <a:p>
-            <a:pPr lvl="1"/>
-            <a:r>
-              <a:rPr lang="en-US" dirty="0" smtClean="0"/>
-              <a:t>Constant </a:t>
-            </a:r>
-            <a:r>
-              <a:rPr lang="en-US" dirty="0" smtClean="0"/>
-              <a:t>Change</a:t>
-            </a:r>
-          </a:p>
-          <a:p>
-            <a:r>
-              <a:rPr lang="en-US" dirty="0" smtClean="0"/>
-              <a:t>Usability</a:t>
-            </a:r>
-            <a:endParaRPr lang="en-US" dirty="0" smtClean="0"/>
-          </a:p>
-          <a:p>
-            <a:pPr lvl="1"/>
-            <a:r>
-              <a:rPr lang="en-US" dirty="0" smtClean="0"/>
-              <a:t>Simplicity versus Functionality</a:t>
-            </a:r>
-            <a:endParaRPr lang="en-US" dirty="0" smtClean="0"/>
+              <a:rPr lang="en-US" sz="3200" dirty="0" smtClean="0"/>
+              <a:t>Event Capturing</a:t>
+            </a:r>
+          </a:p>
+          <a:p>
+            <a:r>
+              <a:rPr lang="en-US" sz="3200" dirty="0" smtClean="0"/>
+              <a:t>Highlighting</a:t>
+            </a:r>
+          </a:p>
+          <a:p>
+            <a:r>
+              <a:rPr lang="en-US" sz="3200" dirty="0" smtClean="0"/>
+              <a:t>Surf Mode</a:t>
+            </a:r>
+          </a:p>
+          <a:p>
+            <a:r>
+              <a:rPr lang="en-US" sz="3200" dirty="0" smtClean="0"/>
+              <a:t>Auto Mode</a:t>
+            </a:r>
+          </a:p>
+          <a:p>
+            <a:r>
+              <a:rPr lang="en-US" sz="3200" dirty="0" smtClean="0"/>
+              <a:t>Sound Manager</a:t>
+            </a:r>
+            <a:endParaRPr lang="en-US" sz="3200" dirty="0" smtClean="0"/>
           </a:p>
         </p:txBody>
       </p:sp>
